--- a/适配器模式.pptx
+++ b/适配器模式.pptx
@@ -4724,14 +4724,7 @@
                 <a:cs typeface="+mn-ea"/>
                 <a:sym typeface="+mn-lt"/>
               </a:rPr>
-              <a:t>人</a:t>
-            </a:r>
-            <a:r>
-              <a:rPr lang="zh-CN" altLang="en-US" sz="1600" dirty="0" smtClean="0">
-                <a:cs typeface="+mn-ea"/>
-                <a:sym typeface="+mn-lt"/>
-              </a:rPr>
-              <a:t>：陈德斌</a:t>
+              <a:t>人：陈德斌</a:t>
             </a:r>
             <a:endParaRPr lang="zh-CN" altLang="en-US" sz="1600" dirty="0">
               <a:cs typeface="+mn-ea"/>
@@ -10947,11 +10940,6 @@
                   </a:rPr>
                   <a:t>缺点</a:t>
                 </a:r>
-                <a:endParaRPr lang="zh-CN" altLang="en-US" sz="2000" b="1" dirty="0">
-                  <a:solidFill>
-                    <a:schemeClr val="accent4"/>
-                  </a:solidFill>
-                </a:endParaRPr>
               </a:p>
             </p:txBody>
           </p:sp>
@@ -12220,14 +12208,7 @@
                 <a:cs typeface="+mn-ea"/>
                 <a:sym typeface="+mn-lt"/>
               </a:rPr>
-              <a:t>人</a:t>
-            </a:r>
-            <a:r>
-              <a:rPr lang="zh-CN" altLang="en-US" sz="1600" dirty="0" smtClean="0">
-                <a:cs typeface="+mn-ea"/>
-                <a:sym typeface="+mn-lt"/>
-              </a:rPr>
-              <a:t>：陈德斌</a:t>
+              <a:t>人：陈德斌</a:t>
             </a:r>
             <a:endParaRPr lang="zh-CN" altLang="en-US" sz="1600" dirty="0">
               <a:cs typeface="+mn-ea"/>
@@ -16385,59 +16366,6 @@
       </p:sp>
       <p:sp>
         <p:nvSpPr>
-          <p:cNvPr id="8" name="矩形 7"/>
-          <p:cNvSpPr/>
-          <p:nvPr/>
-        </p:nvSpPr>
-        <p:spPr>
-          <a:xfrm>
-            <a:off x="0" y="1356469"/>
-            <a:ext cx="12192000" cy="3042787"/>
-          </a:xfrm>
-          <a:prstGeom prst="rect">
-            <a:avLst/>
-          </a:prstGeom>
-          <a:solidFill>
-            <a:schemeClr val="bg1">
-              <a:alpha val="80000"/>
-            </a:schemeClr>
-          </a:solidFill>
-          <a:ln>
-            <a:solidFill>
-              <a:srgbClr val="B1B3C1"/>
-            </a:solidFill>
-          </a:ln>
-        </p:spPr>
-        <p:style>
-          <a:lnRef idx="2">
-            <a:schemeClr val="accent1">
-              <a:shade val="50000"/>
-            </a:schemeClr>
-          </a:lnRef>
-          <a:fillRef idx="1">
-            <a:schemeClr val="accent1"/>
-          </a:fillRef>
-          <a:effectRef idx="0">
-            <a:schemeClr val="accent1"/>
-          </a:effectRef>
-          <a:fontRef idx="minor">
-            <a:schemeClr val="lt1"/>
-          </a:fontRef>
-        </p:style>
-        <p:txBody>
-          <a:bodyPr rtlCol="0" anchor="ctr"/>
-          <a:lstStyle/>
-          <a:p>
-            <a:pPr algn="ctr"/>
-            <a:endParaRPr lang="zh-CN" altLang="en-US">
-              <a:cs typeface="+mn-ea"/>
-              <a:sym typeface="+mn-lt"/>
-            </a:endParaRPr>
-          </a:p>
-        </p:txBody>
-      </p:sp>
-      <p:sp>
-        <p:nvSpPr>
           <p:cNvPr id="6" name="文本框 5"/>
           <p:cNvSpPr txBox="1"/>
           <p:nvPr/>
@@ -16502,59 +16430,6 @@
       </p:sp>
       <p:sp>
         <p:nvSpPr>
-          <p:cNvPr id="10" name="矩形 9"/>
-          <p:cNvSpPr/>
-          <p:nvPr/>
-        </p:nvSpPr>
-        <p:spPr>
-          <a:xfrm>
-            <a:off x="0" y="4736576"/>
-            <a:ext cx="12192000" cy="1694156"/>
-          </a:xfrm>
-          <a:prstGeom prst="rect">
-            <a:avLst/>
-          </a:prstGeom>
-          <a:solidFill>
-            <a:schemeClr val="bg1">
-              <a:alpha val="80000"/>
-            </a:schemeClr>
-          </a:solidFill>
-          <a:ln>
-            <a:solidFill>
-              <a:srgbClr val="B1B3C1"/>
-            </a:solidFill>
-          </a:ln>
-        </p:spPr>
-        <p:style>
-          <a:lnRef idx="2">
-            <a:schemeClr val="accent1">
-              <a:shade val="50000"/>
-            </a:schemeClr>
-          </a:lnRef>
-          <a:fillRef idx="1">
-            <a:schemeClr val="accent1"/>
-          </a:fillRef>
-          <a:effectRef idx="0">
-            <a:schemeClr val="accent1"/>
-          </a:effectRef>
-          <a:fontRef idx="minor">
-            <a:schemeClr val="lt1"/>
-          </a:fontRef>
-        </p:style>
-        <p:txBody>
-          <a:bodyPr rtlCol="0" anchor="ctr"/>
-          <a:lstStyle/>
-          <a:p>
-            <a:pPr algn="ctr"/>
-            <a:endParaRPr lang="zh-CN" altLang="en-US">
-              <a:cs typeface="+mn-ea"/>
-              <a:sym typeface="+mn-lt"/>
-            </a:endParaRPr>
-          </a:p>
-        </p:txBody>
-      </p:sp>
-      <p:sp>
-        <p:nvSpPr>
           <p:cNvPr id="7" name="文本框 6"/>
           <p:cNvSpPr txBox="1"/>
           <p:nvPr/>
@@ -16620,142 +16495,9 @@
   <p:timing>
     <p:tnLst>
       <p:par>
-        <p:cTn id="1" dur="indefinite" restart="never" nodeType="tmRoot">
-          <p:childTnLst>
-            <p:seq concurrent="1" nextAc="seek">
-              <p:cTn id="2" dur="indefinite" nodeType="mainSeq">
-                <p:childTnLst>
-                  <p:par>
-                    <p:cTn id="3" fill="hold">
-                      <p:stCondLst>
-                        <p:cond delay="indefinite"/>
-                      </p:stCondLst>
-                      <p:childTnLst>
-                        <p:par>
-                          <p:cTn id="4" fill="hold">
-                            <p:stCondLst>
-                              <p:cond delay="0"/>
-                            </p:stCondLst>
-                            <p:childTnLst>
-                              <p:par>
-                                <p:cTn id="5" presetID="16" presetClass="entr" presetSubtype="37" fill="hold" grpId="0" nodeType="clickEffect">
-                                  <p:stCondLst>
-                                    <p:cond delay="0"/>
-                                  </p:stCondLst>
-                                  <p:childTnLst>
-                                    <p:set>
-                                      <p:cBhvr>
-                                        <p:cTn id="6" dur="1" fill="hold">
-                                          <p:stCondLst>
-                                            <p:cond delay="0"/>
-                                          </p:stCondLst>
-                                        </p:cTn>
-                                        <p:tgtEl>
-                                          <p:spTgt spid="8"/>
-                                        </p:tgtEl>
-                                        <p:attrNameLst>
-                                          <p:attrName>style.visibility</p:attrName>
-                                        </p:attrNameLst>
-                                      </p:cBhvr>
-                                      <p:to>
-                                        <p:strVal val="visible"/>
-                                      </p:to>
-                                    </p:set>
-                                    <p:animEffect transition="in" filter="barn(outVertical)">
-                                      <p:cBhvr>
-                                        <p:cTn id="7" dur="500"/>
-                                        <p:tgtEl>
-                                          <p:spTgt spid="8"/>
-                                        </p:tgtEl>
-                                      </p:cBhvr>
-                                    </p:animEffect>
-                                  </p:childTnLst>
-                                </p:cTn>
-                              </p:par>
-                            </p:childTnLst>
-                          </p:cTn>
-                        </p:par>
-                      </p:childTnLst>
-                    </p:cTn>
-                  </p:par>
-                  <p:par>
-                    <p:cTn id="8" fill="hold">
-                      <p:stCondLst>
-                        <p:cond delay="indefinite"/>
-                      </p:stCondLst>
-                      <p:childTnLst>
-                        <p:par>
-                          <p:cTn id="9" fill="hold">
-                            <p:stCondLst>
-                              <p:cond delay="0"/>
-                            </p:stCondLst>
-                            <p:childTnLst>
-                              <p:par>
-                                <p:cTn id="10" presetID="16" presetClass="entr" presetSubtype="37" fill="hold" grpId="0" nodeType="clickEffect">
-                                  <p:stCondLst>
-                                    <p:cond delay="0"/>
-                                  </p:stCondLst>
-                                  <p:childTnLst>
-                                    <p:set>
-                                      <p:cBhvr>
-                                        <p:cTn id="11" dur="1" fill="hold">
-                                          <p:stCondLst>
-                                            <p:cond delay="0"/>
-                                          </p:stCondLst>
-                                        </p:cTn>
-                                        <p:tgtEl>
-                                          <p:spTgt spid="10"/>
-                                        </p:tgtEl>
-                                        <p:attrNameLst>
-                                          <p:attrName>style.visibility</p:attrName>
-                                        </p:attrNameLst>
-                                      </p:cBhvr>
-                                      <p:to>
-                                        <p:strVal val="visible"/>
-                                      </p:to>
-                                    </p:set>
-                                    <p:animEffect transition="in" filter="barn(outVertical)">
-                                      <p:cBhvr>
-                                        <p:cTn id="12" dur="500"/>
-                                        <p:tgtEl>
-                                          <p:spTgt spid="10"/>
-                                        </p:tgtEl>
-                                      </p:cBhvr>
-                                    </p:animEffect>
-                                  </p:childTnLst>
-                                </p:cTn>
-                              </p:par>
-                            </p:childTnLst>
-                          </p:cTn>
-                        </p:par>
-                      </p:childTnLst>
-                    </p:cTn>
-                  </p:par>
-                </p:childTnLst>
-              </p:cTn>
-              <p:prevCondLst>
-                <p:cond evt="onPrev" delay="0">
-                  <p:tgtEl>
-                    <p:sldTgt/>
-                  </p:tgtEl>
-                </p:cond>
-              </p:prevCondLst>
-              <p:nextCondLst>
-                <p:cond evt="onNext" delay="0">
-                  <p:tgtEl>
-                    <p:sldTgt/>
-                  </p:tgtEl>
-                </p:cond>
-              </p:nextCondLst>
-            </p:seq>
-          </p:childTnLst>
-        </p:cTn>
+        <p:cTn id="1" dur="indefinite" restart="never" nodeType="tmRoot"/>
       </p:par>
     </p:tnLst>
-    <p:bldLst>
-      <p:bldP spid="8" grpId="0" animBg="1"/>
-      <p:bldP spid="10" grpId="0" animBg="1"/>
-    </p:bldLst>
   </p:timing>
 </p:sld>
 </file>
@@ -17253,10 +16995,6 @@
               </a:rPr>
               <a:t>实现代码</a:t>
             </a:r>
-            <a:endParaRPr lang="zh-CN" altLang="en-US" sz="3200" spc="600" dirty="0">
-              <a:cs typeface="+mn-ea"/>
-              <a:sym typeface="+mn-lt"/>
-            </a:endParaRPr>
           </a:p>
         </p:txBody>
       </p:sp>

--- a/适配器模式.pptx
+++ b/适配器模式.pptx
@@ -11,16 +11,16 @@
     <p:sldId id="256" r:id="rId2"/>
     <p:sldId id="260" r:id="rId3"/>
     <p:sldId id="261" r:id="rId4"/>
-    <p:sldId id="282" r:id="rId5"/>
+    <p:sldId id="286" r:id="rId5"/>
     <p:sldId id="263" r:id="rId6"/>
-    <p:sldId id="268" r:id="rId7"/>
+    <p:sldId id="287" r:id="rId7"/>
     <p:sldId id="284" r:id="rId8"/>
     <p:sldId id="283" r:id="rId9"/>
     <p:sldId id="274" r:id="rId10"/>
     <p:sldId id="262" r:id="rId11"/>
     <p:sldId id="272" r:id="rId12"/>
     <p:sldId id="259" r:id="rId13"/>
-    <p:sldId id="265" r:id="rId14"/>
+    <p:sldId id="285" r:id="rId14"/>
     <p:sldId id="257" r:id="rId15"/>
   </p:sldIdLst>
   <p:sldSz cx="12192000" cy="6858000"/>
@@ -224,7 +224,7 @@
           <a:p>
             <a:fld id="{C102FA59-A30F-4479-892A-6405E9F0ED52}" type="datetimeFigureOut">
               <a:rPr lang="zh-CN" altLang="en-US" smtClean="0"/>
-              <a:t>2019/4/8</a:t>
+              <a:t>2019/4/10</a:t>
             </a:fld>
             <a:endParaRPr lang="zh-CN" altLang="en-US"/>
           </a:p>
@@ -891,18 +891,78 @@
           <a:bodyPr/>
           <a:lstStyle/>
           <a:p>
+            <a:pPr marL="0" marR="0" lvl="0" indent="0" algn="r" defTabSz="914400" rtl="0" eaLnBrk="1" fontAlgn="auto" latinLnBrk="0" hangingPunct="1">
+              <a:lnSpc>
+                <a:spcPct val="100000"/>
+              </a:lnSpc>
+              <a:spcBef>
+                <a:spcPts val="0"/>
+              </a:spcBef>
+              <a:spcAft>
+                <a:spcPts val="0"/>
+              </a:spcAft>
+              <a:buClrTx/>
+              <a:buSzTx/>
+              <a:buFontTx/>
+              <a:buNone/>
+              <a:tabLst/>
+              <a:defRPr/>
+            </a:pPr>
             <a:fld id="{41CAD509-40CA-4FE7-ACB5-6A190A1C4596}" type="slidenum">
-              <a:rPr lang="zh-CN" altLang="en-US" smtClean="0"/>
+              <a:rPr kumimoji="0" lang="zh-CN" altLang="en-US" sz="1200" b="0" i="0" u="none" strike="noStrike" kern="1200" cap="none" spc="0" normalizeH="0" baseline="0" noProof="0" smtClean="0">
+                <a:ln>
+                  <a:noFill/>
+                </a:ln>
+                <a:solidFill>
+                  <a:prstClr val="black"/>
+                </a:solidFill>
+                <a:effectLst/>
+                <a:uLnTx/>
+                <a:uFillTx/>
+                <a:latin typeface="等线" panose="020F0502020204030204"/>
+                <a:ea typeface="等线" panose="02010600030101010101" pitchFamily="2" charset="-122"/>
+                <a:cs typeface="+mn-cs"/>
+              </a:rPr>
+              <a:pPr marL="0" marR="0" lvl="0" indent="0" algn="r" defTabSz="914400" rtl="0" eaLnBrk="1" fontAlgn="auto" latinLnBrk="0" hangingPunct="1">
+                <a:lnSpc>
+                  <a:spcPct val="100000"/>
+                </a:lnSpc>
+                <a:spcBef>
+                  <a:spcPts val="0"/>
+                </a:spcBef>
+                <a:spcAft>
+                  <a:spcPts val="0"/>
+                </a:spcAft>
+                <a:buClrTx/>
+                <a:buSzTx/>
+                <a:buFontTx/>
+                <a:buNone/>
+                <a:tabLst/>
+                <a:defRPr/>
+              </a:pPr>
               <a:t>13</a:t>
             </a:fld>
-            <a:endParaRPr lang="zh-CN" altLang="en-US"/>
+            <a:endParaRPr kumimoji="0" lang="zh-CN" altLang="en-US" sz="1200" b="0" i="0" u="none" strike="noStrike" kern="1200" cap="none" spc="0" normalizeH="0" baseline="0" noProof="0">
+              <a:ln>
+                <a:noFill/>
+              </a:ln>
+              <a:solidFill>
+                <a:prstClr val="black"/>
+              </a:solidFill>
+              <a:effectLst/>
+              <a:uLnTx/>
+              <a:uFillTx/>
+              <a:latin typeface="等线" panose="020F0502020204030204"/>
+              <a:ea typeface="等线" panose="02010600030101010101" pitchFamily="2" charset="-122"/>
+              <a:cs typeface="+mn-cs"/>
+            </a:endParaRPr>
           </a:p>
         </p:txBody>
       </p:sp>
     </p:spTree>
     <p:extLst>
       <p:ext uri="{BB962C8B-B14F-4D97-AF65-F5344CB8AC3E}">
-        <p14:creationId xmlns:p14="http://schemas.microsoft.com/office/powerpoint/2010/main" val="75309364"/>
+        <p14:creationId xmlns:p14="http://schemas.microsoft.com/office/powerpoint/2010/main" val="1495153331"/>
       </p:ext>
     </p:extLst>
   </p:cSld>
@@ -1227,18 +1287,78 @@
           <a:bodyPr/>
           <a:lstStyle/>
           <a:p>
+            <a:pPr marL="0" marR="0" lvl="0" indent="0" algn="r" defTabSz="914400" rtl="0" eaLnBrk="1" fontAlgn="auto" latinLnBrk="0" hangingPunct="1">
+              <a:lnSpc>
+                <a:spcPct val="100000"/>
+              </a:lnSpc>
+              <a:spcBef>
+                <a:spcPts val="0"/>
+              </a:spcBef>
+              <a:spcAft>
+                <a:spcPts val="0"/>
+              </a:spcAft>
+              <a:buClrTx/>
+              <a:buSzTx/>
+              <a:buFontTx/>
+              <a:buNone/>
+              <a:tabLst/>
+              <a:defRPr/>
+            </a:pPr>
             <a:fld id="{41CAD509-40CA-4FE7-ACB5-6A190A1C4596}" type="slidenum">
-              <a:rPr lang="zh-CN" altLang="en-US" smtClean="0"/>
+              <a:rPr kumimoji="0" lang="zh-CN" altLang="en-US" sz="1200" b="0" i="0" u="none" strike="noStrike" kern="1200" cap="none" spc="0" normalizeH="0" baseline="0" noProof="0" smtClean="0">
+                <a:ln>
+                  <a:noFill/>
+                </a:ln>
+                <a:solidFill>
+                  <a:prstClr val="black"/>
+                </a:solidFill>
+                <a:effectLst/>
+                <a:uLnTx/>
+                <a:uFillTx/>
+                <a:latin typeface="等线" panose="020F0502020204030204"/>
+                <a:ea typeface="等线" panose="02010600030101010101" pitchFamily="2" charset="-122"/>
+                <a:cs typeface="+mn-cs"/>
+              </a:rPr>
+              <a:pPr marL="0" marR="0" lvl="0" indent="0" algn="r" defTabSz="914400" rtl="0" eaLnBrk="1" fontAlgn="auto" latinLnBrk="0" hangingPunct="1">
+                <a:lnSpc>
+                  <a:spcPct val="100000"/>
+                </a:lnSpc>
+                <a:spcBef>
+                  <a:spcPts val="0"/>
+                </a:spcBef>
+                <a:spcAft>
+                  <a:spcPts val="0"/>
+                </a:spcAft>
+                <a:buClrTx/>
+                <a:buSzTx/>
+                <a:buFontTx/>
+                <a:buNone/>
+                <a:tabLst/>
+                <a:defRPr/>
+              </a:pPr>
               <a:t>4</a:t>
             </a:fld>
-            <a:endParaRPr lang="zh-CN" altLang="en-US"/>
+            <a:endParaRPr kumimoji="0" lang="zh-CN" altLang="en-US" sz="1200" b="0" i="0" u="none" strike="noStrike" kern="1200" cap="none" spc="0" normalizeH="0" baseline="0" noProof="0">
+              <a:ln>
+                <a:noFill/>
+              </a:ln>
+              <a:solidFill>
+                <a:prstClr val="black"/>
+              </a:solidFill>
+              <a:effectLst/>
+              <a:uLnTx/>
+              <a:uFillTx/>
+              <a:latin typeface="等线" panose="020F0502020204030204"/>
+              <a:ea typeface="等线" panose="02010600030101010101" pitchFamily="2" charset="-122"/>
+              <a:cs typeface="+mn-cs"/>
+            </a:endParaRPr>
           </a:p>
         </p:txBody>
       </p:sp>
     </p:spTree>
     <p:extLst>
       <p:ext uri="{BB962C8B-B14F-4D97-AF65-F5344CB8AC3E}">
-        <p14:creationId xmlns:p14="http://schemas.microsoft.com/office/powerpoint/2010/main" val="2318070964"/>
+        <p14:creationId xmlns:p14="http://schemas.microsoft.com/office/powerpoint/2010/main" val="2004039808"/>
       </p:ext>
     </p:extLst>
   </p:cSld>
@@ -1395,18 +1515,78 @@
           <a:bodyPr/>
           <a:lstStyle/>
           <a:p>
+            <a:pPr marL="0" marR="0" lvl="0" indent="0" algn="r" defTabSz="914400" rtl="0" eaLnBrk="1" fontAlgn="auto" latinLnBrk="0" hangingPunct="1">
+              <a:lnSpc>
+                <a:spcPct val="100000"/>
+              </a:lnSpc>
+              <a:spcBef>
+                <a:spcPts val="0"/>
+              </a:spcBef>
+              <a:spcAft>
+                <a:spcPts val="0"/>
+              </a:spcAft>
+              <a:buClrTx/>
+              <a:buSzTx/>
+              <a:buFontTx/>
+              <a:buNone/>
+              <a:tabLst/>
+              <a:defRPr/>
+            </a:pPr>
             <a:fld id="{41CAD509-40CA-4FE7-ACB5-6A190A1C4596}" type="slidenum">
-              <a:rPr lang="zh-CN" altLang="en-US" smtClean="0"/>
+              <a:rPr kumimoji="0" lang="zh-CN" altLang="en-US" sz="1200" b="0" i="0" u="none" strike="noStrike" kern="1200" cap="none" spc="0" normalizeH="0" baseline="0" noProof="0" smtClean="0">
+                <a:ln>
+                  <a:noFill/>
+                </a:ln>
+                <a:solidFill>
+                  <a:prstClr val="black"/>
+                </a:solidFill>
+                <a:effectLst/>
+                <a:uLnTx/>
+                <a:uFillTx/>
+                <a:latin typeface="等线" panose="020F0502020204030204"/>
+                <a:ea typeface="等线" panose="02010600030101010101" pitchFamily="2" charset="-122"/>
+                <a:cs typeface="+mn-cs"/>
+              </a:rPr>
+              <a:pPr marL="0" marR="0" lvl="0" indent="0" algn="r" defTabSz="914400" rtl="0" eaLnBrk="1" fontAlgn="auto" latinLnBrk="0" hangingPunct="1">
+                <a:lnSpc>
+                  <a:spcPct val="100000"/>
+                </a:lnSpc>
+                <a:spcBef>
+                  <a:spcPts val="0"/>
+                </a:spcBef>
+                <a:spcAft>
+                  <a:spcPts val="0"/>
+                </a:spcAft>
+                <a:buClrTx/>
+                <a:buSzTx/>
+                <a:buFontTx/>
+                <a:buNone/>
+                <a:tabLst/>
+                <a:defRPr/>
+              </a:pPr>
               <a:t>6</a:t>
             </a:fld>
-            <a:endParaRPr lang="zh-CN" altLang="en-US"/>
+            <a:endParaRPr kumimoji="0" lang="zh-CN" altLang="en-US" sz="1200" b="0" i="0" u="none" strike="noStrike" kern="1200" cap="none" spc="0" normalizeH="0" baseline="0" noProof="0">
+              <a:ln>
+                <a:noFill/>
+              </a:ln>
+              <a:solidFill>
+                <a:prstClr val="black"/>
+              </a:solidFill>
+              <a:effectLst/>
+              <a:uLnTx/>
+              <a:uFillTx/>
+              <a:latin typeface="等线" panose="020F0502020204030204"/>
+              <a:ea typeface="等线" panose="02010600030101010101" pitchFamily="2" charset="-122"/>
+              <a:cs typeface="+mn-cs"/>
+            </a:endParaRPr>
           </a:p>
         </p:txBody>
       </p:sp>
     </p:spTree>
     <p:extLst>
       <p:ext uri="{BB962C8B-B14F-4D97-AF65-F5344CB8AC3E}">
-        <p14:creationId xmlns:p14="http://schemas.microsoft.com/office/powerpoint/2010/main" val="4070915253"/>
+        <p14:creationId xmlns:p14="http://schemas.microsoft.com/office/powerpoint/2010/main" val="3435153298"/>
       </p:ext>
     </p:extLst>
   </p:cSld>
@@ -1799,7 +1979,7 @@
           <a:p>
             <a:fld id="{75DDF7E9-6F40-4E98-A59E-FA7E711FA743}" type="datetimeFigureOut">
               <a:rPr lang="zh-CN" altLang="en-US" smtClean="0"/>
-              <a:t>2019/4/8</a:t>
+              <a:t>2019/4/10</a:t>
             </a:fld>
             <a:endParaRPr lang="zh-CN" altLang="en-US"/>
           </a:p>
@@ -1969,7 +2149,7 @@
           <a:p>
             <a:fld id="{75DDF7E9-6F40-4E98-A59E-FA7E711FA743}" type="datetimeFigureOut">
               <a:rPr lang="zh-CN" altLang="en-US" smtClean="0"/>
-              <a:t>2019/4/8</a:t>
+              <a:t>2019/4/10</a:t>
             </a:fld>
             <a:endParaRPr lang="zh-CN" altLang="en-US"/>
           </a:p>
@@ -2149,7 +2329,7 @@
           <a:p>
             <a:fld id="{75DDF7E9-6F40-4E98-A59E-FA7E711FA743}" type="datetimeFigureOut">
               <a:rPr lang="zh-CN" altLang="en-US" smtClean="0"/>
-              <a:t>2019/4/8</a:t>
+              <a:t>2019/4/10</a:t>
             </a:fld>
             <a:endParaRPr lang="zh-CN" altLang="en-US"/>
           </a:p>
@@ -2319,7 +2499,7 @@
           <a:p>
             <a:fld id="{75DDF7E9-6F40-4E98-A59E-FA7E711FA743}" type="datetimeFigureOut">
               <a:rPr lang="zh-CN" altLang="en-US" smtClean="0"/>
-              <a:t>2019/4/8</a:t>
+              <a:t>2019/4/10</a:t>
             </a:fld>
             <a:endParaRPr lang="zh-CN" altLang="en-US"/>
           </a:p>
@@ -2565,7 +2745,7 @@
           <a:p>
             <a:fld id="{75DDF7E9-6F40-4E98-A59E-FA7E711FA743}" type="datetimeFigureOut">
               <a:rPr lang="zh-CN" altLang="en-US" smtClean="0"/>
-              <a:t>2019/4/8</a:t>
+              <a:t>2019/4/10</a:t>
             </a:fld>
             <a:endParaRPr lang="zh-CN" altLang="en-US"/>
           </a:p>
@@ -2797,7 +2977,7 @@
           <a:p>
             <a:fld id="{75DDF7E9-6F40-4E98-A59E-FA7E711FA743}" type="datetimeFigureOut">
               <a:rPr lang="zh-CN" altLang="en-US" smtClean="0"/>
-              <a:t>2019/4/8</a:t>
+              <a:t>2019/4/10</a:t>
             </a:fld>
             <a:endParaRPr lang="zh-CN" altLang="en-US"/>
           </a:p>
@@ -3164,7 +3344,7 @@
           <a:p>
             <a:fld id="{75DDF7E9-6F40-4E98-A59E-FA7E711FA743}" type="datetimeFigureOut">
               <a:rPr lang="zh-CN" altLang="en-US" smtClean="0"/>
-              <a:t>2019/4/8</a:t>
+              <a:t>2019/4/10</a:t>
             </a:fld>
             <a:endParaRPr lang="zh-CN" altLang="en-US"/>
           </a:p>
@@ -3282,7 +3462,7 @@
           <a:p>
             <a:fld id="{75DDF7E9-6F40-4E98-A59E-FA7E711FA743}" type="datetimeFigureOut">
               <a:rPr lang="zh-CN" altLang="en-US" smtClean="0"/>
-              <a:t>2019/4/8</a:t>
+              <a:t>2019/4/10</a:t>
             </a:fld>
             <a:endParaRPr lang="zh-CN" altLang="en-US"/>
           </a:p>
@@ -3377,7 +3557,7 @@
           <a:p>
             <a:fld id="{75DDF7E9-6F40-4E98-A59E-FA7E711FA743}" type="datetimeFigureOut">
               <a:rPr lang="zh-CN" altLang="en-US" smtClean="0"/>
-              <a:t>2019/4/8</a:t>
+              <a:t>2019/4/10</a:t>
             </a:fld>
             <a:endParaRPr lang="zh-CN" altLang="en-US"/>
           </a:p>
@@ -3654,7 +3834,7 @@
           <a:p>
             <a:fld id="{75DDF7E9-6F40-4E98-A59E-FA7E711FA743}" type="datetimeFigureOut">
               <a:rPr lang="zh-CN" altLang="en-US" smtClean="0"/>
-              <a:t>2019/4/8</a:t>
+              <a:t>2019/4/10</a:t>
             </a:fld>
             <a:endParaRPr lang="zh-CN" altLang="en-US"/>
           </a:p>
@@ -3907,7 +4087,7 @@
           <a:p>
             <a:fld id="{75DDF7E9-6F40-4E98-A59E-FA7E711FA743}" type="datetimeFigureOut">
               <a:rPr lang="zh-CN" altLang="en-US" smtClean="0"/>
-              <a:t>2019/4/8</a:t>
+              <a:t>2019/4/10</a:t>
             </a:fld>
             <a:endParaRPr lang="zh-CN" altLang="en-US"/>
           </a:p>
@@ -4120,7 +4300,7 @@
           <a:p>
             <a:fld id="{75DDF7E9-6F40-4E98-A59E-FA7E711FA743}" type="datetimeFigureOut">
               <a:rPr lang="zh-CN" altLang="en-US" smtClean="0"/>
-              <a:t>2019/4/8</a:t>
+              <a:t>2019/4/10</a:t>
             </a:fld>
             <a:endParaRPr lang="zh-CN" altLang="en-US"/>
           </a:p>
@@ -4546,57 +4726,6 @@
       </p:grpSpPr>
       <p:sp>
         <p:nvSpPr>
-          <p:cNvPr id="4" name="矩形 3"/>
-          <p:cNvSpPr/>
-          <p:nvPr/>
-        </p:nvSpPr>
-        <p:spPr>
-          <a:xfrm>
-            <a:off x="908960" y="997235"/>
-            <a:ext cx="10374080" cy="4863529"/>
-          </a:xfrm>
-          <a:prstGeom prst="rect">
-            <a:avLst/>
-          </a:prstGeom>
-          <a:solidFill>
-            <a:schemeClr val="bg1">
-              <a:alpha val="50000"/>
-            </a:schemeClr>
-          </a:solidFill>
-          <a:ln>
-            <a:noFill/>
-          </a:ln>
-        </p:spPr>
-        <p:style>
-          <a:lnRef idx="2">
-            <a:schemeClr val="accent1">
-              <a:shade val="50000"/>
-            </a:schemeClr>
-          </a:lnRef>
-          <a:fillRef idx="1">
-            <a:schemeClr val="accent1"/>
-          </a:fillRef>
-          <a:effectRef idx="0">
-            <a:schemeClr val="accent1"/>
-          </a:effectRef>
-          <a:fontRef idx="minor">
-            <a:schemeClr val="lt1"/>
-          </a:fontRef>
-        </p:style>
-        <p:txBody>
-          <a:bodyPr rtlCol="0" anchor="ctr"/>
-          <a:lstStyle/>
-          <a:p>
-            <a:pPr algn="ctr"/>
-            <a:endParaRPr lang="zh-CN" altLang="en-US">
-              <a:cs typeface="+mn-ea"/>
-              <a:sym typeface="+mn-lt"/>
-            </a:endParaRPr>
-          </a:p>
-        </p:txBody>
-      </p:sp>
-      <p:sp>
-        <p:nvSpPr>
           <p:cNvPr id="11" name="矩形 10"/>
           <p:cNvSpPr/>
           <p:nvPr/>
@@ -4713,18 +4842,11 @@
           <a:p>
             <a:pPr algn="ctr"/>
             <a:r>
-              <a:rPr lang="zh-CN" altLang="en-US" sz="1600" dirty="0">
-                <a:cs typeface="+mn-ea"/>
-                <a:sym typeface="+mn-lt"/>
-              </a:rPr>
-              <a:t>讲解</a:t>
-            </a:r>
-            <a:r>
               <a:rPr lang="zh-CN" altLang="en-US" sz="1600" dirty="0" smtClean="0">
                 <a:cs typeface="+mn-ea"/>
                 <a:sym typeface="+mn-lt"/>
               </a:rPr>
-              <a:t>人：陈德斌</a:t>
+              <a:t>主讲人：陈德斌</a:t>
             </a:r>
             <a:endParaRPr lang="zh-CN" altLang="en-US" sz="1600" dirty="0">
               <a:cs typeface="+mn-ea"/>
@@ -4776,7 +4898,7 @@
                             </p:stCondLst>
                             <p:childTnLst>
                               <p:par>
-                                <p:cTn id="5" presetID="16" presetClass="entr" presetSubtype="21" fill="hold" grpId="0" nodeType="clickEffect">
+                                <p:cTn id="5" presetID="16" presetClass="entr" presetSubtype="42" fill="hold" grpId="0" nodeType="clickEffect">
                                   <p:stCondLst>
                                     <p:cond delay="0"/>
                                   </p:stCondLst>
@@ -4789,7 +4911,7 @@
                                           </p:stCondLst>
                                         </p:cTn>
                                         <p:tgtEl>
-                                          <p:spTgt spid="4"/>
+                                          <p:spTgt spid="11"/>
                                         </p:tgtEl>
                                         <p:attrNameLst>
                                           <p:attrName>style.visibility</p:attrName>
@@ -4799,11 +4921,11 @@
                                         <p:strVal val="visible"/>
                                       </p:to>
                                     </p:set>
-                                    <p:animEffect transition="in" filter="barn(inVertical)">
+                                    <p:animEffect transition="in" filter="barn(outHorizontal)">
                                       <p:cBhvr>
                                         <p:cTn id="7" dur="500"/>
                                         <p:tgtEl>
-                                          <p:spTgt spid="4"/>
+                                          <p:spTgt spid="11"/>
                                         </p:tgtEl>
                                       </p:cBhvr>
                                     </p:animEffect>
@@ -4829,60 +4951,7 @@
                             </p:stCondLst>
                             <p:childTnLst>
                               <p:par>
-                                <p:cTn id="10" presetID="16" presetClass="entr" presetSubtype="42" fill="hold" grpId="0" nodeType="clickEffect">
-                                  <p:stCondLst>
-                                    <p:cond delay="0"/>
-                                  </p:stCondLst>
-                                  <p:childTnLst>
-                                    <p:set>
-                                      <p:cBhvr>
-                                        <p:cTn id="11" dur="1" fill="hold">
-                                          <p:stCondLst>
-                                            <p:cond delay="0"/>
-                                          </p:stCondLst>
-                                        </p:cTn>
-                                        <p:tgtEl>
-                                          <p:spTgt spid="11"/>
-                                        </p:tgtEl>
-                                        <p:attrNameLst>
-                                          <p:attrName>style.visibility</p:attrName>
-                                        </p:attrNameLst>
-                                      </p:cBhvr>
-                                      <p:to>
-                                        <p:strVal val="visible"/>
-                                      </p:to>
-                                    </p:set>
-                                    <p:animEffect transition="in" filter="barn(outHorizontal)">
-                                      <p:cBhvr>
-                                        <p:cTn id="12" dur="500"/>
-                                        <p:tgtEl>
-                                          <p:spTgt spid="11"/>
-                                        </p:tgtEl>
-                                      </p:cBhvr>
-                                    </p:animEffect>
-                                  </p:childTnLst>
-                                </p:cTn>
-                              </p:par>
-                            </p:childTnLst>
-                          </p:cTn>
-                        </p:par>
-                      </p:childTnLst>
-                    </p:cTn>
-                  </p:par>
-                  <p:par>
-                    <p:cTn id="13" fill="hold">
-                      <p:stCondLst>
-                        <p:cond delay="indefinite"/>
-                      </p:stCondLst>
-                      <p:childTnLst>
-                        <p:par>
-                          <p:cTn id="14" fill="hold">
-                            <p:stCondLst>
-                              <p:cond delay="0"/>
-                            </p:stCondLst>
-                            <p:childTnLst>
-                              <p:par>
-                                <p:cTn id="15" presetID="41" presetClass="entr" presetSubtype="0" fill="hold" grpId="0" nodeType="clickEffect">
+                                <p:cTn id="10" presetID="41" presetClass="entr" presetSubtype="0" fill="hold" grpId="0" nodeType="clickEffect">
                                   <p:stCondLst>
                                     <p:cond delay="0"/>
                                   </p:stCondLst>
@@ -4892,7 +4961,7 @@
                                   <p:childTnLst>
                                     <p:set>
                                       <p:cBhvr>
-                                        <p:cTn id="16" dur="1" fill="hold">
+                                        <p:cTn id="11" dur="1" fill="hold">
                                           <p:stCondLst>
                                             <p:cond delay="0"/>
                                           </p:stCondLst>
@@ -4910,7 +4979,7 @@
                                     </p:set>
                                     <p:anim calcmode="lin" valueType="num">
                                       <p:cBhvr>
-                                        <p:cTn id="17" dur="500" fill="hold"/>
+                                        <p:cTn id="12" dur="500" fill="hold"/>
                                         <p:tgtEl>
                                           <p:spTgt spid="13"/>
                                         </p:tgtEl>
@@ -4938,7 +5007,7 @@
                                     </p:anim>
                                     <p:anim calcmode="lin" valueType="num">
                                       <p:cBhvr>
-                                        <p:cTn id="18" dur="500" fill="hold"/>
+                                        <p:cTn id="13" dur="500" fill="hold"/>
                                         <p:tgtEl>
                                           <p:spTgt spid="13"/>
                                         </p:tgtEl>
@@ -4961,7 +5030,7 @@
                                     </p:anim>
                                     <p:anim calcmode="lin" valueType="num">
                                       <p:cBhvr>
-                                        <p:cTn id="19" dur="500" fill="hold"/>
+                                        <p:cTn id="14" dur="500" fill="hold"/>
                                         <p:tgtEl>
                                           <p:spTgt spid="13"/>
                                         </p:tgtEl>
@@ -4989,7 +5058,7 @@
                                     </p:anim>
                                     <p:anim calcmode="lin" valueType="num">
                                       <p:cBhvr>
-                                        <p:cTn id="20" dur="500" fill="hold"/>
+                                        <p:cTn id="15" dur="500" fill="hold"/>
                                         <p:tgtEl>
                                           <p:spTgt spid="13"/>
                                         </p:tgtEl>
@@ -5017,7 +5086,7 @@
                                     </p:anim>
                                     <p:animEffect transition="in" filter="fade">
                                       <p:cBhvr>
-                                        <p:cTn id="21" dur="500" tmFilter="0,0; .5, 1; 1, 1"/>
+                                        <p:cTn id="16" dur="500" tmFilter="0,0; .5, 1; 1, 1"/>
                                         <p:tgtEl>
                                           <p:spTgt spid="13"/>
                                         </p:tgtEl>
@@ -5027,14 +5096,14 @@
                                 </p:cTn>
                               </p:par>
                               <p:par>
-                                <p:cTn id="22" presetID="42" presetClass="entr" presetSubtype="0" fill="hold" grpId="0" nodeType="withEffect">
+                                <p:cTn id="17" presetID="42" presetClass="entr" presetSubtype="0" fill="hold" grpId="0" nodeType="withEffect">
                                   <p:stCondLst>
                                     <p:cond delay="0"/>
                                   </p:stCondLst>
                                   <p:childTnLst>
                                     <p:set>
                                       <p:cBhvr>
-                                        <p:cTn id="23" dur="1" fill="hold">
+                                        <p:cTn id="18" dur="1" fill="hold">
                                           <p:stCondLst>
                                             <p:cond delay="0"/>
                                           </p:stCondLst>
@@ -5052,7 +5121,7 @@
                                     </p:set>
                                     <p:animEffect transition="in" filter="fade">
                                       <p:cBhvr>
-                                        <p:cTn id="24" dur="1000"/>
+                                        <p:cTn id="19" dur="1000"/>
                                         <p:tgtEl>
                                           <p:spTgt spid="14"/>
                                         </p:tgtEl>
@@ -5060,7 +5129,7 @@
                                     </p:animEffect>
                                     <p:anim calcmode="lin" valueType="num">
                                       <p:cBhvr>
-                                        <p:cTn id="25" dur="1000" fill="hold"/>
+                                        <p:cTn id="20" dur="1000" fill="hold"/>
                                         <p:tgtEl>
                                           <p:spTgt spid="14"/>
                                         </p:tgtEl>
@@ -5083,7 +5152,7 @@
                                     </p:anim>
                                     <p:anim calcmode="lin" valueType="num">
                                       <p:cBhvr>
-                                        <p:cTn id="26" dur="1000" fill="hold"/>
+                                        <p:cTn id="21" dur="1000" fill="hold"/>
                                         <p:tgtEl>
                                           <p:spTgt spid="14"/>
                                         </p:tgtEl>
@@ -5135,7 +5204,6 @@
       </p:par>
     </p:tnLst>
     <p:bldLst>
-      <p:bldP spid="4" grpId="0" animBg="1"/>
       <p:bldP spid="11" grpId="0" animBg="1"/>
       <p:bldP spid="13" grpId="0"/>
       <p:bldP spid="14" grpId="0"/>
@@ -5180,57 +5248,6 @@
           <a:chExt cx="0" cy="0"/>
         </a:xfrm>
       </p:grpSpPr>
-      <p:sp>
-        <p:nvSpPr>
-          <p:cNvPr id="4" name="矩形 3"/>
-          <p:cNvSpPr/>
-          <p:nvPr/>
-        </p:nvSpPr>
-        <p:spPr>
-          <a:xfrm>
-            <a:off x="0" y="1489753"/>
-            <a:ext cx="12192000" cy="3908202"/>
-          </a:xfrm>
-          <a:prstGeom prst="rect">
-            <a:avLst/>
-          </a:prstGeom>
-          <a:solidFill>
-            <a:schemeClr val="bg1">
-              <a:alpha val="55000"/>
-            </a:schemeClr>
-          </a:solidFill>
-          <a:ln>
-            <a:noFill/>
-          </a:ln>
-        </p:spPr>
-        <p:style>
-          <a:lnRef idx="2">
-            <a:schemeClr val="accent1">
-              <a:shade val="50000"/>
-            </a:schemeClr>
-          </a:lnRef>
-          <a:fillRef idx="1">
-            <a:schemeClr val="accent1"/>
-          </a:fillRef>
-          <a:effectRef idx="0">
-            <a:schemeClr val="accent1"/>
-          </a:effectRef>
-          <a:fontRef idx="minor">
-            <a:schemeClr val="lt1"/>
-          </a:fontRef>
-        </p:style>
-        <p:txBody>
-          <a:bodyPr rtlCol="0" anchor="ctr"/>
-          <a:lstStyle/>
-          <a:p>
-            <a:pPr algn="ctr"/>
-            <a:endParaRPr lang="zh-CN" altLang="en-US">
-              <a:cs typeface="+mn-ea"/>
-              <a:sym typeface="+mn-lt"/>
-            </a:endParaRPr>
-          </a:p>
-        </p:txBody>
-      </p:sp>
       <p:sp>
         <p:nvSpPr>
           <p:cNvPr id="9" name="矩形 8"/>
@@ -5760,7 +5777,7 @@
                             </p:stCondLst>
                             <p:childTnLst>
                               <p:par>
-                                <p:cTn id="5" presetID="16" presetClass="entr" presetSubtype="21" fill="hold" grpId="0" nodeType="clickEffect">
+                                <p:cTn id="5" presetID="16" presetClass="entr" presetSubtype="37" fill="hold" grpId="0" nodeType="clickEffect">
                                   <p:stCondLst>
                                     <p:cond delay="0"/>
                                   </p:stCondLst>
@@ -5773,7 +5790,7 @@
                                           </p:stCondLst>
                                         </p:cTn>
                                         <p:tgtEl>
-                                          <p:spTgt spid="4"/>
+                                          <p:spTgt spid="9"/>
                                         </p:tgtEl>
                                         <p:attrNameLst>
                                           <p:attrName>style.visibility</p:attrName>
@@ -5783,11 +5800,11 @@
                                         <p:strVal val="visible"/>
                                       </p:to>
                                     </p:set>
-                                    <p:animEffect transition="in" filter="barn(inVertical)">
+                                    <p:animEffect transition="in" filter="barn(outVertical)">
                                       <p:cBhvr>
                                         <p:cTn id="7" dur="500"/>
                                         <p:tgtEl>
-                                          <p:spTgt spid="4"/>
+                                          <p:spTgt spid="9"/>
                                         </p:tgtEl>
                                       </p:cBhvr>
                                     </p:animEffect>
@@ -5813,7 +5830,7 @@
                             </p:stCondLst>
                             <p:childTnLst>
                               <p:par>
-                                <p:cTn id="10" presetID="16" presetClass="entr" presetSubtype="37" fill="hold" grpId="0" nodeType="clickEffect">
+                                <p:cTn id="10" presetID="22" presetClass="entr" presetSubtype="8" fill="hold" nodeType="clickEffect">
                                   <p:stCondLst>
                                     <p:cond delay="0"/>
                                   </p:stCondLst>
@@ -5826,7 +5843,7 @@
                                           </p:stCondLst>
                                         </p:cTn>
                                         <p:tgtEl>
-                                          <p:spTgt spid="9"/>
+                                          <p:spTgt spid="2"/>
                                         </p:tgtEl>
                                         <p:attrNameLst>
                                           <p:attrName>style.visibility</p:attrName>
@@ -5836,11 +5853,11 @@
                                         <p:strVal val="visible"/>
                                       </p:to>
                                     </p:set>
-                                    <p:animEffect transition="in" filter="barn(outVertical)">
+                                    <p:animEffect transition="in" filter="wipe(left)">
                                       <p:cBhvr>
                                         <p:cTn id="12" dur="500"/>
                                         <p:tgtEl>
-                                          <p:spTgt spid="9"/>
+                                          <p:spTgt spid="2"/>
                                         </p:tgtEl>
                                       </p:cBhvr>
                                     </p:animEffect>
@@ -5866,72 +5883,19 @@
                             </p:stCondLst>
                             <p:childTnLst>
                               <p:par>
-                                <p:cTn id="15" presetID="22" presetClass="entr" presetSubtype="8" fill="hold" nodeType="clickEffect">
-                                  <p:stCondLst>
-                                    <p:cond delay="0"/>
-                                  </p:stCondLst>
-                                  <p:childTnLst>
-                                    <p:set>
-                                      <p:cBhvr>
-                                        <p:cTn id="16" dur="1" fill="hold">
-                                          <p:stCondLst>
-                                            <p:cond delay="0"/>
-                                          </p:stCondLst>
-                                        </p:cTn>
-                                        <p:tgtEl>
-                                          <p:spTgt spid="2"/>
-                                        </p:tgtEl>
-                                        <p:attrNameLst>
-                                          <p:attrName>style.visibility</p:attrName>
-                                        </p:attrNameLst>
-                                      </p:cBhvr>
-                                      <p:to>
-                                        <p:strVal val="visible"/>
-                                      </p:to>
-                                    </p:set>
-                                    <p:animEffect transition="in" filter="wipe(left)">
-                                      <p:cBhvr>
-                                        <p:cTn id="17" dur="500"/>
-                                        <p:tgtEl>
-                                          <p:spTgt spid="2"/>
-                                        </p:tgtEl>
-                                      </p:cBhvr>
-                                    </p:animEffect>
-                                  </p:childTnLst>
-                                </p:cTn>
-                              </p:par>
-                            </p:childTnLst>
-                          </p:cTn>
-                        </p:par>
-                      </p:childTnLst>
-                    </p:cTn>
-                  </p:par>
-                  <p:par>
-                    <p:cTn id="18" fill="hold">
-                      <p:stCondLst>
-                        <p:cond delay="indefinite"/>
-                      </p:stCondLst>
-                      <p:childTnLst>
-                        <p:par>
-                          <p:cTn id="19" fill="hold">
-                            <p:stCondLst>
-                              <p:cond delay="0"/>
-                            </p:stCondLst>
-                            <p:childTnLst>
-                              <p:par>
-                                <p:cTn id="20" presetID="42" presetClass="entr" presetSubtype="0" fill="hold" grpId="0" nodeType="clickEffect" nodePh="1">
+                                <p:cTn id="15" presetID="42" presetClass="entr" presetSubtype="0" fill="hold" grpId="0" nodeType="clickEffect" nodePh="1">
                                   <p:stCondLst>
                                     <p:cond delay="0"/>
                                   </p:stCondLst>
                                   <p:endCondLst>
                                     <p:cond evt="begin" delay="0">
-                                      <p:tn val="20"/>
+                                      <p:tn val="15"/>
                                     </p:cond>
                                   </p:endCondLst>
                                   <p:childTnLst>
                                     <p:set>
                                       <p:cBhvr>
-                                        <p:cTn id="21" dur="1" fill="hold">
+                                        <p:cTn id="16" dur="1" fill="hold">
                                           <p:stCondLst>
                                             <p:cond delay="0"/>
                                           </p:stCondLst>
@@ -5949,7 +5913,7 @@
                                     </p:set>
                                     <p:animEffect transition="in" filter="fade">
                                       <p:cBhvr>
-                                        <p:cTn id="22" dur="1000"/>
+                                        <p:cTn id="17" dur="1000"/>
                                         <p:tgtEl>
                                           <p:spTgt spid="16"/>
                                         </p:tgtEl>
@@ -5957,7 +5921,7 @@
                                     </p:animEffect>
                                     <p:anim calcmode="lin" valueType="num">
                                       <p:cBhvr>
-                                        <p:cTn id="23" dur="1000" fill="hold"/>
+                                        <p:cTn id="18" dur="1000" fill="hold"/>
                                         <p:tgtEl>
                                           <p:spTgt spid="16"/>
                                         </p:tgtEl>
@@ -5980,7 +5944,7 @@
                                     </p:anim>
                                     <p:anim calcmode="lin" valueType="num">
                                       <p:cBhvr>
-                                        <p:cTn id="24" dur="1000" fill="hold"/>
+                                        <p:cTn id="19" dur="1000" fill="hold"/>
                                         <p:tgtEl>
                                           <p:spTgt spid="16"/>
                                         </p:tgtEl>
@@ -6032,7 +5996,6 @@
       </p:par>
     </p:tnLst>
     <p:bldLst>
-      <p:bldP spid="4" grpId="0" animBg="1"/>
       <p:bldP spid="9" grpId="0" animBg="1"/>
       <p:bldP spid="16" grpId="0"/>
     </p:bldLst>
@@ -11091,57 +11054,6 @@
       </p:grpSpPr>
       <p:sp>
         <p:nvSpPr>
-          <p:cNvPr id="4" name="矩形 3"/>
-          <p:cNvSpPr/>
-          <p:nvPr/>
-        </p:nvSpPr>
-        <p:spPr>
-          <a:xfrm>
-            <a:off x="0" y="1489753"/>
-            <a:ext cx="12192000" cy="3908202"/>
-          </a:xfrm>
-          <a:prstGeom prst="rect">
-            <a:avLst/>
-          </a:prstGeom>
-          <a:solidFill>
-            <a:schemeClr val="bg1">
-              <a:alpha val="55000"/>
-            </a:schemeClr>
-          </a:solidFill>
-          <a:ln>
-            <a:noFill/>
-          </a:ln>
-        </p:spPr>
-        <p:style>
-          <a:lnRef idx="2">
-            <a:schemeClr val="accent1">
-              <a:shade val="50000"/>
-            </a:schemeClr>
-          </a:lnRef>
-          <a:fillRef idx="1">
-            <a:schemeClr val="accent1"/>
-          </a:fillRef>
-          <a:effectRef idx="0">
-            <a:schemeClr val="accent1"/>
-          </a:effectRef>
-          <a:fontRef idx="minor">
-            <a:schemeClr val="lt1"/>
-          </a:fontRef>
-        </p:style>
-        <p:txBody>
-          <a:bodyPr rtlCol="0" anchor="ctr"/>
-          <a:lstStyle/>
-          <a:p>
-            <a:pPr algn="ctr"/>
-            <a:endParaRPr lang="zh-CN" altLang="en-US">
-              <a:cs typeface="+mn-ea"/>
-              <a:sym typeface="+mn-lt"/>
-            </a:endParaRPr>
-          </a:p>
-        </p:txBody>
-      </p:sp>
-      <p:sp>
-        <p:nvSpPr>
           <p:cNvPr id="9" name="矩形 8"/>
           <p:cNvSpPr/>
           <p:nvPr/>
@@ -11523,7 +11435,7 @@
                             </p:stCondLst>
                             <p:childTnLst>
                               <p:par>
-                                <p:cTn id="5" presetID="16" presetClass="entr" presetSubtype="21" fill="hold" grpId="0" nodeType="clickEffect">
+                                <p:cTn id="5" presetID="16" presetClass="entr" presetSubtype="37" fill="hold" grpId="0" nodeType="clickEffect">
                                   <p:stCondLst>
                                     <p:cond delay="0"/>
                                   </p:stCondLst>
@@ -11536,7 +11448,7 @@
                                           </p:stCondLst>
                                         </p:cTn>
                                         <p:tgtEl>
-                                          <p:spTgt spid="4"/>
+                                          <p:spTgt spid="9"/>
                                         </p:tgtEl>
                                         <p:attrNameLst>
                                           <p:attrName>style.visibility</p:attrName>
@@ -11546,11 +11458,11 @@
                                         <p:strVal val="visible"/>
                                       </p:to>
                                     </p:set>
-                                    <p:animEffect transition="in" filter="barn(inVertical)">
+                                    <p:animEffect transition="in" filter="barn(outVertical)">
                                       <p:cBhvr>
                                         <p:cTn id="7" dur="500"/>
                                         <p:tgtEl>
-                                          <p:spTgt spid="4"/>
+                                          <p:spTgt spid="9"/>
                                         </p:tgtEl>
                                       </p:cBhvr>
                                     </p:animEffect>
@@ -11576,7 +11488,7 @@
                             </p:stCondLst>
                             <p:childTnLst>
                               <p:par>
-                                <p:cTn id="10" presetID="16" presetClass="entr" presetSubtype="37" fill="hold" grpId="0" nodeType="clickEffect">
+                                <p:cTn id="10" presetID="22" presetClass="entr" presetSubtype="8" fill="hold" nodeType="clickEffect">
                                   <p:stCondLst>
                                     <p:cond delay="0"/>
                                   </p:stCondLst>
@@ -11584,59 +11496,6 @@
                                     <p:set>
                                       <p:cBhvr>
                                         <p:cTn id="11" dur="1" fill="hold">
-                                          <p:stCondLst>
-                                            <p:cond delay="0"/>
-                                          </p:stCondLst>
-                                        </p:cTn>
-                                        <p:tgtEl>
-                                          <p:spTgt spid="9"/>
-                                        </p:tgtEl>
-                                        <p:attrNameLst>
-                                          <p:attrName>style.visibility</p:attrName>
-                                        </p:attrNameLst>
-                                      </p:cBhvr>
-                                      <p:to>
-                                        <p:strVal val="visible"/>
-                                      </p:to>
-                                    </p:set>
-                                    <p:animEffect transition="in" filter="barn(outVertical)">
-                                      <p:cBhvr>
-                                        <p:cTn id="12" dur="500"/>
-                                        <p:tgtEl>
-                                          <p:spTgt spid="9"/>
-                                        </p:tgtEl>
-                                      </p:cBhvr>
-                                    </p:animEffect>
-                                  </p:childTnLst>
-                                </p:cTn>
-                              </p:par>
-                            </p:childTnLst>
-                          </p:cTn>
-                        </p:par>
-                      </p:childTnLst>
-                    </p:cTn>
-                  </p:par>
-                  <p:par>
-                    <p:cTn id="13" fill="hold">
-                      <p:stCondLst>
-                        <p:cond delay="indefinite"/>
-                      </p:stCondLst>
-                      <p:childTnLst>
-                        <p:par>
-                          <p:cTn id="14" fill="hold">
-                            <p:stCondLst>
-                              <p:cond delay="0"/>
-                            </p:stCondLst>
-                            <p:childTnLst>
-                              <p:par>
-                                <p:cTn id="15" presetID="22" presetClass="entr" presetSubtype="8" fill="hold" nodeType="clickEffect">
-                                  <p:stCondLst>
-                                    <p:cond delay="0"/>
-                                  </p:stCondLst>
-                                  <p:childTnLst>
-                                    <p:set>
-                                      <p:cBhvr>
-                                        <p:cTn id="16" dur="1" fill="hold">
                                           <p:stCondLst>
                                             <p:cond delay="0"/>
                                           </p:stCondLst>
@@ -11654,7 +11513,7 @@
                                     </p:set>
                                     <p:animEffect transition="in" filter="wipe(left)">
                                       <p:cBhvr>
-                                        <p:cTn id="17" dur="500"/>
+                                        <p:cTn id="12" dur="500"/>
                                         <p:tgtEl>
                                           <p:spTgt spid="5"/>
                                         </p:tgtEl>
@@ -11691,7 +11550,6 @@
       </p:par>
     </p:tnLst>
     <p:bldLst>
-      <p:bldP spid="4" grpId="0" animBg="1"/>
       <p:bldP spid="9" grpId="0" animBg="1"/>
     </p:bldLst>
   </p:timing>
@@ -11760,8 +11618,34 @@
           <a:bodyPr rtlCol="0" anchor="ctr"/>
           <a:lstStyle/>
           <a:p>
-            <a:pPr algn="ctr"/>
-            <a:endParaRPr lang="zh-CN" altLang="en-US">
+            <a:pPr marL="0" marR="0" lvl="0" indent="0" algn="ctr" defTabSz="914400" rtl="0" eaLnBrk="1" fontAlgn="auto" latinLnBrk="0" hangingPunct="1">
+              <a:lnSpc>
+                <a:spcPct val="100000"/>
+              </a:lnSpc>
+              <a:spcBef>
+                <a:spcPts val="0"/>
+              </a:spcBef>
+              <a:spcAft>
+                <a:spcPts val="0"/>
+              </a:spcAft>
+              <a:buClrTx/>
+              <a:buSzTx/>
+              <a:buFontTx/>
+              <a:buNone/>
+              <a:tabLst/>
+              <a:defRPr/>
+            </a:pPr>
+            <a:endParaRPr kumimoji="0" lang="zh-CN" altLang="en-US" sz="1800" b="0" i="0" u="none" strike="noStrike" kern="1200" cap="none" spc="0" normalizeH="0" baseline="0" noProof="0">
+              <a:ln>
+                <a:noFill/>
+              </a:ln>
+              <a:solidFill>
+                <a:srgbClr val="FFFFFF"/>
+              </a:solidFill>
+              <a:effectLst/>
+              <a:uLnTx/>
+              <a:uFillTx/>
+              <a:latin typeface="微软雅黑 Light" panose="020F0502020204030204"/>
               <a:cs typeface="+mn-ea"/>
               <a:sym typeface="+mn-lt"/>
             </a:endParaRPr>
@@ -11791,7 +11675,7 @@
           <a:lstStyle/>
           <a:p>
             <a:r>
-              <a:rPr lang="zh-CN" altLang="en-US" sz="3200" spc="600" dirty="0" smtClean="0">
+              <a:rPr lang="zh-CN" altLang="en-US" sz="3200" spc="600" dirty="0">
                 <a:cs typeface="+mn-ea"/>
                 <a:sym typeface="+mn-lt"/>
               </a:rPr>
@@ -11804,160 +11688,3338 @@
           </a:p>
         </p:txBody>
       </p:sp>
-      <p:sp>
-        <p:nvSpPr>
-          <p:cNvPr id="31" name="文本框 30"/>
-          <p:cNvSpPr txBox="1"/>
-          <p:nvPr/>
-        </p:nvSpPr>
-        <p:spPr>
-          <a:xfrm>
-            <a:off x="326338" y="2352758"/>
-            <a:ext cx="2468377" cy="1200329"/>
-          </a:xfrm>
-          <a:prstGeom prst="rect">
-            <a:avLst/>
-          </a:prstGeom>
-          <a:noFill/>
-        </p:spPr>
-        <p:txBody>
-          <a:bodyPr wrap="square" rtlCol="0">
-            <a:spAutoFit/>
-          </a:bodyPr>
-          <a:lstStyle/>
-          <a:p>
-            <a:r>
-              <a:rPr lang="en-US" altLang="zh-CN" dirty="0" smtClean="0"/>
-              <a:t>1.</a:t>
-            </a:r>
-            <a:r>
-              <a:rPr lang="zh-CN" altLang="en-US" dirty="0" smtClean="0"/>
-              <a:t>系统</a:t>
-            </a:r>
-            <a:r>
-              <a:rPr lang="zh-CN" altLang="en-US" dirty="0"/>
-              <a:t>需要复用现有类，而该类的接口不符合系统的需求</a:t>
-            </a:r>
-          </a:p>
-          <a:p>
-            <a:endParaRPr lang="zh-CN" altLang="en-US" dirty="0"/>
-          </a:p>
-        </p:txBody>
-      </p:sp>
-      <p:sp>
-        <p:nvSpPr>
-          <p:cNvPr id="33" name="文本框 32"/>
-          <p:cNvSpPr txBox="1"/>
-          <p:nvPr/>
-        </p:nvSpPr>
-        <p:spPr>
-          <a:xfrm>
-            <a:off x="4428821" y="839070"/>
-            <a:ext cx="2923504" cy="1739084"/>
-          </a:xfrm>
-          <a:prstGeom prst="rect">
-            <a:avLst/>
-          </a:prstGeom>
-          <a:noFill/>
-        </p:spPr>
-        <p:txBody>
-          <a:bodyPr wrap="square" rtlCol="0">
-            <a:spAutoFit/>
-          </a:bodyPr>
-          <a:lstStyle/>
-          <a:p>
-            <a:r>
-              <a:rPr lang="en-US" altLang="zh-CN" dirty="0" smtClean="0"/>
-              <a:t>2.</a:t>
-            </a:r>
-            <a:r>
-              <a:rPr lang="zh-CN" altLang="en-US" dirty="0" smtClean="0"/>
-              <a:t>想</a:t>
-            </a:r>
-            <a:r>
-              <a:rPr lang="zh-CN" altLang="en-US" dirty="0"/>
-              <a:t>要建立一个可重复使用的类，用于与一些彼此之间没有太大关联的一些类，包括一些可能在将来引进的类一起工作。</a:t>
-            </a:r>
-          </a:p>
-          <a:p>
-            <a:endParaRPr lang="zh-CN" altLang="en-US" dirty="0"/>
-          </a:p>
-        </p:txBody>
-      </p:sp>
-      <p:sp>
-        <p:nvSpPr>
-          <p:cNvPr id="34" name="文本框 33"/>
-          <p:cNvSpPr txBox="1"/>
-          <p:nvPr/>
-        </p:nvSpPr>
-        <p:spPr>
-          <a:xfrm>
-            <a:off x="8409904" y="2240924"/>
-            <a:ext cx="3206840" cy="1775381"/>
-          </a:xfrm>
-          <a:prstGeom prst="rect">
-            <a:avLst/>
-          </a:prstGeom>
-          <a:noFill/>
-        </p:spPr>
-        <p:txBody>
-          <a:bodyPr wrap="square" rtlCol="0">
-            <a:spAutoFit/>
-          </a:bodyPr>
-          <a:lstStyle/>
-          <a:p>
-            <a:r>
-              <a:rPr lang="en-US" altLang="zh-CN" dirty="0" smtClean="0"/>
-              <a:t>3.</a:t>
-            </a:r>
-            <a:r>
-              <a:rPr lang="zh-CN" altLang="en-US" dirty="0" smtClean="0"/>
-              <a:t>对于</a:t>
-            </a:r>
-            <a:r>
-              <a:rPr lang="zh-CN" altLang="en-US" dirty="0"/>
-              <a:t>对象适配器模式，在设计里需要改变多个已有子类的接口，如果使用类的适配器模式，就要针对每一个子类做一个适配器，而这不太实际。</a:t>
-            </a:r>
-          </a:p>
-          <a:p>
-            <a:endParaRPr lang="zh-CN" altLang="en-US" dirty="0"/>
-          </a:p>
-        </p:txBody>
-      </p:sp>
-      <p:pic>
-        <p:nvPicPr>
-          <p:cNvPr id="35" name="图片 34"/>
-          <p:cNvPicPr>
-            <a:picLocks noChangeAspect="1"/>
-          </p:cNvPicPr>
-          <p:nvPr/>
-        </p:nvPicPr>
-        <p:blipFill>
-          <a:blip r:embed="rId4">
+      <p:grpSp>
+        <p:nvGrpSpPr>
+          <p:cNvPr id="4" name="377b1eae-7609-44a4-8c05-8b99e943baaa">
             <a:extLst>
-              <a:ext uri="{28A0092B-C50C-407E-A947-70E740481C1C}">
-                <a14:useLocalDpi xmlns:a14="http://schemas.microsoft.com/office/drawing/2010/main" val="0"/>
+              <a:ext uri="{FF2B5EF4-FFF2-40B4-BE49-F238E27FC236}">
+                <a16:creationId xmlns:a16="http://schemas.microsoft.com/office/drawing/2014/main" id="{FC0004A3-55B1-468C-954E-C1D3E2E57614}"/>
               </a:ext>
             </a:extLst>
-          </a:blip>
-          <a:stretch>
-            <a:fillRect/>
-          </a:stretch>
-        </p:blipFill>
-        <p:spPr>
+          </p:cNvPr>
+          <p:cNvGrpSpPr>
+            <a:grpSpLocks noChangeAspect="1"/>
+          </p:cNvGrpSpPr>
+          <p:nvPr/>
+        </p:nvGrpSpPr>
+        <p:grpSpPr>
           <a:xfrm>
-            <a:off x="912757" y="2644928"/>
-            <a:ext cx="9955631" cy="3792041"/>
+            <a:off x="1610688" y="1614230"/>
+            <a:ext cx="8501605" cy="4755397"/>
+            <a:chOff x="1581813" y="1307733"/>
+            <a:chExt cx="8501605" cy="4755397"/>
           </a:xfrm>
-          <a:prstGeom prst="rect">
-            <a:avLst/>
-          </a:prstGeom>
-        </p:spPr>
-      </p:pic>
+        </p:grpSpPr>
+        <p:sp>
+          <p:nvSpPr>
+            <p:cNvPr id="5" name="îṥļîḑé-Oval 6">
+              <a:extLst>
+                <a:ext uri="{FF2B5EF4-FFF2-40B4-BE49-F238E27FC236}">
+                  <a16:creationId xmlns:a16="http://schemas.microsoft.com/office/drawing/2014/main" id="{CC4DF657-B35D-47A0-9A6E-A32E1EE1ED3D}"/>
+                </a:ext>
+              </a:extLst>
+            </p:cNvPr>
+            <p:cNvSpPr/>
+            <p:nvPr/>
+          </p:nvSpPr>
+          <p:spPr>
+            <a:xfrm>
+              <a:off x="4684290" y="2780928"/>
+              <a:ext cx="2547263" cy="2547263"/>
+            </a:xfrm>
+            <a:prstGeom prst="ellipse">
+              <a:avLst/>
+            </a:prstGeom>
+            <a:noFill/>
+            <a:ln>
+              <a:solidFill>
+                <a:schemeClr val="bg1">
+                  <a:lumMod val="85000"/>
+                </a:schemeClr>
+              </a:solidFill>
+            </a:ln>
+          </p:spPr>
+          <p:style>
+            <a:lnRef idx="2">
+              <a:schemeClr val="accent1">
+                <a:shade val="50000"/>
+              </a:schemeClr>
+            </a:lnRef>
+            <a:fillRef idx="1">
+              <a:schemeClr val="accent1"/>
+            </a:fillRef>
+            <a:effectRef idx="0">
+              <a:schemeClr val="accent1"/>
+            </a:effectRef>
+            <a:fontRef idx="minor">
+              <a:schemeClr val="lt1"/>
+            </a:fontRef>
+          </p:style>
+          <p:txBody>
+            <a:bodyPr anchor="ctr"/>
+            <a:lstStyle/>
+            <a:p>
+              <a:pPr marL="0" marR="0" lvl="0" indent="0" algn="ctr" defTabSz="914400" rtl="0" eaLnBrk="1" fontAlgn="auto" latinLnBrk="0" hangingPunct="1">
+                <a:lnSpc>
+                  <a:spcPct val="100000"/>
+                </a:lnSpc>
+                <a:spcBef>
+                  <a:spcPts val="0"/>
+                </a:spcBef>
+                <a:spcAft>
+                  <a:spcPts val="0"/>
+                </a:spcAft>
+                <a:buClrTx/>
+                <a:buSzTx/>
+                <a:buFontTx/>
+                <a:buNone/>
+                <a:tabLst/>
+                <a:defRPr/>
+              </a:pPr>
+              <a:endParaRPr kumimoji="0" sz="1800" b="0" i="0" u="none" strike="noStrike" kern="1200" cap="none" spc="0" normalizeH="0" baseline="0" noProof="0">
+                <a:ln>
+                  <a:noFill/>
+                </a:ln>
+                <a:solidFill>
+                  <a:srgbClr val="FFFFFF"/>
+                </a:solidFill>
+                <a:effectLst/>
+                <a:uLnTx/>
+                <a:uFillTx/>
+                <a:latin typeface="微软雅黑 Light" panose="020F0502020204030204"/>
+                <a:cs typeface="+mn-cs"/>
+              </a:endParaRPr>
+            </a:p>
+          </p:txBody>
+        </p:sp>
+        <p:sp>
+          <p:nvSpPr>
+            <p:cNvPr id="25" name="îṥļîḑé-Rectangle 26"/>
+            <p:cNvSpPr/>
+            <p:nvPr/>
+          </p:nvSpPr>
+          <p:spPr>
+            <a:xfrm>
+              <a:off x="7524754" y="3979154"/>
+              <a:ext cx="2558664" cy="2083976"/>
+            </a:xfrm>
+            <a:prstGeom prst="rect">
+              <a:avLst/>
+            </a:prstGeom>
+            <a:noFill/>
+          </p:spPr>
+          <p:txBody>
+            <a:bodyPr wrap="none" lIns="0" tIns="0" rIns="0" bIns="0" anchor="ctr">
+              <a:normAutofit lnSpcReduction="10000"/>
+            </a:bodyPr>
+            <a:lstStyle/>
+            <a:p>
+              <a:r>
+                <a:rPr lang="en-US" altLang="zh-CN" sz="2000" dirty="0"/>
+                <a:t>3.</a:t>
+              </a:r>
+              <a:r>
+                <a:rPr lang="zh-CN" altLang="en-US" sz="2000" dirty="0"/>
+                <a:t>对于对象适配器模式</a:t>
+              </a:r>
+              <a:r>
+                <a:rPr lang="zh-CN" altLang="en-US" sz="2000" dirty="0" smtClean="0"/>
+                <a:t>，</a:t>
+              </a:r>
+              <a:endParaRPr lang="en-US" altLang="zh-CN" sz="2000" dirty="0" smtClean="0"/>
+            </a:p>
+            <a:p>
+              <a:r>
+                <a:rPr lang="zh-CN" altLang="en-US" sz="2000" dirty="0" smtClean="0"/>
+                <a:t>在</a:t>
+              </a:r>
+              <a:r>
+                <a:rPr lang="zh-CN" altLang="en-US" sz="2000" dirty="0"/>
+                <a:t>设计里需要改变多</a:t>
+              </a:r>
+              <a:r>
+                <a:rPr lang="zh-CN" altLang="en-US" sz="2000" dirty="0" smtClean="0"/>
+                <a:t>个</a:t>
+              </a:r>
+              <a:endParaRPr lang="en-US" altLang="zh-CN" sz="2000" dirty="0" smtClean="0"/>
+            </a:p>
+            <a:p>
+              <a:r>
+                <a:rPr lang="zh-CN" altLang="en-US" sz="2000" dirty="0" smtClean="0"/>
+                <a:t>已</a:t>
+              </a:r>
+              <a:r>
+                <a:rPr lang="zh-CN" altLang="en-US" sz="2000" dirty="0"/>
+                <a:t>有子类的接口，</a:t>
+              </a:r>
+              <a:r>
+                <a:rPr lang="zh-CN" altLang="en-US" sz="2000" dirty="0" smtClean="0"/>
+                <a:t>如果</a:t>
+              </a:r>
+              <a:endParaRPr lang="en-US" altLang="zh-CN" sz="2000" dirty="0" smtClean="0"/>
+            </a:p>
+            <a:p>
+              <a:r>
+                <a:rPr lang="zh-CN" altLang="en-US" sz="2000" dirty="0" smtClean="0"/>
+                <a:t>使用</a:t>
+              </a:r>
+              <a:r>
+                <a:rPr lang="zh-CN" altLang="en-US" sz="2000" dirty="0"/>
+                <a:t>类的适配器模式</a:t>
+              </a:r>
+              <a:r>
+                <a:rPr lang="zh-CN" altLang="en-US" sz="2000" dirty="0" smtClean="0"/>
+                <a:t>，</a:t>
+              </a:r>
+              <a:endParaRPr lang="en-US" altLang="zh-CN" sz="2000" dirty="0" smtClean="0"/>
+            </a:p>
+            <a:p>
+              <a:r>
+                <a:rPr lang="zh-CN" altLang="en-US" sz="2000" dirty="0" smtClean="0"/>
+                <a:t>就要</a:t>
+              </a:r>
+              <a:r>
+                <a:rPr lang="zh-CN" altLang="en-US" sz="2000" dirty="0"/>
+                <a:t>针对每一个子类</a:t>
+              </a:r>
+              <a:r>
+                <a:rPr lang="zh-CN" altLang="en-US" sz="2000" dirty="0" smtClean="0"/>
+                <a:t>做</a:t>
+              </a:r>
+              <a:endParaRPr lang="en-US" altLang="zh-CN" sz="2000" dirty="0" smtClean="0"/>
+            </a:p>
+            <a:p>
+              <a:r>
+                <a:rPr lang="zh-CN" altLang="en-US" sz="2000" dirty="0" smtClean="0"/>
+                <a:t>一</a:t>
+              </a:r>
+              <a:r>
+                <a:rPr lang="zh-CN" altLang="en-US" sz="2000" dirty="0"/>
+                <a:t>个适配器，而这不</a:t>
+              </a:r>
+              <a:r>
+                <a:rPr lang="zh-CN" altLang="en-US" sz="2000" dirty="0" smtClean="0"/>
+                <a:t>太</a:t>
+              </a:r>
+              <a:endParaRPr lang="en-US" altLang="zh-CN" sz="2000" dirty="0" smtClean="0"/>
+            </a:p>
+            <a:p>
+              <a:r>
+                <a:rPr lang="zh-CN" altLang="en-US" sz="2000" dirty="0" smtClean="0"/>
+                <a:t>实际</a:t>
+              </a:r>
+              <a:r>
+                <a:rPr lang="zh-CN" altLang="en-US" sz="2000" dirty="0"/>
+                <a:t>。</a:t>
+              </a:r>
+            </a:p>
+            <a:p>
+              <a:endParaRPr lang="zh-CN" altLang="en-US" sz="2000" dirty="0"/>
+            </a:p>
+          </p:txBody>
+        </p:sp>
+        <p:grpSp>
+          <p:nvGrpSpPr>
+            <p:cNvPr id="7" name="组合 6"/>
+            <p:cNvGrpSpPr/>
+            <p:nvPr/>
+          </p:nvGrpSpPr>
+          <p:grpSpPr>
+            <a:xfrm>
+              <a:off x="5301647" y="3021877"/>
+              <a:ext cx="1603469" cy="1850507"/>
+              <a:chOff x="8301916" y="1749231"/>
+              <a:chExt cx="2561601" cy="2956261"/>
+            </a:xfrm>
+          </p:grpSpPr>
+          <p:sp>
+            <p:nvSpPr>
+              <p:cNvPr id="21" name="îṥļîḑé-Trapezoid 22"/>
+              <p:cNvSpPr/>
+              <p:nvPr/>
+            </p:nvSpPr>
+            <p:spPr>
+              <a:xfrm rot="14400000">
+                <a:off x="8553651" y="2720979"/>
+                <a:ext cx="2370547" cy="427052"/>
+              </a:xfrm>
+              <a:prstGeom prst="trapezoid">
+                <a:avLst>
+                  <a:gd name="adj" fmla="val 58361"/>
+                </a:avLst>
+              </a:prstGeom>
+              <a:solidFill>
+                <a:schemeClr val="accent1"/>
+              </a:solidFill>
+              <a:ln>
+                <a:noFill/>
+              </a:ln>
+            </p:spPr>
+            <p:style>
+              <a:lnRef idx="2">
+                <a:schemeClr val="accent1">
+                  <a:shade val="50000"/>
+                </a:schemeClr>
+              </a:lnRef>
+              <a:fillRef idx="1">
+                <a:schemeClr val="accent1"/>
+              </a:fillRef>
+              <a:effectRef idx="0">
+                <a:schemeClr val="accent1"/>
+              </a:effectRef>
+              <a:fontRef idx="minor">
+                <a:schemeClr val="lt1"/>
+              </a:fontRef>
+            </p:style>
+            <p:txBody>
+              <a:bodyPr anchor="ctr"/>
+              <a:lstStyle/>
+              <a:p>
+                <a:pPr marL="0" marR="0" lvl="0" indent="0" algn="ctr" defTabSz="914400" rtl="0" eaLnBrk="1" fontAlgn="auto" latinLnBrk="0" hangingPunct="1">
+                  <a:lnSpc>
+                    <a:spcPct val="100000"/>
+                  </a:lnSpc>
+                  <a:spcBef>
+                    <a:spcPts val="0"/>
+                  </a:spcBef>
+                  <a:spcAft>
+                    <a:spcPts val="0"/>
+                  </a:spcAft>
+                  <a:buClrTx/>
+                  <a:buSzTx/>
+                  <a:buFontTx/>
+                  <a:buNone/>
+                  <a:tabLst/>
+                  <a:defRPr/>
+                </a:pPr>
+                <a:endParaRPr kumimoji="0" sz="1800" b="0" i="0" u="none" strike="noStrike" kern="1200" cap="none" spc="0" normalizeH="0" baseline="0" noProof="0">
+                  <a:ln>
+                    <a:noFill/>
+                  </a:ln>
+                  <a:solidFill>
+                    <a:srgbClr val="FFFFFF"/>
+                  </a:solidFill>
+                  <a:effectLst/>
+                  <a:uLnTx/>
+                  <a:uFillTx/>
+                  <a:latin typeface="微软雅黑 Light" panose="020F0502020204030204"/>
+                  <a:cs typeface="+mn-cs"/>
+                </a:endParaRPr>
+              </a:p>
+            </p:txBody>
+          </p:sp>
+          <p:sp>
+            <p:nvSpPr>
+              <p:cNvPr id="22" name="îṥļîḑé-Trapezoid 23"/>
+              <p:cNvSpPr/>
+              <p:nvPr/>
+            </p:nvSpPr>
+            <p:spPr>
+              <a:xfrm>
+                <a:off x="8492970" y="4010011"/>
+                <a:ext cx="2370547" cy="427052"/>
+              </a:xfrm>
+              <a:prstGeom prst="trapezoid">
+                <a:avLst>
+                  <a:gd name="adj" fmla="val 58361"/>
+                </a:avLst>
+              </a:prstGeom>
+              <a:solidFill>
+                <a:schemeClr val="accent2"/>
+              </a:solidFill>
+              <a:ln>
+                <a:noFill/>
+              </a:ln>
+            </p:spPr>
+            <p:style>
+              <a:lnRef idx="2">
+                <a:schemeClr val="accent1">
+                  <a:shade val="50000"/>
+                </a:schemeClr>
+              </a:lnRef>
+              <a:fillRef idx="1">
+                <a:schemeClr val="accent1"/>
+              </a:fillRef>
+              <a:effectRef idx="0">
+                <a:schemeClr val="accent1"/>
+              </a:effectRef>
+              <a:fontRef idx="minor">
+                <a:schemeClr val="lt1"/>
+              </a:fontRef>
+            </p:style>
+            <p:txBody>
+              <a:bodyPr anchor="ctr"/>
+              <a:lstStyle/>
+              <a:p>
+                <a:pPr marL="0" marR="0" lvl="0" indent="0" algn="ctr" defTabSz="914400" rtl="0" eaLnBrk="1" fontAlgn="auto" latinLnBrk="0" hangingPunct="1">
+                  <a:lnSpc>
+                    <a:spcPct val="100000"/>
+                  </a:lnSpc>
+                  <a:spcBef>
+                    <a:spcPts val="0"/>
+                  </a:spcBef>
+                  <a:spcAft>
+                    <a:spcPts val="0"/>
+                  </a:spcAft>
+                  <a:buClrTx/>
+                  <a:buSzTx/>
+                  <a:buFontTx/>
+                  <a:buNone/>
+                  <a:tabLst/>
+                  <a:defRPr/>
+                </a:pPr>
+                <a:endParaRPr kumimoji="0" sz="1800" b="0" i="0" u="none" strike="noStrike" kern="1200" cap="none" spc="0" normalizeH="0" baseline="0" noProof="0">
+                  <a:ln>
+                    <a:noFill/>
+                  </a:ln>
+                  <a:solidFill>
+                    <a:srgbClr val="FFFFFF"/>
+                  </a:solidFill>
+                  <a:effectLst/>
+                  <a:uLnTx/>
+                  <a:uFillTx/>
+                  <a:latin typeface="微软雅黑 Light" panose="020F0502020204030204"/>
+                  <a:cs typeface="+mn-cs"/>
+                </a:endParaRPr>
+              </a:p>
+            </p:txBody>
+          </p:sp>
+          <p:sp>
+            <p:nvSpPr>
+              <p:cNvPr id="23" name="îṥļîḑé-Trapezoid 24"/>
+              <p:cNvSpPr/>
+              <p:nvPr/>
+            </p:nvSpPr>
+            <p:spPr>
+              <a:xfrm rot="7200000">
+                <a:off x="7330168" y="3306693"/>
+                <a:ext cx="2370547" cy="427052"/>
+              </a:xfrm>
+              <a:prstGeom prst="trapezoid">
+                <a:avLst>
+                  <a:gd name="adj" fmla="val 58361"/>
+                </a:avLst>
+              </a:prstGeom>
+              <a:solidFill>
+                <a:schemeClr val="accent3"/>
+              </a:solidFill>
+              <a:ln>
+                <a:noFill/>
+              </a:ln>
+            </p:spPr>
+            <p:style>
+              <a:lnRef idx="2">
+                <a:schemeClr val="accent1">
+                  <a:shade val="50000"/>
+                </a:schemeClr>
+              </a:lnRef>
+              <a:fillRef idx="1">
+                <a:schemeClr val="accent1"/>
+              </a:fillRef>
+              <a:effectRef idx="0">
+                <a:schemeClr val="accent1"/>
+              </a:effectRef>
+              <a:fontRef idx="minor">
+                <a:schemeClr val="lt1"/>
+              </a:fontRef>
+            </p:style>
+            <p:txBody>
+              <a:bodyPr anchor="ctr"/>
+              <a:lstStyle/>
+              <a:p>
+                <a:pPr marL="0" marR="0" lvl="0" indent="0" algn="ctr" defTabSz="914400" rtl="0" eaLnBrk="1" fontAlgn="auto" latinLnBrk="0" hangingPunct="1">
+                  <a:lnSpc>
+                    <a:spcPct val="100000"/>
+                  </a:lnSpc>
+                  <a:spcBef>
+                    <a:spcPts val="0"/>
+                  </a:spcBef>
+                  <a:spcAft>
+                    <a:spcPts val="0"/>
+                  </a:spcAft>
+                  <a:buClrTx/>
+                  <a:buSzTx/>
+                  <a:buFontTx/>
+                  <a:buNone/>
+                  <a:tabLst/>
+                  <a:defRPr/>
+                </a:pPr>
+                <a:endParaRPr kumimoji="0" sz="1800" b="0" i="0" u="none" strike="noStrike" kern="1200" cap="none" spc="0" normalizeH="0" baseline="0" noProof="0">
+                  <a:ln>
+                    <a:noFill/>
+                  </a:ln>
+                  <a:solidFill>
+                    <a:srgbClr val="FFFFFF"/>
+                  </a:solidFill>
+                  <a:effectLst/>
+                  <a:uLnTx/>
+                  <a:uFillTx/>
+                  <a:latin typeface="微软雅黑 Light" panose="020F0502020204030204"/>
+                  <a:cs typeface="+mn-cs"/>
+                </a:endParaRPr>
+              </a:p>
+            </p:txBody>
+          </p:sp>
+        </p:grpSp>
+        <p:sp>
+          <p:nvSpPr>
+            <p:cNvPr id="8" name="îṥļîḑé-Oval 9"/>
+            <p:cNvSpPr/>
+            <p:nvPr/>
+          </p:nvSpPr>
+          <p:spPr>
+            <a:xfrm>
+              <a:off x="5607322" y="2540292"/>
+              <a:ext cx="656438" cy="656442"/>
+            </a:xfrm>
+            <a:prstGeom prst="ellipse">
+              <a:avLst/>
+            </a:prstGeom>
+            <a:solidFill>
+              <a:schemeClr val="accent1"/>
+            </a:solidFill>
+            <a:ln w="76200">
+              <a:solidFill>
+                <a:schemeClr val="bg1"/>
+              </a:solidFill>
+            </a:ln>
+          </p:spPr>
+          <p:style>
+            <a:lnRef idx="2">
+              <a:schemeClr val="accent1">
+                <a:shade val="50000"/>
+              </a:schemeClr>
+            </a:lnRef>
+            <a:fillRef idx="1">
+              <a:schemeClr val="accent1"/>
+            </a:fillRef>
+            <a:effectRef idx="0">
+              <a:schemeClr val="accent1"/>
+            </a:effectRef>
+            <a:fontRef idx="minor">
+              <a:schemeClr val="lt1"/>
+            </a:fontRef>
+          </p:style>
+          <p:txBody>
+            <a:bodyPr anchor="ctr"/>
+            <a:lstStyle/>
+            <a:p>
+              <a:pPr marL="0" marR="0" lvl="0" indent="0" algn="ctr" defTabSz="914400" rtl="0" eaLnBrk="1" fontAlgn="auto" latinLnBrk="0" hangingPunct="1">
+                <a:lnSpc>
+                  <a:spcPct val="100000"/>
+                </a:lnSpc>
+                <a:spcBef>
+                  <a:spcPts val="0"/>
+                </a:spcBef>
+                <a:spcAft>
+                  <a:spcPts val="0"/>
+                </a:spcAft>
+                <a:buClrTx/>
+                <a:buSzTx/>
+                <a:buFontTx/>
+                <a:buNone/>
+                <a:tabLst/>
+                <a:defRPr/>
+              </a:pPr>
+              <a:endParaRPr kumimoji="0" sz="1800" b="0" i="0" u="none" strike="noStrike" kern="1200" cap="none" spc="0" normalizeH="0" baseline="0" noProof="0">
+                <a:ln>
+                  <a:noFill/>
+                </a:ln>
+                <a:solidFill>
+                  <a:srgbClr val="FFFFFF"/>
+                </a:solidFill>
+                <a:effectLst/>
+                <a:uLnTx/>
+                <a:uFillTx/>
+                <a:latin typeface="微软雅黑 Light" panose="020F0502020204030204"/>
+                <a:cs typeface="+mn-cs"/>
+              </a:endParaRPr>
+            </a:p>
+          </p:txBody>
+        </p:sp>
+        <p:sp>
+          <p:nvSpPr>
+            <p:cNvPr id="9" name="îṥļîḑé-任意多边形: 形状 10"/>
+            <p:cNvSpPr>
+              <a:spLocks/>
+            </p:cNvSpPr>
+            <p:nvPr/>
+          </p:nvSpPr>
+          <p:spPr bwMode="auto">
+            <a:xfrm>
+              <a:off x="5831624" y="2675911"/>
+              <a:ext cx="207834" cy="385204"/>
+            </a:xfrm>
+            <a:custGeom>
+              <a:avLst/>
+              <a:gdLst>
+                <a:gd name="connsiteX0" fmla="*/ 144363 w 327353"/>
+                <a:gd name="connsiteY0" fmla="*/ 543008 h 606722"/>
+                <a:gd name="connsiteX1" fmla="*/ 131814 w 327353"/>
+                <a:gd name="connsiteY1" fmla="*/ 555538 h 606722"/>
+                <a:gd name="connsiteX2" fmla="*/ 144363 w 327353"/>
+                <a:gd name="connsiteY2" fmla="*/ 568156 h 606722"/>
+                <a:gd name="connsiteX3" fmla="*/ 182990 w 327353"/>
+                <a:gd name="connsiteY3" fmla="*/ 568156 h 606722"/>
+                <a:gd name="connsiteX4" fmla="*/ 195540 w 327353"/>
+                <a:gd name="connsiteY4" fmla="*/ 555538 h 606722"/>
+                <a:gd name="connsiteX5" fmla="*/ 182990 w 327353"/>
+                <a:gd name="connsiteY5" fmla="*/ 543008 h 606722"/>
+                <a:gd name="connsiteX6" fmla="*/ 327353 w 327353"/>
+                <a:gd name="connsiteY6" fmla="*/ 501509 h 606722"/>
+                <a:gd name="connsiteX7" fmla="*/ 327353 w 327353"/>
+                <a:gd name="connsiteY7" fmla="*/ 572333 h 606722"/>
+                <a:gd name="connsiteX8" fmla="*/ 294066 w 327353"/>
+                <a:gd name="connsiteY8" fmla="*/ 606722 h 606722"/>
+                <a:gd name="connsiteX9" fmla="*/ 33020 w 327353"/>
+                <a:gd name="connsiteY9" fmla="*/ 606722 h 606722"/>
+                <a:gd name="connsiteX10" fmla="*/ 0 w 327353"/>
+                <a:gd name="connsiteY10" fmla="*/ 572333 h 606722"/>
+                <a:gd name="connsiteX11" fmla="*/ 0 w 327353"/>
+                <a:gd name="connsiteY11" fmla="*/ 502779 h 606722"/>
+                <a:gd name="connsiteX12" fmla="*/ 0 w 327353"/>
+                <a:gd name="connsiteY12" fmla="*/ 502753 h 606722"/>
+                <a:gd name="connsiteX13" fmla="*/ 322280 w 327353"/>
+                <a:gd name="connsiteY13" fmla="*/ 502753 h 606722"/>
+                <a:gd name="connsiteX14" fmla="*/ 327353 w 327353"/>
+                <a:gd name="connsiteY14" fmla="*/ 501509 h 606722"/>
+                <a:gd name="connsiteX15" fmla="*/ 187174 w 327353"/>
+                <a:gd name="connsiteY15" fmla="*/ 190205 h 606722"/>
+                <a:gd name="connsiteX16" fmla="*/ 174624 w 327353"/>
+                <a:gd name="connsiteY16" fmla="*/ 202823 h 606722"/>
+                <a:gd name="connsiteX17" fmla="*/ 174624 w 327353"/>
+                <a:gd name="connsiteY17" fmla="*/ 263163 h 606722"/>
+                <a:gd name="connsiteX18" fmla="*/ 187174 w 327353"/>
+                <a:gd name="connsiteY18" fmla="*/ 275693 h 606722"/>
+                <a:gd name="connsiteX19" fmla="*/ 191357 w 327353"/>
+                <a:gd name="connsiteY19" fmla="*/ 274982 h 606722"/>
+                <a:gd name="connsiteX20" fmla="*/ 191357 w 327353"/>
+                <a:gd name="connsiteY20" fmla="*/ 405614 h 606722"/>
+                <a:gd name="connsiteX21" fmla="*/ 203995 w 327353"/>
+                <a:gd name="connsiteY21" fmla="*/ 418144 h 606722"/>
+                <a:gd name="connsiteX22" fmla="*/ 216545 w 327353"/>
+                <a:gd name="connsiteY22" fmla="*/ 405614 h 606722"/>
+                <a:gd name="connsiteX23" fmla="*/ 216545 w 327353"/>
+                <a:gd name="connsiteY23" fmla="*/ 275426 h 606722"/>
+                <a:gd name="connsiteX24" fmla="*/ 219037 w 327353"/>
+                <a:gd name="connsiteY24" fmla="*/ 275693 h 606722"/>
+                <a:gd name="connsiteX25" fmla="*/ 231675 w 327353"/>
+                <a:gd name="connsiteY25" fmla="*/ 263163 h 606722"/>
+                <a:gd name="connsiteX26" fmla="*/ 231675 w 327353"/>
+                <a:gd name="connsiteY26" fmla="*/ 202823 h 606722"/>
+                <a:gd name="connsiteX27" fmla="*/ 219037 w 327353"/>
+                <a:gd name="connsiteY27" fmla="*/ 190205 h 606722"/>
+                <a:gd name="connsiteX28" fmla="*/ 211471 w 327353"/>
+                <a:gd name="connsiteY28" fmla="*/ 192782 h 606722"/>
+                <a:gd name="connsiteX29" fmla="*/ 203995 w 327353"/>
+                <a:gd name="connsiteY29" fmla="*/ 190205 h 606722"/>
+                <a:gd name="connsiteX30" fmla="*/ 195540 w 327353"/>
+                <a:gd name="connsiteY30" fmla="*/ 193493 h 606722"/>
+                <a:gd name="connsiteX31" fmla="*/ 187174 w 327353"/>
+                <a:gd name="connsiteY31" fmla="*/ 190205 h 606722"/>
+                <a:gd name="connsiteX32" fmla="*/ 106626 w 327353"/>
+                <a:gd name="connsiteY32" fmla="*/ 181851 h 606722"/>
+                <a:gd name="connsiteX33" fmla="*/ 85621 w 327353"/>
+                <a:gd name="connsiteY33" fmla="*/ 202823 h 606722"/>
+                <a:gd name="connsiteX34" fmla="*/ 85621 w 327353"/>
+                <a:gd name="connsiteY34" fmla="*/ 328479 h 606722"/>
+                <a:gd name="connsiteX35" fmla="*/ 95678 w 327353"/>
+                <a:gd name="connsiteY35" fmla="*/ 346341 h 606722"/>
+                <a:gd name="connsiteX36" fmla="*/ 95678 w 327353"/>
+                <a:gd name="connsiteY36" fmla="*/ 405614 h 606722"/>
+                <a:gd name="connsiteX37" fmla="*/ 108317 w 327353"/>
+                <a:gd name="connsiteY37" fmla="*/ 418144 h 606722"/>
+                <a:gd name="connsiteX38" fmla="*/ 120866 w 327353"/>
+                <a:gd name="connsiteY38" fmla="*/ 405614 h 606722"/>
+                <a:gd name="connsiteX39" fmla="*/ 120866 w 327353"/>
+                <a:gd name="connsiteY39" fmla="*/ 343853 h 606722"/>
+                <a:gd name="connsiteX40" fmla="*/ 127631 w 327353"/>
+                <a:gd name="connsiteY40" fmla="*/ 328479 h 606722"/>
+                <a:gd name="connsiteX41" fmla="*/ 127631 w 327353"/>
+                <a:gd name="connsiteY41" fmla="*/ 202823 h 606722"/>
+                <a:gd name="connsiteX42" fmla="*/ 106626 w 327353"/>
+                <a:gd name="connsiteY42" fmla="*/ 181851 h 606722"/>
+                <a:gd name="connsiteX43" fmla="*/ 0 w 327353"/>
+                <a:gd name="connsiteY43" fmla="*/ 112270 h 606722"/>
+                <a:gd name="connsiteX44" fmla="*/ 327353 w 327353"/>
+                <a:gd name="connsiteY44" fmla="*/ 112270 h 606722"/>
+                <a:gd name="connsiteX45" fmla="*/ 327353 w 327353"/>
+                <a:gd name="connsiteY45" fmla="*/ 478928 h 606722"/>
+                <a:gd name="connsiteX46" fmla="*/ 322280 w 327353"/>
+                <a:gd name="connsiteY46" fmla="*/ 477684 h 606722"/>
+                <a:gd name="connsiteX47" fmla="*/ 0 w 327353"/>
+                <a:gd name="connsiteY47" fmla="*/ 477684 h 606722"/>
+                <a:gd name="connsiteX48" fmla="*/ 0 w 327353"/>
+                <a:gd name="connsiteY48" fmla="*/ 477658 h 606722"/>
+                <a:gd name="connsiteX49" fmla="*/ 33020 w 327353"/>
+                <a:gd name="connsiteY49" fmla="*/ 0 h 606722"/>
+                <a:gd name="connsiteX50" fmla="*/ 294066 w 327353"/>
+                <a:gd name="connsiteY50" fmla="*/ 0 h 606722"/>
+                <a:gd name="connsiteX51" fmla="*/ 327353 w 327353"/>
+                <a:gd name="connsiteY51" fmla="*/ 34407 h 606722"/>
+                <a:gd name="connsiteX52" fmla="*/ 327353 w 327353"/>
+                <a:gd name="connsiteY52" fmla="*/ 87219 h 606722"/>
+                <a:gd name="connsiteX53" fmla="*/ 0 w 327353"/>
+                <a:gd name="connsiteY53" fmla="*/ 87219 h 606722"/>
+                <a:gd name="connsiteX54" fmla="*/ 0 w 327353"/>
+                <a:gd name="connsiteY54" fmla="*/ 34407 h 606722"/>
+                <a:gd name="connsiteX55" fmla="*/ 33020 w 327353"/>
+                <a:gd name="connsiteY55" fmla="*/ 0 h 606722"/>
+              </a:gdLst>
+              <a:ahLst/>
+              <a:cxnLst>
+                <a:cxn ang="0">
+                  <a:pos x="connsiteX0" y="connsiteY0"/>
+                </a:cxn>
+                <a:cxn ang="0">
+                  <a:pos x="connsiteX1" y="connsiteY1"/>
+                </a:cxn>
+                <a:cxn ang="0">
+                  <a:pos x="connsiteX2" y="connsiteY2"/>
+                </a:cxn>
+                <a:cxn ang="0">
+                  <a:pos x="connsiteX3" y="connsiteY3"/>
+                </a:cxn>
+                <a:cxn ang="0">
+                  <a:pos x="connsiteX4" y="connsiteY4"/>
+                </a:cxn>
+                <a:cxn ang="0">
+                  <a:pos x="connsiteX5" y="connsiteY5"/>
+                </a:cxn>
+                <a:cxn ang="0">
+                  <a:pos x="connsiteX6" y="connsiteY6"/>
+                </a:cxn>
+                <a:cxn ang="0">
+                  <a:pos x="connsiteX7" y="connsiteY7"/>
+                </a:cxn>
+                <a:cxn ang="0">
+                  <a:pos x="connsiteX8" y="connsiteY8"/>
+                </a:cxn>
+                <a:cxn ang="0">
+                  <a:pos x="connsiteX9" y="connsiteY9"/>
+                </a:cxn>
+                <a:cxn ang="0">
+                  <a:pos x="connsiteX10" y="connsiteY10"/>
+                </a:cxn>
+                <a:cxn ang="0">
+                  <a:pos x="connsiteX11" y="connsiteY11"/>
+                </a:cxn>
+                <a:cxn ang="0">
+                  <a:pos x="connsiteX12" y="connsiteY12"/>
+                </a:cxn>
+                <a:cxn ang="0">
+                  <a:pos x="connsiteX13" y="connsiteY13"/>
+                </a:cxn>
+                <a:cxn ang="0">
+                  <a:pos x="connsiteX14" y="connsiteY14"/>
+                </a:cxn>
+                <a:cxn ang="0">
+                  <a:pos x="connsiteX15" y="connsiteY15"/>
+                </a:cxn>
+                <a:cxn ang="0">
+                  <a:pos x="connsiteX16" y="connsiteY16"/>
+                </a:cxn>
+                <a:cxn ang="0">
+                  <a:pos x="connsiteX17" y="connsiteY17"/>
+                </a:cxn>
+                <a:cxn ang="0">
+                  <a:pos x="connsiteX18" y="connsiteY18"/>
+                </a:cxn>
+                <a:cxn ang="0">
+                  <a:pos x="connsiteX19" y="connsiteY19"/>
+                </a:cxn>
+                <a:cxn ang="0">
+                  <a:pos x="connsiteX20" y="connsiteY20"/>
+                </a:cxn>
+                <a:cxn ang="0">
+                  <a:pos x="connsiteX21" y="connsiteY21"/>
+                </a:cxn>
+                <a:cxn ang="0">
+                  <a:pos x="connsiteX22" y="connsiteY22"/>
+                </a:cxn>
+                <a:cxn ang="0">
+                  <a:pos x="connsiteX23" y="connsiteY23"/>
+                </a:cxn>
+                <a:cxn ang="0">
+                  <a:pos x="connsiteX24" y="connsiteY24"/>
+                </a:cxn>
+                <a:cxn ang="0">
+                  <a:pos x="connsiteX25" y="connsiteY25"/>
+                </a:cxn>
+                <a:cxn ang="0">
+                  <a:pos x="connsiteX26" y="connsiteY26"/>
+                </a:cxn>
+                <a:cxn ang="0">
+                  <a:pos x="connsiteX27" y="connsiteY27"/>
+                </a:cxn>
+                <a:cxn ang="0">
+                  <a:pos x="connsiteX28" y="connsiteY28"/>
+                </a:cxn>
+                <a:cxn ang="0">
+                  <a:pos x="connsiteX29" y="connsiteY29"/>
+                </a:cxn>
+                <a:cxn ang="0">
+                  <a:pos x="connsiteX30" y="connsiteY30"/>
+                </a:cxn>
+                <a:cxn ang="0">
+                  <a:pos x="connsiteX31" y="connsiteY31"/>
+                </a:cxn>
+                <a:cxn ang="0">
+                  <a:pos x="connsiteX32" y="connsiteY32"/>
+                </a:cxn>
+                <a:cxn ang="0">
+                  <a:pos x="connsiteX33" y="connsiteY33"/>
+                </a:cxn>
+                <a:cxn ang="0">
+                  <a:pos x="connsiteX34" y="connsiteY34"/>
+                </a:cxn>
+                <a:cxn ang="0">
+                  <a:pos x="connsiteX35" y="connsiteY35"/>
+                </a:cxn>
+                <a:cxn ang="0">
+                  <a:pos x="connsiteX36" y="connsiteY36"/>
+                </a:cxn>
+                <a:cxn ang="0">
+                  <a:pos x="connsiteX37" y="connsiteY37"/>
+                </a:cxn>
+                <a:cxn ang="0">
+                  <a:pos x="connsiteX38" y="connsiteY38"/>
+                </a:cxn>
+                <a:cxn ang="0">
+                  <a:pos x="connsiteX39" y="connsiteY39"/>
+                </a:cxn>
+                <a:cxn ang="0">
+                  <a:pos x="connsiteX40" y="connsiteY40"/>
+                </a:cxn>
+                <a:cxn ang="0">
+                  <a:pos x="connsiteX41" y="connsiteY41"/>
+                </a:cxn>
+                <a:cxn ang="0">
+                  <a:pos x="connsiteX42" y="connsiteY42"/>
+                </a:cxn>
+                <a:cxn ang="0">
+                  <a:pos x="connsiteX43" y="connsiteY43"/>
+                </a:cxn>
+                <a:cxn ang="0">
+                  <a:pos x="connsiteX44" y="connsiteY44"/>
+                </a:cxn>
+                <a:cxn ang="0">
+                  <a:pos x="connsiteX45" y="connsiteY45"/>
+                </a:cxn>
+                <a:cxn ang="0">
+                  <a:pos x="connsiteX46" y="connsiteY46"/>
+                </a:cxn>
+                <a:cxn ang="0">
+                  <a:pos x="connsiteX47" y="connsiteY47"/>
+                </a:cxn>
+                <a:cxn ang="0">
+                  <a:pos x="connsiteX48" y="connsiteY48"/>
+                </a:cxn>
+                <a:cxn ang="0">
+                  <a:pos x="connsiteX49" y="connsiteY49"/>
+                </a:cxn>
+                <a:cxn ang="0">
+                  <a:pos x="connsiteX50" y="connsiteY50"/>
+                </a:cxn>
+                <a:cxn ang="0">
+                  <a:pos x="connsiteX51" y="connsiteY51"/>
+                </a:cxn>
+                <a:cxn ang="0">
+                  <a:pos x="connsiteX52" y="connsiteY52"/>
+                </a:cxn>
+                <a:cxn ang="0">
+                  <a:pos x="connsiteX53" y="connsiteY53"/>
+                </a:cxn>
+                <a:cxn ang="0">
+                  <a:pos x="connsiteX54" y="connsiteY54"/>
+                </a:cxn>
+                <a:cxn ang="0">
+                  <a:pos x="connsiteX55" y="connsiteY55"/>
+                </a:cxn>
+              </a:cxnLst>
+              <a:rect l="l" t="t" r="r" b="b"/>
+              <a:pathLst>
+                <a:path w="327353" h="606722">
+                  <a:moveTo>
+                    <a:pt x="144363" y="543008"/>
+                  </a:moveTo>
+                  <a:cubicBezTo>
+                    <a:pt x="137421" y="543008"/>
+                    <a:pt x="131814" y="548606"/>
+                    <a:pt x="131814" y="555538"/>
+                  </a:cubicBezTo>
+                  <a:cubicBezTo>
+                    <a:pt x="131814" y="562558"/>
+                    <a:pt x="137421" y="568156"/>
+                    <a:pt x="144363" y="568156"/>
+                  </a:cubicBezTo>
+                  <a:lnTo>
+                    <a:pt x="182990" y="568156"/>
+                  </a:lnTo>
+                  <a:cubicBezTo>
+                    <a:pt x="189933" y="568156"/>
+                    <a:pt x="195540" y="562558"/>
+                    <a:pt x="195540" y="555538"/>
+                  </a:cubicBezTo>
+                  <a:cubicBezTo>
+                    <a:pt x="195540" y="548606"/>
+                    <a:pt x="189933" y="543008"/>
+                    <a:pt x="182990" y="543008"/>
+                  </a:cubicBezTo>
+                  <a:close/>
+                  <a:moveTo>
+                    <a:pt x="327353" y="501509"/>
+                  </a:moveTo>
+                  <a:lnTo>
+                    <a:pt x="327353" y="572333"/>
+                  </a:lnTo>
+                  <a:cubicBezTo>
+                    <a:pt x="327353" y="590905"/>
+                    <a:pt x="312668" y="606722"/>
+                    <a:pt x="294066" y="606722"/>
+                  </a:cubicBezTo>
+                  <a:lnTo>
+                    <a:pt x="33020" y="606722"/>
+                  </a:lnTo>
+                  <a:cubicBezTo>
+                    <a:pt x="14330" y="606722"/>
+                    <a:pt x="0" y="590905"/>
+                    <a:pt x="0" y="572333"/>
+                  </a:cubicBezTo>
+                  <a:lnTo>
+                    <a:pt x="0" y="502779"/>
+                  </a:lnTo>
+                  <a:lnTo>
+                    <a:pt x="0" y="502753"/>
+                  </a:lnTo>
+                  <a:lnTo>
+                    <a:pt x="322280" y="502753"/>
+                  </a:lnTo>
+                  <a:cubicBezTo>
+                    <a:pt x="324238" y="502753"/>
+                    <a:pt x="325662" y="502309"/>
+                    <a:pt x="327353" y="501509"/>
+                  </a:cubicBezTo>
+                  <a:close/>
+                  <a:moveTo>
+                    <a:pt x="187174" y="190205"/>
+                  </a:moveTo>
+                  <a:cubicBezTo>
+                    <a:pt x="180231" y="190205"/>
+                    <a:pt x="174624" y="195892"/>
+                    <a:pt x="174624" y="202823"/>
+                  </a:cubicBezTo>
+                  <a:lnTo>
+                    <a:pt x="174624" y="263163"/>
+                  </a:lnTo>
+                  <a:cubicBezTo>
+                    <a:pt x="174624" y="270094"/>
+                    <a:pt x="180231" y="275693"/>
+                    <a:pt x="187174" y="275693"/>
+                  </a:cubicBezTo>
+                  <a:cubicBezTo>
+                    <a:pt x="188687" y="275693"/>
+                    <a:pt x="190022" y="275426"/>
+                    <a:pt x="191357" y="274982"/>
+                  </a:cubicBezTo>
+                  <a:lnTo>
+                    <a:pt x="191357" y="405614"/>
+                  </a:lnTo>
+                  <a:cubicBezTo>
+                    <a:pt x="191357" y="412545"/>
+                    <a:pt x="196964" y="418144"/>
+                    <a:pt x="203995" y="418144"/>
+                  </a:cubicBezTo>
+                  <a:cubicBezTo>
+                    <a:pt x="210937" y="418144"/>
+                    <a:pt x="216545" y="412545"/>
+                    <a:pt x="216545" y="405614"/>
+                  </a:cubicBezTo>
+                  <a:lnTo>
+                    <a:pt x="216545" y="275426"/>
+                  </a:lnTo>
+                  <a:cubicBezTo>
+                    <a:pt x="217346" y="275604"/>
+                    <a:pt x="218236" y="275693"/>
+                    <a:pt x="219037" y="275693"/>
+                  </a:cubicBezTo>
+                  <a:cubicBezTo>
+                    <a:pt x="225979" y="275693"/>
+                    <a:pt x="231675" y="270094"/>
+                    <a:pt x="231675" y="263163"/>
+                  </a:cubicBezTo>
+                  <a:lnTo>
+                    <a:pt x="231675" y="202823"/>
+                  </a:lnTo>
+                  <a:cubicBezTo>
+                    <a:pt x="231675" y="195892"/>
+                    <a:pt x="225979" y="190205"/>
+                    <a:pt x="219037" y="190205"/>
+                  </a:cubicBezTo>
+                  <a:cubicBezTo>
+                    <a:pt x="216189" y="190205"/>
+                    <a:pt x="213607" y="191182"/>
+                    <a:pt x="211471" y="192782"/>
+                  </a:cubicBezTo>
+                  <a:cubicBezTo>
+                    <a:pt x="209424" y="191182"/>
+                    <a:pt x="206843" y="190205"/>
+                    <a:pt x="203995" y="190205"/>
+                  </a:cubicBezTo>
+                  <a:cubicBezTo>
+                    <a:pt x="200702" y="190205"/>
+                    <a:pt x="197765" y="191449"/>
+                    <a:pt x="195540" y="193493"/>
+                  </a:cubicBezTo>
+                  <a:cubicBezTo>
+                    <a:pt x="193315" y="191449"/>
+                    <a:pt x="190378" y="190205"/>
+                    <a:pt x="187174" y="190205"/>
+                  </a:cubicBezTo>
+                  <a:close/>
+                  <a:moveTo>
+                    <a:pt x="106626" y="181851"/>
+                  </a:moveTo>
+                  <a:cubicBezTo>
+                    <a:pt x="95055" y="181851"/>
+                    <a:pt x="85621" y="191271"/>
+                    <a:pt x="85621" y="202823"/>
+                  </a:cubicBezTo>
+                  <a:lnTo>
+                    <a:pt x="85621" y="328479"/>
+                  </a:lnTo>
+                  <a:cubicBezTo>
+                    <a:pt x="85621" y="336032"/>
+                    <a:pt x="89715" y="342697"/>
+                    <a:pt x="95678" y="346341"/>
+                  </a:cubicBezTo>
+                  <a:lnTo>
+                    <a:pt x="95678" y="405614"/>
+                  </a:lnTo>
+                  <a:cubicBezTo>
+                    <a:pt x="95678" y="412545"/>
+                    <a:pt x="101375" y="418144"/>
+                    <a:pt x="108317" y="418144"/>
+                  </a:cubicBezTo>
+                  <a:cubicBezTo>
+                    <a:pt x="115259" y="418144"/>
+                    <a:pt x="120866" y="412545"/>
+                    <a:pt x="120866" y="405614"/>
+                  </a:cubicBezTo>
+                  <a:lnTo>
+                    <a:pt x="120866" y="343853"/>
+                  </a:lnTo>
+                  <a:cubicBezTo>
+                    <a:pt x="124960" y="340031"/>
+                    <a:pt x="127631" y="334522"/>
+                    <a:pt x="127631" y="328479"/>
+                  </a:cubicBezTo>
+                  <a:lnTo>
+                    <a:pt x="127631" y="202823"/>
+                  </a:lnTo>
+                  <a:cubicBezTo>
+                    <a:pt x="127631" y="191271"/>
+                    <a:pt x="118196" y="181851"/>
+                    <a:pt x="106626" y="181851"/>
+                  </a:cubicBezTo>
+                  <a:close/>
+                  <a:moveTo>
+                    <a:pt x="0" y="112270"/>
+                  </a:moveTo>
+                  <a:lnTo>
+                    <a:pt x="327353" y="112270"/>
+                  </a:lnTo>
+                  <a:lnTo>
+                    <a:pt x="327353" y="478928"/>
+                  </a:lnTo>
+                  <a:cubicBezTo>
+                    <a:pt x="325662" y="478128"/>
+                    <a:pt x="324238" y="477684"/>
+                    <a:pt x="322280" y="477684"/>
+                  </a:cubicBezTo>
+                  <a:lnTo>
+                    <a:pt x="0" y="477684"/>
+                  </a:lnTo>
+                  <a:lnTo>
+                    <a:pt x="0" y="477658"/>
+                  </a:lnTo>
+                  <a:close/>
+                  <a:moveTo>
+                    <a:pt x="33020" y="0"/>
+                  </a:moveTo>
+                  <a:lnTo>
+                    <a:pt x="294066" y="0"/>
+                  </a:lnTo>
+                  <a:cubicBezTo>
+                    <a:pt x="312668" y="0"/>
+                    <a:pt x="327353" y="15825"/>
+                    <a:pt x="327353" y="34407"/>
+                  </a:cubicBezTo>
+                  <a:lnTo>
+                    <a:pt x="327353" y="87219"/>
+                  </a:lnTo>
+                  <a:lnTo>
+                    <a:pt x="0" y="87219"/>
+                  </a:lnTo>
+                  <a:lnTo>
+                    <a:pt x="0" y="34407"/>
+                  </a:lnTo>
+                  <a:cubicBezTo>
+                    <a:pt x="0" y="15825"/>
+                    <a:pt x="14330" y="0"/>
+                    <a:pt x="33020" y="0"/>
+                  </a:cubicBezTo>
+                  <a:close/>
+                </a:path>
+              </a:pathLst>
+            </a:custGeom>
+            <a:solidFill>
+              <a:schemeClr val="bg1"/>
+            </a:solidFill>
+            <a:ln>
+              <a:noFill/>
+            </a:ln>
+          </p:spPr>
+          <p:txBody>
+            <a:bodyPr anchor="ctr"/>
+            <a:lstStyle/>
+            <a:p>
+              <a:pPr marL="0" marR="0" lvl="0" indent="0" algn="ctr" defTabSz="914400" rtl="0" eaLnBrk="1" fontAlgn="auto" latinLnBrk="0" hangingPunct="1">
+                <a:lnSpc>
+                  <a:spcPct val="100000"/>
+                </a:lnSpc>
+                <a:spcBef>
+                  <a:spcPts val="0"/>
+                </a:spcBef>
+                <a:spcAft>
+                  <a:spcPts val="0"/>
+                </a:spcAft>
+                <a:buClrTx/>
+                <a:buSzTx/>
+                <a:buFontTx/>
+                <a:buNone/>
+                <a:tabLst/>
+                <a:defRPr/>
+              </a:pPr>
+              <a:endParaRPr kumimoji="0" sz="1800" b="0" i="0" u="none" strike="noStrike" kern="1200" cap="none" spc="0" normalizeH="0" baseline="0" noProof="0">
+                <a:ln>
+                  <a:noFill/>
+                </a:ln>
+                <a:solidFill>
+                  <a:srgbClr val="000000"/>
+                </a:solidFill>
+                <a:effectLst/>
+                <a:uLnTx/>
+                <a:uFillTx/>
+                <a:latin typeface="微软雅黑 Light" panose="020F0502020204030204"/>
+                <a:cs typeface="+mn-cs"/>
+              </a:endParaRPr>
+            </a:p>
+          </p:txBody>
+        </p:sp>
+        <p:sp>
+          <p:nvSpPr>
+            <p:cNvPr id="10" name="îṥļîḑé-Oval 11"/>
+            <p:cNvSpPr/>
+            <p:nvPr/>
+          </p:nvSpPr>
+          <p:spPr>
+            <a:xfrm>
+              <a:off x="4724120" y="4476314"/>
+              <a:ext cx="656438" cy="656442"/>
+            </a:xfrm>
+            <a:prstGeom prst="ellipse">
+              <a:avLst/>
+            </a:prstGeom>
+            <a:solidFill>
+              <a:schemeClr val="accent3"/>
+            </a:solidFill>
+            <a:ln w="76200">
+              <a:solidFill>
+                <a:schemeClr val="bg1"/>
+              </a:solidFill>
+            </a:ln>
+          </p:spPr>
+          <p:style>
+            <a:lnRef idx="2">
+              <a:schemeClr val="accent1">
+                <a:shade val="50000"/>
+              </a:schemeClr>
+            </a:lnRef>
+            <a:fillRef idx="1">
+              <a:schemeClr val="accent1"/>
+            </a:fillRef>
+            <a:effectRef idx="0">
+              <a:schemeClr val="accent1"/>
+            </a:effectRef>
+            <a:fontRef idx="minor">
+              <a:schemeClr val="lt1"/>
+            </a:fontRef>
+          </p:style>
+          <p:txBody>
+            <a:bodyPr anchor="ctr"/>
+            <a:lstStyle/>
+            <a:p>
+              <a:pPr marL="0" marR="0" lvl="0" indent="0" algn="ctr" defTabSz="914400" rtl="0" eaLnBrk="1" fontAlgn="auto" latinLnBrk="0" hangingPunct="1">
+                <a:lnSpc>
+                  <a:spcPct val="100000"/>
+                </a:lnSpc>
+                <a:spcBef>
+                  <a:spcPts val="0"/>
+                </a:spcBef>
+                <a:spcAft>
+                  <a:spcPts val="0"/>
+                </a:spcAft>
+                <a:buClrTx/>
+                <a:buSzTx/>
+                <a:buFontTx/>
+                <a:buNone/>
+                <a:tabLst/>
+                <a:defRPr/>
+              </a:pPr>
+              <a:endParaRPr kumimoji="0" sz="1800" b="0" i="0" u="none" strike="noStrike" kern="1200" cap="none" spc="0" normalizeH="0" baseline="0" noProof="0">
+                <a:ln>
+                  <a:noFill/>
+                </a:ln>
+                <a:solidFill>
+                  <a:srgbClr val="FFFFFF"/>
+                </a:solidFill>
+                <a:effectLst/>
+                <a:uLnTx/>
+                <a:uFillTx/>
+                <a:latin typeface="微软雅黑 Light" panose="020F0502020204030204"/>
+                <a:cs typeface="+mn-cs"/>
+              </a:endParaRPr>
+            </a:p>
+          </p:txBody>
+        </p:sp>
+        <p:sp>
+          <p:nvSpPr>
+            <p:cNvPr id="11" name="îṥļîḑé-任意多边形: 形状 12"/>
+            <p:cNvSpPr>
+              <a:spLocks/>
+            </p:cNvSpPr>
+            <p:nvPr/>
+          </p:nvSpPr>
+          <p:spPr bwMode="auto">
+            <a:xfrm>
+              <a:off x="4859738" y="4628997"/>
+              <a:ext cx="385203" cy="351076"/>
+            </a:xfrm>
+            <a:custGeom>
+              <a:avLst/>
+              <a:gdLst>
+                <a:gd name="connsiteX0" fmla="*/ 373273 h 605239"/>
+                <a:gd name="connsiteY0" fmla="*/ 373273 h 605239"/>
+                <a:gd name="connsiteX1" fmla="*/ 373273 h 605239"/>
+                <a:gd name="connsiteY1" fmla="*/ 373273 h 605239"/>
+                <a:gd name="connsiteX2" fmla="*/ 373273 h 605239"/>
+                <a:gd name="connsiteY2" fmla="*/ 373273 h 605239"/>
+                <a:gd name="connsiteX3" fmla="*/ 373273 h 605239"/>
+                <a:gd name="connsiteY3" fmla="*/ 373273 h 605239"/>
+                <a:gd name="connsiteX4" fmla="*/ 373273 h 605239"/>
+                <a:gd name="connsiteY4" fmla="*/ 373273 h 605239"/>
+                <a:gd name="connsiteX5" fmla="*/ 373273 h 605239"/>
+                <a:gd name="connsiteY5" fmla="*/ 373273 h 605239"/>
+                <a:gd name="connsiteX6" fmla="*/ 373273 h 605239"/>
+                <a:gd name="connsiteY6" fmla="*/ 373273 h 605239"/>
+                <a:gd name="connsiteX7" fmla="*/ 373273 h 605239"/>
+                <a:gd name="connsiteY7" fmla="*/ 373273 h 605239"/>
+                <a:gd name="connsiteX8" fmla="*/ 373273 h 605239"/>
+                <a:gd name="connsiteY8" fmla="*/ 373273 h 605239"/>
+                <a:gd name="connsiteX9" fmla="*/ 373273 h 605239"/>
+                <a:gd name="connsiteY9" fmla="*/ 373273 h 605239"/>
+                <a:gd name="connsiteX10" fmla="*/ 373273 h 605239"/>
+                <a:gd name="connsiteY10" fmla="*/ 373273 h 605239"/>
+                <a:gd name="connsiteX11" fmla="*/ 373273 h 605239"/>
+                <a:gd name="connsiteY11" fmla="*/ 373273 h 605239"/>
+                <a:gd name="connsiteX12" fmla="*/ 373273 h 605239"/>
+                <a:gd name="connsiteY12" fmla="*/ 373273 h 605239"/>
+                <a:gd name="connsiteX13" fmla="*/ 373273 h 605239"/>
+                <a:gd name="connsiteY13" fmla="*/ 373273 h 605239"/>
+                <a:gd name="connsiteX14" fmla="*/ 373273 h 605239"/>
+                <a:gd name="connsiteY14" fmla="*/ 373273 h 605239"/>
+                <a:gd name="connsiteX15" fmla="*/ 373273 h 605239"/>
+                <a:gd name="connsiteY15" fmla="*/ 373273 h 605239"/>
+                <a:gd name="connsiteX16" fmla="*/ 373273 h 605239"/>
+                <a:gd name="connsiteY16" fmla="*/ 373273 h 605239"/>
+                <a:gd name="connsiteX17" fmla="*/ 373273 h 605239"/>
+                <a:gd name="connsiteY17" fmla="*/ 373273 h 605239"/>
+                <a:gd name="connsiteX18" fmla="*/ 373273 h 605239"/>
+                <a:gd name="connsiteY18" fmla="*/ 373273 h 605239"/>
+                <a:gd name="connsiteX19" fmla="*/ 373273 h 605239"/>
+                <a:gd name="connsiteY19" fmla="*/ 373273 h 605239"/>
+                <a:gd name="connsiteX20" fmla="*/ 373273 h 605239"/>
+                <a:gd name="connsiteY20" fmla="*/ 373273 h 605239"/>
+                <a:gd name="connsiteX21" fmla="*/ 373273 h 605239"/>
+                <a:gd name="connsiteY21" fmla="*/ 373273 h 605239"/>
+                <a:gd name="connsiteX22" fmla="*/ 373273 h 605239"/>
+                <a:gd name="connsiteY22" fmla="*/ 373273 h 605239"/>
+                <a:gd name="connsiteX23" fmla="*/ 373273 h 605239"/>
+                <a:gd name="connsiteY23" fmla="*/ 373273 h 605239"/>
+                <a:gd name="connsiteX24" fmla="*/ 373273 h 605239"/>
+                <a:gd name="connsiteY24" fmla="*/ 373273 h 605239"/>
+                <a:gd name="connsiteX25" fmla="*/ 373273 h 605239"/>
+                <a:gd name="connsiteY25" fmla="*/ 373273 h 605239"/>
+                <a:gd name="connsiteX26" fmla="*/ 373273 h 605239"/>
+                <a:gd name="connsiteY26" fmla="*/ 373273 h 605239"/>
+                <a:gd name="connsiteX27" fmla="*/ 373273 h 605239"/>
+                <a:gd name="connsiteY27" fmla="*/ 373273 h 605239"/>
+                <a:gd name="connsiteX28" fmla="*/ 373273 h 605239"/>
+                <a:gd name="connsiteY28" fmla="*/ 373273 h 605239"/>
+                <a:gd name="connsiteX29" fmla="*/ 373273 h 605239"/>
+                <a:gd name="connsiteY29" fmla="*/ 373273 h 605239"/>
+                <a:gd name="connsiteX30" fmla="*/ 373273 h 605239"/>
+                <a:gd name="connsiteY30" fmla="*/ 373273 h 605239"/>
+                <a:gd name="connsiteX31" fmla="*/ 373273 h 605239"/>
+                <a:gd name="connsiteY31" fmla="*/ 373273 h 605239"/>
+                <a:gd name="connsiteX32" fmla="*/ 373273 h 605239"/>
+                <a:gd name="connsiteY32" fmla="*/ 373273 h 605239"/>
+                <a:gd name="connsiteX33" fmla="*/ 373273 h 605239"/>
+                <a:gd name="connsiteY33" fmla="*/ 373273 h 605239"/>
+                <a:gd name="connsiteX34" fmla="*/ 373273 h 605239"/>
+                <a:gd name="connsiteY34" fmla="*/ 373273 h 605239"/>
+                <a:gd name="connsiteX35" fmla="*/ 373273 h 605239"/>
+                <a:gd name="connsiteY35" fmla="*/ 373273 h 605239"/>
+                <a:gd name="connsiteX36" fmla="*/ 373273 h 605239"/>
+                <a:gd name="connsiteY36" fmla="*/ 373273 h 605239"/>
+                <a:gd name="connsiteX37" fmla="*/ 373273 h 605239"/>
+                <a:gd name="connsiteY37" fmla="*/ 373273 h 605239"/>
+                <a:gd name="connsiteX38" fmla="*/ 373273 h 605239"/>
+                <a:gd name="connsiteY38" fmla="*/ 373273 h 605239"/>
+                <a:gd name="connsiteX39" fmla="*/ 373273 h 605239"/>
+                <a:gd name="connsiteY39" fmla="*/ 373273 h 605239"/>
+                <a:gd name="connsiteX40" fmla="*/ 373273 h 605239"/>
+                <a:gd name="connsiteY40" fmla="*/ 373273 h 605239"/>
+                <a:gd name="connsiteX41" fmla="*/ 373273 h 605239"/>
+                <a:gd name="connsiteY41" fmla="*/ 373273 h 605239"/>
+                <a:gd name="connsiteX42" fmla="*/ 373273 h 605239"/>
+                <a:gd name="connsiteY42" fmla="*/ 373273 h 605239"/>
+                <a:gd name="connsiteX43" fmla="*/ 373273 h 605239"/>
+                <a:gd name="connsiteY43" fmla="*/ 373273 h 605239"/>
+                <a:gd name="connsiteX44" fmla="*/ 373273 h 605239"/>
+                <a:gd name="connsiteY44" fmla="*/ 373273 h 605239"/>
+                <a:gd name="connsiteX45" fmla="*/ 373273 h 605239"/>
+                <a:gd name="connsiteY45" fmla="*/ 373273 h 605239"/>
+                <a:gd name="connsiteX46" fmla="*/ 373273 h 605239"/>
+                <a:gd name="connsiteY46" fmla="*/ 373273 h 605239"/>
+                <a:gd name="connsiteX47" fmla="*/ 373273 h 605239"/>
+                <a:gd name="connsiteY47" fmla="*/ 373273 h 605239"/>
+                <a:gd name="connsiteX48" fmla="*/ 373273 h 605239"/>
+                <a:gd name="connsiteY48" fmla="*/ 373273 h 605239"/>
+                <a:gd name="connsiteX49" fmla="*/ 373273 h 605239"/>
+                <a:gd name="connsiteY49" fmla="*/ 373273 h 605239"/>
+                <a:gd name="connsiteX50" fmla="*/ 373273 h 605239"/>
+                <a:gd name="connsiteY50" fmla="*/ 373273 h 605239"/>
+                <a:gd name="connsiteX51" fmla="*/ 373273 h 605239"/>
+                <a:gd name="connsiteY51" fmla="*/ 373273 h 605239"/>
+                <a:gd name="connsiteX52" fmla="*/ 373273 h 605239"/>
+                <a:gd name="connsiteY52" fmla="*/ 373273 h 605239"/>
+                <a:gd name="connsiteX53" fmla="*/ 373273 h 605239"/>
+                <a:gd name="connsiteY53" fmla="*/ 373273 h 605239"/>
+                <a:gd name="connsiteX54" fmla="*/ 373273 h 605239"/>
+                <a:gd name="connsiteY54" fmla="*/ 373273 h 605239"/>
+                <a:gd name="connsiteX55" fmla="*/ 373273 h 605239"/>
+                <a:gd name="connsiteY55" fmla="*/ 373273 h 605239"/>
+                <a:gd name="connsiteX56" fmla="*/ 373273 h 605239"/>
+                <a:gd name="connsiteY56" fmla="*/ 373273 h 605239"/>
+                <a:gd name="connsiteX57" fmla="*/ 373273 h 605239"/>
+                <a:gd name="connsiteY57" fmla="*/ 373273 h 605239"/>
+                <a:gd name="connsiteX58" fmla="*/ 373273 h 605239"/>
+                <a:gd name="connsiteY58" fmla="*/ 373273 h 605239"/>
+                <a:gd name="connsiteX59" fmla="*/ 373273 h 605239"/>
+                <a:gd name="connsiteY59" fmla="*/ 373273 h 605239"/>
+                <a:gd name="connsiteX60" fmla="*/ 373273 h 605239"/>
+                <a:gd name="connsiteY60" fmla="*/ 373273 h 605239"/>
+                <a:gd name="connsiteX61" fmla="*/ 373273 h 605239"/>
+                <a:gd name="connsiteY61" fmla="*/ 373273 h 605239"/>
+                <a:gd name="connsiteX62" fmla="*/ 373273 h 605239"/>
+                <a:gd name="connsiteY62" fmla="*/ 373273 h 605239"/>
+                <a:gd name="connsiteX63" fmla="*/ 373273 h 605239"/>
+                <a:gd name="connsiteY63" fmla="*/ 373273 h 605239"/>
+                <a:gd name="connsiteX64" fmla="*/ 373273 h 605239"/>
+                <a:gd name="connsiteY64" fmla="*/ 373273 h 605239"/>
+                <a:gd name="connsiteX65" fmla="*/ 373273 h 605239"/>
+                <a:gd name="connsiteY65" fmla="*/ 373273 h 605239"/>
+                <a:gd name="connsiteX66" fmla="*/ 373273 h 605239"/>
+                <a:gd name="connsiteY66" fmla="*/ 373273 h 605239"/>
+                <a:gd name="connsiteX67" fmla="*/ 373273 h 605239"/>
+                <a:gd name="connsiteY67" fmla="*/ 373273 h 605239"/>
+                <a:gd name="connsiteX68" fmla="*/ 373273 h 605239"/>
+                <a:gd name="connsiteY68" fmla="*/ 373273 h 605239"/>
+                <a:gd name="connsiteX69" fmla="*/ 373273 h 605239"/>
+                <a:gd name="connsiteY69" fmla="*/ 373273 h 605239"/>
+                <a:gd name="connsiteX70" fmla="*/ 373273 h 605239"/>
+                <a:gd name="connsiteY70" fmla="*/ 373273 h 605239"/>
+                <a:gd name="connsiteX71" fmla="*/ 373273 h 605239"/>
+                <a:gd name="connsiteY71" fmla="*/ 373273 h 605239"/>
+                <a:gd name="connsiteX72" fmla="*/ 373273 h 605239"/>
+                <a:gd name="connsiteY72" fmla="*/ 373273 h 605239"/>
+                <a:gd name="connsiteX73" fmla="*/ 373273 h 605239"/>
+                <a:gd name="connsiteY73" fmla="*/ 373273 h 605239"/>
+                <a:gd name="connsiteX74" fmla="*/ 373273 h 605239"/>
+                <a:gd name="connsiteY74" fmla="*/ 373273 h 605239"/>
+                <a:gd name="connsiteX75" fmla="*/ 373273 h 605239"/>
+                <a:gd name="connsiteY75" fmla="*/ 373273 h 605239"/>
+                <a:gd name="connsiteX76" fmla="*/ 373273 h 605239"/>
+                <a:gd name="connsiteY76" fmla="*/ 373273 h 605239"/>
+                <a:gd name="connsiteX77" fmla="*/ 373273 h 605239"/>
+                <a:gd name="connsiteY77" fmla="*/ 373273 h 605239"/>
+                <a:gd name="connsiteX78" fmla="*/ 373273 h 605239"/>
+                <a:gd name="connsiteY78" fmla="*/ 373273 h 605239"/>
+                <a:gd name="connsiteX79" fmla="*/ 373273 h 605239"/>
+                <a:gd name="connsiteY79" fmla="*/ 373273 h 605239"/>
+                <a:gd name="connsiteX80" fmla="*/ 373273 h 605239"/>
+                <a:gd name="connsiteY80" fmla="*/ 373273 h 605239"/>
+                <a:gd name="connsiteX81" fmla="*/ 373273 h 605239"/>
+                <a:gd name="connsiteY81" fmla="*/ 373273 h 605239"/>
+                <a:gd name="connsiteX82" fmla="*/ 373273 h 605239"/>
+                <a:gd name="connsiteY82" fmla="*/ 373273 h 605239"/>
+                <a:gd name="connsiteX83" fmla="*/ 373273 h 605239"/>
+                <a:gd name="connsiteY83" fmla="*/ 373273 h 605239"/>
+                <a:gd name="connsiteX84" fmla="*/ 373273 h 605239"/>
+                <a:gd name="connsiteY84" fmla="*/ 373273 h 605239"/>
+                <a:gd name="connsiteX85" fmla="*/ 373273 h 605239"/>
+                <a:gd name="connsiteY85" fmla="*/ 373273 h 605239"/>
+                <a:gd name="connsiteX86" fmla="*/ 373273 h 605239"/>
+                <a:gd name="connsiteY86" fmla="*/ 373273 h 605239"/>
+                <a:gd name="connsiteX87" fmla="*/ 373273 h 605239"/>
+                <a:gd name="connsiteY87" fmla="*/ 373273 h 605239"/>
+                <a:gd name="connsiteX88" fmla="*/ 373273 h 605239"/>
+                <a:gd name="connsiteY88" fmla="*/ 373273 h 605239"/>
+                <a:gd name="connsiteX89" fmla="*/ 373273 h 605239"/>
+                <a:gd name="connsiteY89" fmla="*/ 373273 h 605239"/>
+                <a:gd name="connsiteX90" fmla="*/ 373273 h 605239"/>
+                <a:gd name="connsiteY90" fmla="*/ 373273 h 605239"/>
+                <a:gd name="connsiteX91" fmla="*/ 373273 h 605239"/>
+                <a:gd name="connsiteY91" fmla="*/ 373273 h 605239"/>
+                <a:gd name="connsiteX92" fmla="*/ 373273 h 605239"/>
+                <a:gd name="connsiteY92" fmla="*/ 373273 h 605239"/>
+                <a:gd name="connsiteX93" fmla="*/ 373273 h 605239"/>
+                <a:gd name="connsiteY93" fmla="*/ 373273 h 605239"/>
+                <a:gd name="connsiteX94" fmla="*/ 373273 h 605239"/>
+                <a:gd name="connsiteY94" fmla="*/ 373273 h 605239"/>
+                <a:gd name="connsiteX95" fmla="*/ 373273 h 605239"/>
+                <a:gd name="connsiteY95" fmla="*/ 373273 h 605239"/>
+                <a:gd name="connsiteX96" fmla="*/ 373273 h 605239"/>
+                <a:gd name="connsiteY96" fmla="*/ 373273 h 605239"/>
+                <a:gd name="connsiteX97" fmla="*/ 373273 h 605239"/>
+                <a:gd name="connsiteY97" fmla="*/ 373273 h 605239"/>
+                <a:gd name="connsiteX98" fmla="*/ 373273 h 605239"/>
+                <a:gd name="connsiteY98" fmla="*/ 373273 h 605239"/>
+                <a:gd name="connsiteX99" fmla="*/ 373273 h 605239"/>
+                <a:gd name="connsiteY99" fmla="*/ 373273 h 605239"/>
+                <a:gd name="connsiteX100" fmla="*/ 373273 h 605239"/>
+                <a:gd name="connsiteY100" fmla="*/ 373273 h 605239"/>
+                <a:gd name="connsiteX101" fmla="*/ 373273 h 605239"/>
+                <a:gd name="connsiteY101" fmla="*/ 373273 h 605239"/>
+                <a:gd name="connsiteX102" fmla="*/ 373273 h 605239"/>
+                <a:gd name="connsiteY102" fmla="*/ 373273 h 605239"/>
+                <a:gd name="connsiteX103" fmla="*/ 373273 h 605239"/>
+                <a:gd name="connsiteY103" fmla="*/ 373273 h 605239"/>
+                <a:gd name="connsiteX104" fmla="*/ 373273 h 605239"/>
+                <a:gd name="connsiteY104" fmla="*/ 373273 h 605239"/>
+                <a:gd name="connsiteX105" fmla="*/ 373273 h 605239"/>
+                <a:gd name="connsiteY105" fmla="*/ 373273 h 605239"/>
+                <a:gd name="connsiteX106" fmla="*/ 373273 h 605239"/>
+                <a:gd name="connsiteY106" fmla="*/ 373273 h 605239"/>
+                <a:gd name="connsiteX107" fmla="*/ 373273 h 605239"/>
+                <a:gd name="connsiteY107" fmla="*/ 373273 h 605239"/>
+                <a:gd name="connsiteX108" fmla="*/ 373273 h 605239"/>
+                <a:gd name="connsiteY108" fmla="*/ 373273 h 605239"/>
+                <a:gd name="connsiteX109" fmla="*/ 373273 h 605239"/>
+                <a:gd name="connsiteY109" fmla="*/ 373273 h 605239"/>
+                <a:gd name="connsiteX110" fmla="*/ 373273 h 605239"/>
+                <a:gd name="connsiteY110" fmla="*/ 373273 h 605239"/>
+                <a:gd name="connsiteX111" fmla="*/ 373273 h 605239"/>
+                <a:gd name="connsiteY111" fmla="*/ 373273 h 605239"/>
+                <a:gd name="connsiteX112" fmla="*/ 373273 h 605239"/>
+                <a:gd name="connsiteY112" fmla="*/ 373273 h 605239"/>
+                <a:gd name="connsiteX113" fmla="*/ 373273 h 605239"/>
+                <a:gd name="connsiteY113" fmla="*/ 373273 h 605239"/>
+                <a:gd name="connsiteX114" fmla="*/ 373273 h 605239"/>
+                <a:gd name="connsiteY114" fmla="*/ 373273 h 605239"/>
+                <a:gd name="connsiteX115" fmla="*/ 373273 h 605239"/>
+                <a:gd name="connsiteY115" fmla="*/ 373273 h 605239"/>
+                <a:gd name="connsiteX116" fmla="*/ 373273 h 605239"/>
+                <a:gd name="connsiteY116" fmla="*/ 373273 h 605239"/>
+                <a:gd name="connsiteX117" fmla="*/ 373273 h 605239"/>
+                <a:gd name="connsiteY117" fmla="*/ 373273 h 605239"/>
+                <a:gd name="connsiteX118" fmla="*/ 373273 h 605239"/>
+                <a:gd name="connsiteY118" fmla="*/ 373273 h 605239"/>
+                <a:gd name="connsiteX119" fmla="*/ 373273 h 605239"/>
+                <a:gd name="connsiteY119" fmla="*/ 373273 h 605239"/>
+                <a:gd name="connsiteX120" fmla="*/ 373273 h 605239"/>
+                <a:gd name="connsiteY120" fmla="*/ 373273 h 605239"/>
+                <a:gd name="connsiteX121" fmla="*/ 373273 h 605239"/>
+                <a:gd name="connsiteY121" fmla="*/ 373273 h 605239"/>
+                <a:gd name="connsiteX122" fmla="*/ 373273 h 605239"/>
+                <a:gd name="connsiteY122" fmla="*/ 373273 h 605239"/>
+                <a:gd name="connsiteX123" fmla="*/ 373273 h 605239"/>
+                <a:gd name="connsiteY123" fmla="*/ 373273 h 605239"/>
+                <a:gd name="connsiteX124" fmla="*/ 373273 h 605239"/>
+                <a:gd name="connsiteY124" fmla="*/ 373273 h 605239"/>
+                <a:gd name="connsiteX125" fmla="*/ 373273 h 605239"/>
+                <a:gd name="connsiteY125" fmla="*/ 373273 h 605239"/>
+                <a:gd name="connsiteX126" fmla="*/ 373273 h 605239"/>
+                <a:gd name="connsiteY126" fmla="*/ 373273 h 605239"/>
+                <a:gd name="connsiteX127" fmla="*/ 373273 h 605239"/>
+                <a:gd name="connsiteY127" fmla="*/ 373273 h 605239"/>
+              </a:gdLst>
+              <a:ahLst/>
+              <a:cxnLst>
+                <a:cxn ang="0">
+                  <a:pos x="connsiteX0" y="connsiteY0"/>
+                </a:cxn>
+                <a:cxn ang="0">
+                  <a:pos x="connsiteX1" y="connsiteY1"/>
+                </a:cxn>
+                <a:cxn ang="0">
+                  <a:pos x="connsiteX2" y="connsiteY2"/>
+                </a:cxn>
+                <a:cxn ang="0">
+                  <a:pos x="connsiteX3" y="connsiteY3"/>
+                </a:cxn>
+                <a:cxn ang="0">
+                  <a:pos x="connsiteX4" y="connsiteY4"/>
+                </a:cxn>
+                <a:cxn ang="0">
+                  <a:pos x="connsiteX5" y="connsiteY5"/>
+                </a:cxn>
+                <a:cxn ang="0">
+                  <a:pos x="connsiteX6" y="connsiteY6"/>
+                </a:cxn>
+                <a:cxn ang="0">
+                  <a:pos x="connsiteX7" y="connsiteY7"/>
+                </a:cxn>
+                <a:cxn ang="0">
+                  <a:pos x="connsiteX8" y="connsiteY8"/>
+                </a:cxn>
+                <a:cxn ang="0">
+                  <a:pos x="connsiteX9" y="connsiteY9"/>
+                </a:cxn>
+                <a:cxn ang="0">
+                  <a:pos x="connsiteX10" y="connsiteY10"/>
+                </a:cxn>
+                <a:cxn ang="0">
+                  <a:pos x="connsiteX11" y="connsiteY11"/>
+                </a:cxn>
+                <a:cxn ang="0">
+                  <a:pos x="connsiteX12" y="connsiteY12"/>
+                </a:cxn>
+                <a:cxn ang="0">
+                  <a:pos x="connsiteX13" y="connsiteY13"/>
+                </a:cxn>
+                <a:cxn ang="0">
+                  <a:pos x="connsiteX14" y="connsiteY14"/>
+                </a:cxn>
+                <a:cxn ang="0">
+                  <a:pos x="connsiteX15" y="connsiteY15"/>
+                </a:cxn>
+                <a:cxn ang="0">
+                  <a:pos x="connsiteX16" y="connsiteY16"/>
+                </a:cxn>
+                <a:cxn ang="0">
+                  <a:pos x="connsiteX17" y="connsiteY17"/>
+                </a:cxn>
+                <a:cxn ang="0">
+                  <a:pos x="connsiteX18" y="connsiteY18"/>
+                </a:cxn>
+                <a:cxn ang="0">
+                  <a:pos x="connsiteX19" y="connsiteY19"/>
+                </a:cxn>
+                <a:cxn ang="0">
+                  <a:pos x="connsiteX20" y="connsiteY20"/>
+                </a:cxn>
+                <a:cxn ang="0">
+                  <a:pos x="connsiteX21" y="connsiteY21"/>
+                </a:cxn>
+                <a:cxn ang="0">
+                  <a:pos x="connsiteX22" y="connsiteY22"/>
+                </a:cxn>
+                <a:cxn ang="0">
+                  <a:pos x="connsiteX23" y="connsiteY23"/>
+                </a:cxn>
+                <a:cxn ang="0">
+                  <a:pos x="connsiteX24" y="connsiteY24"/>
+                </a:cxn>
+                <a:cxn ang="0">
+                  <a:pos x="connsiteX25" y="connsiteY25"/>
+                </a:cxn>
+                <a:cxn ang="0">
+                  <a:pos x="connsiteX26" y="connsiteY26"/>
+                </a:cxn>
+                <a:cxn ang="0">
+                  <a:pos x="connsiteX27" y="connsiteY27"/>
+                </a:cxn>
+                <a:cxn ang="0">
+                  <a:pos x="connsiteX28" y="connsiteY28"/>
+                </a:cxn>
+                <a:cxn ang="0">
+                  <a:pos x="connsiteX29" y="connsiteY29"/>
+                </a:cxn>
+                <a:cxn ang="0">
+                  <a:pos x="connsiteX30" y="connsiteY30"/>
+                </a:cxn>
+                <a:cxn ang="0">
+                  <a:pos x="connsiteX31" y="connsiteY31"/>
+                </a:cxn>
+                <a:cxn ang="0">
+                  <a:pos x="connsiteX32" y="connsiteY32"/>
+                </a:cxn>
+                <a:cxn ang="0">
+                  <a:pos x="connsiteX33" y="connsiteY33"/>
+                </a:cxn>
+                <a:cxn ang="0">
+                  <a:pos x="connsiteX34" y="connsiteY34"/>
+                </a:cxn>
+                <a:cxn ang="0">
+                  <a:pos x="connsiteX35" y="connsiteY35"/>
+                </a:cxn>
+                <a:cxn ang="0">
+                  <a:pos x="connsiteX36" y="connsiteY36"/>
+                </a:cxn>
+                <a:cxn ang="0">
+                  <a:pos x="connsiteX37" y="connsiteY37"/>
+                </a:cxn>
+                <a:cxn ang="0">
+                  <a:pos x="connsiteX38" y="connsiteY38"/>
+                </a:cxn>
+                <a:cxn ang="0">
+                  <a:pos x="connsiteX39" y="connsiteY39"/>
+                </a:cxn>
+                <a:cxn ang="0">
+                  <a:pos x="connsiteX40" y="connsiteY40"/>
+                </a:cxn>
+                <a:cxn ang="0">
+                  <a:pos x="connsiteX41" y="connsiteY41"/>
+                </a:cxn>
+                <a:cxn ang="0">
+                  <a:pos x="connsiteX42" y="connsiteY42"/>
+                </a:cxn>
+                <a:cxn ang="0">
+                  <a:pos x="connsiteX43" y="connsiteY43"/>
+                </a:cxn>
+                <a:cxn ang="0">
+                  <a:pos x="connsiteX44" y="connsiteY44"/>
+                </a:cxn>
+                <a:cxn ang="0">
+                  <a:pos x="connsiteX45" y="connsiteY45"/>
+                </a:cxn>
+                <a:cxn ang="0">
+                  <a:pos x="connsiteX46" y="connsiteY46"/>
+                </a:cxn>
+                <a:cxn ang="0">
+                  <a:pos x="connsiteX47" y="connsiteY47"/>
+                </a:cxn>
+                <a:cxn ang="0">
+                  <a:pos x="connsiteX48" y="connsiteY48"/>
+                </a:cxn>
+                <a:cxn ang="0">
+                  <a:pos x="connsiteX49" y="connsiteY49"/>
+                </a:cxn>
+                <a:cxn ang="0">
+                  <a:pos x="connsiteX50" y="connsiteY50"/>
+                </a:cxn>
+                <a:cxn ang="0">
+                  <a:pos x="connsiteX51" y="connsiteY51"/>
+                </a:cxn>
+                <a:cxn ang="0">
+                  <a:pos x="connsiteX52" y="connsiteY52"/>
+                </a:cxn>
+                <a:cxn ang="0">
+                  <a:pos x="connsiteX53" y="connsiteY53"/>
+                </a:cxn>
+                <a:cxn ang="0">
+                  <a:pos x="connsiteX54" y="connsiteY54"/>
+                </a:cxn>
+                <a:cxn ang="0">
+                  <a:pos x="connsiteX55" y="connsiteY55"/>
+                </a:cxn>
+                <a:cxn ang="0">
+                  <a:pos x="connsiteX56" y="connsiteY56"/>
+                </a:cxn>
+                <a:cxn ang="0">
+                  <a:pos x="connsiteX57" y="connsiteY57"/>
+                </a:cxn>
+                <a:cxn ang="0">
+                  <a:pos x="connsiteX58" y="connsiteY58"/>
+                </a:cxn>
+                <a:cxn ang="0">
+                  <a:pos x="connsiteX59" y="connsiteY59"/>
+                </a:cxn>
+                <a:cxn ang="0">
+                  <a:pos x="connsiteX60" y="connsiteY60"/>
+                </a:cxn>
+                <a:cxn ang="0">
+                  <a:pos x="connsiteX61" y="connsiteY61"/>
+                </a:cxn>
+                <a:cxn ang="0">
+                  <a:pos x="connsiteX62" y="connsiteY62"/>
+                </a:cxn>
+                <a:cxn ang="0">
+                  <a:pos x="connsiteX63" y="connsiteY63"/>
+                </a:cxn>
+                <a:cxn ang="0">
+                  <a:pos x="connsiteX64" y="connsiteY64"/>
+                </a:cxn>
+                <a:cxn ang="0">
+                  <a:pos x="connsiteX65" y="connsiteY65"/>
+                </a:cxn>
+                <a:cxn ang="0">
+                  <a:pos x="connsiteX66" y="connsiteY66"/>
+                </a:cxn>
+                <a:cxn ang="0">
+                  <a:pos x="connsiteX67" y="connsiteY67"/>
+                </a:cxn>
+                <a:cxn ang="0">
+                  <a:pos x="connsiteX68" y="connsiteY68"/>
+                </a:cxn>
+                <a:cxn ang="0">
+                  <a:pos x="connsiteX69" y="connsiteY69"/>
+                </a:cxn>
+                <a:cxn ang="0">
+                  <a:pos x="connsiteX70" y="connsiteY70"/>
+                </a:cxn>
+                <a:cxn ang="0">
+                  <a:pos x="connsiteX71" y="connsiteY71"/>
+                </a:cxn>
+                <a:cxn ang="0">
+                  <a:pos x="connsiteX72" y="connsiteY72"/>
+                </a:cxn>
+                <a:cxn ang="0">
+                  <a:pos x="connsiteX73" y="connsiteY73"/>
+                </a:cxn>
+                <a:cxn ang="0">
+                  <a:pos x="connsiteX74" y="connsiteY74"/>
+                </a:cxn>
+                <a:cxn ang="0">
+                  <a:pos x="connsiteX75" y="connsiteY75"/>
+                </a:cxn>
+                <a:cxn ang="0">
+                  <a:pos x="connsiteX76" y="connsiteY76"/>
+                </a:cxn>
+                <a:cxn ang="0">
+                  <a:pos x="connsiteX77" y="connsiteY77"/>
+                </a:cxn>
+                <a:cxn ang="0">
+                  <a:pos x="connsiteX78" y="connsiteY78"/>
+                </a:cxn>
+                <a:cxn ang="0">
+                  <a:pos x="connsiteX79" y="connsiteY79"/>
+                </a:cxn>
+                <a:cxn ang="0">
+                  <a:pos x="connsiteX80" y="connsiteY80"/>
+                </a:cxn>
+                <a:cxn ang="0">
+                  <a:pos x="connsiteX81" y="connsiteY81"/>
+                </a:cxn>
+                <a:cxn ang="0">
+                  <a:pos x="connsiteX82" y="connsiteY82"/>
+                </a:cxn>
+                <a:cxn ang="0">
+                  <a:pos x="connsiteX83" y="connsiteY83"/>
+                </a:cxn>
+                <a:cxn ang="0">
+                  <a:pos x="connsiteX84" y="connsiteY84"/>
+                </a:cxn>
+                <a:cxn ang="0">
+                  <a:pos x="connsiteX85" y="connsiteY85"/>
+                </a:cxn>
+                <a:cxn ang="0">
+                  <a:pos x="connsiteX86" y="connsiteY86"/>
+                </a:cxn>
+                <a:cxn ang="0">
+                  <a:pos x="connsiteX87" y="connsiteY87"/>
+                </a:cxn>
+                <a:cxn ang="0">
+                  <a:pos x="connsiteX88" y="connsiteY88"/>
+                </a:cxn>
+                <a:cxn ang="0">
+                  <a:pos x="connsiteX89" y="connsiteY89"/>
+                </a:cxn>
+                <a:cxn ang="0">
+                  <a:pos x="connsiteX90" y="connsiteY90"/>
+                </a:cxn>
+                <a:cxn ang="0">
+                  <a:pos x="connsiteX91" y="connsiteY91"/>
+                </a:cxn>
+                <a:cxn ang="0">
+                  <a:pos x="connsiteX92" y="connsiteY92"/>
+                </a:cxn>
+                <a:cxn ang="0">
+                  <a:pos x="connsiteX93" y="connsiteY93"/>
+                </a:cxn>
+                <a:cxn ang="0">
+                  <a:pos x="connsiteX94" y="connsiteY94"/>
+                </a:cxn>
+                <a:cxn ang="0">
+                  <a:pos x="connsiteX95" y="connsiteY95"/>
+                </a:cxn>
+                <a:cxn ang="0">
+                  <a:pos x="connsiteX96" y="connsiteY96"/>
+                </a:cxn>
+                <a:cxn ang="0">
+                  <a:pos x="connsiteX97" y="connsiteY97"/>
+                </a:cxn>
+                <a:cxn ang="0">
+                  <a:pos x="connsiteX98" y="connsiteY98"/>
+                </a:cxn>
+                <a:cxn ang="0">
+                  <a:pos x="connsiteX99" y="connsiteY99"/>
+                </a:cxn>
+                <a:cxn ang="0">
+                  <a:pos x="connsiteX100" y="connsiteY100"/>
+                </a:cxn>
+                <a:cxn ang="0">
+                  <a:pos x="connsiteX101" y="connsiteY101"/>
+                </a:cxn>
+                <a:cxn ang="0">
+                  <a:pos x="connsiteX102" y="connsiteY102"/>
+                </a:cxn>
+                <a:cxn ang="0">
+                  <a:pos x="connsiteX103" y="connsiteY103"/>
+                </a:cxn>
+                <a:cxn ang="0">
+                  <a:pos x="connsiteX104" y="connsiteY104"/>
+                </a:cxn>
+                <a:cxn ang="0">
+                  <a:pos x="connsiteX105" y="connsiteY105"/>
+                </a:cxn>
+                <a:cxn ang="0">
+                  <a:pos x="connsiteX106" y="connsiteY106"/>
+                </a:cxn>
+                <a:cxn ang="0">
+                  <a:pos x="connsiteX107" y="connsiteY107"/>
+                </a:cxn>
+                <a:cxn ang="0">
+                  <a:pos x="connsiteX108" y="connsiteY108"/>
+                </a:cxn>
+                <a:cxn ang="0">
+                  <a:pos x="connsiteX109" y="connsiteY109"/>
+                </a:cxn>
+                <a:cxn ang="0">
+                  <a:pos x="connsiteX110" y="connsiteY110"/>
+                </a:cxn>
+                <a:cxn ang="0">
+                  <a:pos x="connsiteX111" y="connsiteY111"/>
+                </a:cxn>
+                <a:cxn ang="0">
+                  <a:pos x="connsiteX112" y="connsiteY112"/>
+                </a:cxn>
+                <a:cxn ang="0">
+                  <a:pos x="connsiteX113" y="connsiteY113"/>
+                </a:cxn>
+                <a:cxn ang="0">
+                  <a:pos x="connsiteX114" y="connsiteY114"/>
+                </a:cxn>
+                <a:cxn ang="0">
+                  <a:pos x="connsiteX115" y="connsiteY115"/>
+                </a:cxn>
+                <a:cxn ang="0">
+                  <a:pos x="connsiteX116" y="connsiteY116"/>
+                </a:cxn>
+                <a:cxn ang="0">
+                  <a:pos x="connsiteX117" y="connsiteY117"/>
+                </a:cxn>
+                <a:cxn ang="0">
+                  <a:pos x="connsiteX118" y="connsiteY118"/>
+                </a:cxn>
+                <a:cxn ang="0">
+                  <a:pos x="connsiteX119" y="connsiteY119"/>
+                </a:cxn>
+                <a:cxn ang="0">
+                  <a:pos x="connsiteX120" y="connsiteY120"/>
+                </a:cxn>
+                <a:cxn ang="0">
+                  <a:pos x="connsiteX121" y="connsiteY121"/>
+                </a:cxn>
+                <a:cxn ang="0">
+                  <a:pos x="connsiteX122" y="connsiteY122"/>
+                </a:cxn>
+                <a:cxn ang="0">
+                  <a:pos x="connsiteX123" y="connsiteY123"/>
+                </a:cxn>
+                <a:cxn ang="0">
+                  <a:pos x="connsiteX124" y="connsiteY124"/>
+                </a:cxn>
+                <a:cxn ang="0">
+                  <a:pos x="connsiteX125" y="connsiteY125"/>
+                </a:cxn>
+                <a:cxn ang="0">
+                  <a:pos x="connsiteX126" y="connsiteY126"/>
+                </a:cxn>
+                <a:cxn ang="0">
+                  <a:pos x="connsiteX127" y="connsiteY127"/>
+                </a:cxn>
+              </a:cxnLst>
+              <a:rect l="l" t="t" r="r" b="b"/>
+              <a:pathLst>
+                <a:path w="606933" h="553162">
+                  <a:moveTo>
+                    <a:pt x="443700" y="443503"/>
+                  </a:moveTo>
+                  <a:cubicBezTo>
+                    <a:pt x="461035" y="453606"/>
+                    <a:pt x="477310" y="465825"/>
+                    <a:pt x="492334" y="479775"/>
+                  </a:cubicBezTo>
+                  <a:cubicBezTo>
+                    <a:pt x="460939" y="509024"/>
+                    <a:pt x="424150" y="530383"/>
+                    <a:pt x="384087" y="542506"/>
+                  </a:cubicBezTo>
+                  <a:cubicBezTo>
+                    <a:pt x="407971" y="518838"/>
+                    <a:pt x="428580" y="484875"/>
+                    <a:pt x="443700" y="443503"/>
+                  </a:cubicBezTo>
+                  <a:close/>
+                  <a:moveTo>
+                    <a:pt x="163232" y="443503"/>
+                  </a:moveTo>
+                  <a:cubicBezTo>
+                    <a:pt x="178352" y="484875"/>
+                    <a:pt x="198865" y="518838"/>
+                    <a:pt x="222845" y="542506"/>
+                  </a:cubicBezTo>
+                  <a:cubicBezTo>
+                    <a:pt x="182686" y="530383"/>
+                    <a:pt x="145897" y="509024"/>
+                    <a:pt x="114598" y="479775"/>
+                  </a:cubicBezTo>
+                  <a:cubicBezTo>
+                    <a:pt x="129622" y="465825"/>
+                    <a:pt x="145897" y="453606"/>
+                    <a:pt x="163232" y="443503"/>
+                  </a:cubicBezTo>
+                  <a:close/>
+                  <a:moveTo>
+                    <a:pt x="316062" y="405892"/>
+                  </a:moveTo>
+                  <a:cubicBezTo>
+                    <a:pt x="353060" y="407528"/>
+                    <a:pt x="388613" y="416377"/>
+                    <a:pt x="421275" y="431672"/>
+                  </a:cubicBezTo>
+                  <a:cubicBezTo>
+                    <a:pt x="397573" y="499968"/>
+                    <a:pt x="359034" y="545563"/>
+                    <a:pt x="316062" y="553162"/>
+                  </a:cubicBezTo>
+                  <a:close/>
+                  <a:moveTo>
+                    <a:pt x="290729" y="405892"/>
+                  </a:moveTo>
+                  <a:lnTo>
+                    <a:pt x="290729" y="553162"/>
+                  </a:lnTo>
+                  <a:cubicBezTo>
+                    <a:pt x="247883" y="545563"/>
+                    <a:pt x="209369" y="499968"/>
+                    <a:pt x="185587" y="431672"/>
+                  </a:cubicBezTo>
+                  <a:cubicBezTo>
+                    <a:pt x="218227" y="416377"/>
+                    <a:pt x="253852" y="407528"/>
+                    <a:pt x="290729" y="405892"/>
+                  </a:cubicBezTo>
+                  <a:close/>
+                  <a:moveTo>
+                    <a:pt x="463924" y="364965"/>
+                  </a:moveTo>
+                  <a:lnTo>
+                    <a:pt x="567205" y="364965"/>
+                  </a:lnTo>
+                  <a:lnTo>
+                    <a:pt x="543818" y="416184"/>
+                  </a:lnTo>
+                  <a:cubicBezTo>
+                    <a:pt x="534304" y="432408"/>
+                    <a:pt x="523128" y="447695"/>
+                    <a:pt x="510459" y="461780"/>
+                  </a:cubicBezTo>
+                  <a:cubicBezTo>
+                    <a:pt x="492442" y="444859"/>
+                    <a:pt x="472692" y="430534"/>
+                    <a:pt x="451689" y="418708"/>
+                  </a:cubicBezTo>
+                  <a:close/>
+                  <a:moveTo>
+                    <a:pt x="316062" y="364965"/>
+                  </a:moveTo>
+                  <a:lnTo>
+                    <a:pt x="438281" y="364965"/>
+                  </a:lnTo>
+                  <a:lnTo>
+                    <a:pt x="428843" y="407092"/>
+                  </a:lnTo>
+                  <a:cubicBezTo>
+                    <a:pt x="393689" y="391126"/>
+                    <a:pt x="355646" y="381989"/>
+                    <a:pt x="316062" y="380450"/>
+                  </a:cubicBezTo>
+                  <a:close/>
+                  <a:moveTo>
+                    <a:pt x="168651" y="364965"/>
+                  </a:moveTo>
+                  <a:lnTo>
+                    <a:pt x="290729" y="364965"/>
+                  </a:lnTo>
+                  <a:lnTo>
+                    <a:pt x="290729" y="380450"/>
+                  </a:lnTo>
+                  <a:cubicBezTo>
+                    <a:pt x="251256" y="381989"/>
+                    <a:pt x="213131" y="391126"/>
+                    <a:pt x="178086" y="407092"/>
+                  </a:cubicBezTo>
+                  <a:close/>
+                  <a:moveTo>
+                    <a:pt x="39659" y="364965"/>
+                  </a:moveTo>
+                  <a:lnTo>
+                    <a:pt x="143035" y="364965"/>
+                  </a:lnTo>
+                  <a:lnTo>
+                    <a:pt x="155174" y="418708"/>
+                  </a:lnTo>
+                  <a:cubicBezTo>
+                    <a:pt x="134171" y="430534"/>
+                    <a:pt x="114421" y="444859"/>
+                    <a:pt x="96501" y="461780"/>
+                  </a:cubicBezTo>
+                  <a:cubicBezTo>
+                    <a:pt x="83832" y="447695"/>
+                    <a:pt x="72632" y="432408"/>
+                    <a:pt x="63094" y="416184"/>
+                  </a:cubicBezTo>
+                  <a:close/>
+                  <a:moveTo>
+                    <a:pt x="417814" y="222493"/>
+                  </a:moveTo>
+                  <a:lnTo>
+                    <a:pt x="435824" y="283675"/>
+                  </a:lnTo>
+                  <a:lnTo>
+                    <a:pt x="445648" y="252507"/>
+                  </a:lnTo>
+                  <a:lnTo>
+                    <a:pt x="469822" y="252507"/>
+                  </a:lnTo>
+                  <a:lnTo>
+                    <a:pt x="479550" y="283675"/>
+                  </a:lnTo>
+                  <a:lnTo>
+                    <a:pt x="497657" y="222493"/>
+                  </a:lnTo>
+                  <a:lnTo>
+                    <a:pt x="521831" y="229612"/>
+                  </a:lnTo>
+                  <a:lnTo>
+                    <a:pt x="492167" y="330619"/>
+                  </a:lnTo>
+                  <a:lnTo>
+                    <a:pt x="467992" y="330811"/>
+                  </a:lnTo>
+                  <a:lnTo>
+                    <a:pt x="457687" y="298393"/>
+                  </a:lnTo>
+                  <a:lnTo>
+                    <a:pt x="447478" y="330811"/>
+                  </a:lnTo>
+                  <a:lnTo>
+                    <a:pt x="423304" y="330619"/>
+                  </a:lnTo>
+                  <a:lnTo>
+                    <a:pt x="393543" y="229612"/>
+                  </a:lnTo>
+                  <a:close/>
+                  <a:moveTo>
+                    <a:pt x="263629" y="222493"/>
+                  </a:moveTo>
+                  <a:lnTo>
+                    <a:pt x="281639" y="283675"/>
+                  </a:lnTo>
+                  <a:lnTo>
+                    <a:pt x="291463" y="252507"/>
+                  </a:lnTo>
+                  <a:lnTo>
+                    <a:pt x="315541" y="252507"/>
+                  </a:lnTo>
+                  <a:lnTo>
+                    <a:pt x="325365" y="283675"/>
+                  </a:lnTo>
+                  <a:lnTo>
+                    <a:pt x="343375" y="222493"/>
+                  </a:lnTo>
+                  <a:lnTo>
+                    <a:pt x="367646" y="229612"/>
+                  </a:lnTo>
+                  <a:lnTo>
+                    <a:pt x="337886" y="330619"/>
+                  </a:lnTo>
+                  <a:lnTo>
+                    <a:pt x="313711" y="330811"/>
+                  </a:lnTo>
+                  <a:lnTo>
+                    <a:pt x="303502" y="298393"/>
+                  </a:lnTo>
+                  <a:lnTo>
+                    <a:pt x="293197" y="330811"/>
+                  </a:lnTo>
+                  <a:lnTo>
+                    <a:pt x="269022" y="330619"/>
+                  </a:lnTo>
+                  <a:lnTo>
+                    <a:pt x="239358" y="229612"/>
+                  </a:lnTo>
+                  <a:close/>
+                  <a:moveTo>
+                    <a:pt x="109302" y="222493"/>
+                  </a:moveTo>
+                  <a:lnTo>
+                    <a:pt x="127312" y="283675"/>
+                  </a:lnTo>
+                  <a:lnTo>
+                    <a:pt x="137136" y="252507"/>
+                  </a:lnTo>
+                  <a:lnTo>
+                    <a:pt x="161214" y="252507"/>
+                  </a:lnTo>
+                  <a:lnTo>
+                    <a:pt x="171038" y="283675"/>
+                  </a:lnTo>
+                  <a:lnTo>
+                    <a:pt x="189048" y="222493"/>
+                  </a:lnTo>
+                  <a:lnTo>
+                    <a:pt x="213319" y="229612"/>
+                  </a:lnTo>
+                  <a:lnTo>
+                    <a:pt x="183655" y="330619"/>
+                  </a:lnTo>
+                  <a:lnTo>
+                    <a:pt x="159384" y="330811"/>
+                  </a:lnTo>
+                  <a:lnTo>
+                    <a:pt x="149175" y="298393"/>
+                  </a:lnTo>
+                  <a:lnTo>
+                    <a:pt x="138966" y="330811"/>
+                  </a:lnTo>
+                  <a:lnTo>
+                    <a:pt x="114792" y="330619"/>
+                  </a:lnTo>
+                  <a:lnTo>
+                    <a:pt x="85031" y="229612"/>
+                  </a:lnTo>
+                  <a:close/>
+                  <a:moveTo>
+                    <a:pt x="25329" y="213374"/>
+                  </a:moveTo>
+                  <a:lnTo>
+                    <a:pt x="25329" y="339668"/>
+                  </a:lnTo>
+                  <a:lnTo>
+                    <a:pt x="581604" y="339668"/>
+                  </a:lnTo>
+                  <a:lnTo>
+                    <a:pt x="581604" y="213374"/>
+                  </a:lnTo>
+                  <a:close/>
+                  <a:moveTo>
+                    <a:pt x="96501" y="91312"/>
+                  </a:moveTo>
+                  <a:cubicBezTo>
+                    <a:pt x="114414" y="108145"/>
+                    <a:pt x="134157" y="122573"/>
+                    <a:pt x="155152" y="134404"/>
+                  </a:cubicBezTo>
+                  <a:cubicBezTo>
+                    <a:pt x="150241" y="151333"/>
+                    <a:pt x="146196" y="169320"/>
+                    <a:pt x="143017" y="188173"/>
+                  </a:cubicBezTo>
+                  <a:lnTo>
+                    <a:pt x="168635" y="188173"/>
+                  </a:lnTo>
+                  <a:cubicBezTo>
+                    <a:pt x="171236" y="173456"/>
+                    <a:pt x="174318" y="159413"/>
+                    <a:pt x="178074" y="145947"/>
+                  </a:cubicBezTo>
+                  <a:cubicBezTo>
+                    <a:pt x="213130" y="161914"/>
+                    <a:pt x="251268" y="171052"/>
+                    <a:pt x="290754" y="172687"/>
+                  </a:cubicBezTo>
+                  <a:lnTo>
+                    <a:pt x="290754" y="188173"/>
+                  </a:lnTo>
+                  <a:lnTo>
+                    <a:pt x="316083" y="188173"/>
+                  </a:lnTo>
+                  <a:lnTo>
+                    <a:pt x="316083" y="172687"/>
+                  </a:lnTo>
+                  <a:cubicBezTo>
+                    <a:pt x="355665" y="171052"/>
+                    <a:pt x="393707" y="161914"/>
+                    <a:pt x="428860" y="145947"/>
+                  </a:cubicBezTo>
+                  <a:cubicBezTo>
+                    <a:pt x="432519" y="159413"/>
+                    <a:pt x="435697" y="173456"/>
+                    <a:pt x="438298" y="188173"/>
+                  </a:cubicBezTo>
+                  <a:lnTo>
+                    <a:pt x="463916" y="188173"/>
+                  </a:lnTo>
+                  <a:cubicBezTo>
+                    <a:pt x="460737" y="169320"/>
+                    <a:pt x="456693" y="151333"/>
+                    <a:pt x="451685" y="134404"/>
+                  </a:cubicBezTo>
+                  <a:cubicBezTo>
+                    <a:pt x="472776" y="122573"/>
+                    <a:pt x="492423" y="108145"/>
+                    <a:pt x="510432" y="91312"/>
+                  </a:cubicBezTo>
+                  <a:cubicBezTo>
+                    <a:pt x="535761" y="119399"/>
+                    <a:pt x="555119" y="152487"/>
+                    <a:pt x="567158" y="188173"/>
+                  </a:cubicBezTo>
+                  <a:lnTo>
+                    <a:pt x="606933" y="188173"/>
+                  </a:lnTo>
+                  <a:lnTo>
+                    <a:pt x="606933" y="364965"/>
+                  </a:lnTo>
+                  <a:lnTo>
+                    <a:pt x="567205" y="364965"/>
+                  </a:lnTo>
+                  <a:lnTo>
+                    <a:pt x="567205" y="364964"/>
+                  </a:lnTo>
+                  <a:lnTo>
+                    <a:pt x="463925" y="364964"/>
+                  </a:lnTo>
+                  <a:lnTo>
+                    <a:pt x="463924" y="364965"/>
+                  </a:lnTo>
+                  <a:lnTo>
+                    <a:pt x="438281" y="364965"/>
+                  </a:lnTo>
+                  <a:lnTo>
+                    <a:pt x="438281" y="364964"/>
+                  </a:lnTo>
+                  <a:lnTo>
+                    <a:pt x="316062" y="364964"/>
+                  </a:lnTo>
+                  <a:lnTo>
+                    <a:pt x="316062" y="364965"/>
+                  </a:lnTo>
+                  <a:lnTo>
+                    <a:pt x="290729" y="364965"/>
+                  </a:lnTo>
+                  <a:lnTo>
+                    <a:pt x="290729" y="364964"/>
+                  </a:lnTo>
+                  <a:lnTo>
+                    <a:pt x="168651" y="364964"/>
+                  </a:lnTo>
+                  <a:lnTo>
+                    <a:pt x="168651" y="364965"/>
+                  </a:lnTo>
+                  <a:lnTo>
+                    <a:pt x="143035" y="364965"/>
+                  </a:lnTo>
+                  <a:lnTo>
+                    <a:pt x="143035" y="364964"/>
+                  </a:lnTo>
+                  <a:lnTo>
+                    <a:pt x="39658" y="364964"/>
+                  </a:lnTo>
+                  <a:lnTo>
+                    <a:pt x="39659" y="364965"/>
+                  </a:lnTo>
+                  <a:lnTo>
+                    <a:pt x="0" y="364965"/>
+                  </a:lnTo>
+                  <a:lnTo>
+                    <a:pt x="0" y="188173"/>
+                  </a:lnTo>
+                  <a:lnTo>
+                    <a:pt x="39679" y="188173"/>
+                  </a:lnTo>
+                  <a:cubicBezTo>
+                    <a:pt x="51717" y="152487"/>
+                    <a:pt x="71075" y="119399"/>
+                    <a:pt x="96501" y="91312"/>
+                  </a:cubicBezTo>
+                  <a:close/>
+                  <a:moveTo>
+                    <a:pt x="384087" y="10655"/>
+                  </a:moveTo>
+                  <a:cubicBezTo>
+                    <a:pt x="424150" y="22673"/>
+                    <a:pt x="460939" y="44114"/>
+                    <a:pt x="492334" y="73246"/>
+                  </a:cubicBezTo>
+                  <a:cubicBezTo>
+                    <a:pt x="477310" y="87283"/>
+                    <a:pt x="461035" y="99397"/>
+                    <a:pt x="443700" y="109588"/>
+                  </a:cubicBezTo>
+                  <a:cubicBezTo>
+                    <a:pt x="428580" y="68150"/>
+                    <a:pt x="407971" y="34211"/>
+                    <a:pt x="384087" y="10655"/>
+                  </a:cubicBezTo>
+                  <a:close/>
+                  <a:moveTo>
+                    <a:pt x="222845" y="10655"/>
+                  </a:moveTo>
+                  <a:cubicBezTo>
+                    <a:pt x="198865" y="34211"/>
+                    <a:pt x="178352" y="68150"/>
+                    <a:pt x="163232" y="109588"/>
+                  </a:cubicBezTo>
+                  <a:cubicBezTo>
+                    <a:pt x="145897" y="99397"/>
+                    <a:pt x="129622" y="87283"/>
+                    <a:pt x="114598" y="73246"/>
+                  </a:cubicBezTo>
+                  <a:cubicBezTo>
+                    <a:pt x="145897" y="44114"/>
+                    <a:pt x="182686" y="22673"/>
+                    <a:pt x="222845" y="10655"/>
+                  </a:cubicBezTo>
+                  <a:close/>
+                  <a:moveTo>
+                    <a:pt x="316062" y="0"/>
+                  </a:moveTo>
+                  <a:cubicBezTo>
+                    <a:pt x="358937" y="7501"/>
+                    <a:pt x="397477" y="53178"/>
+                    <a:pt x="421275" y="121358"/>
+                  </a:cubicBezTo>
+                  <a:cubicBezTo>
+                    <a:pt x="388613" y="136744"/>
+                    <a:pt x="353060" y="145494"/>
+                    <a:pt x="316062" y="147129"/>
+                  </a:cubicBezTo>
+                  <a:close/>
+                  <a:moveTo>
+                    <a:pt x="290729" y="0"/>
+                  </a:moveTo>
+                  <a:lnTo>
+                    <a:pt x="290729" y="147129"/>
+                  </a:lnTo>
+                  <a:cubicBezTo>
+                    <a:pt x="253852" y="145494"/>
+                    <a:pt x="218227" y="136744"/>
+                    <a:pt x="185587" y="121358"/>
+                  </a:cubicBezTo>
+                  <a:cubicBezTo>
+                    <a:pt x="209369" y="53178"/>
+                    <a:pt x="247883" y="7501"/>
+                    <a:pt x="290729" y="0"/>
+                  </a:cubicBezTo>
+                  <a:close/>
+                </a:path>
+              </a:pathLst>
+            </a:custGeom>
+            <a:solidFill>
+              <a:schemeClr val="bg1"/>
+            </a:solidFill>
+            <a:ln>
+              <a:noFill/>
+            </a:ln>
+          </p:spPr>
+          <p:txBody>
+            <a:bodyPr anchor="ctr"/>
+            <a:lstStyle/>
+            <a:p>
+              <a:pPr marL="0" marR="0" lvl="0" indent="0" algn="ctr" defTabSz="914400" rtl="0" eaLnBrk="1" fontAlgn="auto" latinLnBrk="0" hangingPunct="1">
+                <a:lnSpc>
+                  <a:spcPct val="100000"/>
+                </a:lnSpc>
+                <a:spcBef>
+                  <a:spcPts val="0"/>
+                </a:spcBef>
+                <a:spcAft>
+                  <a:spcPts val="0"/>
+                </a:spcAft>
+                <a:buClrTx/>
+                <a:buSzTx/>
+                <a:buFontTx/>
+                <a:buNone/>
+                <a:tabLst/>
+                <a:defRPr/>
+              </a:pPr>
+              <a:endParaRPr kumimoji="0" sz="1800" b="0" i="0" u="none" strike="noStrike" kern="1200" cap="none" spc="0" normalizeH="0" baseline="0" noProof="0">
+                <a:ln>
+                  <a:noFill/>
+                </a:ln>
+                <a:solidFill>
+                  <a:srgbClr val="000000"/>
+                </a:solidFill>
+                <a:effectLst/>
+                <a:uLnTx/>
+                <a:uFillTx/>
+                <a:latin typeface="微软雅黑 Light" panose="020F0502020204030204"/>
+                <a:cs typeface="+mn-cs"/>
+              </a:endParaRPr>
+            </a:p>
+          </p:txBody>
+        </p:sp>
+        <p:sp>
+          <p:nvSpPr>
+            <p:cNvPr id="12" name="îṥļîḑé-Oval 13"/>
+            <p:cNvSpPr/>
+            <p:nvPr/>
+          </p:nvSpPr>
+          <p:spPr>
+            <a:xfrm>
+              <a:off x="6721321" y="4467018"/>
+              <a:ext cx="656438" cy="656442"/>
+            </a:xfrm>
+            <a:prstGeom prst="ellipse">
+              <a:avLst/>
+            </a:prstGeom>
+            <a:solidFill>
+              <a:schemeClr val="accent2"/>
+            </a:solidFill>
+            <a:ln w="76200">
+              <a:solidFill>
+                <a:schemeClr val="bg1"/>
+              </a:solidFill>
+            </a:ln>
+          </p:spPr>
+          <p:style>
+            <a:lnRef idx="2">
+              <a:schemeClr val="accent1">
+                <a:shade val="50000"/>
+              </a:schemeClr>
+            </a:lnRef>
+            <a:fillRef idx="1">
+              <a:schemeClr val="accent1"/>
+            </a:fillRef>
+            <a:effectRef idx="0">
+              <a:schemeClr val="accent1"/>
+            </a:effectRef>
+            <a:fontRef idx="minor">
+              <a:schemeClr val="lt1"/>
+            </a:fontRef>
+          </p:style>
+          <p:txBody>
+            <a:bodyPr anchor="ctr"/>
+            <a:lstStyle/>
+            <a:p>
+              <a:pPr marL="0" marR="0" lvl="0" indent="0" algn="ctr" defTabSz="914400" rtl="0" eaLnBrk="1" fontAlgn="auto" latinLnBrk="0" hangingPunct="1">
+                <a:lnSpc>
+                  <a:spcPct val="100000"/>
+                </a:lnSpc>
+                <a:spcBef>
+                  <a:spcPts val="0"/>
+                </a:spcBef>
+                <a:spcAft>
+                  <a:spcPts val="0"/>
+                </a:spcAft>
+                <a:buClrTx/>
+                <a:buSzTx/>
+                <a:buFontTx/>
+                <a:buNone/>
+                <a:tabLst/>
+                <a:defRPr/>
+              </a:pPr>
+              <a:endParaRPr kumimoji="0" sz="1800" b="0" i="0" u="none" strike="noStrike" kern="1200" cap="none" spc="0" normalizeH="0" baseline="0" noProof="0">
+                <a:ln>
+                  <a:noFill/>
+                </a:ln>
+                <a:solidFill>
+                  <a:srgbClr val="FFFFFF"/>
+                </a:solidFill>
+                <a:effectLst/>
+                <a:uLnTx/>
+                <a:uFillTx/>
+                <a:latin typeface="微软雅黑 Light" panose="020F0502020204030204"/>
+                <a:cs typeface="+mn-cs"/>
+              </a:endParaRPr>
+            </a:p>
+          </p:txBody>
+        </p:sp>
+        <p:sp>
+          <p:nvSpPr>
+            <p:cNvPr id="13" name="îṥļîḑé-任意多边形: 形状 14"/>
+            <p:cNvSpPr>
+              <a:spLocks/>
+            </p:cNvSpPr>
+            <p:nvPr/>
+          </p:nvSpPr>
+          <p:spPr bwMode="auto">
+            <a:xfrm>
+              <a:off x="6856939" y="4613195"/>
+              <a:ext cx="385203" cy="364088"/>
+            </a:xfrm>
+            <a:custGeom>
+              <a:avLst/>
+              <a:gdLst>
+                <a:gd name="connsiteX0" fmla="*/ 7031 w 607639"/>
+                <a:gd name="connsiteY0" fmla="*/ 350992 h 574332"/>
+                <a:gd name="connsiteX1" fmla="*/ 600519 w 607639"/>
+                <a:gd name="connsiteY1" fmla="*/ 350992 h 574332"/>
+                <a:gd name="connsiteX2" fmla="*/ 607639 w 607639"/>
+                <a:gd name="connsiteY2" fmla="*/ 358013 h 574332"/>
+                <a:gd name="connsiteX3" fmla="*/ 607639 w 607639"/>
+                <a:gd name="connsiteY3" fmla="*/ 393207 h 574332"/>
+                <a:gd name="connsiteX4" fmla="*/ 558152 w 607639"/>
+                <a:gd name="connsiteY4" fmla="*/ 442621 h 574332"/>
+                <a:gd name="connsiteX5" fmla="*/ 383613 w 607639"/>
+                <a:gd name="connsiteY5" fmla="*/ 442621 h 574332"/>
+                <a:gd name="connsiteX6" fmla="*/ 405330 w 607639"/>
+                <a:gd name="connsiteY6" fmla="*/ 532028 h 574332"/>
+                <a:gd name="connsiteX7" fmla="*/ 432121 w 607639"/>
+                <a:gd name="connsiteY7" fmla="*/ 532028 h 574332"/>
+                <a:gd name="connsiteX8" fmla="*/ 453304 w 607639"/>
+                <a:gd name="connsiteY8" fmla="*/ 553180 h 574332"/>
+                <a:gd name="connsiteX9" fmla="*/ 432121 w 607639"/>
+                <a:gd name="connsiteY9" fmla="*/ 574332 h 574332"/>
+                <a:gd name="connsiteX10" fmla="*/ 175429 w 607639"/>
+                <a:gd name="connsiteY10" fmla="*/ 574332 h 574332"/>
+                <a:gd name="connsiteX11" fmla="*/ 154246 w 607639"/>
+                <a:gd name="connsiteY11" fmla="*/ 553180 h 574332"/>
+                <a:gd name="connsiteX12" fmla="*/ 175429 w 607639"/>
+                <a:gd name="connsiteY12" fmla="*/ 532028 h 574332"/>
+                <a:gd name="connsiteX13" fmla="*/ 202309 w 607639"/>
+                <a:gd name="connsiteY13" fmla="*/ 532028 h 574332"/>
+                <a:gd name="connsiteX14" fmla="*/ 224026 w 607639"/>
+                <a:gd name="connsiteY14" fmla="*/ 442621 h 574332"/>
+                <a:gd name="connsiteX15" fmla="*/ 49487 w 607639"/>
+                <a:gd name="connsiteY15" fmla="*/ 442621 h 574332"/>
+                <a:gd name="connsiteX16" fmla="*/ 0 w 607639"/>
+                <a:gd name="connsiteY16" fmla="*/ 393207 h 574332"/>
+                <a:gd name="connsiteX17" fmla="*/ 0 w 607639"/>
+                <a:gd name="connsiteY17" fmla="*/ 358013 h 574332"/>
+                <a:gd name="connsiteX18" fmla="*/ 7031 w 607639"/>
+                <a:gd name="connsiteY18" fmla="*/ 350992 h 574332"/>
+                <a:gd name="connsiteX19" fmla="*/ 459979 w 607639"/>
+                <a:gd name="connsiteY19" fmla="*/ 139441 h 574332"/>
+                <a:gd name="connsiteX20" fmla="*/ 445827 w 607639"/>
+                <a:gd name="connsiteY20" fmla="*/ 153572 h 574332"/>
+                <a:gd name="connsiteX21" fmla="*/ 445827 w 607639"/>
+                <a:gd name="connsiteY21" fmla="*/ 256042 h 574332"/>
+                <a:gd name="connsiteX22" fmla="*/ 459979 w 607639"/>
+                <a:gd name="connsiteY22" fmla="*/ 270173 h 574332"/>
+                <a:gd name="connsiteX23" fmla="*/ 521749 w 607639"/>
+                <a:gd name="connsiteY23" fmla="*/ 270173 h 574332"/>
+                <a:gd name="connsiteX24" fmla="*/ 535901 w 607639"/>
+                <a:gd name="connsiteY24" fmla="*/ 256042 h 574332"/>
+                <a:gd name="connsiteX25" fmla="*/ 535901 w 607639"/>
+                <a:gd name="connsiteY25" fmla="*/ 153572 h 574332"/>
+                <a:gd name="connsiteX26" fmla="*/ 521749 w 607639"/>
+                <a:gd name="connsiteY26" fmla="*/ 139441 h 574332"/>
+                <a:gd name="connsiteX27" fmla="*/ 85890 w 607639"/>
+                <a:gd name="connsiteY27" fmla="*/ 124955 h 574332"/>
+                <a:gd name="connsiteX28" fmla="*/ 71738 w 607639"/>
+                <a:gd name="connsiteY28" fmla="*/ 139086 h 574332"/>
+                <a:gd name="connsiteX29" fmla="*/ 71738 w 607639"/>
+                <a:gd name="connsiteY29" fmla="*/ 256042 h 574332"/>
+                <a:gd name="connsiteX30" fmla="*/ 85890 w 607639"/>
+                <a:gd name="connsiteY30" fmla="*/ 270173 h 574332"/>
+                <a:gd name="connsiteX31" fmla="*/ 147571 w 607639"/>
+                <a:gd name="connsiteY31" fmla="*/ 270173 h 574332"/>
+                <a:gd name="connsiteX32" fmla="*/ 161723 w 607639"/>
+                <a:gd name="connsiteY32" fmla="*/ 256042 h 574332"/>
+                <a:gd name="connsiteX33" fmla="*/ 161723 w 607639"/>
+                <a:gd name="connsiteY33" fmla="*/ 139086 h 574332"/>
+                <a:gd name="connsiteX34" fmla="*/ 147571 w 607639"/>
+                <a:gd name="connsiteY34" fmla="*/ 124955 h 574332"/>
+                <a:gd name="connsiteX35" fmla="*/ 210586 w 607639"/>
+                <a:gd name="connsiteY35" fmla="*/ 81585 h 574332"/>
+                <a:gd name="connsiteX36" fmla="*/ 196435 w 607639"/>
+                <a:gd name="connsiteY36" fmla="*/ 95627 h 574332"/>
+                <a:gd name="connsiteX37" fmla="*/ 196435 w 607639"/>
+                <a:gd name="connsiteY37" fmla="*/ 256042 h 574332"/>
+                <a:gd name="connsiteX38" fmla="*/ 210586 w 607639"/>
+                <a:gd name="connsiteY38" fmla="*/ 270173 h 574332"/>
+                <a:gd name="connsiteX39" fmla="*/ 272356 w 607639"/>
+                <a:gd name="connsiteY39" fmla="*/ 270173 h 574332"/>
+                <a:gd name="connsiteX40" fmla="*/ 286419 w 607639"/>
+                <a:gd name="connsiteY40" fmla="*/ 256042 h 574332"/>
+                <a:gd name="connsiteX41" fmla="*/ 286419 w 607639"/>
+                <a:gd name="connsiteY41" fmla="*/ 95627 h 574332"/>
+                <a:gd name="connsiteX42" fmla="*/ 272356 w 607639"/>
+                <a:gd name="connsiteY42" fmla="*/ 81585 h 574332"/>
+                <a:gd name="connsiteX43" fmla="*/ 335283 w 607639"/>
+                <a:gd name="connsiteY43" fmla="*/ 52613 h 574332"/>
+                <a:gd name="connsiteX44" fmla="*/ 321131 w 607639"/>
+                <a:gd name="connsiteY44" fmla="*/ 66743 h 574332"/>
+                <a:gd name="connsiteX45" fmla="*/ 321131 w 607639"/>
+                <a:gd name="connsiteY45" fmla="*/ 256042 h 574332"/>
+                <a:gd name="connsiteX46" fmla="*/ 335283 w 607639"/>
+                <a:gd name="connsiteY46" fmla="*/ 270173 h 574332"/>
+                <a:gd name="connsiteX47" fmla="*/ 397053 w 607639"/>
+                <a:gd name="connsiteY47" fmla="*/ 270173 h 574332"/>
+                <a:gd name="connsiteX48" fmla="*/ 411115 w 607639"/>
+                <a:gd name="connsiteY48" fmla="*/ 256042 h 574332"/>
+                <a:gd name="connsiteX49" fmla="*/ 411115 w 607639"/>
+                <a:gd name="connsiteY49" fmla="*/ 66743 h 574332"/>
+                <a:gd name="connsiteX50" fmla="*/ 397053 w 607639"/>
+                <a:gd name="connsiteY50" fmla="*/ 52613 h 574332"/>
+                <a:gd name="connsiteX51" fmla="*/ 49487 w 607639"/>
+                <a:gd name="connsiteY51" fmla="*/ 0 h 574332"/>
+                <a:gd name="connsiteX52" fmla="*/ 558152 w 607639"/>
+                <a:gd name="connsiteY52" fmla="*/ 0 h 574332"/>
+                <a:gd name="connsiteX53" fmla="*/ 607639 w 607639"/>
+                <a:gd name="connsiteY53" fmla="*/ 49413 h 574332"/>
+                <a:gd name="connsiteX54" fmla="*/ 607639 w 607639"/>
+                <a:gd name="connsiteY54" fmla="*/ 315675 h 574332"/>
+                <a:gd name="connsiteX55" fmla="*/ 600519 w 607639"/>
+                <a:gd name="connsiteY55" fmla="*/ 322696 h 574332"/>
+                <a:gd name="connsiteX56" fmla="*/ 7031 w 607639"/>
+                <a:gd name="connsiteY56" fmla="*/ 322696 h 574332"/>
+                <a:gd name="connsiteX57" fmla="*/ 0 w 607639"/>
+                <a:gd name="connsiteY57" fmla="*/ 315675 h 574332"/>
+                <a:gd name="connsiteX58" fmla="*/ 0 w 607639"/>
+                <a:gd name="connsiteY58" fmla="*/ 49413 h 574332"/>
+                <a:gd name="connsiteX59" fmla="*/ 49487 w 607639"/>
+                <a:gd name="connsiteY59" fmla="*/ 0 h 574332"/>
+              </a:gdLst>
+              <a:ahLst/>
+              <a:cxnLst>
+                <a:cxn ang="0">
+                  <a:pos x="connsiteX0" y="connsiteY0"/>
+                </a:cxn>
+                <a:cxn ang="0">
+                  <a:pos x="connsiteX1" y="connsiteY1"/>
+                </a:cxn>
+                <a:cxn ang="0">
+                  <a:pos x="connsiteX2" y="connsiteY2"/>
+                </a:cxn>
+                <a:cxn ang="0">
+                  <a:pos x="connsiteX3" y="connsiteY3"/>
+                </a:cxn>
+                <a:cxn ang="0">
+                  <a:pos x="connsiteX4" y="connsiteY4"/>
+                </a:cxn>
+                <a:cxn ang="0">
+                  <a:pos x="connsiteX5" y="connsiteY5"/>
+                </a:cxn>
+                <a:cxn ang="0">
+                  <a:pos x="connsiteX6" y="connsiteY6"/>
+                </a:cxn>
+                <a:cxn ang="0">
+                  <a:pos x="connsiteX7" y="connsiteY7"/>
+                </a:cxn>
+                <a:cxn ang="0">
+                  <a:pos x="connsiteX8" y="connsiteY8"/>
+                </a:cxn>
+                <a:cxn ang="0">
+                  <a:pos x="connsiteX9" y="connsiteY9"/>
+                </a:cxn>
+                <a:cxn ang="0">
+                  <a:pos x="connsiteX10" y="connsiteY10"/>
+                </a:cxn>
+                <a:cxn ang="0">
+                  <a:pos x="connsiteX11" y="connsiteY11"/>
+                </a:cxn>
+                <a:cxn ang="0">
+                  <a:pos x="connsiteX12" y="connsiteY12"/>
+                </a:cxn>
+                <a:cxn ang="0">
+                  <a:pos x="connsiteX13" y="connsiteY13"/>
+                </a:cxn>
+                <a:cxn ang="0">
+                  <a:pos x="connsiteX14" y="connsiteY14"/>
+                </a:cxn>
+                <a:cxn ang="0">
+                  <a:pos x="connsiteX15" y="connsiteY15"/>
+                </a:cxn>
+                <a:cxn ang="0">
+                  <a:pos x="connsiteX16" y="connsiteY16"/>
+                </a:cxn>
+                <a:cxn ang="0">
+                  <a:pos x="connsiteX17" y="connsiteY17"/>
+                </a:cxn>
+                <a:cxn ang="0">
+                  <a:pos x="connsiteX18" y="connsiteY18"/>
+                </a:cxn>
+                <a:cxn ang="0">
+                  <a:pos x="connsiteX19" y="connsiteY19"/>
+                </a:cxn>
+                <a:cxn ang="0">
+                  <a:pos x="connsiteX20" y="connsiteY20"/>
+                </a:cxn>
+                <a:cxn ang="0">
+                  <a:pos x="connsiteX21" y="connsiteY21"/>
+                </a:cxn>
+                <a:cxn ang="0">
+                  <a:pos x="connsiteX22" y="connsiteY22"/>
+                </a:cxn>
+                <a:cxn ang="0">
+                  <a:pos x="connsiteX23" y="connsiteY23"/>
+                </a:cxn>
+                <a:cxn ang="0">
+                  <a:pos x="connsiteX24" y="connsiteY24"/>
+                </a:cxn>
+                <a:cxn ang="0">
+                  <a:pos x="connsiteX25" y="connsiteY25"/>
+                </a:cxn>
+                <a:cxn ang="0">
+                  <a:pos x="connsiteX26" y="connsiteY26"/>
+                </a:cxn>
+                <a:cxn ang="0">
+                  <a:pos x="connsiteX27" y="connsiteY27"/>
+                </a:cxn>
+                <a:cxn ang="0">
+                  <a:pos x="connsiteX28" y="connsiteY28"/>
+                </a:cxn>
+                <a:cxn ang="0">
+                  <a:pos x="connsiteX29" y="connsiteY29"/>
+                </a:cxn>
+                <a:cxn ang="0">
+                  <a:pos x="connsiteX30" y="connsiteY30"/>
+                </a:cxn>
+                <a:cxn ang="0">
+                  <a:pos x="connsiteX31" y="connsiteY31"/>
+                </a:cxn>
+                <a:cxn ang="0">
+                  <a:pos x="connsiteX32" y="connsiteY32"/>
+                </a:cxn>
+                <a:cxn ang="0">
+                  <a:pos x="connsiteX33" y="connsiteY33"/>
+                </a:cxn>
+                <a:cxn ang="0">
+                  <a:pos x="connsiteX34" y="connsiteY34"/>
+                </a:cxn>
+                <a:cxn ang="0">
+                  <a:pos x="connsiteX35" y="connsiteY35"/>
+                </a:cxn>
+                <a:cxn ang="0">
+                  <a:pos x="connsiteX36" y="connsiteY36"/>
+                </a:cxn>
+                <a:cxn ang="0">
+                  <a:pos x="connsiteX37" y="connsiteY37"/>
+                </a:cxn>
+                <a:cxn ang="0">
+                  <a:pos x="connsiteX38" y="connsiteY38"/>
+                </a:cxn>
+                <a:cxn ang="0">
+                  <a:pos x="connsiteX39" y="connsiteY39"/>
+                </a:cxn>
+                <a:cxn ang="0">
+                  <a:pos x="connsiteX40" y="connsiteY40"/>
+                </a:cxn>
+                <a:cxn ang="0">
+                  <a:pos x="connsiteX41" y="connsiteY41"/>
+                </a:cxn>
+                <a:cxn ang="0">
+                  <a:pos x="connsiteX42" y="connsiteY42"/>
+                </a:cxn>
+                <a:cxn ang="0">
+                  <a:pos x="connsiteX43" y="connsiteY43"/>
+                </a:cxn>
+                <a:cxn ang="0">
+                  <a:pos x="connsiteX44" y="connsiteY44"/>
+                </a:cxn>
+                <a:cxn ang="0">
+                  <a:pos x="connsiteX45" y="connsiteY45"/>
+                </a:cxn>
+                <a:cxn ang="0">
+                  <a:pos x="connsiteX46" y="connsiteY46"/>
+                </a:cxn>
+                <a:cxn ang="0">
+                  <a:pos x="connsiteX47" y="connsiteY47"/>
+                </a:cxn>
+                <a:cxn ang="0">
+                  <a:pos x="connsiteX48" y="connsiteY48"/>
+                </a:cxn>
+                <a:cxn ang="0">
+                  <a:pos x="connsiteX49" y="connsiteY49"/>
+                </a:cxn>
+                <a:cxn ang="0">
+                  <a:pos x="connsiteX50" y="connsiteY50"/>
+                </a:cxn>
+                <a:cxn ang="0">
+                  <a:pos x="connsiteX51" y="connsiteY51"/>
+                </a:cxn>
+                <a:cxn ang="0">
+                  <a:pos x="connsiteX52" y="connsiteY52"/>
+                </a:cxn>
+                <a:cxn ang="0">
+                  <a:pos x="connsiteX53" y="connsiteY53"/>
+                </a:cxn>
+                <a:cxn ang="0">
+                  <a:pos x="connsiteX54" y="connsiteY54"/>
+                </a:cxn>
+                <a:cxn ang="0">
+                  <a:pos x="connsiteX55" y="connsiteY55"/>
+                </a:cxn>
+                <a:cxn ang="0">
+                  <a:pos x="connsiteX56" y="connsiteY56"/>
+                </a:cxn>
+                <a:cxn ang="0">
+                  <a:pos x="connsiteX57" y="connsiteY57"/>
+                </a:cxn>
+                <a:cxn ang="0">
+                  <a:pos x="connsiteX58" y="connsiteY58"/>
+                </a:cxn>
+                <a:cxn ang="0">
+                  <a:pos x="connsiteX59" y="connsiteY59"/>
+                </a:cxn>
+              </a:cxnLst>
+              <a:rect l="l" t="t" r="r" b="b"/>
+              <a:pathLst>
+                <a:path w="607639" h="574332">
+                  <a:moveTo>
+                    <a:pt x="7031" y="350992"/>
+                  </a:moveTo>
+                  <a:lnTo>
+                    <a:pt x="600519" y="350992"/>
+                  </a:lnTo>
+                  <a:cubicBezTo>
+                    <a:pt x="604435" y="350992"/>
+                    <a:pt x="607639" y="354103"/>
+                    <a:pt x="607639" y="358013"/>
+                  </a:cubicBezTo>
+                  <a:lnTo>
+                    <a:pt x="607639" y="393207"/>
+                  </a:lnTo>
+                  <a:cubicBezTo>
+                    <a:pt x="607639" y="420492"/>
+                    <a:pt x="585477" y="442621"/>
+                    <a:pt x="558152" y="442621"/>
+                  </a:cubicBezTo>
+                  <a:lnTo>
+                    <a:pt x="383613" y="442621"/>
+                  </a:lnTo>
+                  <a:lnTo>
+                    <a:pt x="405330" y="532028"/>
+                  </a:lnTo>
+                  <a:lnTo>
+                    <a:pt x="432121" y="532028"/>
+                  </a:lnTo>
+                  <a:cubicBezTo>
+                    <a:pt x="443869" y="532028"/>
+                    <a:pt x="453304" y="541538"/>
+                    <a:pt x="453304" y="553180"/>
+                  </a:cubicBezTo>
+                  <a:cubicBezTo>
+                    <a:pt x="453304" y="564912"/>
+                    <a:pt x="443869" y="574332"/>
+                    <a:pt x="432121" y="574332"/>
+                  </a:cubicBezTo>
+                  <a:lnTo>
+                    <a:pt x="175429" y="574332"/>
+                  </a:lnTo>
+                  <a:cubicBezTo>
+                    <a:pt x="163770" y="574332"/>
+                    <a:pt x="154246" y="564912"/>
+                    <a:pt x="154246" y="553180"/>
+                  </a:cubicBezTo>
+                  <a:cubicBezTo>
+                    <a:pt x="154246" y="541538"/>
+                    <a:pt x="163770" y="532028"/>
+                    <a:pt x="175429" y="532028"/>
+                  </a:cubicBezTo>
+                  <a:lnTo>
+                    <a:pt x="202309" y="532028"/>
+                  </a:lnTo>
+                  <a:lnTo>
+                    <a:pt x="224026" y="442621"/>
+                  </a:lnTo>
+                  <a:lnTo>
+                    <a:pt x="49487" y="442621"/>
+                  </a:lnTo>
+                  <a:cubicBezTo>
+                    <a:pt x="22162" y="442621"/>
+                    <a:pt x="0" y="420492"/>
+                    <a:pt x="0" y="393207"/>
+                  </a:cubicBezTo>
+                  <a:lnTo>
+                    <a:pt x="0" y="358013"/>
+                  </a:lnTo>
+                  <a:cubicBezTo>
+                    <a:pt x="0" y="354103"/>
+                    <a:pt x="3204" y="350992"/>
+                    <a:pt x="7031" y="350992"/>
+                  </a:cubicBezTo>
+                  <a:close/>
+                  <a:moveTo>
+                    <a:pt x="459979" y="139441"/>
+                  </a:moveTo>
+                  <a:cubicBezTo>
+                    <a:pt x="452236" y="139441"/>
+                    <a:pt x="445827" y="145751"/>
+                    <a:pt x="445827" y="153572"/>
+                  </a:cubicBezTo>
+                  <a:lnTo>
+                    <a:pt x="445827" y="256042"/>
+                  </a:lnTo>
+                  <a:cubicBezTo>
+                    <a:pt x="445827" y="263863"/>
+                    <a:pt x="452236" y="270173"/>
+                    <a:pt x="459979" y="270173"/>
+                  </a:cubicBezTo>
+                  <a:lnTo>
+                    <a:pt x="521749" y="270173"/>
+                  </a:lnTo>
+                  <a:cubicBezTo>
+                    <a:pt x="529492" y="270173"/>
+                    <a:pt x="535901" y="263863"/>
+                    <a:pt x="535901" y="256042"/>
+                  </a:cubicBezTo>
+                  <a:lnTo>
+                    <a:pt x="535901" y="153572"/>
+                  </a:lnTo>
+                  <a:cubicBezTo>
+                    <a:pt x="535901" y="145751"/>
+                    <a:pt x="529492" y="139441"/>
+                    <a:pt x="521749" y="139441"/>
+                  </a:cubicBezTo>
+                  <a:close/>
+                  <a:moveTo>
+                    <a:pt x="85890" y="124955"/>
+                  </a:moveTo>
+                  <a:cubicBezTo>
+                    <a:pt x="78058" y="124955"/>
+                    <a:pt x="71738" y="131265"/>
+                    <a:pt x="71738" y="139086"/>
+                  </a:cubicBezTo>
+                  <a:lnTo>
+                    <a:pt x="71738" y="256042"/>
+                  </a:lnTo>
+                  <a:cubicBezTo>
+                    <a:pt x="71738" y="263863"/>
+                    <a:pt x="78058" y="270173"/>
+                    <a:pt x="85890" y="270173"/>
+                  </a:cubicBezTo>
+                  <a:lnTo>
+                    <a:pt x="147571" y="270173"/>
+                  </a:lnTo>
+                  <a:cubicBezTo>
+                    <a:pt x="155403" y="270173"/>
+                    <a:pt x="161723" y="263863"/>
+                    <a:pt x="161723" y="256042"/>
+                  </a:cubicBezTo>
+                  <a:lnTo>
+                    <a:pt x="161723" y="139086"/>
+                  </a:lnTo>
+                  <a:cubicBezTo>
+                    <a:pt x="161723" y="131265"/>
+                    <a:pt x="155403" y="124955"/>
+                    <a:pt x="147571" y="124955"/>
+                  </a:cubicBezTo>
+                  <a:close/>
+                  <a:moveTo>
+                    <a:pt x="210586" y="81585"/>
+                  </a:moveTo>
+                  <a:cubicBezTo>
+                    <a:pt x="202754" y="81585"/>
+                    <a:pt x="196435" y="87895"/>
+                    <a:pt x="196435" y="95627"/>
+                  </a:cubicBezTo>
+                  <a:lnTo>
+                    <a:pt x="196435" y="256042"/>
+                  </a:lnTo>
+                  <a:cubicBezTo>
+                    <a:pt x="196435" y="263863"/>
+                    <a:pt x="202754" y="270173"/>
+                    <a:pt x="210586" y="270173"/>
+                  </a:cubicBezTo>
+                  <a:lnTo>
+                    <a:pt x="272356" y="270173"/>
+                  </a:lnTo>
+                  <a:cubicBezTo>
+                    <a:pt x="280100" y="270173"/>
+                    <a:pt x="286419" y="263863"/>
+                    <a:pt x="286419" y="256042"/>
+                  </a:cubicBezTo>
+                  <a:lnTo>
+                    <a:pt x="286419" y="95627"/>
+                  </a:lnTo>
+                  <a:cubicBezTo>
+                    <a:pt x="286419" y="87895"/>
+                    <a:pt x="280100" y="81585"/>
+                    <a:pt x="272356" y="81585"/>
+                  </a:cubicBezTo>
+                  <a:close/>
+                  <a:moveTo>
+                    <a:pt x="335283" y="52613"/>
+                  </a:moveTo>
+                  <a:cubicBezTo>
+                    <a:pt x="327450" y="52613"/>
+                    <a:pt x="321131" y="58923"/>
+                    <a:pt x="321131" y="66743"/>
+                  </a:cubicBezTo>
+                  <a:lnTo>
+                    <a:pt x="321131" y="256042"/>
+                  </a:lnTo>
+                  <a:cubicBezTo>
+                    <a:pt x="321131" y="263863"/>
+                    <a:pt x="327450" y="270173"/>
+                    <a:pt x="335283" y="270173"/>
+                  </a:cubicBezTo>
+                  <a:lnTo>
+                    <a:pt x="397053" y="270173"/>
+                  </a:lnTo>
+                  <a:cubicBezTo>
+                    <a:pt x="404796" y="270173"/>
+                    <a:pt x="411115" y="263863"/>
+                    <a:pt x="411115" y="256042"/>
+                  </a:cubicBezTo>
+                  <a:lnTo>
+                    <a:pt x="411115" y="66743"/>
+                  </a:lnTo>
+                  <a:cubicBezTo>
+                    <a:pt x="411115" y="58923"/>
+                    <a:pt x="404796" y="52613"/>
+                    <a:pt x="397053" y="52613"/>
+                  </a:cubicBezTo>
+                  <a:close/>
+                  <a:moveTo>
+                    <a:pt x="49487" y="0"/>
+                  </a:moveTo>
+                  <a:lnTo>
+                    <a:pt x="558152" y="0"/>
+                  </a:lnTo>
+                  <a:cubicBezTo>
+                    <a:pt x="585477" y="0"/>
+                    <a:pt x="607639" y="22129"/>
+                    <a:pt x="607639" y="49413"/>
+                  </a:cubicBezTo>
+                  <a:lnTo>
+                    <a:pt x="607639" y="315675"/>
+                  </a:lnTo>
+                  <a:cubicBezTo>
+                    <a:pt x="607639" y="319586"/>
+                    <a:pt x="604435" y="322696"/>
+                    <a:pt x="600519" y="322696"/>
+                  </a:cubicBezTo>
+                  <a:lnTo>
+                    <a:pt x="7031" y="322696"/>
+                  </a:lnTo>
+                  <a:cubicBezTo>
+                    <a:pt x="3204" y="322696"/>
+                    <a:pt x="0" y="319586"/>
+                    <a:pt x="0" y="315675"/>
+                  </a:cubicBezTo>
+                  <a:lnTo>
+                    <a:pt x="0" y="49413"/>
+                  </a:lnTo>
+                  <a:cubicBezTo>
+                    <a:pt x="0" y="22129"/>
+                    <a:pt x="22162" y="0"/>
+                    <a:pt x="49487" y="0"/>
+                  </a:cubicBezTo>
+                  <a:close/>
+                </a:path>
+              </a:pathLst>
+            </a:custGeom>
+            <a:solidFill>
+              <a:schemeClr val="bg1"/>
+            </a:solidFill>
+            <a:ln>
+              <a:noFill/>
+            </a:ln>
+          </p:spPr>
+          <p:txBody>
+            <a:bodyPr anchor="ctr"/>
+            <a:lstStyle/>
+            <a:p>
+              <a:pPr marL="0" marR="0" lvl="0" indent="0" algn="ctr" defTabSz="914400" rtl="0" eaLnBrk="1" fontAlgn="auto" latinLnBrk="0" hangingPunct="1">
+                <a:lnSpc>
+                  <a:spcPct val="100000"/>
+                </a:lnSpc>
+                <a:spcBef>
+                  <a:spcPts val="0"/>
+                </a:spcBef>
+                <a:spcAft>
+                  <a:spcPts val="0"/>
+                </a:spcAft>
+                <a:buClrTx/>
+                <a:buSzTx/>
+                <a:buFontTx/>
+                <a:buNone/>
+                <a:tabLst/>
+                <a:defRPr/>
+              </a:pPr>
+              <a:endParaRPr kumimoji="0" sz="1800" b="0" i="0" u="none" strike="noStrike" kern="1200" cap="none" spc="0" normalizeH="0" baseline="0" noProof="0">
+                <a:ln>
+                  <a:noFill/>
+                </a:ln>
+                <a:solidFill>
+                  <a:srgbClr val="000000"/>
+                </a:solidFill>
+                <a:effectLst/>
+                <a:uLnTx/>
+                <a:uFillTx/>
+                <a:latin typeface="微软雅黑 Light" panose="020F0502020204030204"/>
+                <a:cs typeface="+mn-cs"/>
+              </a:endParaRPr>
+            </a:p>
+          </p:txBody>
+        </p:sp>
+        <p:sp>
+          <p:nvSpPr>
+            <p:cNvPr id="20" name="îṥļîḑé-Rectangle 21"/>
+            <p:cNvSpPr/>
+            <p:nvPr/>
+          </p:nvSpPr>
+          <p:spPr>
+            <a:xfrm>
+              <a:off x="1581813" y="3808103"/>
+              <a:ext cx="3288629" cy="1974272"/>
+            </a:xfrm>
+            <a:prstGeom prst="rect">
+              <a:avLst/>
+            </a:prstGeom>
+            <a:noFill/>
+          </p:spPr>
+          <p:txBody>
+            <a:bodyPr wrap="none" lIns="0" tIns="0" rIns="0" bIns="0" anchor="ctr">
+              <a:normAutofit/>
+            </a:bodyPr>
+            <a:lstStyle/>
+            <a:p>
+              <a:r>
+                <a:rPr lang="en-US" altLang="zh-CN" sz="2000" dirty="0"/>
+                <a:t>1.</a:t>
+              </a:r>
+              <a:r>
+                <a:rPr lang="zh-CN" altLang="en-US" sz="2000" dirty="0"/>
+                <a:t>系统需要复用现有类</a:t>
+              </a:r>
+              <a:r>
+                <a:rPr lang="zh-CN" altLang="en-US" sz="2000" dirty="0" smtClean="0"/>
+                <a:t>，</a:t>
+              </a:r>
+              <a:endParaRPr lang="en-US" altLang="zh-CN" sz="2000" dirty="0" smtClean="0"/>
+            </a:p>
+            <a:p>
+              <a:r>
+                <a:rPr lang="zh-CN" altLang="en-US" sz="2000" dirty="0" smtClean="0"/>
+                <a:t>而</a:t>
+              </a:r>
+              <a:r>
+                <a:rPr lang="zh-CN" altLang="en-US" sz="2000" dirty="0"/>
+                <a:t>该类的接口不符合</a:t>
+              </a:r>
+              <a:r>
+                <a:rPr lang="zh-CN" altLang="en-US" sz="2000" dirty="0" smtClean="0"/>
+                <a:t>系</a:t>
+              </a:r>
+              <a:endParaRPr lang="en-US" altLang="zh-CN" sz="2000" dirty="0" smtClean="0"/>
+            </a:p>
+            <a:p>
+              <a:r>
+                <a:rPr lang="zh-CN" altLang="en-US" sz="2000" dirty="0" smtClean="0"/>
+                <a:t>统</a:t>
+              </a:r>
+              <a:r>
+                <a:rPr lang="zh-CN" altLang="en-US" sz="2000" dirty="0"/>
+                <a:t>的需求</a:t>
+              </a:r>
+              <a:endParaRPr lang="zh-CN" altLang="en-US" sz="2000" dirty="0"/>
+            </a:p>
+          </p:txBody>
+        </p:sp>
+        <p:sp>
+          <p:nvSpPr>
+            <p:cNvPr id="18" name="îṥļîḑé-Rectangle 19">
+              <a:extLst>
+                <a:ext uri="{FF2B5EF4-FFF2-40B4-BE49-F238E27FC236}">
+                  <a16:creationId xmlns:a16="http://schemas.microsoft.com/office/drawing/2014/main" id="{5AED6A06-2600-4AB6-A7AA-268D1EBCB912}"/>
+                </a:ext>
+              </a:extLst>
+            </p:cNvPr>
+            <p:cNvSpPr/>
+            <p:nvPr/>
+          </p:nvSpPr>
+          <p:spPr>
+            <a:xfrm>
+              <a:off x="4374087" y="1307733"/>
+              <a:ext cx="3330741" cy="1231418"/>
+            </a:xfrm>
+            <a:prstGeom prst="rect">
+              <a:avLst/>
+            </a:prstGeom>
+            <a:noFill/>
+          </p:spPr>
+          <p:txBody>
+            <a:bodyPr wrap="none" lIns="0" tIns="0" rIns="0" bIns="0" anchor="ctr">
+              <a:normAutofit fontScale="70000" lnSpcReduction="20000"/>
+            </a:bodyPr>
+            <a:lstStyle/>
+            <a:p>
+              <a:r>
+                <a:rPr lang="en-US" altLang="zh-CN" sz="2900" dirty="0"/>
+                <a:t>2.</a:t>
+              </a:r>
+              <a:r>
+                <a:rPr lang="zh-CN" altLang="en-US" sz="2900" dirty="0"/>
+                <a:t>想要建立一个可重复</a:t>
+              </a:r>
+              <a:r>
+                <a:rPr lang="zh-CN" altLang="en-US" sz="2900" dirty="0" smtClean="0"/>
+                <a:t>使</a:t>
+              </a:r>
+              <a:endParaRPr lang="en-US" altLang="zh-CN" sz="2900" dirty="0" smtClean="0"/>
+            </a:p>
+            <a:p>
+              <a:r>
+                <a:rPr lang="zh-CN" altLang="en-US" sz="2900" dirty="0" smtClean="0"/>
+                <a:t>用</a:t>
+              </a:r>
+              <a:r>
+                <a:rPr lang="zh-CN" altLang="en-US" sz="2900" dirty="0"/>
+                <a:t>的类，用于与一些</a:t>
+              </a:r>
+              <a:r>
+                <a:rPr lang="zh-CN" altLang="en-US" sz="2900" dirty="0" smtClean="0"/>
+                <a:t>彼此</a:t>
+              </a:r>
+              <a:endParaRPr lang="en-US" altLang="zh-CN" sz="2900" dirty="0" smtClean="0"/>
+            </a:p>
+            <a:p>
+              <a:r>
+                <a:rPr lang="zh-CN" altLang="en-US" sz="2900" dirty="0" smtClean="0"/>
+                <a:t>之间</a:t>
+              </a:r>
+              <a:r>
+                <a:rPr lang="zh-CN" altLang="en-US" sz="2900" dirty="0"/>
+                <a:t>没有</a:t>
+              </a:r>
+              <a:r>
+                <a:rPr lang="zh-CN" altLang="en-US" sz="2900" dirty="0" smtClean="0"/>
+                <a:t>太大</a:t>
+              </a:r>
+              <a:r>
+                <a:rPr lang="zh-CN" altLang="en-US" sz="2900" dirty="0"/>
+                <a:t>关联的</a:t>
+              </a:r>
+              <a:r>
+                <a:rPr lang="zh-CN" altLang="en-US" sz="2900" dirty="0" smtClean="0"/>
+                <a:t>一些</a:t>
+              </a:r>
+              <a:endParaRPr lang="en-US" altLang="zh-CN" sz="2900" dirty="0" smtClean="0"/>
+            </a:p>
+            <a:p>
+              <a:r>
+                <a:rPr lang="zh-CN" altLang="en-US" sz="2900" dirty="0" smtClean="0"/>
+                <a:t>类</a:t>
+              </a:r>
+              <a:r>
+                <a:rPr lang="zh-CN" altLang="en-US" sz="2900" dirty="0"/>
+                <a:t>，包括一些可能在</a:t>
+              </a:r>
+              <a:r>
+                <a:rPr lang="zh-CN" altLang="en-US" sz="2900" dirty="0" smtClean="0"/>
+                <a:t>将来</a:t>
+              </a:r>
+              <a:endParaRPr lang="en-US" altLang="zh-CN" sz="2900" dirty="0" smtClean="0"/>
+            </a:p>
+            <a:p>
+              <a:r>
+                <a:rPr lang="zh-CN" altLang="en-US" sz="2900" dirty="0" smtClean="0"/>
+                <a:t>引进</a:t>
+              </a:r>
+              <a:r>
+                <a:rPr lang="zh-CN" altLang="en-US" sz="2900" dirty="0"/>
+                <a:t>的类一起工作。</a:t>
+              </a:r>
+            </a:p>
+            <a:p>
+              <a:endParaRPr lang="zh-CN" altLang="en-US" sz="2000" dirty="0"/>
+            </a:p>
+          </p:txBody>
+        </p:sp>
+        <p:sp>
+          <p:nvSpPr>
+            <p:cNvPr id="16" name="îṥļîḑé-文本框 21">
+              <a:extLst>
+                <a:ext uri="{FF2B5EF4-FFF2-40B4-BE49-F238E27FC236}">
+                  <a16:creationId xmlns:a16="http://schemas.microsoft.com/office/drawing/2014/main" id="{385BA257-0EA8-4498-8AB5-D1DB747BB2CF}"/>
+                </a:ext>
+              </a:extLst>
+            </p:cNvPr>
+            <p:cNvSpPr txBox="1"/>
+            <p:nvPr/>
+          </p:nvSpPr>
+          <p:spPr>
+            <a:xfrm>
+              <a:off x="5163643" y="3840206"/>
+              <a:ext cx="1512168" cy="584775"/>
+            </a:xfrm>
+            <a:prstGeom prst="rect">
+              <a:avLst/>
+            </a:prstGeom>
+            <a:noFill/>
+          </p:spPr>
+          <p:txBody>
+            <a:bodyPr wrap="none" anchor="ctr">
+              <a:normAutofit/>
+            </a:bodyPr>
+            <a:lstStyle/>
+            <a:p>
+              <a:pPr marL="0" marR="0" lvl="0" indent="0" algn="ctr" defTabSz="914400" rtl="0" eaLnBrk="1" fontAlgn="auto" latinLnBrk="0" hangingPunct="1">
+                <a:lnSpc>
+                  <a:spcPct val="100000"/>
+                </a:lnSpc>
+                <a:spcBef>
+                  <a:spcPts val="0"/>
+                </a:spcBef>
+                <a:spcAft>
+                  <a:spcPts val="0"/>
+                </a:spcAft>
+                <a:buClrTx/>
+                <a:buSzTx/>
+                <a:buFontTx/>
+                <a:buNone/>
+                <a:tabLst/>
+                <a:defRPr/>
+              </a:pPr>
+              <a:r>
+                <a:rPr kumimoji="0" lang="zh-CN" altLang="en-US" sz="1400" b="1" i="0" u="none" strike="noStrike" kern="1200" cap="none" spc="0" normalizeH="0" baseline="0" noProof="0">
+                  <a:ln>
+                    <a:noFill/>
+                  </a:ln>
+                  <a:solidFill>
+                    <a:srgbClr val="000000"/>
+                  </a:solidFill>
+                  <a:effectLst/>
+                  <a:uLnTx/>
+                  <a:uFillTx/>
+                  <a:latin typeface="微软雅黑 Light" panose="020F0502020204030204"/>
+                  <a:cs typeface="+mn-cs"/>
+                </a:rPr>
+                <a:t>关键词</a:t>
+              </a:r>
+              <a:endParaRPr kumimoji="0" lang="zh-CN" altLang="en-US" sz="1400" b="1" i="0" u="none" strike="noStrike" kern="1200" cap="none" spc="0" normalizeH="0" baseline="0" noProof="0" dirty="0">
+                <a:ln>
+                  <a:noFill/>
+                </a:ln>
+                <a:solidFill>
+                  <a:srgbClr val="000000"/>
+                </a:solidFill>
+                <a:effectLst/>
+                <a:uLnTx/>
+                <a:uFillTx/>
+                <a:latin typeface="微软雅黑 Light" panose="020F0502020204030204"/>
+                <a:cs typeface="+mn-cs"/>
+              </a:endParaRPr>
+            </a:p>
+          </p:txBody>
+        </p:sp>
+      </p:grpSp>
     </p:spTree>
     <p:extLst>
       <p:ext uri="{BB962C8B-B14F-4D97-AF65-F5344CB8AC3E}">
-        <p14:creationId xmlns:p14="http://schemas.microsoft.com/office/powerpoint/2010/main" val="460385840"/>
+        <p14:creationId xmlns:p14="http://schemas.microsoft.com/office/powerpoint/2010/main" val="1066813841"/>
       </p:ext>
     </p:extLst>
   </p:cSld>
@@ -11979,7 +15041,83 @@
   <p:timing>
     <p:tnLst>
       <p:par>
-        <p:cTn id="1" dur="indefinite" restart="never" nodeType="tmRoot"/>
+        <p:cTn id="1" dur="indefinite" restart="never" nodeType="tmRoot">
+          <p:childTnLst>
+            <p:seq concurrent="1" nextAc="seek">
+              <p:cTn id="2" dur="indefinite" nodeType="mainSeq">
+                <p:childTnLst>
+                  <p:par>
+                    <p:cTn id="3" fill="hold">
+                      <p:stCondLst>
+                        <p:cond delay="indefinite"/>
+                      </p:stCondLst>
+                      <p:childTnLst>
+                        <p:par>
+                          <p:cTn id="4" fill="hold">
+                            <p:stCondLst>
+                              <p:cond delay="0"/>
+                            </p:stCondLst>
+                            <p:childTnLst>
+                              <p:par>
+                                <p:cTn id="5" presetID="13" presetClass="entr" presetSubtype="32" fill="hold" nodeType="clickEffect">
+                                  <p:stCondLst>
+                                    <p:cond delay="0"/>
+                                  </p:stCondLst>
+                                  <p:childTnLst>
+                                    <p:set>
+                                      <p:cBhvr>
+                                        <p:cTn id="6" dur="1" fill="hold">
+                                          <p:stCondLst>
+                                            <p:cond delay="0"/>
+                                          </p:stCondLst>
+                                        </p:cTn>
+                                        <p:tgtEl>
+                                          <p:spTgt spid="4"/>
+                                        </p:tgtEl>
+                                        <p:attrNameLst>
+                                          <p:attrName>style.visibility</p:attrName>
+                                        </p:attrNameLst>
+                                      </p:cBhvr>
+                                      <p:to>
+                                        <p:strVal val="visible"/>
+                                      </p:to>
+                                    </p:set>
+                                    <p:animEffect transition="in" filter="plus(out)">
+                                      <p:cBhvr>
+                                        <p:cTn id="7" dur="2000"/>
+                                        <p:tgtEl>
+                                          <p:spTgt spid="4"/>
+                                        </p:tgtEl>
+                                      </p:cBhvr>
+                                    </p:animEffect>
+                                  </p:childTnLst>
+                                </p:cTn>
+                              </p:par>
+                            </p:childTnLst>
+                          </p:cTn>
+                        </p:par>
+                      </p:childTnLst>
+                    </p:cTn>
+                  </p:par>
+                </p:childTnLst>
+              </p:cTn>
+              <p:prevCondLst>
+                <p:cond evt="onPrev" delay="0">
+                  <p:tgtEl>
+                    <p:sldTgt/>
+                  </p:tgtEl>
+                </p:cond>
+              </p:prevCondLst>
+              <p:nextCondLst>
+                <p:cond evt="onNext" delay="0">
+                  <p:tgtEl>
+                    <p:sldTgt/>
+                  </p:tgtEl>
+                </p:cond>
+              </p:nextCondLst>
+            </p:seq>
+          </p:childTnLst>
+        </p:cTn>
       </p:par>
     </p:tnLst>
   </p:timing>
@@ -12201,19 +15339,8 @@
                 <a:cs typeface="+mn-ea"/>
                 <a:sym typeface="+mn-lt"/>
               </a:rPr>
-              <a:t>讲解</a:t>
+              <a:t>主讲人：陈德斌</a:t>
             </a:r>
-            <a:r>
-              <a:rPr lang="zh-CN" altLang="en-US" sz="1600" dirty="0" smtClean="0">
-                <a:cs typeface="+mn-ea"/>
-                <a:sym typeface="+mn-lt"/>
-              </a:rPr>
-              <a:t>人：陈德斌</a:t>
-            </a:r>
-            <a:endParaRPr lang="zh-CN" altLang="en-US" sz="1600" dirty="0">
-              <a:cs typeface="+mn-ea"/>
-              <a:sym typeface="+mn-lt"/>
-            </a:endParaRPr>
           </a:p>
         </p:txBody>
       </p:sp>
@@ -14804,20 +17931,11 @@
   <p:cSld>
     <p:bg>
       <p:bgPr>
-        <a:blipFill dpi="0" rotWithShape="1">
-          <a:blip r:embed="rId5" cstate="screen">
-            <a:lum/>
-            <a:extLst>
-              <a:ext uri="{28A0092B-C50C-407E-A947-70E740481C1C}">
-                <a14:useLocalDpi xmlns:a14="http://schemas.microsoft.com/office/drawing/2010/main"/>
-              </a:ext>
-            </a:extLst>
-          </a:blip>
-          <a:srcRect/>
-          <a:stretch>
-            <a:fillRect/>
-          </a:stretch>
-        </a:blipFill>
+        <a:solidFill>
+          <a:schemeClr val="bg1">
+            <a:lumMod val="95000"/>
+          </a:schemeClr>
+        </a:solidFill>
         <a:effectLst/>
       </p:bgPr>
     </p:bg>
@@ -14837,28 +17955,18 @@
       </p:grpSpPr>
       <p:sp>
         <p:nvSpPr>
-          <p:cNvPr id="9" name="矩形 8"/>
+          <p:cNvPr id="2" name="燕尾形箭头 1"/>
           <p:cNvSpPr/>
           <p:nvPr/>
         </p:nvSpPr>
         <p:spPr>
           <a:xfrm>
-            <a:off x="0" y="0"/>
-            <a:ext cx="12192000" cy="6857999"/>
+            <a:off x="297950" y="341200"/>
+            <a:ext cx="729465" cy="410967"/>
           </a:xfrm>
-          <a:prstGeom prst="rect">
+          <a:prstGeom prst="notchedRightArrow">
             <a:avLst/>
           </a:prstGeom>
-          <a:solidFill>
-            <a:schemeClr val="bg1">
-              <a:alpha val="80000"/>
-            </a:schemeClr>
-          </a:solidFill>
-          <a:ln>
-            <a:solidFill>
-              <a:srgbClr val="B1B3C1"/>
-            </a:solidFill>
-          </a:ln>
         </p:spPr>
         <p:style>
           <a:lnRef idx="2">
@@ -14880,32 +17988,398 @@
           <a:bodyPr rtlCol="0" anchor="ctr"/>
           <a:lstStyle/>
           <a:p>
-            <a:pPr algn="ctr"/>
-            <a:endParaRPr lang="zh-CN" altLang="en-US">
+            <a:pPr marL="0" marR="0" lvl="0" indent="0" algn="ctr" defTabSz="914400" rtl="0" eaLnBrk="1" fontAlgn="auto" latinLnBrk="0" hangingPunct="1">
+              <a:lnSpc>
+                <a:spcPct val="100000"/>
+              </a:lnSpc>
+              <a:spcBef>
+                <a:spcPts val="0"/>
+              </a:spcBef>
+              <a:spcAft>
+                <a:spcPts val="0"/>
+              </a:spcAft>
+              <a:buClrTx/>
+              <a:buSzTx/>
+              <a:buFontTx/>
+              <a:buNone/>
+              <a:tabLst/>
+              <a:defRPr/>
+            </a:pPr>
+            <a:endParaRPr kumimoji="0" lang="zh-CN" altLang="en-US" sz="1800" b="0" i="0" u="none" strike="noStrike" kern="1200" cap="none" spc="0" normalizeH="0" baseline="0" noProof="0">
+              <a:ln>
+                <a:noFill/>
+              </a:ln>
+              <a:solidFill>
+                <a:srgbClr val="FFFFFF"/>
+              </a:solidFill>
+              <a:effectLst/>
+              <a:uLnTx/>
+              <a:uFillTx/>
+              <a:latin typeface="微软雅黑 Light" panose="020F0502020204030204"/>
               <a:cs typeface="+mn-ea"/>
               <a:sym typeface="+mn-lt"/>
             </a:endParaRPr>
           </a:p>
         </p:txBody>
       </p:sp>
+      <p:sp>
+        <p:nvSpPr>
+          <p:cNvPr id="3" name="文本框 2"/>
+          <p:cNvSpPr txBox="1"/>
+          <p:nvPr/>
+        </p:nvSpPr>
+        <p:spPr>
+          <a:xfrm>
+            <a:off x="1181528" y="254295"/>
+            <a:ext cx="3626777" cy="584775"/>
+          </a:xfrm>
+          <a:prstGeom prst="rect">
+            <a:avLst/>
+          </a:prstGeom>
+          <a:noFill/>
+        </p:spPr>
+        <p:txBody>
+          <a:bodyPr wrap="square" rtlCol="0">
+            <a:spAutoFit/>
+          </a:bodyPr>
+          <a:lstStyle/>
+          <a:p>
+            <a:pPr marL="0" marR="0" lvl="0" indent="0" algn="l" defTabSz="914400" rtl="0" eaLnBrk="1" fontAlgn="auto" latinLnBrk="0" hangingPunct="1">
+              <a:lnSpc>
+                <a:spcPct val="100000"/>
+              </a:lnSpc>
+              <a:spcBef>
+                <a:spcPts val="0"/>
+              </a:spcBef>
+              <a:spcAft>
+                <a:spcPts val="0"/>
+              </a:spcAft>
+              <a:buClrTx/>
+              <a:buSzTx/>
+              <a:buFontTx/>
+              <a:buNone/>
+              <a:tabLst/>
+              <a:defRPr/>
+            </a:pPr>
+            <a:r>
+              <a:rPr kumimoji="0" lang="zh-CN" altLang="en-US" sz="3200" b="0" i="0" u="none" strike="noStrike" kern="1200" cap="none" spc="600" normalizeH="0" baseline="0" noProof="0" dirty="0" smtClean="0">
+                <a:ln>
+                  <a:noFill/>
+                </a:ln>
+                <a:solidFill>
+                  <a:srgbClr val="000000"/>
+                </a:solidFill>
+                <a:effectLst/>
+                <a:uLnTx/>
+                <a:uFillTx/>
+                <a:latin typeface="微软雅黑 Light" panose="020F0502020204030204"/>
+                <a:cs typeface="+mn-ea"/>
+                <a:sym typeface="+mn-lt"/>
+              </a:rPr>
+              <a:t>引言</a:t>
+            </a:r>
+            <a:endParaRPr kumimoji="0" lang="zh-CN" altLang="en-US" sz="3200" b="0" i="0" u="none" strike="noStrike" kern="1200" cap="none" spc="600" normalizeH="0" baseline="0" noProof="0" dirty="0">
+              <a:ln>
+                <a:noFill/>
+              </a:ln>
+              <a:solidFill>
+                <a:srgbClr val="000000"/>
+              </a:solidFill>
+              <a:effectLst/>
+              <a:uLnTx/>
+              <a:uFillTx/>
+              <a:latin typeface="微软雅黑 Light" panose="020F0502020204030204"/>
+              <a:cs typeface="+mn-ea"/>
+              <a:sym typeface="+mn-lt"/>
+            </a:endParaRPr>
+          </a:p>
+        </p:txBody>
+      </p:sp>
+      <p:grpSp>
+        <p:nvGrpSpPr>
+          <p:cNvPr id="5" name="组合 4"/>
+          <p:cNvGrpSpPr/>
+          <p:nvPr/>
+        </p:nvGrpSpPr>
+        <p:grpSpPr>
+          <a:xfrm>
+            <a:off x="767407" y="3034145"/>
+            <a:ext cx="4535610" cy="3616038"/>
+            <a:chOff x="6581" y="980439"/>
+            <a:chExt cx="5647770" cy="5647772"/>
+          </a:xfrm>
+        </p:grpSpPr>
+        <p:sp>
+          <p:nvSpPr>
+            <p:cNvPr id="10" name="is1ide-Arc 11">
+              <a:extLst>
+                <a:ext uri="{FF2B5EF4-FFF2-40B4-BE49-F238E27FC236}">
+                  <a16:creationId xmlns:a16="http://schemas.microsoft.com/office/drawing/2014/main" id="{C1C1B0CA-E6B4-449D-9574-6BE27B760B68}"/>
+                </a:ext>
+              </a:extLst>
+            </p:cNvPr>
+            <p:cNvSpPr/>
+            <p:nvPr/>
+          </p:nvSpPr>
+          <p:spPr>
+            <a:xfrm>
+              <a:off x="1092572" y="2066431"/>
+              <a:ext cx="3475787" cy="3475788"/>
+            </a:xfrm>
+            <a:prstGeom prst="arc">
+              <a:avLst>
+                <a:gd name="adj1" fmla="val 21244691"/>
+                <a:gd name="adj2" fmla="val 15268458"/>
+              </a:avLst>
+            </a:prstGeom>
+            <a:ln w="73025" cap="rnd">
+              <a:solidFill>
+                <a:schemeClr val="accent1">
+                  <a:shade val="50000"/>
+                  <a:alpha val="20000"/>
+                </a:schemeClr>
+              </a:solidFill>
+              <a:round/>
+            </a:ln>
+          </p:spPr>
+          <p:style>
+            <a:lnRef idx="1">
+              <a:schemeClr val="accent1"/>
+            </a:lnRef>
+            <a:fillRef idx="0">
+              <a:schemeClr val="accent1"/>
+            </a:fillRef>
+            <a:effectRef idx="0">
+              <a:schemeClr val="accent1"/>
+            </a:effectRef>
+            <a:fontRef idx="minor">
+              <a:schemeClr val="tx1"/>
+            </a:fontRef>
+          </p:style>
+          <p:txBody>
+            <a:bodyPr anchor="ctr"/>
+            <a:lstStyle/>
+            <a:p>
+              <a:pPr marL="0" marR="0" lvl="0" indent="0" algn="ctr" defTabSz="914400" rtl="0" eaLnBrk="1" fontAlgn="auto" latinLnBrk="0" hangingPunct="1">
+                <a:lnSpc>
+                  <a:spcPct val="100000"/>
+                </a:lnSpc>
+                <a:spcBef>
+                  <a:spcPts val="0"/>
+                </a:spcBef>
+                <a:spcAft>
+                  <a:spcPts val="0"/>
+                </a:spcAft>
+                <a:buClrTx/>
+                <a:buSzTx/>
+                <a:buFontTx/>
+                <a:buNone/>
+                <a:tabLst/>
+                <a:defRPr/>
+              </a:pPr>
+              <a:endParaRPr kumimoji="0" sz="1800" b="0" i="0" u="none" strike="noStrike" kern="1200" cap="none" spc="0" normalizeH="0" baseline="0" noProof="0">
+                <a:ln>
+                  <a:noFill/>
+                </a:ln>
+                <a:solidFill>
+                  <a:srgbClr val="000000"/>
+                </a:solidFill>
+                <a:effectLst/>
+                <a:uLnTx/>
+                <a:uFillTx/>
+                <a:latin typeface="微软雅黑 Light" panose="020F0502020204030204"/>
+                <a:cs typeface="+mn-cs"/>
+              </a:endParaRPr>
+            </a:p>
+          </p:txBody>
+        </p:sp>
+        <p:sp>
+          <p:nvSpPr>
+            <p:cNvPr id="12" name="is1ide-Arc 13">
+              <a:extLst>
+                <a:ext uri="{FF2B5EF4-FFF2-40B4-BE49-F238E27FC236}">
+                  <a16:creationId xmlns:a16="http://schemas.microsoft.com/office/drawing/2014/main" id="{CE5547E1-5978-41BD-8319-B1412A1DE094}"/>
+                </a:ext>
+              </a:extLst>
+            </p:cNvPr>
+            <p:cNvSpPr/>
+            <p:nvPr/>
+          </p:nvSpPr>
+          <p:spPr>
+            <a:xfrm>
+              <a:off x="632483" y="1606343"/>
+              <a:ext cx="4395965" cy="4395964"/>
+            </a:xfrm>
+            <a:prstGeom prst="arc">
+              <a:avLst>
+                <a:gd name="adj1" fmla="val 11926710"/>
+                <a:gd name="adj2" fmla="val 1730256"/>
+              </a:avLst>
+            </a:prstGeom>
+            <a:ln w="73025" cap="rnd">
+              <a:solidFill>
+                <a:schemeClr val="accent1">
+                  <a:shade val="50000"/>
+                  <a:alpha val="20000"/>
+                </a:schemeClr>
+              </a:solidFill>
+              <a:round/>
+            </a:ln>
+          </p:spPr>
+          <p:style>
+            <a:lnRef idx="1">
+              <a:schemeClr val="accent1"/>
+            </a:lnRef>
+            <a:fillRef idx="0">
+              <a:schemeClr val="accent1"/>
+            </a:fillRef>
+            <a:effectRef idx="0">
+              <a:schemeClr val="accent1"/>
+            </a:effectRef>
+            <a:fontRef idx="minor">
+              <a:schemeClr val="tx1"/>
+            </a:fontRef>
+          </p:style>
+          <p:txBody>
+            <a:bodyPr anchor="ctr"/>
+            <a:lstStyle/>
+            <a:p>
+              <a:pPr marL="0" marR="0" lvl="0" indent="0" algn="ctr" defTabSz="914400" rtl="0" eaLnBrk="1" fontAlgn="auto" latinLnBrk="0" hangingPunct="1">
+                <a:lnSpc>
+                  <a:spcPct val="100000"/>
+                </a:lnSpc>
+                <a:spcBef>
+                  <a:spcPts val="0"/>
+                </a:spcBef>
+                <a:spcAft>
+                  <a:spcPts val="0"/>
+                </a:spcAft>
+                <a:buClrTx/>
+                <a:buSzTx/>
+                <a:buFontTx/>
+                <a:buNone/>
+                <a:tabLst/>
+                <a:defRPr/>
+              </a:pPr>
+              <a:endParaRPr kumimoji="0" sz="1800" b="0" i="0" u="none" strike="noStrike" kern="1200" cap="none" spc="0" normalizeH="0" baseline="0" noProof="0">
+                <a:ln>
+                  <a:noFill/>
+                </a:ln>
+                <a:solidFill>
+                  <a:srgbClr val="000000"/>
+                </a:solidFill>
+                <a:effectLst/>
+                <a:uLnTx/>
+                <a:uFillTx/>
+                <a:latin typeface="微软雅黑 Light" panose="020F0502020204030204"/>
+                <a:cs typeface="+mn-cs"/>
+              </a:endParaRPr>
+            </a:p>
+          </p:txBody>
+        </p:sp>
+        <p:sp>
+          <p:nvSpPr>
+            <p:cNvPr id="17" name="is1ide-Arc 18">
+              <a:extLst>
+                <a:ext uri="{FF2B5EF4-FFF2-40B4-BE49-F238E27FC236}">
+                  <a16:creationId xmlns:a16="http://schemas.microsoft.com/office/drawing/2014/main" id="{CE5547E1-5978-41BD-8319-B1412A1DE094}"/>
+                </a:ext>
+              </a:extLst>
+            </p:cNvPr>
+            <p:cNvSpPr/>
+            <p:nvPr/>
+          </p:nvSpPr>
+          <p:spPr>
+            <a:xfrm rot="5400000">
+              <a:off x="6580" y="980440"/>
+              <a:ext cx="5647772" cy="5647770"/>
+            </a:xfrm>
+            <a:prstGeom prst="arc">
+              <a:avLst>
+                <a:gd name="adj1" fmla="val 11926710"/>
+                <a:gd name="adj2" fmla="val 1730256"/>
+              </a:avLst>
+            </a:prstGeom>
+            <a:ln w="73025" cap="rnd">
+              <a:solidFill>
+                <a:schemeClr val="accent1">
+                  <a:shade val="50000"/>
+                  <a:alpha val="20000"/>
+                </a:schemeClr>
+              </a:solidFill>
+              <a:round/>
+            </a:ln>
+          </p:spPr>
+          <p:style>
+            <a:lnRef idx="1">
+              <a:schemeClr val="accent1"/>
+            </a:lnRef>
+            <a:fillRef idx="0">
+              <a:schemeClr val="accent1"/>
+            </a:fillRef>
+            <a:effectRef idx="0">
+              <a:schemeClr val="accent1"/>
+            </a:effectRef>
+            <a:fontRef idx="minor">
+              <a:schemeClr val="tx1"/>
+            </a:fontRef>
+          </p:style>
+          <p:txBody>
+            <a:bodyPr anchor="ctr"/>
+            <a:lstStyle/>
+            <a:p>
+              <a:pPr marL="0" marR="0" lvl="0" indent="0" algn="ctr" defTabSz="914400" rtl="0" eaLnBrk="1" fontAlgn="auto" latinLnBrk="0" hangingPunct="1">
+                <a:lnSpc>
+                  <a:spcPct val="100000"/>
+                </a:lnSpc>
+                <a:spcBef>
+                  <a:spcPts val="0"/>
+                </a:spcBef>
+                <a:spcAft>
+                  <a:spcPts val="0"/>
+                </a:spcAft>
+                <a:buClrTx/>
+                <a:buSzTx/>
+                <a:buFontTx/>
+                <a:buNone/>
+                <a:tabLst/>
+                <a:defRPr/>
+              </a:pPr>
+              <a:endParaRPr kumimoji="0" sz="1800" b="0" i="0" u="none" strike="noStrike" kern="1200" cap="none" spc="0" normalizeH="0" baseline="0" noProof="0">
+                <a:ln>
+                  <a:noFill/>
+                </a:ln>
+                <a:solidFill>
+                  <a:srgbClr val="000000"/>
+                </a:solidFill>
+                <a:effectLst/>
+                <a:uLnTx/>
+                <a:uFillTx/>
+                <a:latin typeface="微软雅黑 Light" panose="020F0502020204030204"/>
+                <a:cs typeface="+mn-cs"/>
+              </a:endParaRPr>
+            </a:p>
+          </p:txBody>
+        </p:sp>
+      </p:grpSp>
       <p:pic>
         <p:nvPicPr>
-          <p:cNvPr id="2" name="图片 1"/>
+          <p:cNvPr id="23" name="图片 22"/>
           <p:cNvPicPr>
             <a:picLocks noChangeAspect="1"/>
           </p:cNvPicPr>
           <p:nvPr/>
         </p:nvPicPr>
         <p:blipFill>
-          <a:blip r:embed="rId6"/>
+          <a:blip r:embed="rId4"/>
           <a:stretch>
             <a:fillRect/>
           </a:stretch>
         </p:blipFill>
         <p:spPr>
           <a:xfrm>
-            <a:off x="2481936" y="3606084"/>
-            <a:ext cx="8078741" cy="2854071"/>
+            <a:off x="844388" y="3296642"/>
+            <a:ext cx="9082940" cy="3057363"/>
           </a:xfrm>
           <a:prstGeom prst="rect">
             <a:avLst/>
@@ -14914,420 +18388,92 @@
       </p:pic>
       <p:sp>
         <p:nvSpPr>
-          <p:cNvPr id="11" name="MH_Title"/>
-          <p:cNvSpPr txBox="1">
-            <a:spLocks noChangeArrowheads="1"/>
-          </p:cNvSpPr>
-          <p:nvPr>
-            <p:custDataLst>
-              <p:tags r:id="rId2"/>
-            </p:custDataLst>
-          </p:nvPr>
+          <p:cNvPr id="25" name="is1ide-文本框 16"/>
+          <p:cNvSpPr txBox="1"/>
+          <p:nvPr/>
         </p:nvSpPr>
-        <p:spPr bwMode="auto">
+        <p:spPr>
           <a:xfrm>
-            <a:off x="2198601" y="1094704"/>
-            <a:ext cx="6996915" cy="2113536"/>
+            <a:off x="1047964" y="1005104"/>
+            <a:ext cx="8745800" cy="1863006"/>
           </a:xfrm>
           <a:prstGeom prst="rect">
             <a:avLst/>
           </a:prstGeom>
           <a:noFill/>
-          <a:ln>
-            <a:noFill/>
-          </a:ln>
-          <a:extLst>
-            <a:ext uri="{909E8E84-426E-40DD-AFC4-6F175D3DCCD1}">
-              <a14:hiddenFill xmlns:a14="http://schemas.microsoft.com/office/drawing/2010/main">
-                <a:solidFill>
-                  <a:srgbClr val="FFFFFF"/>
-                </a:solidFill>
-              </a14:hiddenFill>
-            </a:ext>
-            <a:ext uri="{91240B29-F687-4F45-9708-019B960494DF}">
-              <a14:hiddenLine xmlns:a14="http://schemas.microsoft.com/office/drawing/2010/main" w="9525">
-                <a:solidFill>
-                  <a:srgbClr val="000000"/>
-                </a:solidFill>
-                <a:miter lim="800000"/>
-                <a:headEnd/>
-                <a:tailEnd/>
-              </a14:hiddenLine>
-            </a:ext>
-          </a:extLst>
         </p:spPr>
         <p:txBody>
-          <a:bodyPr wrap="square" lIns="0" tIns="0" rIns="0" bIns="0" anchor="t" anchorCtr="0">
-            <a:normAutofit/>
+          <a:bodyPr wrap="square">
+            <a:normAutofit fontScale="85000" lnSpcReduction="20000"/>
           </a:bodyPr>
-          <a:lstStyle>
-            <a:defPPr>
-              <a:defRPr lang="zh-CN"/>
-            </a:defPPr>
-            <a:lvl1pPr>
-              <a:defRPr>
-                <a:latin typeface="华文细黑" panose="02010600040101010101" pitchFamily="2" charset="-122"/>
-                <a:ea typeface="华文细黑" panose="02010600040101010101" pitchFamily="2" charset="-122"/>
-              </a:defRPr>
-            </a:lvl1pPr>
-            <a:lvl2pPr marL="742950" indent="-285750">
-              <a:defRPr>
-                <a:latin typeface="Arial Narrow" panose="020B0606020202030204" pitchFamily="34" charset="0"/>
-                <a:ea typeface="宋体" panose="02010600030101010101" pitchFamily="2" charset="-122"/>
-              </a:defRPr>
-            </a:lvl2pPr>
-            <a:lvl3pPr marL="1143000" indent="-228600">
-              <a:defRPr>
-                <a:latin typeface="Arial Narrow" panose="020B0606020202030204" pitchFamily="34" charset="0"/>
-                <a:ea typeface="宋体" panose="02010600030101010101" pitchFamily="2" charset="-122"/>
-              </a:defRPr>
-            </a:lvl3pPr>
-            <a:lvl4pPr marL="1600200" indent="-228600">
-              <a:defRPr>
-                <a:latin typeface="Arial Narrow" panose="020B0606020202030204" pitchFamily="34" charset="0"/>
-                <a:ea typeface="宋体" panose="02010600030101010101" pitchFamily="2" charset="-122"/>
-              </a:defRPr>
-            </a:lvl4pPr>
-            <a:lvl5pPr marL="2057400" indent="-228600">
-              <a:defRPr>
-                <a:latin typeface="Arial Narrow" panose="020B0606020202030204" pitchFamily="34" charset="0"/>
-                <a:ea typeface="宋体" panose="02010600030101010101" pitchFamily="2" charset="-122"/>
-              </a:defRPr>
-            </a:lvl5pPr>
-            <a:lvl6pPr marL="2514600" indent="-228600" eaLnBrk="0" fontAlgn="base" hangingPunct="0">
-              <a:spcBef>
-                <a:spcPct val="0"/>
-              </a:spcBef>
-              <a:spcAft>
-                <a:spcPct val="0"/>
-              </a:spcAft>
-              <a:defRPr>
-                <a:latin typeface="Arial Narrow" panose="020B0606020202030204" pitchFamily="34" charset="0"/>
-                <a:ea typeface="宋体" panose="02010600030101010101" pitchFamily="2" charset="-122"/>
-              </a:defRPr>
-            </a:lvl6pPr>
-            <a:lvl7pPr marL="2971800" indent="-228600" eaLnBrk="0" fontAlgn="base" hangingPunct="0">
-              <a:spcBef>
-                <a:spcPct val="0"/>
-              </a:spcBef>
-              <a:spcAft>
-                <a:spcPct val="0"/>
-              </a:spcAft>
-              <a:defRPr>
-                <a:latin typeface="Arial Narrow" panose="020B0606020202030204" pitchFamily="34" charset="0"/>
-                <a:ea typeface="宋体" panose="02010600030101010101" pitchFamily="2" charset="-122"/>
-              </a:defRPr>
-            </a:lvl7pPr>
-            <a:lvl8pPr marL="3429000" indent="-228600" eaLnBrk="0" fontAlgn="base" hangingPunct="0">
-              <a:spcBef>
-                <a:spcPct val="0"/>
-              </a:spcBef>
-              <a:spcAft>
-                <a:spcPct val="0"/>
-              </a:spcAft>
-              <a:defRPr>
-                <a:latin typeface="Arial Narrow" panose="020B0606020202030204" pitchFamily="34" charset="0"/>
-                <a:ea typeface="宋体" panose="02010600030101010101" pitchFamily="2" charset="-122"/>
-              </a:defRPr>
-            </a:lvl8pPr>
-            <a:lvl9pPr marL="3886200" indent="-228600" eaLnBrk="0" fontAlgn="base" hangingPunct="0">
-              <a:spcBef>
-                <a:spcPct val="0"/>
-              </a:spcBef>
-              <a:spcAft>
-                <a:spcPct val="0"/>
-              </a:spcAft>
-              <a:defRPr>
-                <a:latin typeface="Arial Narrow" panose="020B0606020202030204" pitchFamily="34" charset="0"/>
-                <a:ea typeface="宋体" panose="02010600030101010101" pitchFamily="2" charset="-122"/>
-              </a:defRPr>
-            </a:lvl9pPr>
-          </a:lstStyle>
+          <a:lstStyle/>
           <a:p>
             <a:r>
-              <a:rPr lang="en-US" altLang="zh-CN" dirty="0"/>
-              <a:t> </a:t>
+              <a:rPr lang="zh-CN" altLang="en-US" sz="2400" dirty="0"/>
+              <a:t>现实生活中，我们常用到适配器。</a:t>
             </a:r>
-            <a:r>
-              <a:rPr lang="en-US" altLang="zh-CN" dirty="0" smtClean="0"/>
-              <a:t>       </a:t>
-            </a:r>
-            <a:r>
-              <a:rPr lang="zh-CN" altLang="en-US" dirty="0" smtClean="0"/>
-              <a:t>现实</a:t>
-            </a:r>
-            <a:r>
-              <a:rPr lang="zh-CN" altLang="en-US" dirty="0"/>
-              <a:t>生活中，我们常用到适配器</a:t>
-            </a:r>
-            <a:r>
-              <a:rPr lang="zh-CN" altLang="en-US" dirty="0" smtClean="0"/>
-              <a:t>。</a:t>
-            </a:r>
-            <a:endParaRPr lang="en-US" altLang="zh-CN" dirty="0" smtClean="0"/>
+            <a:endParaRPr lang="en-US" altLang="zh-CN" sz="2400" dirty="0"/>
           </a:p>
           <a:p>
-            <a:endParaRPr lang="zh-CN" altLang="en-US" dirty="0"/>
+            <a:endParaRPr lang="zh-CN" altLang="en-US" sz="2400" dirty="0"/>
           </a:p>
           <a:p>
             <a:r>
-              <a:rPr lang="zh-CN" altLang="en-US" dirty="0"/>
-              <a:t>　　你当前</a:t>
+              <a:rPr lang="zh-CN" altLang="en-US" sz="2400" dirty="0"/>
+              <a:t>　　你当前打开的电脑，电源的另一边不正连着一块适配器吗？</a:t>
             </a:r>
-            <a:r>
-              <a:rPr lang="zh-CN" altLang="en-US" dirty="0" smtClean="0"/>
-              <a:t>打开的电脑</a:t>
-            </a:r>
-            <a:r>
-              <a:rPr lang="zh-CN" altLang="en-US" dirty="0"/>
-              <a:t>，电源的另一边不正连着一块适配器吗</a:t>
-            </a:r>
-            <a:r>
-              <a:rPr lang="zh-CN" altLang="en-US" dirty="0" smtClean="0"/>
-              <a:t>？</a:t>
-            </a:r>
-            <a:endParaRPr lang="en-US" altLang="zh-CN" dirty="0" smtClean="0"/>
+            <a:endParaRPr lang="en-US" altLang="zh-CN" sz="2400" dirty="0"/>
           </a:p>
           <a:p>
-            <a:endParaRPr lang="zh-CN" altLang="en-US" dirty="0"/>
+            <a:endParaRPr lang="zh-CN" altLang="en-US" sz="2400" dirty="0"/>
           </a:p>
           <a:p>
             <a:r>
-              <a:rPr lang="zh-CN" altLang="en-US" dirty="0"/>
-              <a:t>　　你平时想</a:t>
+              <a:rPr lang="zh-CN" altLang="en-US" sz="2400" dirty="0"/>
+              <a:t>　　你平时想将二口插头插进三口插座里面，不也需要一个适配器吗？</a:t>
             </a:r>
-            <a:r>
-              <a:rPr lang="zh-CN" altLang="en-US" dirty="0" smtClean="0"/>
-              <a:t>将二口插头插进三口</a:t>
-            </a:r>
-            <a:r>
-              <a:rPr lang="zh-CN" altLang="en-US" dirty="0"/>
-              <a:t>插座里面，不也需要一个适配器吗</a:t>
-            </a:r>
-            <a:r>
-              <a:rPr lang="zh-CN" altLang="en-US" dirty="0" smtClean="0"/>
-              <a:t>？</a:t>
-            </a:r>
-            <a:endParaRPr lang="en-US" altLang="zh-CN" dirty="0" smtClean="0"/>
+            <a:endParaRPr lang="en-US" altLang="zh-CN" sz="2400" dirty="0"/>
           </a:p>
           <a:p>
-            <a:endParaRPr lang="zh-CN" altLang="en-US" dirty="0"/>
+            <a:endParaRPr lang="zh-CN" altLang="en-US" sz="2400" dirty="0"/>
           </a:p>
           <a:p>
             <a:r>
-              <a:rPr lang="zh-CN" altLang="en-US" dirty="0"/>
+              <a:rPr lang="zh-CN" altLang="en-US" sz="2400" dirty="0"/>
               <a:t>　　整天插在插座上的手机充电头，不也是一个适配器吗？</a:t>
             </a:r>
+            <a:endParaRPr lang="zh-CN" altLang="en-US" sz="2400" dirty="0"/>
           </a:p>
         </p:txBody>
       </p:sp>
     </p:spTree>
     <p:extLst>
       <p:ext uri="{BB962C8B-B14F-4D97-AF65-F5344CB8AC3E}">
-        <p14:creationId xmlns:p14="http://schemas.microsoft.com/office/powerpoint/2010/main" val="3892874469"/>
+        <p14:creationId xmlns:p14="http://schemas.microsoft.com/office/powerpoint/2010/main" val="3160020484"/>
       </p:ext>
     </p:extLst>
   </p:cSld>
   <p:clrMapOvr>
     <a:masterClrMapping/>
   </p:clrMapOvr>
-  <mc:AlternateContent xmlns:mc="http://schemas.openxmlformats.org/markup-compatibility/2006" xmlns:p15="http://schemas.microsoft.com/office/powerpoint/2012/main">
-    <mc:Choice Requires="p15">
-      <p:transition xmlns:p14="http://schemas.microsoft.com/office/powerpoint/2010/main" spd="slow" p14:dur="6000">
-        <p15:prstTrans prst="curtains"/>
+  <mc:AlternateContent xmlns:mc="http://schemas.openxmlformats.org/markup-compatibility/2006" xmlns:p14="http://schemas.microsoft.com/office/powerpoint/2010/main">
+    <mc:Choice Requires="p14">
+      <p:transition spd="slow" p14:dur="1600">
+        <p:blinds dir="vert"/>
       </p:transition>
     </mc:Choice>
     <mc:Fallback xmlns="">
       <p:transition spd="slow">
-        <p:fade/>
+        <p:blinds dir="vert"/>
       </p:transition>
     </mc:Fallback>
   </mc:AlternateContent>
   <p:timing>
     <p:tnLst>
       <p:par>
-        <p:cTn id="1" dur="indefinite" restart="never" nodeType="tmRoot">
-          <p:childTnLst>
-            <p:seq concurrent="1" nextAc="seek">
-              <p:cTn id="2" dur="indefinite" nodeType="mainSeq">
-                <p:childTnLst>
-                  <p:par>
-                    <p:cTn id="3" fill="hold">
-                      <p:stCondLst>
-                        <p:cond delay="indefinite"/>
-                      </p:stCondLst>
-                      <p:childTnLst>
-                        <p:par>
-                          <p:cTn id="4" fill="hold">
-                            <p:stCondLst>
-                              <p:cond delay="0"/>
-                            </p:stCondLst>
-                            <p:childTnLst>
-                              <p:par>
-                                <p:cTn id="5" presetID="16" presetClass="entr" presetSubtype="37" fill="hold" grpId="0" nodeType="clickEffect">
-                                  <p:stCondLst>
-                                    <p:cond delay="0"/>
-                                  </p:stCondLst>
-                                  <p:childTnLst>
-                                    <p:set>
-                                      <p:cBhvr>
-                                        <p:cTn id="6" dur="1" fill="hold">
-                                          <p:stCondLst>
-                                            <p:cond delay="0"/>
-                                          </p:stCondLst>
-                                        </p:cTn>
-                                        <p:tgtEl>
-                                          <p:spTgt spid="9"/>
-                                        </p:tgtEl>
-                                        <p:attrNameLst>
-                                          <p:attrName>style.visibility</p:attrName>
-                                        </p:attrNameLst>
-                                      </p:cBhvr>
-                                      <p:to>
-                                        <p:strVal val="visible"/>
-                                      </p:to>
-                                    </p:set>
-                                    <p:animEffect transition="in" filter="barn(outVertical)">
-                                      <p:cBhvr>
-                                        <p:cTn id="7" dur="500"/>
-                                        <p:tgtEl>
-                                          <p:spTgt spid="9"/>
-                                        </p:tgtEl>
-                                      </p:cBhvr>
-                                    </p:animEffect>
-                                  </p:childTnLst>
-                                </p:cTn>
-                              </p:par>
-                            </p:childTnLst>
-                          </p:cTn>
-                        </p:par>
-                      </p:childTnLst>
-                    </p:cTn>
-                  </p:par>
-                  <p:par>
-                    <p:cTn id="8" fill="hold">
-                      <p:stCondLst>
-                        <p:cond delay="indefinite"/>
-                      </p:stCondLst>
-                      <p:childTnLst>
-                        <p:par>
-                          <p:cTn id="9" fill="hold">
-                            <p:stCondLst>
-                              <p:cond delay="0"/>
-                            </p:stCondLst>
-                            <p:childTnLst>
-                              <p:par>
-                                <p:cTn id="10" presetID="42" presetClass="entr" presetSubtype="0" fill="hold" grpId="0" nodeType="clickEffect">
-                                  <p:stCondLst>
-                                    <p:cond delay="0"/>
-                                  </p:stCondLst>
-                                  <p:childTnLst>
-                                    <p:set>
-                                      <p:cBhvr>
-                                        <p:cTn id="11" dur="1" fill="hold">
-                                          <p:stCondLst>
-                                            <p:cond delay="0"/>
-                                          </p:stCondLst>
-                                        </p:cTn>
-                                        <p:tgtEl>
-                                          <p:spTgt spid="11"/>
-                                        </p:tgtEl>
-                                        <p:attrNameLst>
-                                          <p:attrName>style.visibility</p:attrName>
-                                        </p:attrNameLst>
-                                      </p:cBhvr>
-                                      <p:to>
-                                        <p:strVal val="visible"/>
-                                      </p:to>
-                                    </p:set>
-                                    <p:animEffect transition="in" filter="fade">
-                                      <p:cBhvr>
-                                        <p:cTn id="12" dur="1000"/>
-                                        <p:tgtEl>
-                                          <p:spTgt spid="11"/>
-                                        </p:tgtEl>
-                                      </p:cBhvr>
-                                    </p:animEffect>
-                                    <p:anim calcmode="lin" valueType="num">
-                                      <p:cBhvr>
-                                        <p:cTn id="13" dur="1000" fill="hold"/>
-                                        <p:tgtEl>
-                                          <p:spTgt spid="11"/>
-                                        </p:tgtEl>
-                                        <p:attrNameLst>
-                                          <p:attrName>ppt_x</p:attrName>
-                                        </p:attrNameLst>
-                                      </p:cBhvr>
-                                      <p:tavLst>
-                                        <p:tav tm="0">
-                                          <p:val>
-                                            <p:strVal val="#ppt_x"/>
-                                          </p:val>
-                                        </p:tav>
-                                        <p:tav tm="100000">
-                                          <p:val>
-                                            <p:strVal val="#ppt_x"/>
-                                          </p:val>
-                                        </p:tav>
-                                      </p:tavLst>
-                                    </p:anim>
-                                    <p:anim calcmode="lin" valueType="num">
-                                      <p:cBhvr>
-                                        <p:cTn id="14" dur="1000" fill="hold"/>
-                                        <p:tgtEl>
-                                          <p:spTgt spid="11"/>
-                                        </p:tgtEl>
-                                        <p:attrNameLst>
-                                          <p:attrName>ppt_y</p:attrName>
-                                        </p:attrNameLst>
-                                      </p:cBhvr>
-                                      <p:tavLst>
-                                        <p:tav tm="0">
-                                          <p:val>
-                                            <p:strVal val="#ppt_y+.1"/>
-                                          </p:val>
-                                        </p:tav>
-                                        <p:tav tm="100000">
-                                          <p:val>
-                                            <p:strVal val="#ppt_y"/>
-                                          </p:val>
-                                        </p:tav>
-                                      </p:tavLst>
-                                    </p:anim>
-                                  </p:childTnLst>
-                                </p:cTn>
-                              </p:par>
-                            </p:childTnLst>
-                          </p:cTn>
-                        </p:par>
-                      </p:childTnLst>
-                    </p:cTn>
-                  </p:par>
-                </p:childTnLst>
-              </p:cTn>
-              <p:prevCondLst>
-                <p:cond evt="onPrev" delay="0">
-                  <p:tgtEl>
-                    <p:sldTgt/>
-                  </p:tgtEl>
-                </p:cond>
-              </p:prevCondLst>
-              <p:nextCondLst>
-                <p:cond evt="onNext" delay="0">
-                  <p:tgtEl>
-                    <p:sldTgt/>
-                  </p:tgtEl>
-                </p:cond>
-              </p:nextCondLst>
-            </p:seq>
-          </p:childTnLst>
-        </p:cTn>
+        <p:cTn id="1" dur="indefinite" restart="never" nodeType="tmRoot"/>
       </p:par>
     </p:tnLst>
-    <p:bldLst>
-      <p:bldP spid="9" grpId="0" animBg="1"/>
-      <p:bldP spid="11" grpId="0"/>
-    </p:bldLst>
   </p:timing>
 </p:sld>
 </file>
@@ -15368,57 +18514,6 @@
           <a:chExt cx="0" cy="0"/>
         </a:xfrm>
       </p:grpSpPr>
-      <p:sp>
-        <p:nvSpPr>
-          <p:cNvPr id="4" name="矩形 3"/>
-          <p:cNvSpPr/>
-          <p:nvPr/>
-        </p:nvSpPr>
-        <p:spPr>
-          <a:xfrm>
-            <a:off x="0" y="1489753"/>
-            <a:ext cx="12192000" cy="3908202"/>
-          </a:xfrm>
-          <a:prstGeom prst="rect">
-            <a:avLst/>
-          </a:prstGeom>
-          <a:solidFill>
-            <a:schemeClr val="bg1">
-              <a:alpha val="55000"/>
-            </a:schemeClr>
-          </a:solidFill>
-          <a:ln>
-            <a:noFill/>
-          </a:ln>
-        </p:spPr>
-        <p:style>
-          <a:lnRef idx="2">
-            <a:schemeClr val="accent1">
-              <a:shade val="50000"/>
-            </a:schemeClr>
-          </a:lnRef>
-          <a:fillRef idx="1">
-            <a:schemeClr val="accent1"/>
-          </a:fillRef>
-          <a:effectRef idx="0">
-            <a:schemeClr val="accent1"/>
-          </a:effectRef>
-          <a:fontRef idx="minor">
-            <a:schemeClr val="lt1"/>
-          </a:fontRef>
-        </p:style>
-        <p:txBody>
-          <a:bodyPr rtlCol="0" anchor="ctr"/>
-          <a:lstStyle/>
-          <a:p>
-            <a:pPr algn="ctr"/>
-            <a:endParaRPr lang="zh-CN" altLang="en-US">
-              <a:cs typeface="+mn-ea"/>
-              <a:sym typeface="+mn-lt"/>
-            </a:endParaRPr>
-          </a:p>
-        </p:txBody>
-      </p:sp>
       <p:sp>
         <p:nvSpPr>
           <p:cNvPr id="9" name="矩形 8"/>
@@ -15948,7 +19043,7 @@
                             </p:stCondLst>
                             <p:childTnLst>
                               <p:par>
-                                <p:cTn id="5" presetID="16" presetClass="entr" presetSubtype="21" fill="hold" grpId="0" nodeType="clickEffect">
+                                <p:cTn id="5" presetID="16" presetClass="entr" presetSubtype="37" fill="hold" grpId="0" nodeType="clickEffect">
                                   <p:stCondLst>
                                     <p:cond delay="0"/>
                                   </p:stCondLst>
@@ -15961,7 +19056,7 @@
                                           </p:stCondLst>
                                         </p:cTn>
                                         <p:tgtEl>
-                                          <p:spTgt spid="4"/>
+                                          <p:spTgt spid="9"/>
                                         </p:tgtEl>
                                         <p:attrNameLst>
                                           <p:attrName>style.visibility</p:attrName>
@@ -15971,11 +19066,11 @@
                                         <p:strVal val="visible"/>
                                       </p:to>
                                     </p:set>
-                                    <p:animEffect transition="in" filter="barn(inVertical)">
+                                    <p:animEffect transition="in" filter="barn(outVertical)">
                                       <p:cBhvr>
                                         <p:cTn id="7" dur="500"/>
                                         <p:tgtEl>
-                                          <p:spTgt spid="4"/>
+                                          <p:spTgt spid="9"/>
                                         </p:tgtEl>
                                       </p:cBhvr>
                                     </p:animEffect>
@@ -16001,7 +19096,7 @@
                             </p:stCondLst>
                             <p:childTnLst>
                               <p:par>
-                                <p:cTn id="10" presetID="16" presetClass="entr" presetSubtype="37" fill="hold" grpId="0" nodeType="clickEffect">
+                                <p:cTn id="10" presetID="22" presetClass="entr" presetSubtype="8" fill="hold" nodeType="clickEffect">
                                   <p:stCondLst>
                                     <p:cond delay="0"/>
                                   </p:stCondLst>
@@ -16014,7 +19109,7 @@
                                           </p:stCondLst>
                                         </p:cTn>
                                         <p:tgtEl>
-                                          <p:spTgt spid="9"/>
+                                          <p:spTgt spid="2"/>
                                         </p:tgtEl>
                                         <p:attrNameLst>
                                           <p:attrName>style.visibility</p:attrName>
@@ -16024,11 +19119,11 @@
                                         <p:strVal val="visible"/>
                                       </p:to>
                                     </p:set>
-                                    <p:animEffect transition="in" filter="barn(outVertical)">
+                                    <p:animEffect transition="in" filter="wipe(left)">
                                       <p:cBhvr>
                                         <p:cTn id="12" dur="500"/>
                                         <p:tgtEl>
-                                          <p:spTgt spid="9"/>
+                                          <p:spTgt spid="2"/>
                                         </p:tgtEl>
                                       </p:cBhvr>
                                     </p:animEffect>
@@ -16054,72 +19149,19 @@
                             </p:stCondLst>
                             <p:childTnLst>
                               <p:par>
-                                <p:cTn id="15" presetID="22" presetClass="entr" presetSubtype="8" fill="hold" nodeType="clickEffect">
-                                  <p:stCondLst>
-                                    <p:cond delay="0"/>
-                                  </p:stCondLst>
-                                  <p:childTnLst>
-                                    <p:set>
-                                      <p:cBhvr>
-                                        <p:cTn id="16" dur="1" fill="hold">
-                                          <p:stCondLst>
-                                            <p:cond delay="0"/>
-                                          </p:stCondLst>
-                                        </p:cTn>
-                                        <p:tgtEl>
-                                          <p:spTgt spid="2"/>
-                                        </p:tgtEl>
-                                        <p:attrNameLst>
-                                          <p:attrName>style.visibility</p:attrName>
-                                        </p:attrNameLst>
-                                      </p:cBhvr>
-                                      <p:to>
-                                        <p:strVal val="visible"/>
-                                      </p:to>
-                                    </p:set>
-                                    <p:animEffect transition="in" filter="wipe(left)">
-                                      <p:cBhvr>
-                                        <p:cTn id="17" dur="500"/>
-                                        <p:tgtEl>
-                                          <p:spTgt spid="2"/>
-                                        </p:tgtEl>
-                                      </p:cBhvr>
-                                    </p:animEffect>
-                                  </p:childTnLst>
-                                </p:cTn>
-                              </p:par>
-                            </p:childTnLst>
-                          </p:cTn>
-                        </p:par>
-                      </p:childTnLst>
-                    </p:cTn>
-                  </p:par>
-                  <p:par>
-                    <p:cTn id="18" fill="hold">
-                      <p:stCondLst>
-                        <p:cond delay="indefinite"/>
-                      </p:stCondLst>
-                      <p:childTnLst>
-                        <p:par>
-                          <p:cTn id="19" fill="hold">
-                            <p:stCondLst>
-                              <p:cond delay="0"/>
-                            </p:stCondLst>
-                            <p:childTnLst>
-                              <p:par>
-                                <p:cTn id="20" presetID="42" presetClass="entr" presetSubtype="0" fill="hold" grpId="0" nodeType="clickEffect" nodePh="1">
+                                <p:cTn id="15" presetID="42" presetClass="entr" presetSubtype="0" fill="hold" grpId="0" nodeType="clickEffect" nodePh="1">
                                   <p:stCondLst>
                                     <p:cond delay="0"/>
                                   </p:stCondLst>
                                   <p:endCondLst>
                                     <p:cond evt="begin" delay="0">
-                                      <p:tn val="20"/>
+                                      <p:tn val="15"/>
                                     </p:cond>
                                   </p:endCondLst>
                                   <p:childTnLst>
                                     <p:set>
                                       <p:cBhvr>
-                                        <p:cTn id="21" dur="1" fill="hold">
+                                        <p:cTn id="16" dur="1" fill="hold">
                                           <p:stCondLst>
                                             <p:cond delay="0"/>
                                           </p:stCondLst>
@@ -16137,7 +19179,7 @@
                                     </p:set>
                                     <p:animEffect transition="in" filter="fade">
                                       <p:cBhvr>
-                                        <p:cTn id="22" dur="1000"/>
+                                        <p:cTn id="17" dur="1000"/>
                                         <p:tgtEl>
                                           <p:spTgt spid="16"/>
                                         </p:tgtEl>
@@ -16145,7 +19187,7 @@
                                     </p:animEffect>
                                     <p:anim calcmode="lin" valueType="num">
                                       <p:cBhvr>
-                                        <p:cTn id="23" dur="1000" fill="hold"/>
+                                        <p:cTn id="18" dur="1000" fill="hold"/>
                                         <p:tgtEl>
                                           <p:spTgt spid="16"/>
                                         </p:tgtEl>
@@ -16168,7 +19210,7 @@
                                     </p:anim>
                                     <p:anim calcmode="lin" valueType="num">
                                       <p:cBhvr>
-                                        <p:cTn id="24" dur="1000" fill="hold"/>
+                                        <p:cTn id="19" dur="1000" fill="hold"/>
                                         <p:tgtEl>
                                           <p:spTgt spid="16"/>
                                         </p:tgtEl>
@@ -16220,7 +19262,6 @@
       </p:par>
     </p:tnLst>
     <p:bldLst>
-      <p:bldP spid="4" grpId="0" animBg="1"/>
       <p:bldP spid="9" grpId="0" animBg="1"/>
       <p:bldP spid="16" grpId="0"/>
     </p:bldLst>
@@ -16290,8 +19331,34 @@
           <a:bodyPr rtlCol="0" anchor="ctr"/>
           <a:lstStyle/>
           <a:p>
-            <a:pPr algn="ctr"/>
-            <a:endParaRPr lang="zh-CN" altLang="en-US">
+            <a:pPr marL="0" marR="0" lvl="0" indent="0" algn="ctr" defTabSz="914400" rtl="0" eaLnBrk="1" fontAlgn="auto" latinLnBrk="0" hangingPunct="1">
+              <a:lnSpc>
+                <a:spcPct val="100000"/>
+              </a:lnSpc>
+              <a:spcBef>
+                <a:spcPts val="0"/>
+              </a:spcBef>
+              <a:spcAft>
+                <a:spcPts val="0"/>
+              </a:spcAft>
+              <a:buClrTx/>
+              <a:buSzTx/>
+              <a:buFontTx/>
+              <a:buNone/>
+              <a:tabLst/>
+              <a:defRPr/>
+            </a:pPr>
+            <a:endParaRPr kumimoji="0" lang="zh-CN" altLang="en-US" sz="1800" b="0" i="0" u="none" strike="noStrike" kern="1200" cap="none" spc="0" normalizeH="0" baseline="0" noProof="0">
+              <a:ln>
+                <a:noFill/>
+              </a:ln>
+              <a:solidFill>
+                <a:srgbClr val="FFFFFF"/>
+              </a:solidFill>
+              <a:effectLst/>
+              <a:uLnTx/>
+              <a:uFillTx/>
+              <a:latin typeface="微软雅黑 Light" panose="020F0502020204030204"/>
               <a:cs typeface="+mn-ea"/>
               <a:sym typeface="+mn-lt"/>
             </a:endParaRPr>
@@ -16307,7 +19374,7 @@
         <p:spPr>
           <a:xfrm>
             <a:off x="1181528" y="254295"/>
-            <a:ext cx="9173086" cy="584775"/>
+            <a:ext cx="3626777" cy="584775"/>
           </a:xfrm>
           <a:prstGeom prst="rect">
             <a:avLst/>
@@ -16321,7 +19388,7 @@
           <a:lstStyle/>
           <a:p>
             <a:r>
-              <a:rPr lang="zh-CN" altLang="en-US" sz="3200" spc="600" dirty="0" smtClean="0">
+              <a:rPr lang="zh-CN" altLang="en-US" sz="3200" spc="600" dirty="0">
                 <a:cs typeface="+mn-ea"/>
                 <a:sym typeface="+mn-lt"/>
               </a:rPr>
@@ -16334,146 +19401,3507 @@
           </a:p>
         </p:txBody>
       </p:sp>
-      <p:sp>
-        <p:nvSpPr>
-          <p:cNvPr id="5" name="文本框 4"/>
-          <p:cNvSpPr txBox="1"/>
+      <p:grpSp>
+        <p:nvGrpSpPr>
+          <p:cNvPr id="4" name="01b15570-37da-4695-aeb6-ad43a5f2bcce"/>
+          <p:cNvGrpSpPr>
+            <a:grpSpLocks noChangeAspect="1"/>
+          </p:cNvGrpSpPr>
           <p:nvPr/>
-        </p:nvSpPr>
-        <p:spPr>
+        </p:nvGrpSpPr>
+        <p:grpSpPr>
           <a:xfrm>
-            <a:off x="662682" y="987137"/>
-            <a:ext cx="5299364" cy="369332"/>
+            <a:off x="662681" y="1561804"/>
+            <a:ext cx="10226931" cy="4274195"/>
+            <a:chOff x="1244582" y="1335661"/>
+            <a:chExt cx="9654862" cy="4274195"/>
           </a:xfrm>
-          <a:prstGeom prst="rect">
-            <a:avLst/>
-          </a:prstGeom>
-          <a:noFill/>
-        </p:spPr>
-        <p:txBody>
-          <a:bodyPr wrap="square" rtlCol="0">
-            <a:spAutoFit/>
-          </a:bodyPr>
-          <a:lstStyle/>
-          <a:p>
-            <a:r>
-              <a:rPr lang="zh-CN" altLang="en-US" dirty="0" smtClean="0"/>
-              <a:t>什么是适配器模式呢？</a:t>
-            </a:r>
-            <a:endParaRPr lang="zh-CN" altLang="en-US" dirty="0"/>
-          </a:p>
-        </p:txBody>
-      </p:sp>
-      <p:sp>
-        <p:nvSpPr>
-          <p:cNvPr id="6" name="文本框 5"/>
-          <p:cNvSpPr txBox="1"/>
-          <p:nvPr/>
-        </p:nvSpPr>
-        <p:spPr>
-          <a:xfrm>
-            <a:off x="474478" y="2093032"/>
-            <a:ext cx="10975136" cy="1569660"/>
-          </a:xfrm>
-          <a:prstGeom prst="rect">
-            <a:avLst/>
-          </a:prstGeom>
-          <a:noFill/>
-        </p:spPr>
-        <p:txBody>
-          <a:bodyPr wrap="square" rtlCol="0">
-            <a:spAutoFit/>
-          </a:bodyPr>
-          <a:lstStyle/>
-          <a:p>
-            <a:r>
-              <a:rPr lang="zh-CN" altLang="en-US" sz="3200" dirty="0" smtClean="0">
-                <a:latin typeface="华文隶书" panose="02010800040101010101" pitchFamily="2" charset="-122"/>
-                <a:ea typeface="华文隶书" panose="02010800040101010101" pitchFamily="2" charset="-122"/>
-              </a:rPr>
-              <a:t>适配器模式（</a:t>
-            </a:r>
-            <a:r>
-              <a:rPr lang="en-US" altLang="zh-CN" sz="3200" dirty="0" smtClean="0">
-                <a:latin typeface="华文隶书" panose="02010800040101010101" pitchFamily="2" charset="-122"/>
-                <a:ea typeface="华文隶书" panose="02010800040101010101" pitchFamily="2" charset="-122"/>
-              </a:rPr>
-              <a:t>Adapter</a:t>
-            </a:r>
-            <a:r>
-              <a:rPr lang="zh-CN" altLang="en-US" sz="3200" dirty="0" smtClean="0">
-                <a:latin typeface="华文隶书" panose="02010800040101010101" pitchFamily="2" charset="-122"/>
-                <a:ea typeface="华文隶书" panose="02010800040101010101" pitchFamily="2" charset="-122"/>
-              </a:rPr>
-              <a:t>），将一个类的接口转换成客户希望的另一个接口。</a:t>
-            </a:r>
-            <a:r>
-              <a:rPr lang="en-US" altLang="zh-CN" sz="3200" dirty="0" smtClean="0">
-                <a:latin typeface="华文隶书" panose="02010800040101010101" pitchFamily="2" charset="-122"/>
-                <a:ea typeface="华文隶书" panose="02010800040101010101" pitchFamily="2" charset="-122"/>
-              </a:rPr>
-              <a:t>Adapter</a:t>
-            </a:r>
-            <a:r>
-              <a:rPr lang="zh-CN" altLang="en-US" sz="3200" dirty="0" smtClean="0">
-                <a:latin typeface="华文隶书" panose="02010800040101010101" pitchFamily="2" charset="-122"/>
-                <a:ea typeface="华文隶书" panose="02010800040101010101" pitchFamily="2" charset="-122"/>
-              </a:rPr>
-              <a:t>模式使得原本由于接口不兼容而不能一起工作的那些类可以一起工作</a:t>
-            </a:r>
-            <a:endParaRPr lang="zh-CN" altLang="en-US" sz="3200" dirty="0">
-              <a:latin typeface="华文隶书" panose="02010800040101010101" pitchFamily="2" charset="-122"/>
-              <a:ea typeface="华文隶书" panose="02010800040101010101" pitchFamily="2" charset="-122"/>
-            </a:endParaRPr>
-          </a:p>
-        </p:txBody>
-      </p:sp>
-      <p:sp>
-        <p:nvSpPr>
-          <p:cNvPr id="7" name="文本框 6"/>
-          <p:cNvSpPr txBox="1"/>
-          <p:nvPr/>
-        </p:nvSpPr>
-        <p:spPr>
-          <a:xfrm>
-            <a:off x="297950" y="5260488"/>
-            <a:ext cx="11151664" cy="646331"/>
-          </a:xfrm>
-          <a:prstGeom prst="rect">
-            <a:avLst/>
-          </a:prstGeom>
-          <a:noFill/>
-        </p:spPr>
-        <p:txBody>
-          <a:bodyPr wrap="square" rtlCol="0">
-            <a:spAutoFit/>
-          </a:bodyPr>
-          <a:lstStyle/>
-          <a:p>
-            <a:r>
-              <a:rPr lang="zh-CN" altLang="en-US" dirty="0"/>
-              <a:t>适配器</a:t>
-            </a:r>
-            <a:r>
-              <a:rPr lang="zh-CN" altLang="en-US" dirty="0" smtClean="0"/>
-              <a:t>模式有两种类型，为类适配器模式和对象适配器模式，由于</a:t>
-            </a:r>
-            <a:r>
-              <a:rPr lang="en-US" altLang="zh-CN" dirty="0" smtClean="0"/>
-              <a:t>C#</a:t>
-            </a:r>
-            <a:r>
-              <a:rPr lang="zh-CN" altLang="en-US" dirty="0" smtClean="0"/>
-              <a:t>语言不支持多重继承，所以这里我讲的是对象适配器模式。</a:t>
-            </a:r>
-            <a:endParaRPr lang="zh-CN" altLang="en-US" dirty="0"/>
-          </a:p>
-        </p:txBody>
-      </p:sp>
+        </p:grpSpPr>
+        <p:grpSp>
+          <p:nvGrpSpPr>
+            <p:cNvPr id="5" name="Group 2"/>
+            <p:cNvGrpSpPr/>
+            <p:nvPr/>
+          </p:nvGrpSpPr>
+          <p:grpSpPr>
+            <a:xfrm>
+              <a:off x="4372036" y="1665129"/>
+              <a:ext cx="3533331" cy="3944727"/>
+              <a:chOff x="4372036" y="1665129"/>
+              <a:chExt cx="3533331" cy="3944727"/>
+            </a:xfrm>
+          </p:grpSpPr>
+          <p:sp>
+            <p:nvSpPr>
+              <p:cNvPr id="25" name="îŝḷîḓé-Freeform: Shape 40"/>
+              <p:cNvSpPr/>
+              <p:nvPr/>
+            </p:nvSpPr>
+            <p:spPr>
+              <a:xfrm>
+                <a:off x="5567936" y="1665129"/>
+                <a:ext cx="543435" cy="893330"/>
+              </a:xfrm>
+              <a:custGeom>
+                <a:avLst/>
+                <a:gdLst/>
+                <a:ahLst/>
+                <a:cxnLst>
+                  <a:cxn ang="0">
+                    <a:pos x="wd2" y="hd2"/>
+                  </a:cxn>
+                  <a:cxn ang="5400000">
+                    <a:pos x="wd2" y="hd2"/>
+                  </a:cxn>
+                  <a:cxn ang="10800000">
+                    <a:pos x="wd2" y="hd2"/>
+                  </a:cxn>
+                  <a:cxn ang="16200000">
+                    <a:pos x="wd2" y="hd2"/>
+                  </a:cxn>
+                </a:cxnLst>
+                <a:rect l="0" t="0" r="r" b="b"/>
+                <a:pathLst>
+                  <a:path w="21593" h="21186" extrusionOk="0">
+                    <a:moveTo>
+                      <a:pt x="19619" y="155"/>
+                    </a:moveTo>
+                    <a:lnTo>
+                      <a:pt x="1903" y="6261"/>
+                    </a:lnTo>
+                    <a:cubicBezTo>
+                      <a:pt x="851" y="6623"/>
+                      <a:pt x="-4" y="7507"/>
+                      <a:pt x="0" y="8228"/>
+                    </a:cubicBezTo>
+                    <a:lnTo>
+                      <a:pt x="57" y="20379"/>
+                    </a:lnTo>
+                    <a:cubicBezTo>
+                      <a:pt x="61" y="21100"/>
+                      <a:pt x="921" y="21393"/>
+                      <a:pt x="1973" y="21031"/>
+                    </a:cubicBezTo>
+                    <a:lnTo>
+                      <a:pt x="19689" y="14925"/>
+                    </a:lnTo>
+                    <a:cubicBezTo>
+                      <a:pt x="20741" y="14563"/>
+                      <a:pt x="21596" y="13679"/>
+                      <a:pt x="21593" y="12958"/>
+                    </a:cubicBezTo>
+                    <a:lnTo>
+                      <a:pt x="21535" y="807"/>
+                    </a:lnTo>
+                    <a:cubicBezTo>
+                      <a:pt x="21532" y="86"/>
+                      <a:pt x="20671" y="-207"/>
+                      <a:pt x="19619" y="155"/>
+                    </a:cubicBezTo>
+                  </a:path>
+                </a:pathLst>
+              </a:custGeom>
+              <a:solidFill>
+                <a:schemeClr val="tx2">
+                  <a:lumMod val="20000"/>
+                  <a:lumOff val="80000"/>
+                </a:schemeClr>
+              </a:solidFill>
+              <a:ln w="12700" cap="flat">
+                <a:noFill/>
+                <a:miter lim="400000"/>
+              </a:ln>
+              <a:effectLst/>
+            </p:spPr>
+            <p:txBody>
+              <a:bodyPr anchor="ctr"/>
+              <a:lstStyle/>
+              <a:p>
+                <a:pPr marL="0" marR="0" lvl="0" indent="0" algn="ctr" defTabSz="914400" rtl="0" eaLnBrk="1" fontAlgn="auto" latinLnBrk="0" hangingPunct="1">
+                  <a:lnSpc>
+                    <a:spcPct val="100000"/>
+                  </a:lnSpc>
+                  <a:spcBef>
+                    <a:spcPts val="0"/>
+                  </a:spcBef>
+                  <a:spcAft>
+                    <a:spcPts val="0"/>
+                  </a:spcAft>
+                  <a:buClrTx/>
+                  <a:buSzTx/>
+                  <a:buFontTx/>
+                  <a:buNone/>
+                  <a:tabLst/>
+                  <a:defRPr/>
+                </a:pPr>
+                <a:endParaRPr kumimoji="0" sz="1800" b="0" i="0" u="none" strike="noStrike" kern="1200" cap="none" spc="0" normalizeH="0" baseline="0" noProof="0">
+                  <a:ln>
+                    <a:noFill/>
+                  </a:ln>
+                  <a:solidFill>
+                    <a:srgbClr val="000000"/>
+                  </a:solidFill>
+                  <a:effectLst/>
+                  <a:uLnTx/>
+                  <a:uFillTx/>
+                  <a:latin typeface="微软雅黑 Light" panose="020F0502020204030204"/>
+                  <a:cs typeface="+mn-cs"/>
+                </a:endParaRPr>
+              </a:p>
+            </p:txBody>
+          </p:sp>
+          <p:sp>
+            <p:nvSpPr>
+              <p:cNvPr id="26" name="îŝḷîḓé-Freeform: Shape 41"/>
+              <p:cNvSpPr/>
+              <p:nvPr/>
+            </p:nvSpPr>
+            <p:spPr>
+              <a:xfrm>
+                <a:off x="5567936" y="2366172"/>
+                <a:ext cx="543435" cy="893413"/>
+              </a:xfrm>
+              <a:custGeom>
+                <a:avLst/>
+                <a:gdLst/>
+                <a:ahLst/>
+                <a:cxnLst>
+                  <a:cxn ang="0">
+                    <a:pos x="wd2" y="hd2"/>
+                  </a:cxn>
+                  <a:cxn ang="5400000">
+                    <a:pos x="wd2" y="hd2"/>
+                  </a:cxn>
+                  <a:cxn ang="10800000">
+                    <a:pos x="wd2" y="hd2"/>
+                  </a:cxn>
+                  <a:cxn ang="16200000">
+                    <a:pos x="wd2" y="hd2"/>
+                  </a:cxn>
+                </a:cxnLst>
+                <a:rect l="0" t="0" r="r" b="b"/>
+                <a:pathLst>
+                  <a:path w="21593" h="21185" extrusionOk="0">
+                    <a:moveTo>
+                      <a:pt x="19620" y="154"/>
+                    </a:moveTo>
+                    <a:lnTo>
+                      <a:pt x="1904" y="6259"/>
+                    </a:lnTo>
+                    <a:cubicBezTo>
+                      <a:pt x="852" y="6621"/>
+                      <a:pt x="-3" y="7508"/>
+                      <a:pt x="0" y="8226"/>
+                    </a:cubicBezTo>
+                    <a:lnTo>
+                      <a:pt x="58" y="20378"/>
+                    </a:lnTo>
+                    <a:cubicBezTo>
+                      <a:pt x="61" y="21096"/>
+                      <a:pt x="922" y="21392"/>
+                      <a:pt x="1974" y="21030"/>
+                    </a:cubicBezTo>
+                    <a:lnTo>
+                      <a:pt x="19690" y="14926"/>
+                    </a:lnTo>
+                    <a:cubicBezTo>
+                      <a:pt x="20742" y="14563"/>
+                      <a:pt x="21597" y="13676"/>
+                      <a:pt x="21593" y="12958"/>
+                    </a:cubicBezTo>
+                    <a:lnTo>
+                      <a:pt x="21536" y="806"/>
+                    </a:lnTo>
+                    <a:cubicBezTo>
+                      <a:pt x="21532" y="88"/>
+                      <a:pt x="20672" y="-208"/>
+                      <a:pt x="19620" y="154"/>
+                    </a:cubicBezTo>
+                  </a:path>
+                </a:pathLst>
+              </a:custGeom>
+              <a:solidFill>
+                <a:schemeClr val="accent3">
+                  <a:lumMod val="100000"/>
+                </a:schemeClr>
+              </a:solidFill>
+              <a:ln w="12700" cap="flat">
+                <a:noFill/>
+                <a:miter lim="400000"/>
+              </a:ln>
+              <a:effectLst/>
+            </p:spPr>
+            <p:txBody>
+              <a:bodyPr anchor="ctr"/>
+              <a:lstStyle/>
+              <a:p>
+                <a:pPr marL="0" marR="0" lvl="0" indent="0" algn="ctr" defTabSz="914400" rtl="0" eaLnBrk="1" fontAlgn="auto" latinLnBrk="0" hangingPunct="1">
+                  <a:lnSpc>
+                    <a:spcPct val="100000"/>
+                  </a:lnSpc>
+                  <a:spcBef>
+                    <a:spcPts val="0"/>
+                  </a:spcBef>
+                  <a:spcAft>
+                    <a:spcPts val="0"/>
+                  </a:spcAft>
+                  <a:buClrTx/>
+                  <a:buSzTx/>
+                  <a:buFontTx/>
+                  <a:buNone/>
+                  <a:tabLst/>
+                  <a:defRPr/>
+                </a:pPr>
+                <a:endParaRPr kumimoji="0" sz="1800" b="0" i="0" u="none" strike="noStrike" kern="1200" cap="none" spc="0" normalizeH="0" baseline="0" noProof="0">
+                  <a:ln>
+                    <a:noFill/>
+                  </a:ln>
+                  <a:solidFill>
+                    <a:srgbClr val="000000"/>
+                  </a:solidFill>
+                  <a:effectLst/>
+                  <a:uLnTx/>
+                  <a:uFillTx/>
+                  <a:latin typeface="微软雅黑 Light" panose="020F0502020204030204"/>
+                  <a:cs typeface="+mn-cs"/>
+                </a:endParaRPr>
+              </a:p>
+            </p:txBody>
+          </p:sp>
+          <p:sp>
+            <p:nvSpPr>
+              <p:cNvPr id="27" name="îŝḷîḓé-Freeform: Shape 42"/>
+              <p:cNvSpPr/>
+              <p:nvPr/>
+            </p:nvSpPr>
+            <p:spPr>
+              <a:xfrm>
+                <a:off x="5567936" y="3046598"/>
+                <a:ext cx="543435" cy="893407"/>
+              </a:xfrm>
+              <a:custGeom>
+                <a:avLst/>
+                <a:gdLst/>
+                <a:ahLst/>
+                <a:cxnLst>
+                  <a:cxn ang="0">
+                    <a:pos x="wd2" y="hd2"/>
+                  </a:cxn>
+                  <a:cxn ang="5400000">
+                    <a:pos x="wd2" y="hd2"/>
+                  </a:cxn>
+                  <a:cxn ang="10800000">
+                    <a:pos x="wd2" y="hd2"/>
+                  </a:cxn>
+                  <a:cxn ang="16200000">
+                    <a:pos x="wd2" y="hd2"/>
+                  </a:cxn>
+                </a:cxnLst>
+                <a:rect l="0" t="0" r="r" b="b"/>
+                <a:pathLst>
+                  <a:path w="21593" h="21185" extrusionOk="0">
+                    <a:moveTo>
+                      <a:pt x="19620" y="154"/>
+                    </a:moveTo>
+                    <a:lnTo>
+                      <a:pt x="1904" y="6259"/>
+                    </a:lnTo>
+                    <a:cubicBezTo>
+                      <a:pt x="852" y="6621"/>
+                      <a:pt x="-3" y="7508"/>
+                      <a:pt x="0" y="8229"/>
+                    </a:cubicBezTo>
+                    <a:lnTo>
+                      <a:pt x="58" y="20379"/>
+                    </a:lnTo>
+                    <a:cubicBezTo>
+                      <a:pt x="61" y="21096"/>
+                      <a:pt x="922" y="21392"/>
+                      <a:pt x="1974" y="21030"/>
+                    </a:cubicBezTo>
+                    <a:lnTo>
+                      <a:pt x="19690" y="14925"/>
+                    </a:lnTo>
+                    <a:cubicBezTo>
+                      <a:pt x="20742" y="14563"/>
+                      <a:pt x="21597" y="13676"/>
+                      <a:pt x="21593" y="12959"/>
+                    </a:cubicBezTo>
+                    <a:lnTo>
+                      <a:pt x="21536" y="809"/>
+                    </a:lnTo>
+                    <a:cubicBezTo>
+                      <a:pt x="21532" y="88"/>
+                      <a:pt x="20672" y="-208"/>
+                      <a:pt x="19620" y="154"/>
+                    </a:cubicBezTo>
+                  </a:path>
+                </a:pathLst>
+              </a:custGeom>
+              <a:solidFill>
+                <a:schemeClr val="tx2">
+                  <a:lumMod val="40000"/>
+                  <a:lumOff val="60000"/>
+                </a:schemeClr>
+              </a:solidFill>
+              <a:ln w="12700" cap="flat">
+                <a:noFill/>
+                <a:miter lim="400000"/>
+              </a:ln>
+              <a:effectLst/>
+            </p:spPr>
+            <p:txBody>
+              <a:bodyPr anchor="ctr"/>
+              <a:lstStyle/>
+              <a:p>
+                <a:pPr marL="0" marR="0" lvl="0" indent="0" algn="ctr" defTabSz="914400" rtl="0" eaLnBrk="1" fontAlgn="auto" latinLnBrk="0" hangingPunct="1">
+                  <a:lnSpc>
+                    <a:spcPct val="100000"/>
+                  </a:lnSpc>
+                  <a:spcBef>
+                    <a:spcPts val="0"/>
+                  </a:spcBef>
+                  <a:spcAft>
+                    <a:spcPts val="0"/>
+                  </a:spcAft>
+                  <a:buClrTx/>
+                  <a:buSzTx/>
+                  <a:buFontTx/>
+                  <a:buNone/>
+                  <a:tabLst/>
+                  <a:defRPr/>
+                </a:pPr>
+                <a:endParaRPr kumimoji="0" sz="1800" b="0" i="0" u="none" strike="noStrike" kern="1200" cap="none" spc="0" normalizeH="0" baseline="0" noProof="0">
+                  <a:ln>
+                    <a:noFill/>
+                  </a:ln>
+                  <a:solidFill>
+                    <a:srgbClr val="000000"/>
+                  </a:solidFill>
+                  <a:effectLst/>
+                  <a:uLnTx/>
+                  <a:uFillTx/>
+                  <a:latin typeface="微软雅黑 Light" panose="020F0502020204030204"/>
+                  <a:cs typeface="+mn-cs"/>
+                </a:endParaRPr>
+              </a:p>
+            </p:txBody>
+          </p:sp>
+          <p:sp>
+            <p:nvSpPr>
+              <p:cNvPr id="28" name="îŝḷîḓé-Freeform: Shape 43"/>
+              <p:cNvSpPr/>
+              <p:nvPr/>
+            </p:nvSpPr>
+            <p:spPr>
+              <a:xfrm>
+                <a:off x="4969986" y="2015651"/>
+                <a:ext cx="543564" cy="893334"/>
+              </a:xfrm>
+              <a:custGeom>
+                <a:avLst/>
+                <a:gdLst/>
+                <a:ahLst/>
+                <a:cxnLst>
+                  <a:cxn ang="0">
+                    <a:pos x="wd2" y="hd2"/>
+                  </a:cxn>
+                  <a:cxn ang="5400000">
+                    <a:pos x="wd2" y="hd2"/>
+                  </a:cxn>
+                  <a:cxn ang="10800000">
+                    <a:pos x="wd2" y="hd2"/>
+                  </a:cxn>
+                  <a:cxn ang="16200000">
+                    <a:pos x="wd2" y="hd2"/>
+                  </a:cxn>
+                </a:cxnLst>
+                <a:rect l="0" t="0" r="r" b="b"/>
+                <a:pathLst>
+                  <a:path w="21593" h="21188" extrusionOk="0">
+                    <a:moveTo>
+                      <a:pt x="19620" y="155"/>
+                    </a:moveTo>
+                    <a:lnTo>
+                      <a:pt x="1902" y="6262"/>
+                    </a:lnTo>
+                    <a:cubicBezTo>
+                      <a:pt x="856" y="6623"/>
+                      <a:pt x="-4" y="7509"/>
+                      <a:pt x="0" y="8230"/>
+                    </a:cubicBezTo>
+                    <a:lnTo>
+                      <a:pt x="57" y="20382"/>
+                    </a:lnTo>
+                    <a:cubicBezTo>
+                      <a:pt x="61" y="21103"/>
+                      <a:pt x="926" y="21394"/>
+                      <a:pt x="1972" y="21033"/>
+                    </a:cubicBezTo>
+                    <a:lnTo>
+                      <a:pt x="19690" y="14926"/>
+                    </a:lnTo>
+                    <a:cubicBezTo>
+                      <a:pt x="20736" y="14565"/>
+                      <a:pt x="21596" y="13679"/>
+                      <a:pt x="21592" y="12958"/>
+                    </a:cubicBezTo>
+                    <a:lnTo>
+                      <a:pt x="21535" y="806"/>
+                    </a:lnTo>
+                    <a:cubicBezTo>
+                      <a:pt x="21531" y="85"/>
+                      <a:pt x="20666" y="-206"/>
+                      <a:pt x="19620" y="155"/>
+                    </a:cubicBezTo>
+                  </a:path>
+                </a:pathLst>
+              </a:custGeom>
+              <a:solidFill>
+                <a:schemeClr val="accent1">
+                  <a:lumMod val="100000"/>
+                </a:schemeClr>
+              </a:solidFill>
+              <a:ln w="12700" cap="flat">
+                <a:noFill/>
+                <a:miter lim="400000"/>
+              </a:ln>
+              <a:effectLst/>
+            </p:spPr>
+            <p:txBody>
+              <a:bodyPr anchor="ctr"/>
+              <a:lstStyle/>
+              <a:p>
+                <a:pPr marL="0" marR="0" lvl="0" indent="0" algn="ctr" defTabSz="914400" rtl="0" eaLnBrk="1" fontAlgn="auto" latinLnBrk="0" hangingPunct="1">
+                  <a:lnSpc>
+                    <a:spcPct val="100000"/>
+                  </a:lnSpc>
+                  <a:spcBef>
+                    <a:spcPts val="0"/>
+                  </a:spcBef>
+                  <a:spcAft>
+                    <a:spcPts val="0"/>
+                  </a:spcAft>
+                  <a:buClrTx/>
+                  <a:buSzTx/>
+                  <a:buFontTx/>
+                  <a:buNone/>
+                  <a:tabLst/>
+                  <a:defRPr/>
+                </a:pPr>
+                <a:endParaRPr kumimoji="0" sz="1800" b="0" i="0" u="none" strike="noStrike" kern="1200" cap="none" spc="0" normalizeH="0" baseline="0" noProof="0">
+                  <a:ln>
+                    <a:noFill/>
+                  </a:ln>
+                  <a:solidFill>
+                    <a:srgbClr val="000000"/>
+                  </a:solidFill>
+                  <a:effectLst/>
+                  <a:uLnTx/>
+                  <a:uFillTx/>
+                  <a:latin typeface="微软雅黑 Light" panose="020F0502020204030204"/>
+                  <a:cs typeface="+mn-cs"/>
+                </a:endParaRPr>
+              </a:p>
+            </p:txBody>
+          </p:sp>
+          <p:sp>
+            <p:nvSpPr>
+              <p:cNvPr id="29" name="îŝḷîḓé-Freeform: Shape 44"/>
+              <p:cNvSpPr/>
+              <p:nvPr/>
+            </p:nvSpPr>
+            <p:spPr>
+              <a:xfrm>
+                <a:off x="4969986" y="2696075"/>
+                <a:ext cx="543564" cy="893430"/>
+              </a:xfrm>
+              <a:custGeom>
+                <a:avLst/>
+                <a:gdLst/>
+                <a:ahLst/>
+                <a:cxnLst>
+                  <a:cxn ang="0">
+                    <a:pos x="wd2" y="hd2"/>
+                  </a:cxn>
+                  <a:cxn ang="5400000">
+                    <a:pos x="wd2" y="hd2"/>
+                  </a:cxn>
+                  <a:cxn ang="10800000">
+                    <a:pos x="wd2" y="hd2"/>
+                  </a:cxn>
+                  <a:cxn ang="16200000">
+                    <a:pos x="wd2" y="hd2"/>
+                  </a:cxn>
+                </a:cxnLst>
+                <a:rect l="0" t="0" r="r" b="b"/>
+                <a:pathLst>
+                  <a:path w="21593" h="21187" extrusionOk="0">
+                    <a:moveTo>
+                      <a:pt x="19620" y="154"/>
+                    </a:moveTo>
+                    <a:lnTo>
+                      <a:pt x="1902" y="6260"/>
+                    </a:lnTo>
+                    <a:cubicBezTo>
+                      <a:pt x="856" y="6621"/>
+                      <a:pt x="-4" y="7510"/>
+                      <a:pt x="0" y="8227"/>
+                    </a:cubicBezTo>
+                    <a:lnTo>
+                      <a:pt x="57" y="20381"/>
+                    </a:lnTo>
+                    <a:cubicBezTo>
+                      <a:pt x="60" y="21098"/>
+                      <a:pt x="926" y="21393"/>
+                      <a:pt x="1972" y="21032"/>
+                    </a:cubicBezTo>
+                    <a:lnTo>
+                      <a:pt x="19690" y="14926"/>
+                    </a:lnTo>
+                    <a:cubicBezTo>
+                      <a:pt x="20736" y="14565"/>
+                      <a:pt x="21596" y="13676"/>
+                      <a:pt x="21593" y="12959"/>
+                    </a:cubicBezTo>
+                    <a:lnTo>
+                      <a:pt x="21535" y="805"/>
+                    </a:lnTo>
+                    <a:cubicBezTo>
+                      <a:pt x="21532" y="88"/>
+                      <a:pt x="20666" y="-207"/>
+                      <a:pt x="19620" y="154"/>
+                    </a:cubicBezTo>
+                  </a:path>
+                </a:pathLst>
+              </a:custGeom>
+              <a:solidFill>
+                <a:schemeClr val="tx2">
+                  <a:lumMod val="40000"/>
+                  <a:lumOff val="60000"/>
+                </a:schemeClr>
+              </a:solidFill>
+              <a:ln w="12700" cap="flat">
+                <a:noFill/>
+                <a:miter lim="400000"/>
+              </a:ln>
+              <a:effectLst/>
+            </p:spPr>
+            <p:txBody>
+              <a:bodyPr anchor="ctr"/>
+              <a:lstStyle/>
+              <a:p>
+                <a:pPr marL="0" marR="0" lvl="0" indent="0" algn="ctr" defTabSz="914400" rtl="0" eaLnBrk="1" fontAlgn="auto" latinLnBrk="0" hangingPunct="1">
+                  <a:lnSpc>
+                    <a:spcPct val="100000"/>
+                  </a:lnSpc>
+                  <a:spcBef>
+                    <a:spcPts val="0"/>
+                  </a:spcBef>
+                  <a:spcAft>
+                    <a:spcPts val="0"/>
+                  </a:spcAft>
+                  <a:buClrTx/>
+                  <a:buSzTx/>
+                  <a:buFontTx/>
+                  <a:buNone/>
+                  <a:tabLst/>
+                  <a:defRPr/>
+                </a:pPr>
+                <a:endParaRPr kumimoji="0" sz="1800" b="0" i="0" u="none" strike="noStrike" kern="1200" cap="none" spc="0" normalizeH="0" baseline="0" noProof="0">
+                  <a:ln>
+                    <a:noFill/>
+                  </a:ln>
+                  <a:solidFill>
+                    <a:srgbClr val="000000"/>
+                  </a:solidFill>
+                  <a:effectLst/>
+                  <a:uLnTx/>
+                  <a:uFillTx/>
+                  <a:latin typeface="微软雅黑 Light" panose="020F0502020204030204"/>
+                  <a:cs typeface="+mn-cs"/>
+                </a:endParaRPr>
+              </a:p>
+            </p:txBody>
+          </p:sp>
+          <p:sp>
+            <p:nvSpPr>
+              <p:cNvPr id="30" name="îŝḷîḓé-Freeform: Shape 45"/>
+              <p:cNvSpPr/>
+              <p:nvPr/>
+            </p:nvSpPr>
+            <p:spPr>
+              <a:xfrm>
+                <a:off x="4969986" y="3397120"/>
+                <a:ext cx="543574" cy="893415"/>
+              </a:xfrm>
+              <a:custGeom>
+                <a:avLst/>
+                <a:gdLst/>
+                <a:ahLst/>
+                <a:cxnLst>
+                  <a:cxn ang="0">
+                    <a:pos x="wd2" y="hd2"/>
+                  </a:cxn>
+                  <a:cxn ang="5400000">
+                    <a:pos x="wd2" y="hd2"/>
+                  </a:cxn>
+                  <a:cxn ang="10800000">
+                    <a:pos x="wd2" y="hd2"/>
+                  </a:cxn>
+                  <a:cxn ang="16200000">
+                    <a:pos x="wd2" y="hd2"/>
+                  </a:cxn>
+                </a:cxnLst>
+                <a:rect l="0" t="0" r="r" b="b"/>
+                <a:pathLst>
+                  <a:path w="21594" h="21187" extrusionOk="0">
+                    <a:moveTo>
+                      <a:pt x="19621" y="154"/>
+                    </a:moveTo>
+                    <a:lnTo>
+                      <a:pt x="1903" y="6260"/>
+                    </a:lnTo>
+                    <a:cubicBezTo>
+                      <a:pt x="857" y="6620"/>
+                      <a:pt x="-3" y="7510"/>
+                      <a:pt x="0" y="8231"/>
+                    </a:cubicBezTo>
+                    <a:lnTo>
+                      <a:pt x="58" y="20381"/>
+                    </a:lnTo>
+                    <a:cubicBezTo>
+                      <a:pt x="61" y="21098"/>
+                      <a:pt x="927" y="21393"/>
+                      <a:pt x="1973" y="21032"/>
+                    </a:cubicBezTo>
+                    <a:lnTo>
+                      <a:pt x="19691" y="14926"/>
+                    </a:lnTo>
+                    <a:cubicBezTo>
+                      <a:pt x="20737" y="14565"/>
+                      <a:pt x="21597" y="13676"/>
+                      <a:pt x="21594" y="12959"/>
+                    </a:cubicBezTo>
+                    <a:lnTo>
+                      <a:pt x="21536" y="808"/>
+                    </a:lnTo>
+                    <a:cubicBezTo>
+                      <a:pt x="21533" y="87"/>
+                      <a:pt x="20667" y="-207"/>
+                      <a:pt x="19621" y="154"/>
+                    </a:cubicBezTo>
+                  </a:path>
+                </a:pathLst>
+              </a:custGeom>
+              <a:solidFill>
+                <a:schemeClr val="accent3">
+                  <a:lumMod val="100000"/>
+                </a:schemeClr>
+              </a:solidFill>
+              <a:ln w="12700" cap="flat">
+                <a:noFill/>
+                <a:miter lim="400000"/>
+              </a:ln>
+              <a:effectLst/>
+            </p:spPr>
+            <p:txBody>
+              <a:bodyPr anchor="ctr"/>
+              <a:lstStyle/>
+              <a:p>
+                <a:pPr marL="0" marR="0" lvl="0" indent="0" algn="ctr" defTabSz="914400" rtl="0" eaLnBrk="1" fontAlgn="auto" latinLnBrk="0" hangingPunct="1">
+                  <a:lnSpc>
+                    <a:spcPct val="100000"/>
+                  </a:lnSpc>
+                  <a:spcBef>
+                    <a:spcPts val="0"/>
+                  </a:spcBef>
+                  <a:spcAft>
+                    <a:spcPts val="0"/>
+                  </a:spcAft>
+                  <a:buClrTx/>
+                  <a:buSzTx/>
+                  <a:buFontTx/>
+                  <a:buNone/>
+                  <a:tabLst/>
+                  <a:defRPr/>
+                </a:pPr>
+                <a:endParaRPr kumimoji="0" sz="1800" b="0" i="0" u="none" strike="noStrike" kern="1200" cap="none" spc="0" normalizeH="0" baseline="0" noProof="0">
+                  <a:ln>
+                    <a:noFill/>
+                  </a:ln>
+                  <a:solidFill>
+                    <a:srgbClr val="000000"/>
+                  </a:solidFill>
+                  <a:effectLst/>
+                  <a:uLnTx/>
+                  <a:uFillTx/>
+                  <a:latin typeface="微软雅黑 Light" panose="020F0502020204030204"/>
+                  <a:cs typeface="+mn-cs"/>
+                </a:endParaRPr>
+              </a:p>
+            </p:txBody>
+          </p:sp>
+          <p:sp>
+            <p:nvSpPr>
+              <p:cNvPr id="31" name="îŝḷîḓé-Freeform: Shape 46"/>
+              <p:cNvSpPr/>
+              <p:nvPr/>
+            </p:nvSpPr>
+            <p:spPr>
+              <a:xfrm>
+                <a:off x="4372036" y="2366172"/>
+                <a:ext cx="543565" cy="893330"/>
+              </a:xfrm>
+              <a:custGeom>
+                <a:avLst/>
+                <a:gdLst/>
+                <a:ahLst/>
+                <a:cxnLst>
+                  <a:cxn ang="0">
+                    <a:pos x="wd2" y="hd2"/>
+                  </a:cxn>
+                  <a:cxn ang="5400000">
+                    <a:pos x="wd2" y="hd2"/>
+                  </a:cxn>
+                  <a:cxn ang="10800000">
+                    <a:pos x="wd2" y="hd2"/>
+                  </a:cxn>
+                  <a:cxn ang="16200000">
+                    <a:pos x="wd2" y="hd2"/>
+                  </a:cxn>
+                </a:cxnLst>
+                <a:rect l="0" t="0" r="r" b="b"/>
+                <a:pathLst>
+                  <a:path w="21593" h="21188" extrusionOk="0">
+                    <a:moveTo>
+                      <a:pt x="19620" y="155"/>
+                    </a:moveTo>
+                    <a:lnTo>
+                      <a:pt x="1902" y="6262"/>
+                    </a:lnTo>
+                    <a:cubicBezTo>
+                      <a:pt x="856" y="6623"/>
+                      <a:pt x="-4" y="7508"/>
+                      <a:pt x="0" y="8230"/>
+                    </a:cubicBezTo>
+                    <a:lnTo>
+                      <a:pt x="57" y="20382"/>
+                    </a:lnTo>
+                    <a:cubicBezTo>
+                      <a:pt x="61" y="21103"/>
+                      <a:pt x="926" y="21394"/>
+                      <a:pt x="1973" y="21033"/>
+                    </a:cubicBezTo>
+                    <a:lnTo>
+                      <a:pt x="19690" y="14926"/>
+                    </a:lnTo>
+                    <a:cubicBezTo>
+                      <a:pt x="20736" y="14565"/>
+                      <a:pt x="21596" y="13679"/>
+                      <a:pt x="21592" y="12958"/>
+                    </a:cubicBezTo>
+                    <a:lnTo>
+                      <a:pt x="21535" y="806"/>
+                    </a:lnTo>
+                    <a:cubicBezTo>
+                      <a:pt x="21531" y="85"/>
+                      <a:pt x="20666" y="-206"/>
+                      <a:pt x="19620" y="155"/>
+                    </a:cubicBezTo>
+                  </a:path>
+                </a:pathLst>
+              </a:custGeom>
+              <a:solidFill>
+                <a:schemeClr val="tx2">
+                  <a:lumMod val="40000"/>
+                  <a:lumOff val="60000"/>
+                </a:schemeClr>
+              </a:solidFill>
+              <a:ln w="12700" cap="flat">
+                <a:noFill/>
+                <a:miter lim="400000"/>
+              </a:ln>
+              <a:effectLst/>
+            </p:spPr>
+            <p:txBody>
+              <a:bodyPr anchor="ctr"/>
+              <a:lstStyle/>
+              <a:p>
+                <a:pPr marL="0" marR="0" lvl="0" indent="0" algn="ctr" defTabSz="914400" rtl="0" eaLnBrk="1" fontAlgn="auto" latinLnBrk="0" hangingPunct="1">
+                  <a:lnSpc>
+                    <a:spcPct val="100000"/>
+                  </a:lnSpc>
+                  <a:spcBef>
+                    <a:spcPts val="0"/>
+                  </a:spcBef>
+                  <a:spcAft>
+                    <a:spcPts val="0"/>
+                  </a:spcAft>
+                  <a:buClrTx/>
+                  <a:buSzTx/>
+                  <a:buFontTx/>
+                  <a:buNone/>
+                  <a:tabLst/>
+                  <a:defRPr/>
+                </a:pPr>
+                <a:endParaRPr kumimoji="0" sz="1800" b="0" i="0" u="none" strike="noStrike" kern="1200" cap="none" spc="0" normalizeH="0" baseline="0" noProof="0">
+                  <a:ln>
+                    <a:noFill/>
+                  </a:ln>
+                  <a:solidFill>
+                    <a:srgbClr val="000000"/>
+                  </a:solidFill>
+                  <a:effectLst/>
+                  <a:uLnTx/>
+                  <a:uFillTx/>
+                  <a:latin typeface="微软雅黑 Light" panose="020F0502020204030204"/>
+                  <a:cs typeface="+mn-cs"/>
+                </a:endParaRPr>
+              </a:p>
+            </p:txBody>
+          </p:sp>
+          <p:sp>
+            <p:nvSpPr>
+              <p:cNvPr id="32" name="îŝḷîḓé-Freeform: Shape 47"/>
+              <p:cNvSpPr/>
+              <p:nvPr/>
+            </p:nvSpPr>
+            <p:spPr>
+              <a:xfrm>
+                <a:off x="4372036" y="3046598"/>
+                <a:ext cx="543565" cy="893425"/>
+              </a:xfrm>
+              <a:custGeom>
+                <a:avLst/>
+                <a:gdLst/>
+                <a:ahLst/>
+                <a:cxnLst>
+                  <a:cxn ang="0">
+                    <a:pos x="wd2" y="hd2"/>
+                  </a:cxn>
+                  <a:cxn ang="5400000">
+                    <a:pos x="wd2" y="hd2"/>
+                  </a:cxn>
+                  <a:cxn ang="10800000">
+                    <a:pos x="wd2" y="hd2"/>
+                  </a:cxn>
+                  <a:cxn ang="16200000">
+                    <a:pos x="wd2" y="hd2"/>
+                  </a:cxn>
+                </a:cxnLst>
+                <a:rect l="0" t="0" r="r" b="b"/>
+                <a:pathLst>
+                  <a:path w="21593" h="21187" extrusionOk="0">
+                    <a:moveTo>
+                      <a:pt x="19619" y="155"/>
+                    </a:moveTo>
+                    <a:lnTo>
+                      <a:pt x="1902" y="6261"/>
+                    </a:lnTo>
+                    <a:cubicBezTo>
+                      <a:pt x="856" y="6622"/>
+                      <a:pt x="-4" y="7511"/>
+                      <a:pt x="0" y="8228"/>
+                    </a:cubicBezTo>
+                    <a:lnTo>
+                      <a:pt x="57" y="20382"/>
+                    </a:lnTo>
+                    <a:cubicBezTo>
+                      <a:pt x="61" y="21099"/>
+                      <a:pt x="926" y="21394"/>
+                      <a:pt x="1972" y="21033"/>
+                    </a:cubicBezTo>
+                    <a:lnTo>
+                      <a:pt x="19690" y="14927"/>
+                    </a:lnTo>
+                    <a:cubicBezTo>
+                      <a:pt x="20736" y="14566"/>
+                      <a:pt x="21596" y="13677"/>
+                      <a:pt x="21592" y="12960"/>
+                    </a:cubicBezTo>
+                    <a:lnTo>
+                      <a:pt x="21535" y="806"/>
+                    </a:lnTo>
+                    <a:cubicBezTo>
+                      <a:pt x="21531" y="88"/>
+                      <a:pt x="20666" y="-206"/>
+                      <a:pt x="19619" y="155"/>
+                    </a:cubicBezTo>
+                  </a:path>
+                </a:pathLst>
+              </a:custGeom>
+              <a:solidFill>
+                <a:schemeClr val="accent1">
+                  <a:lumMod val="100000"/>
+                </a:schemeClr>
+              </a:solidFill>
+              <a:ln w="12700" cap="flat">
+                <a:noFill/>
+                <a:miter lim="400000"/>
+              </a:ln>
+              <a:effectLst/>
+            </p:spPr>
+            <p:txBody>
+              <a:bodyPr anchor="ctr"/>
+              <a:lstStyle/>
+              <a:p>
+                <a:pPr marL="0" marR="0" lvl="0" indent="0" algn="ctr" defTabSz="914400" rtl="0" eaLnBrk="1" fontAlgn="auto" latinLnBrk="0" hangingPunct="1">
+                  <a:lnSpc>
+                    <a:spcPct val="100000"/>
+                  </a:lnSpc>
+                  <a:spcBef>
+                    <a:spcPts val="0"/>
+                  </a:spcBef>
+                  <a:spcAft>
+                    <a:spcPts val="0"/>
+                  </a:spcAft>
+                  <a:buClrTx/>
+                  <a:buSzTx/>
+                  <a:buFontTx/>
+                  <a:buNone/>
+                  <a:tabLst/>
+                  <a:defRPr/>
+                </a:pPr>
+                <a:endParaRPr kumimoji="0" sz="1800" b="0" i="0" u="none" strike="noStrike" kern="1200" cap="none" spc="0" normalizeH="0" baseline="0" noProof="0">
+                  <a:ln>
+                    <a:noFill/>
+                  </a:ln>
+                  <a:solidFill>
+                    <a:srgbClr val="000000"/>
+                  </a:solidFill>
+                  <a:effectLst/>
+                  <a:uLnTx/>
+                  <a:uFillTx/>
+                  <a:latin typeface="微软雅黑 Light" panose="020F0502020204030204"/>
+                  <a:cs typeface="+mn-cs"/>
+                </a:endParaRPr>
+              </a:p>
+            </p:txBody>
+          </p:sp>
+          <p:sp>
+            <p:nvSpPr>
+              <p:cNvPr id="33" name="îŝḷîḓé-Freeform: Shape 48"/>
+              <p:cNvSpPr/>
+              <p:nvPr/>
+            </p:nvSpPr>
+            <p:spPr>
+              <a:xfrm>
+                <a:off x="4372036" y="3747642"/>
+                <a:ext cx="543575" cy="893420"/>
+              </a:xfrm>
+              <a:custGeom>
+                <a:avLst/>
+                <a:gdLst/>
+                <a:ahLst/>
+                <a:cxnLst>
+                  <a:cxn ang="0">
+                    <a:pos x="wd2" y="hd2"/>
+                  </a:cxn>
+                  <a:cxn ang="5400000">
+                    <a:pos x="wd2" y="hd2"/>
+                  </a:cxn>
+                  <a:cxn ang="10800000">
+                    <a:pos x="wd2" y="hd2"/>
+                  </a:cxn>
+                  <a:cxn ang="16200000">
+                    <a:pos x="wd2" y="hd2"/>
+                  </a:cxn>
+                </a:cxnLst>
+                <a:rect l="0" t="0" r="r" b="b"/>
+                <a:pathLst>
+                  <a:path w="21594" h="21187" extrusionOk="0">
+                    <a:moveTo>
+                      <a:pt x="19621" y="154"/>
+                    </a:moveTo>
+                    <a:lnTo>
+                      <a:pt x="1903" y="6260"/>
+                    </a:lnTo>
+                    <a:cubicBezTo>
+                      <a:pt x="857" y="6620"/>
+                      <a:pt x="-3" y="7510"/>
+                      <a:pt x="0" y="8231"/>
+                    </a:cubicBezTo>
+                    <a:lnTo>
+                      <a:pt x="58" y="20381"/>
+                    </a:lnTo>
+                    <a:cubicBezTo>
+                      <a:pt x="61" y="21098"/>
+                      <a:pt x="927" y="21393"/>
+                      <a:pt x="1973" y="21032"/>
+                    </a:cubicBezTo>
+                    <a:lnTo>
+                      <a:pt x="19691" y="14926"/>
+                    </a:lnTo>
+                    <a:cubicBezTo>
+                      <a:pt x="20737" y="14565"/>
+                      <a:pt x="21597" y="13676"/>
+                      <a:pt x="21594" y="12959"/>
+                    </a:cubicBezTo>
+                    <a:lnTo>
+                      <a:pt x="21536" y="809"/>
+                    </a:lnTo>
+                    <a:cubicBezTo>
+                      <a:pt x="21533" y="88"/>
+                      <a:pt x="20667" y="-207"/>
+                      <a:pt x="19621" y="154"/>
+                    </a:cubicBezTo>
+                  </a:path>
+                </a:pathLst>
+              </a:custGeom>
+              <a:solidFill>
+                <a:schemeClr val="tx2">
+                  <a:lumMod val="20000"/>
+                  <a:lumOff val="80000"/>
+                </a:schemeClr>
+              </a:solidFill>
+              <a:ln w="12700" cap="flat">
+                <a:noFill/>
+                <a:miter lim="400000"/>
+              </a:ln>
+              <a:effectLst/>
+            </p:spPr>
+            <p:txBody>
+              <a:bodyPr anchor="ctr"/>
+              <a:lstStyle/>
+              <a:p>
+                <a:pPr marL="0" marR="0" lvl="0" indent="0" algn="ctr" defTabSz="914400" rtl="0" eaLnBrk="1" fontAlgn="auto" latinLnBrk="0" hangingPunct="1">
+                  <a:lnSpc>
+                    <a:spcPct val="100000"/>
+                  </a:lnSpc>
+                  <a:spcBef>
+                    <a:spcPts val="0"/>
+                  </a:spcBef>
+                  <a:spcAft>
+                    <a:spcPts val="0"/>
+                  </a:spcAft>
+                  <a:buClrTx/>
+                  <a:buSzTx/>
+                  <a:buFontTx/>
+                  <a:buNone/>
+                  <a:tabLst/>
+                  <a:defRPr/>
+                </a:pPr>
+                <a:endParaRPr kumimoji="0" sz="1800" b="0" i="0" u="none" strike="noStrike" kern="1200" cap="none" spc="0" normalizeH="0" baseline="0" noProof="0">
+                  <a:ln>
+                    <a:noFill/>
+                  </a:ln>
+                  <a:solidFill>
+                    <a:srgbClr val="000000"/>
+                  </a:solidFill>
+                  <a:effectLst/>
+                  <a:uLnTx/>
+                  <a:uFillTx/>
+                  <a:latin typeface="微软雅黑 Light" panose="020F0502020204030204"/>
+                  <a:cs typeface="+mn-cs"/>
+                </a:endParaRPr>
+              </a:p>
+            </p:txBody>
+          </p:sp>
+          <p:sp>
+            <p:nvSpPr>
+              <p:cNvPr id="34" name="îŝḷîḓé-Freeform: Shape 31"/>
+              <p:cNvSpPr/>
+              <p:nvPr/>
+            </p:nvSpPr>
+            <p:spPr>
+              <a:xfrm>
+                <a:off x="6165883" y="1665129"/>
+                <a:ext cx="543425" cy="893330"/>
+              </a:xfrm>
+              <a:custGeom>
+                <a:avLst/>
+                <a:gdLst/>
+                <a:ahLst/>
+                <a:cxnLst>
+                  <a:cxn ang="0">
+                    <a:pos x="wd2" y="hd2"/>
+                  </a:cxn>
+                  <a:cxn ang="5400000">
+                    <a:pos x="wd2" y="hd2"/>
+                  </a:cxn>
+                  <a:cxn ang="10800000">
+                    <a:pos x="wd2" y="hd2"/>
+                  </a:cxn>
+                  <a:cxn ang="16200000">
+                    <a:pos x="wd2" y="hd2"/>
+                  </a:cxn>
+                </a:cxnLst>
+                <a:rect l="0" t="0" r="r" b="b"/>
+                <a:pathLst>
+                  <a:path w="21594" h="21186" extrusionOk="0">
+                    <a:moveTo>
+                      <a:pt x="1973" y="155"/>
+                    </a:moveTo>
+                    <a:lnTo>
+                      <a:pt x="19691" y="6261"/>
+                    </a:lnTo>
+                    <a:cubicBezTo>
+                      <a:pt x="20742" y="6623"/>
+                      <a:pt x="21597" y="7507"/>
+                      <a:pt x="21594" y="8228"/>
+                    </a:cubicBezTo>
+                    <a:lnTo>
+                      <a:pt x="21536" y="20379"/>
+                    </a:lnTo>
+                    <a:cubicBezTo>
+                      <a:pt x="21533" y="21100"/>
+                      <a:pt x="20672" y="21393"/>
+                      <a:pt x="19621" y="21031"/>
+                    </a:cubicBezTo>
+                    <a:lnTo>
+                      <a:pt x="1903" y="14925"/>
+                    </a:lnTo>
+                    <a:cubicBezTo>
+                      <a:pt x="852" y="14563"/>
+                      <a:pt x="-3" y="13679"/>
+                      <a:pt x="0" y="12958"/>
+                    </a:cubicBezTo>
+                    <a:lnTo>
+                      <a:pt x="58" y="807"/>
+                    </a:lnTo>
+                    <a:cubicBezTo>
+                      <a:pt x="61" y="86"/>
+                      <a:pt x="922" y="-207"/>
+                      <a:pt x="1973" y="155"/>
+                    </a:cubicBezTo>
+                  </a:path>
+                </a:pathLst>
+              </a:custGeom>
+              <a:solidFill>
+                <a:schemeClr val="tx2">
+                  <a:lumMod val="40000"/>
+                  <a:lumOff val="60000"/>
+                </a:schemeClr>
+              </a:solidFill>
+              <a:ln w="12700" cap="flat">
+                <a:noFill/>
+                <a:miter lim="400000"/>
+              </a:ln>
+              <a:effectLst/>
+            </p:spPr>
+            <p:txBody>
+              <a:bodyPr anchor="ctr"/>
+              <a:lstStyle/>
+              <a:p>
+                <a:pPr marL="0" marR="0" lvl="0" indent="0" algn="ctr" defTabSz="914400" rtl="0" eaLnBrk="1" fontAlgn="auto" latinLnBrk="0" hangingPunct="1">
+                  <a:lnSpc>
+                    <a:spcPct val="100000"/>
+                  </a:lnSpc>
+                  <a:spcBef>
+                    <a:spcPts val="0"/>
+                  </a:spcBef>
+                  <a:spcAft>
+                    <a:spcPts val="0"/>
+                  </a:spcAft>
+                  <a:buClrTx/>
+                  <a:buSzTx/>
+                  <a:buFontTx/>
+                  <a:buNone/>
+                  <a:tabLst/>
+                  <a:defRPr/>
+                </a:pPr>
+                <a:endParaRPr kumimoji="0" sz="1800" b="0" i="0" u="none" strike="noStrike" kern="1200" cap="none" spc="0" normalizeH="0" baseline="0" noProof="0">
+                  <a:ln>
+                    <a:noFill/>
+                  </a:ln>
+                  <a:solidFill>
+                    <a:srgbClr val="000000"/>
+                  </a:solidFill>
+                  <a:effectLst/>
+                  <a:uLnTx/>
+                  <a:uFillTx/>
+                  <a:latin typeface="微软雅黑 Light" panose="020F0502020204030204"/>
+                  <a:cs typeface="+mn-cs"/>
+                </a:endParaRPr>
+              </a:p>
+            </p:txBody>
+          </p:sp>
+          <p:sp>
+            <p:nvSpPr>
+              <p:cNvPr id="35" name="îŝḷîḓé-Freeform: Shape 32"/>
+              <p:cNvSpPr/>
+              <p:nvPr/>
+            </p:nvSpPr>
+            <p:spPr>
+              <a:xfrm>
+                <a:off x="6165884" y="2366172"/>
+                <a:ext cx="543443" cy="893413"/>
+              </a:xfrm>
+              <a:custGeom>
+                <a:avLst/>
+                <a:gdLst/>
+                <a:ahLst/>
+                <a:cxnLst>
+                  <a:cxn ang="0">
+                    <a:pos x="wd2" y="hd2"/>
+                  </a:cxn>
+                  <a:cxn ang="5400000">
+                    <a:pos x="wd2" y="hd2"/>
+                  </a:cxn>
+                  <a:cxn ang="10800000">
+                    <a:pos x="wd2" y="hd2"/>
+                  </a:cxn>
+                  <a:cxn ang="16200000">
+                    <a:pos x="wd2" y="hd2"/>
+                  </a:cxn>
+                </a:cxnLst>
+                <a:rect l="0" t="0" r="r" b="b"/>
+                <a:pathLst>
+                  <a:path w="21593" h="21185" extrusionOk="0">
+                    <a:moveTo>
+                      <a:pt x="1973" y="154"/>
+                    </a:moveTo>
+                    <a:lnTo>
+                      <a:pt x="19689" y="6259"/>
+                    </a:lnTo>
+                    <a:cubicBezTo>
+                      <a:pt x="20740" y="6621"/>
+                      <a:pt x="21596" y="7508"/>
+                      <a:pt x="21593" y="8226"/>
+                    </a:cubicBezTo>
+                    <a:lnTo>
+                      <a:pt x="21534" y="20378"/>
+                    </a:lnTo>
+                    <a:cubicBezTo>
+                      <a:pt x="21531" y="21096"/>
+                      <a:pt x="20670" y="21392"/>
+                      <a:pt x="19619" y="21030"/>
+                    </a:cubicBezTo>
+                    <a:lnTo>
+                      <a:pt x="1903" y="14926"/>
+                    </a:lnTo>
+                    <a:cubicBezTo>
+                      <a:pt x="851" y="14563"/>
+                      <a:pt x="-4" y="13676"/>
+                      <a:pt x="0" y="12958"/>
+                    </a:cubicBezTo>
+                    <a:lnTo>
+                      <a:pt x="58" y="806"/>
+                    </a:lnTo>
+                    <a:cubicBezTo>
+                      <a:pt x="62" y="88"/>
+                      <a:pt x="921" y="-208"/>
+                      <a:pt x="1973" y="154"/>
+                    </a:cubicBezTo>
+                  </a:path>
+                </a:pathLst>
+              </a:custGeom>
+              <a:solidFill>
+                <a:schemeClr val="accent2">
+                  <a:lumMod val="100000"/>
+                </a:schemeClr>
+              </a:solidFill>
+              <a:ln w="12700" cap="flat">
+                <a:noFill/>
+                <a:miter lim="400000"/>
+              </a:ln>
+              <a:effectLst/>
+            </p:spPr>
+            <p:txBody>
+              <a:bodyPr anchor="ctr"/>
+              <a:lstStyle/>
+              <a:p>
+                <a:pPr marL="0" marR="0" lvl="0" indent="0" algn="ctr" defTabSz="914400" rtl="0" eaLnBrk="1" fontAlgn="auto" latinLnBrk="0" hangingPunct="1">
+                  <a:lnSpc>
+                    <a:spcPct val="100000"/>
+                  </a:lnSpc>
+                  <a:spcBef>
+                    <a:spcPts val="0"/>
+                  </a:spcBef>
+                  <a:spcAft>
+                    <a:spcPts val="0"/>
+                  </a:spcAft>
+                  <a:buClrTx/>
+                  <a:buSzTx/>
+                  <a:buFontTx/>
+                  <a:buNone/>
+                  <a:tabLst/>
+                  <a:defRPr/>
+                </a:pPr>
+                <a:endParaRPr kumimoji="0" sz="1800" b="0" i="0" u="none" strike="noStrike" kern="1200" cap="none" spc="0" normalizeH="0" baseline="0" noProof="0">
+                  <a:ln>
+                    <a:noFill/>
+                  </a:ln>
+                  <a:solidFill>
+                    <a:srgbClr val="000000"/>
+                  </a:solidFill>
+                  <a:effectLst/>
+                  <a:uLnTx/>
+                  <a:uFillTx/>
+                  <a:latin typeface="微软雅黑 Light" panose="020F0502020204030204"/>
+                  <a:cs typeface="+mn-cs"/>
+                </a:endParaRPr>
+              </a:p>
+            </p:txBody>
+          </p:sp>
+          <p:sp>
+            <p:nvSpPr>
+              <p:cNvPr id="36" name="îŝḷîḓé-Freeform: Shape 33"/>
+              <p:cNvSpPr/>
+              <p:nvPr/>
+            </p:nvSpPr>
+            <p:spPr>
+              <a:xfrm>
+                <a:off x="6165883" y="3046598"/>
+                <a:ext cx="543425" cy="893407"/>
+              </a:xfrm>
+              <a:custGeom>
+                <a:avLst/>
+                <a:gdLst/>
+                <a:ahLst/>
+                <a:cxnLst>
+                  <a:cxn ang="0">
+                    <a:pos x="wd2" y="hd2"/>
+                  </a:cxn>
+                  <a:cxn ang="5400000">
+                    <a:pos x="wd2" y="hd2"/>
+                  </a:cxn>
+                  <a:cxn ang="10800000">
+                    <a:pos x="wd2" y="hd2"/>
+                  </a:cxn>
+                  <a:cxn ang="16200000">
+                    <a:pos x="wd2" y="hd2"/>
+                  </a:cxn>
+                </a:cxnLst>
+                <a:rect l="0" t="0" r="r" b="b"/>
+                <a:pathLst>
+                  <a:path w="21594" h="21185" extrusionOk="0">
+                    <a:moveTo>
+                      <a:pt x="1973" y="154"/>
+                    </a:moveTo>
+                    <a:lnTo>
+                      <a:pt x="19691" y="6259"/>
+                    </a:lnTo>
+                    <a:cubicBezTo>
+                      <a:pt x="20742" y="6621"/>
+                      <a:pt x="21597" y="7508"/>
+                      <a:pt x="21594" y="8229"/>
+                    </a:cubicBezTo>
+                    <a:lnTo>
+                      <a:pt x="21536" y="20379"/>
+                    </a:lnTo>
+                    <a:cubicBezTo>
+                      <a:pt x="21533" y="21096"/>
+                      <a:pt x="20672" y="21392"/>
+                      <a:pt x="19621" y="21030"/>
+                    </a:cubicBezTo>
+                    <a:lnTo>
+                      <a:pt x="1903" y="14925"/>
+                    </a:lnTo>
+                    <a:cubicBezTo>
+                      <a:pt x="852" y="14563"/>
+                      <a:pt x="-3" y="13676"/>
+                      <a:pt x="0" y="12959"/>
+                    </a:cubicBezTo>
+                    <a:lnTo>
+                      <a:pt x="58" y="809"/>
+                    </a:lnTo>
+                    <a:cubicBezTo>
+                      <a:pt x="61" y="88"/>
+                      <a:pt x="922" y="-208"/>
+                      <a:pt x="1973" y="154"/>
+                    </a:cubicBezTo>
+                  </a:path>
+                </a:pathLst>
+              </a:custGeom>
+              <a:solidFill>
+                <a:schemeClr val="tx2">
+                  <a:lumMod val="40000"/>
+                  <a:lumOff val="60000"/>
+                </a:schemeClr>
+              </a:solidFill>
+              <a:ln w="12700" cap="flat">
+                <a:noFill/>
+                <a:miter lim="400000"/>
+              </a:ln>
+              <a:effectLst/>
+            </p:spPr>
+            <p:txBody>
+              <a:bodyPr anchor="ctr"/>
+              <a:lstStyle/>
+              <a:p>
+                <a:pPr marL="0" marR="0" lvl="0" indent="0" algn="ctr" defTabSz="914400" rtl="0" eaLnBrk="1" fontAlgn="auto" latinLnBrk="0" hangingPunct="1">
+                  <a:lnSpc>
+                    <a:spcPct val="100000"/>
+                  </a:lnSpc>
+                  <a:spcBef>
+                    <a:spcPts val="0"/>
+                  </a:spcBef>
+                  <a:spcAft>
+                    <a:spcPts val="0"/>
+                  </a:spcAft>
+                  <a:buClrTx/>
+                  <a:buSzTx/>
+                  <a:buFontTx/>
+                  <a:buNone/>
+                  <a:tabLst/>
+                  <a:defRPr/>
+                </a:pPr>
+                <a:endParaRPr kumimoji="0" sz="1800" b="0" i="0" u="none" strike="noStrike" kern="1200" cap="none" spc="0" normalizeH="0" baseline="0" noProof="0">
+                  <a:ln>
+                    <a:noFill/>
+                  </a:ln>
+                  <a:solidFill>
+                    <a:srgbClr val="000000"/>
+                  </a:solidFill>
+                  <a:effectLst/>
+                  <a:uLnTx/>
+                  <a:uFillTx/>
+                  <a:latin typeface="微软雅黑 Light" panose="020F0502020204030204"/>
+                  <a:cs typeface="+mn-cs"/>
+                </a:endParaRPr>
+              </a:p>
+            </p:txBody>
+          </p:sp>
+          <p:sp>
+            <p:nvSpPr>
+              <p:cNvPr id="37" name="îŝḷîḓé-Freeform: Shape 34"/>
+              <p:cNvSpPr/>
+              <p:nvPr/>
+            </p:nvSpPr>
+            <p:spPr>
+              <a:xfrm>
+                <a:off x="6763833" y="2015651"/>
+                <a:ext cx="543584" cy="893334"/>
+              </a:xfrm>
+              <a:custGeom>
+                <a:avLst/>
+                <a:gdLst/>
+                <a:ahLst/>
+                <a:cxnLst>
+                  <a:cxn ang="0">
+                    <a:pos x="wd2" y="hd2"/>
+                  </a:cxn>
+                  <a:cxn ang="5400000">
+                    <a:pos x="wd2" y="hd2"/>
+                  </a:cxn>
+                  <a:cxn ang="10800000">
+                    <a:pos x="wd2" y="hd2"/>
+                  </a:cxn>
+                  <a:cxn ang="16200000">
+                    <a:pos x="wd2" y="hd2"/>
+                  </a:cxn>
+                </a:cxnLst>
+                <a:rect l="0" t="0" r="r" b="b"/>
+                <a:pathLst>
+                  <a:path w="21594" h="21188" extrusionOk="0">
+                    <a:moveTo>
+                      <a:pt x="1973" y="155"/>
+                    </a:moveTo>
+                    <a:lnTo>
+                      <a:pt x="19691" y="6262"/>
+                    </a:lnTo>
+                    <a:cubicBezTo>
+                      <a:pt x="20736" y="6623"/>
+                      <a:pt x="21597" y="7509"/>
+                      <a:pt x="21594" y="8230"/>
+                    </a:cubicBezTo>
+                    <a:lnTo>
+                      <a:pt x="21536" y="20382"/>
+                    </a:lnTo>
+                    <a:cubicBezTo>
+                      <a:pt x="21532" y="21103"/>
+                      <a:pt x="20667" y="21394"/>
+                      <a:pt x="19621" y="21033"/>
+                    </a:cubicBezTo>
+                    <a:lnTo>
+                      <a:pt x="1903" y="14926"/>
+                    </a:lnTo>
+                    <a:cubicBezTo>
+                      <a:pt x="858" y="14565"/>
+                      <a:pt x="-3" y="13679"/>
+                      <a:pt x="0" y="12958"/>
+                    </a:cubicBezTo>
+                    <a:lnTo>
+                      <a:pt x="58" y="806"/>
+                    </a:lnTo>
+                    <a:cubicBezTo>
+                      <a:pt x="62" y="85"/>
+                      <a:pt x="927" y="-206"/>
+                      <a:pt x="1973" y="155"/>
+                    </a:cubicBezTo>
+                  </a:path>
+                </a:pathLst>
+              </a:custGeom>
+              <a:solidFill>
+                <a:schemeClr val="accent3">
+                  <a:lumMod val="100000"/>
+                </a:schemeClr>
+              </a:solidFill>
+              <a:ln w="12700" cap="flat">
+                <a:noFill/>
+                <a:miter lim="400000"/>
+              </a:ln>
+              <a:effectLst/>
+            </p:spPr>
+            <p:txBody>
+              <a:bodyPr anchor="ctr"/>
+              <a:lstStyle/>
+              <a:p>
+                <a:pPr marL="0" marR="0" lvl="0" indent="0" algn="ctr" defTabSz="914400" rtl="0" eaLnBrk="1" fontAlgn="auto" latinLnBrk="0" hangingPunct="1">
+                  <a:lnSpc>
+                    <a:spcPct val="100000"/>
+                  </a:lnSpc>
+                  <a:spcBef>
+                    <a:spcPts val="0"/>
+                  </a:spcBef>
+                  <a:spcAft>
+                    <a:spcPts val="0"/>
+                  </a:spcAft>
+                  <a:buClrTx/>
+                  <a:buSzTx/>
+                  <a:buFontTx/>
+                  <a:buNone/>
+                  <a:tabLst/>
+                  <a:defRPr/>
+                </a:pPr>
+                <a:endParaRPr kumimoji="0" sz="1800" b="0" i="0" u="none" strike="noStrike" kern="1200" cap="none" spc="0" normalizeH="0" baseline="0" noProof="0">
+                  <a:ln>
+                    <a:noFill/>
+                  </a:ln>
+                  <a:solidFill>
+                    <a:srgbClr val="000000"/>
+                  </a:solidFill>
+                  <a:effectLst/>
+                  <a:uLnTx/>
+                  <a:uFillTx/>
+                  <a:latin typeface="微软雅黑 Light" panose="020F0502020204030204"/>
+                  <a:cs typeface="+mn-cs"/>
+                </a:endParaRPr>
+              </a:p>
+            </p:txBody>
+          </p:sp>
+          <p:sp>
+            <p:nvSpPr>
+              <p:cNvPr id="38" name="îŝḷîḓé-Freeform: Shape 35"/>
+              <p:cNvSpPr/>
+              <p:nvPr/>
+            </p:nvSpPr>
+            <p:spPr>
+              <a:xfrm>
+                <a:off x="6763833" y="2696075"/>
+                <a:ext cx="543543" cy="893430"/>
+              </a:xfrm>
+              <a:custGeom>
+                <a:avLst/>
+                <a:gdLst/>
+                <a:ahLst/>
+                <a:cxnLst>
+                  <a:cxn ang="0">
+                    <a:pos x="wd2" y="hd2"/>
+                  </a:cxn>
+                  <a:cxn ang="5400000">
+                    <a:pos x="wd2" y="hd2"/>
+                  </a:cxn>
+                  <a:cxn ang="10800000">
+                    <a:pos x="wd2" y="hd2"/>
+                  </a:cxn>
+                  <a:cxn ang="16200000">
+                    <a:pos x="wd2" y="hd2"/>
+                  </a:cxn>
+                </a:cxnLst>
+                <a:rect l="0" t="0" r="r" b="b"/>
+                <a:pathLst>
+                  <a:path w="21593" h="21187" extrusionOk="0">
+                    <a:moveTo>
+                      <a:pt x="1973" y="154"/>
+                    </a:moveTo>
+                    <a:lnTo>
+                      <a:pt x="19691" y="6260"/>
+                    </a:lnTo>
+                    <a:cubicBezTo>
+                      <a:pt x="20737" y="6621"/>
+                      <a:pt x="21597" y="7510"/>
+                      <a:pt x="21593" y="8227"/>
+                    </a:cubicBezTo>
+                    <a:lnTo>
+                      <a:pt x="21535" y="20381"/>
+                    </a:lnTo>
+                    <a:cubicBezTo>
+                      <a:pt x="21532" y="21098"/>
+                      <a:pt x="20667" y="21393"/>
+                      <a:pt x="19620" y="21032"/>
+                    </a:cubicBezTo>
+                    <a:lnTo>
+                      <a:pt x="1902" y="14926"/>
+                    </a:lnTo>
+                    <a:cubicBezTo>
+                      <a:pt x="856" y="14565"/>
+                      <a:pt x="-3" y="13676"/>
+                      <a:pt x="0" y="12959"/>
+                    </a:cubicBezTo>
+                    <a:lnTo>
+                      <a:pt x="58" y="805"/>
+                    </a:lnTo>
+                    <a:cubicBezTo>
+                      <a:pt x="61" y="88"/>
+                      <a:pt x="926" y="-207"/>
+                      <a:pt x="1973" y="154"/>
+                    </a:cubicBezTo>
+                  </a:path>
+                </a:pathLst>
+              </a:custGeom>
+              <a:solidFill>
+                <a:schemeClr val="tx2">
+                  <a:lumMod val="40000"/>
+                  <a:lumOff val="60000"/>
+                </a:schemeClr>
+              </a:solidFill>
+              <a:ln w="12700" cap="flat">
+                <a:noFill/>
+                <a:miter lim="400000"/>
+              </a:ln>
+              <a:effectLst/>
+            </p:spPr>
+            <p:txBody>
+              <a:bodyPr anchor="ctr"/>
+              <a:lstStyle/>
+              <a:p>
+                <a:pPr marL="0" marR="0" lvl="0" indent="0" algn="ctr" defTabSz="914400" rtl="0" eaLnBrk="1" fontAlgn="auto" latinLnBrk="0" hangingPunct="1">
+                  <a:lnSpc>
+                    <a:spcPct val="100000"/>
+                  </a:lnSpc>
+                  <a:spcBef>
+                    <a:spcPts val="0"/>
+                  </a:spcBef>
+                  <a:spcAft>
+                    <a:spcPts val="0"/>
+                  </a:spcAft>
+                  <a:buClrTx/>
+                  <a:buSzTx/>
+                  <a:buFontTx/>
+                  <a:buNone/>
+                  <a:tabLst/>
+                  <a:defRPr/>
+                </a:pPr>
+                <a:endParaRPr kumimoji="0" sz="1800" b="0" i="0" u="none" strike="noStrike" kern="1200" cap="none" spc="0" normalizeH="0" baseline="0" noProof="0">
+                  <a:ln>
+                    <a:noFill/>
+                  </a:ln>
+                  <a:solidFill>
+                    <a:srgbClr val="000000"/>
+                  </a:solidFill>
+                  <a:effectLst/>
+                  <a:uLnTx/>
+                  <a:uFillTx/>
+                  <a:latin typeface="微软雅黑 Light" panose="020F0502020204030204"/>
+                  <a:cs typeface="+mn-cs"/>
+                </a:endParaRPr>
+              </a:p>
+            </p:txBody>
+          </p:sp>
+          <p:sp>
+            <p:nvSpPr>
+              <p:cNvPr id="39" name="îŝḷîḓé-Freeform: Shape 36"/>
+              <p:cNvSpPr/>
+              <p:nvPr/>
+            </p:nvSpPr>
+            <p:spPr>
+              <a:xfrm>
+                <a:off x="6763833" y="3397120"/>
+                <a:ext cx="543584" cy="893415"/>
+              </a:xfrm>
+              <a:custGeom>
+                <a:avLst/>
+                <a:gdLst/>
+                <a:ahLst/>
+                <a:cxnLst>
+                  <a:cxn ang="0">
+                    <a:pos x="wd2" y="hd2"/>
+                  </a:cxn>
+                  <a:cxn ang="5400000">
+                    <a:pos x="wd2" y="hd2"/>
+                  </a:cxn>
+                  <a:cxn ang="10800000">
+                    <a:pos x="wd2" y="hd2"/>
+                  </a:cxn>
+                  <a:cxn ang="16200000">
+                    <a:pos x="wd2" y="hd2"/>
+                  </a:cxn>
+                </a:cxnLst>
+                <a:rect l="0" t="0" r="r" b="b"/>
+                <a:pathLst>
+                  <a:path w="21594" h="21187" extrusionOk="0">
+                    <a:moveTo>
+                      <a:pt x="1974" y="154"/>
+                    </a:moveTo>
+                    <a:lnTo>
+                      <a:pt x="19691" y="6260"/>
+                    </a:lnTo>
+                    <a:cubicBezTo>
+                      <a:pt x="20737" y="6620"/>
+                      <a:pt x="21597" y="7510"/>
+                      <a:pt x="21594" y="8231"/>
+                    </a:cubicBezTo>
+                    <a:lnTo>
+                      <a:pt x="21536" y="20381"/>
+                    </a:lnTo>
+                    <a:cubicBezTo>
+                      <a:pt x="21533" y="21098"/>
+                      <a:pt x="20668" y="21393"/>
+                      <a:pt x="19621" y="21032"/>
+                    </a:cubicBezTo>
+                    <a:lnTo>
+                      <a:pt x="1904" y="14926"/>
+                    </a:lnTo>
+                    <a:cubicBezTo>
+                      <a:pt x="858" y="14565"/>
+                      <a:pt x="-3" y="13676"/>
+                      <a:pt x="0" y="12959"/>
+                    </a:cubicBezTo>
+                    <a:lnTo>
+                      <a:pt x="59" y="808"/>
+                    </a:lnTo>
+                    <a:cubicBezTo>
+                      <a:pt x="62" y="87"/>
+                      <a:pt x="928" y="-207"/>
+                      <a:pt x="1974" y="154"/>
+                    </a:cubicBezTo>
+                  </a:path>
+                </a:pathLst>
+              </a:custGeom>
+              <a:solidFill>
+                <a:schemeClr val="accent3">
+                  <a:lumMod val="100000"/>
+                </a:schemeClr>
+              </a:solidFill>
+              <a:ln w="12700" cap="flat">
+                <a:noFill/>
+                <a:miter lim="400000"/>
+              </a:ln>
+              <a:effectLst/>
+            </p:spPr>
+            <p:txBody>
+              <a:bodyPr anchor="ctr"/>
+              <a:lstStyle/>
+              <a:p>
+                <a:pPr marL="0" marR="0" lvl="0" indent="0" algn="ctr" defTabSz="914400" rtl="0" eaLnBrk="1" fontAlgn="auto" latinLnBrk="0" hangingPunct="1">
+                  <a:lnSpc>
+                    <a:spcPct val="100000"/>
+                  </a:lnSpc>
+                  <a:spcBef>
+                    <a:spcPts val="0"/>
+                  </a:spcBef>
+                  <a:spcAft>
+                    <a:spcPts val="0"/>
+                  </a:spcAft>
+                  <a:buClrTx/>
+                  <a:buSzTx/>
+                  <a:buFontTx/>
+                  <a:buNone/>
+                  <a:tabLst/>
+                  <a:defRPr/>
+                </a:pPr>
+                <a:endParaRPr kumimoji="0" sz="1800" b="0" i="0" u="none" strike="noStrike" kern="1200" cap="none" spc="0" normalizeH="0" baseline="0" noProof="0">
+                  <a:ln>
+                    <a:noFill/>
+                  </a:ln>
+                  <a:solidFill>
+                    <a:srgbClr val="000000"/>
+                  </a:solidFill>
+                  <a:effectLst/>
+                  <a:uLnTx/>
+                  <a:uFillTx/>
+                  <a:latin typeface="微软雅黑 Light" panose="020F0502020204030204"/>
+                  <a:cs typeface="+mn-cs"/>
+                </a:endParaRPr>
+              </a:p>
+            </p:txBody>
+          </p:sp>
+          <p:sp>
+            <p:nvSpPr>
+              <p:cNvPr id="40" name="îŝḷîḓé-Freeform: Shape 37"/>
+              <p:cNvSpPr/>
+              <p:nvPr/>
+            </p:nvSpPr>
+            <p:spPr>
+              <a:xfrm>
+                <a:off x="7358708" y="2366172"/>
+                <a:ext cx="543564" cy="893330"/>
+              </a:xfrm>
+              <a:custGeom>
+                <a:avLst/>
+                <a:gdLst/>
+                <a:ahLst/>
+                <a:cxnLst>
+                  <a:cxn ang="0">
+                    <a:pos x="wd2" y="hd2"/>
+                  </a:cxn>
+                  <a:cxn ang="5400000">
+                    <a:pos x="wd2" y="hd2"/>
+                  </a:cxn>
+                  <a:cxn ang="10800000">
+                    <a:pos x="wd2" y="hd2"/>
+                  </a:cxn>
+                  <a:cxn ang="16200000">
+                    <a:pos x="wd2" y="hd2"/>
+                  </a:cxn>
+                </a:cxnLst>
+                <a:rect l="0" t="0" r="r" b="b"/>
+                <a:pathLst>
+                  <a:path w="21593" h="21188" extrusionOk="0">
+                    <a:moveTo>
+                      <a:pt x="1973" y="155"/>
+                    </a:moveTo>
+                    <a:lnTo>
+                      <a:pt x="19690" y="6262"/>
+                    </a:lnTo>
+                    <a:cubicBezTo>
+                      <a:pt x="20736" y="6623"/>
+                      <a:pt x="21597" y="7508"/>
+                      <a:pt x="21593" y="8230"/>
+                    </a:cubicBezTo>
+                    <a:lnTo>
+                      <a:pt x="21535" y="20382"/>
+                    </a:lnTo>
+                    <a:cubicBezTo>
+                      <a:pt x="21531" y="21103"/>
+                      <a:pt x="20666" y="21394"/>
+                      <a:pt x="19620" y="21033"/>
+                    </a:cubicBezTo>
+                    <a:lnTo>
+                      <a:pt x="1902" y="14926"/>
+                    </a:lnTo>
+                    <a:cubicBezTo>
+                      <a:pt x="856" y="14565"/>
+                      <a:pt x="-3" y="13679"/>
+                      <a:pt x="0" y="12958"/>
+                    </a:cubicBezTo>
+                    <a:lnTo>
+                      <a:pt x="58" y="806"/>
+                    </a:lnTo>
+                    <a:cubicBezTo>
+                      <a:pt x="61" y="85"/>
+                      <a:pt x="926" y="-206"/>
+                      <a:pt x="1973" y="155"/>
+                    </a:cubicBezTo>
+                  </a:path>
+                </a:pathLst>
+              </a:custGeom>
+              <a:solidFill>
+                <a:schemeClr val="tx2">
+                  <a:lumMod val="20000"/>
+                  <a:lumOff val="80000"/>
+                </a:schemeClr>
+              </a:solidFill>
+              <a:ln w="12700" cap="flat">
+                <a:noFill/>
+                <a:miter lim="400000"/>
+              </a:ln>
+              <a:effectLst/>
+            </p:spPr>
+            <p:txBody>
+              <a:bodyPr anchor="ctr"/>
+              <a:lstStyle/>
+              <a:p>
+                <a:pPr marL="0" marR="0" lvl="0" indent="0" algn="ctr" defTabSz="914400" rtl="0" eaLnBrk="1" fontAlgn="auto" latinLnBrk="0" hangingPunct="1">
+                  <a:lnSpc>
+                    <a:spcPct val="100000"/>
+                  </a:lnSpc>
+                  <a:spcBef>
+                    <a:spcPts val="0"/>
+                  </a:spcBef>
+                  <a:spcAft>
+                    <a:spcPts val="0"/>
+                  </a:spcAft>
+                  <a:buClrTx/>
+                  <a:buSzTx/>
+                  <a:buFontTx/>
+                  <a:buNone/>
+                  <a:tabLst/>
+                  <a:defRPr/>
+                </a:pPr>
+                <a:endParaRPr kumimoji="0" sz="1800" b="0" i="0" u="none" strike="noStrike" kern="1200" cap="none" spc="0" normalizeH="0" baseline="0" noProof="0">
+                  <a:ln>
+                    <a:noFill/>
+                  </a:ln>
+                  <a:solidFill>
+                    <a:srgbClr val="000000"/>
+                  </a:solidFill>
+                  <a:effectLst/>
+                  <a:uLnTx/>
+                  <a:uFillTx/>
+                  <a:latin typeface="微软雅黑 Light" panose="020F0502020204030204"/>
+                  <a:cs typeface="+mn-cs"/>
+                </a:endParaRPr>
+              </a:p>
+            </p:txBody>
+          </p:sp>
+          <p:sp>
+            <p:nvSpPr>
+              <p:cNvPr id="41" name="îŝḷîḓé-Freeform: Shape 38"/>
+              <p:cNvSpPr/>
+              <p:nvPr/>
+            </p:nvSpPr>
+            <p:spPr>
+              <a:xfrm>
+                <a:off x="7361782" y="3046598"/>
+                <a:ext cx="543565" cy="893425"/>
+              </a:xfrm>
+              <a:custGeom>
+                <a:avLst/>
+                <a:gdLst/>
+                <a:ahLst/>
+                <a:cxnLst>
+                  <a:cxn ang="0">
+                    <a:pos x="wd2" y="hd2"/>
+                  </a:cxn>
+                  <a:cxn ang="5400000">
+                    <a:pos x="wd2" y="hd2"/>
+                  </a:cxn>
+                  <a:cxn ang="10800000">
+                    <a:pos x="wd2" y="hd2"/>
+                  </a:cxn>
+                  <a:cxn ang="16200000">
+                    <a:pos x="wd2" y="hd2"/>
+                  </a:cxn>
+                </a:cxnLst>
+                <a:rect l="0" t="0" r="r" b="b"/>
+                <a:pathLst>
+                  <a:path w="21593" h="21187" extrusionOk="0">
+                    <a:moveTo>
+                      <a:pt x="1973" y="155"/>
+                    </a:moveTo>
+                    <a:lnTo>
+                      <a:pt x="19691" y="6261"/>
+                    </a:lnTo>
+                    <a:cubicBezTo>
+                      <a:pt x="20737" y="6622"/>
+                      <a:pt x="21596" y="7511"/>
+                      <a:pt x="21593" y="8228"/>
+                    </a:cubicBezTo>
+                    <a:lnTo>
+                      <a:pt x="21535" y="20382"/>
+                    </a:lnTo>
+                    <a:cubicBezTo>
+                      <a:pt x="21532" y="21099"/>
+                      <a:pt x="20667" y="21394"/>
+                      <a:pt x="19620" y="21033"/>
+                    </a:cubicBezTo>
+                    <a:lnTo>
+                      <a:pt x="1903" y="14927"/>
+                    </a:lnTo>
+                    <a:cubicBezTo>
+                      <a:pt x="857" y="14566"/>
+                      <a:pt x="-4" y="13677"/>
+                      <a:pt x="0" y="12960"/>
+                    </a:cubicBezTo>
+                    <a:lnTo>
+                      <a:pt x="58" y="806"/>
+                    </a:lnTo>
+                    <a:cubicBezTo>
+                      <a:pt x="62" y="88"/>
+                      <a:pt x="927" y="-206"/>
+                      <a:pt x="1973" y="155"/>
+                    </a:cubicBezTo>
+                  </a:path>
+                </a:pathLst>
+              </a:custGeom>
+              <a:solidFill>
+                <a:schemeClr val="accent1">
+                  <a:lumMod val="100000"/>
+                </a:schemeClr>
+              </a:solidFill>
+              <a:ln w="12700" cap="flat">
+                <a:noFill/>
+                <a:miter lim="400000"/>
+              </a:ln>
+              <a:effectLst/>
+            </p:spPr>
+            <p:txBody>
+              <a:bodyPr anchor="ctr"/>
+              <a:lstStyle/>
+              <a:p>
+                <a:pPr marL="0" marR="0" lvl="0" indent="0" algn="ctr" defTabSz="914400" rtl="0" eaLnBrk="1" fontAlgn="auto" latinLnBrk="0" hangingPunct="1">
+                  <a:lnSpc>
+                    <a:spcPct val="100000"/>
+                  </a:lnSpc>
+                  <a:spcBef>
+                    <a:spcPts val="0"/>
+                  </a:spcBef>
+                  <a:spcAft>
+                    <a:spcPts val="0"/>
+                  </a:spcAft>
+                  <a:buClrTx/>
+                  <a:buSzTx/>
+                  <a:buFontTx/>
+                  <a:buNone/>
+                  <a:tabLst/>
+                  <a:defRPr/>
+                </a:pPr>
+                <a:endParaRPr kumimoji="0" sz="1800" b="0" i="0" u="none" strike="noStrike" kern="1200" cap="none" spc="0" normalizeH="0" baseline="0" noProof="0">
+                  <a:ln>
+                    <a:noFill/>
+                  </a:ln>
+                  <a:solidFill>
+                    <a:srgbClr val="000000"/>
+                  </a:solidFill>
+                  <a:effectLst/>
+                  <a:uLnTx/>
+                  <a:uFillTx/>
+                  <a:latin typeface="微软雅黑 Light" panose="020F0502020204030204"/>
+                  <a:cs typeface="+mn-cs"/>
+                </a:endParaRPr>
+              </a:p>
+            </p:txBody>
+          </p:sp>
+          <p:sp>
+            <p:nvSpPr>
+              <p:cNvPr id="42" name="îŝḷîḓé-Freeform: Shape 39"/>
+              <p:cNvSpPr/>
+              <p:nvPr/>
+            </p:nvSpPr>
+            <p:spPr>
+              <a:xfrm>
+                <a:off x="7361782" y="3747642"/>
+                <a:ext cx="543585" cy="893420"/>
+              </a:xfrm>
+              <a:custGeom>
+                <a:avLst/>
+                <a:gdLst/>
+                <a:ahLst/>
+                <a:cxnLst>
+                  <a:cxn ang="0">
+                    <a:pos x="wd2" y="hd2"/>
+                  </a:cxn>
+                  <a:cxn ang="5400000">
+                    <a:pos x="wd2" y="hd2"/>
+                  </a:cxn>
+                  <a:cxn ang="10800000">
+                    <a:pos x="wd2" y="hd2"/>
+                  </a:cxn>
+                  <a:cxn ang="16200000">
+                    <a:pos x="wd2" y="hd2"/>
+                  </a:cxn>
+                </a:cxnLst>
+                <a:rect l="0" t="0" r="r" b="b"/>
+                <a:pathLst>
+                  <a:path w="21594" h="21187" extrusionOk="0">
+                    <a:moveTo>
+                      <a:pt x="1973" y="154"/>
+                    </a:moveTo>
+                    <a:lnTo>
+                      <a:pt x="19690" y="6260"/>
+                    </a:lnTo>
+                    <a:cubicBezTo>
+                      <a:pt x="20736" y="6620"/>
+                      <a:pt x="21597" y="7510"/>
+                      <a:pt x="21594" y="8231"/>
+                    </a:cubicBezTo>
+                    <a:lnTo>
+                      <a:pt x="21535" y="20381"/>
+                    </a:lnTo>
+                    <a:cubicBezTo>
+                      <a:pt x="21532" y="21098"/>
+                      <a:pt x="20666" y="21393"/>
+                      <a:pt x="19620" y="21032"/>
+                    </a:cubicBezTo>
+                    <a:lnTo>
+                      <a:pt x="1902" y="14926"/>
+                    </a:lnTo>
+                    <a:cubicBezTo>
+                      <a:pt x="857" y="14565"/>
+                      <a:pt x="-3" y="13676"/>
+                      <a:pt x="0" y="12959"/>
+                    </a:cubicBezTo>
+                    <a:lnTo>
+                      <a:pt x="58" y="809"/>
+                    </a:lnTo>
+                    <a:cubicBezTo>
+                      <a:pt x="61" y="88"/>
+                      <a:pt x="926" y="-207"/>
+                      <a:pt x="1973" y="154"/>
+                    </a:cubicBezTo>
+                  </a:path>
+                </a:pathLst>
+              </a:custGeom>
+              <a:solidFill>
+                <a:schemeClr val="tx2">
+                  <a:lumMod val="40000"/>
+                  <a:lumOff val="60000"/>
+                </a:schemeClr>
+              </a:solidFill>
+              <a:ln w="12700" cap="flat">
+                <a:noFill/>
+                <a:miter lim="400000"/>
+              </a:ln>
+              <a:effectLst/>
+            </p:spPr>
+            <p:txBody>
+              <a:bodyPr anchor="ctr"/>
+              <a:lstStyle/>
+              <a:p>
+                <a:pPr marL="0" marR="0" lvl="0" indent="0" algn="ctr" defTabSz="914400" rtl="0" eaLnBrk="1" fontAlgn="auto" latinLnBrk="0" hangingPunct="1">
+                  <a:lnSpc>
+                    <a:spcPct val="100000"/>
+                  </a:lnSpc>
+                  <a:spcBef>
+                    <a:spcPts val="0"/>
+                  </a:spcBef>
+                  <a:spcAft>
+                    <a:spcPts val="0"/>
+                  </a:spcAft>
+                  <a:buClrTx/>
+                  <a:buSzTx/>
+                  <a:buFontTx/>
+                  <a:buNone/>
+                  <a:tabLst/>
+                  <a:defRPr/>
+                </a:pPr>
+                <a:endParaRPr kumimoji="0" sz="1800" b="0" i="0" u="none" strike="noStrike" kern="1200" cap="none" spc="0" normalizeH="0" baseline="0" noProof="0">
+                  <a:ln>
+                    <a:noFill/>
+                  </a:ln>
+                  <a:solidFill>
+                    <a:srgbClr val="000000"/>
+                  </a:solidFill>
+                  <a:effectLst/>
+                  <a:uLnTx/>
+                  <a:uFillTx/>
+                  <a:latin typeface="微软雅黑 Light" panose="020F0502020204030204"/>
+                  <a:cs typeface="+mn-cs"/>
+                </a:endParaRPr>
+              </a:p>
+            </p:txBody>
+          </p:sp>
+          <p:sp>
+            <p:nvSpPr>
+              <p:cNvPr id="43" name="îŝḷîḓé-Freeform: Shape 22"/>
+              <p:cNvSpPr/>
+              <p:nvPr/>
+            </p:nvSpPr>
+            <p:spPr>
+              <a:xfrm>
+                <a:off x="6825691" y="4383754"/>
+                <a:ext cx="1043476" cy="586835"/>
+              </a:xfrm>
+              <a:custGeom>
+                <a:avLst/>
+                <a:gdLst/>
+                <a:ahLst/>
+                <a:cxnLst>
+                  <a:cxn ang="0">
+                    <a:pos x="wd2" y="hd2"/>
+                  </a:cxn>
+                  <a:cxn ang="5400000">
+                    <a:pos x="wd2" y="hd2"/>
+                  </a:cxn>
+                  <a:cxn ang="10800000">
+                    <a:pos x="wd2" y="hd2"/>
+                  </a:cxn>
+                  <a:cxn ang="16200000">
+                    <a:pos x="wd2" y="hd2"/>
+                  </a:cxn>
+                </a:cxnLst>
+                <a:rect l="0" t="0" r="r" b="b"/>
+                <a:pathLst>
+                  <a:path w="21324" h="21597" extrusionOk="0">
+                    <a:moveTo>
+                      <a:pt x="10654" y="0"/>
+                    </a:moveTo>
+                    <a:cubicBezTo>
+                      <a:pt x="10290" y="-1"/>
+                      <a:pt x="9927" y="136"/>
+                      <a:pt x="9650" y="415"/>
+                    </a:cubicBezTo>
+                    <a:lnTo>
+                      <a:pt x="409" y="9788"/>
+                    </a:lnTo>
+                    <a:cubicBezTo>
+                      <a:pt x="-139" y="10343"/>
+                      <a:pt x="-136" y="11252"/>
+                      <a:pt x="414" y="11811"/>
+                    </a:cubicBezTo>
+                    <a:lnTo>
+                      <a:pt x="9676" y="21182"/>
+                    </a:lnTo>
+                    <a:cubicBezTo>
+                      <a:pt x="9951" y="21457"/>
+                      <a:pt x="10309" y="21596"/>
+                      <a:pt x="10668" y="21598"/>
+                    </a:cubicBezTo>
+                    <a:cubicBezTo>
+                      <a:pt x="11031" y="21599"/>
+                      <a:pt x="11394" y="21459"/>
+                      <a:pt x="11670" y="21177"/>
+                    </a:cubicBezTo>
+                    <a:lnTo>
+                      <a:pt x="20914" y="11805"/>
+                    </a:lnTo>
+                    <a:cubicBezTo>
+                      <a:pt x="21461" y="11251"/>
+                      <a:pt x="21460" y="10351"/>
+                      <a:pt x="20916" y="9792"/>
+                    </a:cubicBezTo>
+                    <a:lnTo>
+                      <a:pt x="11719" y="490"/>
+                    </a:lnTo>
+                    <a:lnTo>
+                      <a:pt x="11647" y="415"/>
+                    </a:lnTo>
+                    <a:cubicBezTo>
+                      <a:pt x="11374" y="140"/>
+                      <a:pt x="11014" y="2"/>
+                      <a:pt x="10654" y="0"/>
+                    </a:cubicBezTo>
+                  </a:path>
+                </a:pathLst>
+              </a:custGeom>
+              <a:solidFill>
+                <a:schemeClr val="tx2">
+                  <a:lumMod val="20000"/>
+                  <a:lumOff val="80000"/>
+                </a:schemeClr>
+              </a:solidFill>
+              <a:ln w="12700" cap="flat">
+                <a:noFill/>
+                <a:miter lim="400000"/>
+              </a:ln>
+              <a:effectLst/>
+            </p:spPr>
+            <p:txBody>
+              <a:bodyPr anchor="ctr"/>
+              <a:lstStyle/>
+              <a:p>
+                <a:pPr marL="0" marR="0" lvl="0" indent="0" algn="ctr" defTabSz="914400" rtl="0" eaLnBrk="1" fontAlgn="auto" latinLnBrk="0" hangingPunct="1">
+                  <a:lnSpc>
+                    <a:spcPct val="100000"/>
+                  </a:lnSpc>
+                  <a:spcBef>
+                    <a:spcPts val="0"/>
+                  </a:spcBef>
+                  <a:spcAft>
+                    <a:spcPts val="0"/>
+                  </a:spcAft>
+                  <a:buClrTx/>
+                  <a:buSzTx/>
+                  <a:buFontTx/>
+                  <a:buNone/>
+                  <a:tabLst/>
+                  <a:defRPr/>
+                </a:pPr>
+                <a:endParaRPr kumimoji="0" sz="1800" b="0" i="0" u="none" strike="noStrike" kern="1200" cap="none" spc="0" normalizeH="0" baseline="0" noProof="0">
+                  <a:ln>
+                    <a:noFill/>
+                  </a:ln>
+                  <a:solidFill>
+                    <a:srgbClr val="000000"/>
+                  </a:solidFill>
+                  <a:effectLst/>
+                  <a:uLnTx/>
+                  <a:uFillTx/>
+                  <a:latin typeface="微软雅黑 Light" panose="020F0502020204030204"/>
+                  <a:cs typeface="+mn-cs"/>
+                </a:endParaRPr>
+              </a:p>
+            </p:txBody>
+          </p:sp>
+          <p:sp>
+            <p:nvSpPr>
+              <p:cNvPr id="44" name="îŝḷîḓé-Freeform: Shape 23"/>
+              <p:cNvSpPr/>
+              <p:nvPr/>
+            </p:nvSpPr>
+            <p:spPr>
+              <a:xfrm>
+                <a:off x="6227742" y="4693038"/>
+                <a:ext cx="1043546" cy="586855"/>
+              </a:xfrm>
+              <a:custGeom>
+                <a:avLst/>
+                <a:gdLst/>
+                <a:ahLst/>
+                <a:cxnLst>
+                  <a:cxn ang="0">
+                    <a:pos x="wd2" y="hd2"/>
+                  </a:cxn>
+                  <a:cxn ang="5400000">
+                    <a:pos x="wd2" y="hd2"/>
+                  </a:cxn>
+                  <a:cxn ang="10800000">
+                    <a:pos x="wd2" y="hd2"/>
+                  </a:cxn>
+                  <a:cxn ang="16200000">
+                    <a:pos x="wd2" y="hd2"/>
+                  </a:cxn>
+                </a:cxnLst>
+                <a:rect l="0" t="0" r="r" b="b"/>
+                <a:pathLst>
+                  <a:path w="21324" h="21597" extrusionOk="0">
+                    <a:moveTo>
+                      <a:pt x="10653" y="0"/>
+                    </a:moveTo>
+                    <a:cubicBezTo>
+                      <a:pt x="10291" y="-1"/>
+                      <a:pt x="9928" y="138"/>
+                      <a:pt x="9653" y="419"/>
+                    </a:cubicBezTo>
+                    <a:lnTo>
+                      <a:pt x="409" y="9792"/>
+                    </a:lnTo>
+                    <a:cubicBezTo>
+                      <a:pt x="-139" y="10347"/>
+                      <a:pt x="-136" y="11256"/>
+                      <a:pt x="414" y="11809"/>
+                    </a:cubicBezTo>
+                    <a:lnTo>
+                      <a:pt x="9676" y="21180"/>
+                    </a:lnTo>
+                    <a:cubicBezTo>
+                      <a:pt x="9950" y="21458"/>
+                      <a:pt x="10310" y="21597"/>
+                      <a:pt x="10670" y="21598"/>
+                    </a:cubicBezTo>
+                    <a:cubicBezTo>
+                      <a:pt x="11009" y="21599"/>
+                      <a:pt x="11348" y="21477"/>
+                      <a:pt x="11616" y="21235"/>
+                    </a:cubicBezTo>
+                    <a:lnTo>
+                      <a:pt x="20920" y="11801"/>
+                    </a:lnTo>
+                    <a:cubicBezTo>
+                      <a:pt x="21461" y="11245"/>
+                      <a:pt x="21459" y="10341"/>
+                      <a:pt x="20911" y="9792"/>
+                    </a:cubicBezTo>
+                    <a:lnTo>
+                      <a:pt x="11650" y="421"/>
+                    </a:lnTo>
+                    <a:cubicBezTo>
+                      <a:pt x="11376" y="142"/>
+                      <a:pt x="11014" y="2"/>
+                      <a:pt x="10653" y="0"/>
+                    </a:cubicBezTo>
+                  </a:path>
+                </a:pathLst>
+              </a:custGeom>
+              <a:solidFill>
+                <a:schemeClr val="accent2">
+                  <a:lumMod val="100000"/>
+                </a:schemeClr>
+              </a:solidFill>
+              <a:ln w="12700" cap="flat">
+                <a:noFill/>
+                <a:miter lim="400000"/>
+              </a:ln>
+              <a:effectLst/>
+            </p:spPr>
+            <p:txBody>
+              <a:bodyPr anchor="ctr"/>
+              <a:lstStyle/>
+              <a:p>
+                <a:pPr marL="0" marR="0" lvl="0" indent="0" algn="ctr" defTabSz="914400" rtl="0" eaLnBrk="1" fontAlgn="auto" latinLnBrk="0" hangingPunct="1">
+                  <a:lnSpc>
+                    <a:spcPct val="100000"/>
+                  </a:lnSpc>
+                  <a:spcBef>
+                    <a:spcPts val="0"/>
+                  </a:spcBef>
+                  <a:spcAft>
+                    <a:spcPts val="0"/>
+                  </a:spcAft>
+                  <a:buClrTx/>
+                  <a:buSzTx/>
+                  <a:buFontTx/>
+                  <a:buNone/>
+                  <a:tabLst/>
+                  <a:defRPr/>
+                </a:pPr>
+                <a:endParaRPr kumimoji="0" sz="1800" b="0" i="0" u="none" strike="noStrike" kern="1200" cap="none" spc="0" normalizeH="0" baseline="0" noProof="0">
+                  <a:ln>
+                    <a:noFill/>
+                  </a:ln>
+                  <a:solidFill>
+                    <a:srgbClr val="000000"/>
+                  </a:solidFill>
+                  <a:effectLst/>
+                  <a:uLnTx/>
+                  <a:uFillTx/>
+                  <a:latin typeface="微软雅黑 Light" panose="020F0502020204030204"/>
+                  <a:cs typeface="+mn-cs"/>
+                </a:endParaRPr>
+              </a:p>
+            </p:txBody>
+          </p:sp>
+          <p:sp>
+            <p:nvSpPr>
+              <p:cNvPr id="45" name="îŝḷîḓé-Freeform: Shape 24"/>
+              <p:cNvSpPr/>
+              <p:nvPr/>
+            </p:nvSpPr>
+            <p:spPr>
+              <a:xfrm>
+                <a:off x="5629793" y="5022941"/>
+                <a:ext cx="1043601" cy="586915"/>
+              </a:xfrm>
+              <a:custGeom>
+                <a:avLst/>
+                <a:gdLst/>
+                <a:ahLst/>
+                <a:cxnLst>
+                  <a:cxn ang="0">
+                    <a:pos x="wd2" y="hd2"/>
+                  </a:cxn>
+                  <a:cxn ang="5400000">
+                    <a:pos x="wd2" y="hd2"/>
+                  </a:cxn>
+                  <a:cxn ang="10800000">
+                    <a:pos x="wd2" y="hd2"/>
+                  </a:cxn>
+                  <a:cxn ang="16200000">
+                    <a:pos x="wd2" y="hd2"/>
+                  </a:cxn>
+                </a:cxnLst>
+                <a:rect l="0" t="0" r="r" b="b"/>
+                <a:pathLst>
+                  <a:path w="21324" h="21597" extrusionOk="0">
+                    <a:moveTo>
+                      <a:pt x="10655" y="0"/>
+                    </a:moveTo>
+                    <a:cubicBezTo>
+                      <a:pt x="10293" y="-1"/>
+                      <a:pt x="9930" y="138"/>
+                      <a:pt x="9656" y="415"/>
+                    </a:cubicBezTo>
+                    <a:lnTo>
+                      <a:pt x="408" y="9787"/>
+                    </a:lnTo>
+                    <a:cubicBezTo>
+                      <a:pt x="-136" y="10342"/>
+                      <a:pt x="-137" y="11257"/>
+                      <a:pt x="414" y="11809"/>
+                    </a:cubicBezTo>
+                    <a:lnTo>
+                      <a:pt x="9675" y="21180"/>
+                    </a:lnTo>
+                    <a:cubicBezTo>
+                      <a:pt x="9948" y="21457"/>
+                      <a:pt x="10309" y="21597"/>
+                      <a:pt x="10668" y="21598"/>
+                    </a:cubicBezTo>
+                    <a:cubicBezTo>
+                      <a:pt x="11017" y="21599"/>
+                      <a:pt x="11365" y="21471"/>
+                      <a:pt x="11634" y="21213"/>
+                    </a:cubicBezTo>
+                    <a:lnTo>
+                      <a:pt x="20920" y="11799"/>
+                    </a:lnTo>
+                    <a:cubicBezTo>
+                      <a:pt x="21463" y="11243"/>
+                      <a:pt x="21458" y="10344"/>
+                      <a:pt x="20914" y="9786"/>
+                    </a:cubicBezTo>
+                    <a:lnTo>
+                      <a:pt x="11648" y="416"/>
+                    </a:lnTo>
+                    <a:cubicBezTo>
+                      <a:pt x="11376" y="141"/>
+                      <a:pt x="11016" y="2"/>
+                      <a:pt x="10655" y="0"/>
+                    </a:cubicBezTo>
+                  </a:path>
+                </a:pathLst>
+              </a:custGeom>
+              <a:solidFill>
+                <a:schemeClr val="accent1">
+                  <a:lumMod val="100000"/>
+                </a:schemeClr>
+              </a:solidFill>
+              <a:ln w="12700" cap="flat">
+                <a:noFill/>
+                <a:miter lim="400000"/>
+              </a:ln>
+              <a:effectLst/>
+            </p:spPr>
+            <p:txBody>
+              <a:bodyPr anchor="ctr"/>
+              <a:lstStyle/>
+              <a:p>
+                <a:pPr marL="0" marR="0" lvl="0" indent="0" algn="ctr" defTabSz="914400" rtl="0" eaLnBrk="1" fontAlgn="auto" latinLnBrk="0" hangingPunct="1">
+                  <a:lnSpc>
+                    <a:spcPct val="100000"/>
+                  </a:lnSpc>
+                  <a:spcBef>
+                    <a:spcPts val="0"/>
+                  </a:spcBef>
+                  <a:spcAft>
+                    <a:spcPts val="0"/>
+                  </a:spcAft>
+                  <a:buClrTx/>
+                  <a:buSzTx/>
+                  <a:buFontTx/>
+                  <a:buNone/>
+                  <a:tabLst/>
+                  <a:defRPr/>
+                </a:pPr>
+                <a:endParaRPr kumimoji="0" sz="1800" b="0" i="0" u="none" strike="noStrike" kern="1200" cap="none" spc="0" normalizeH="0" baseline="0" noProof="0">
+                  <a:ln>
+                    <a:noFill/>
+                  </a:ln>
+                  <a:solidFill>
+                    <a:srgbClr val="000000"/>
+                  </a:solidFill>
+                  <a:effectLst/>
+                  <a:uLnTx/>
+                  <a:uFillTx/>
+                  <a:latin typeface="微软雅黑 Light" panose="020F0502020204030204"/>
+                  <a:cs typeface="+mn-cs"/>
+                </a:endParaRPr>
+              </a:p>
+            </p:txBody>
+          </p:sp>
+          <p:sp>
+            <p:nvSpPr>
+              <p:cNvPr id="46" name="îŝḷîḓé-Freeform: Shape 25"/>
+              <p:cNvSpPr/>
+              <p:nvPr/>
+            </p:nvSpPr>
+            <p:spPr>
+              <a:xfrm>
+                <a:off x="6227742" y="4053851"/>
+                <a:ext cx="1043497" cy="586915"/>
+              </a:xfrm>
+              <a:custGeom>
+                <a:avLst/>
+                <a:gdLst/>
+                <a:ahLst/>
+                <a:cxnLst>
+                  <a:cxn ang="0">
+                    <a:pos x="wd2" y="hd2"/>
+                  </a:cxn>
+                  <a:cxn ang="5400000">
+                    <a:pos x="wd2" y="hd2"/>
+                  </a:cxn>
+                  <a:cxn ang="10800000">
+                    <a:pos x="wd2" y="hd2"/>
+                  </a:cxn>
+                  <a:cxn ang="16200000">
+                    <a:pos x="wd2" y="hd2"/>
+                  </a:cxn>
+                </a:cxnLst>
+                <a:rect l="0" t="0" r="r" b="b"/>
+                <a:pathLst>
+                  <a:path w="21322" h="21598" extrusionOk="0">
+                    <a:moveTo>
+                      <a:pt x="10651" y="0"/>
+                    </a:moveTo>
+                    <a:cubicBezTo>
+                      <a:pt x="10289" y="-1"/>
+                      <a:pt x="9926" y="138"/>
+                      <a:pt x="9651" y="419"/>
+                    </a:cubicBezTo>
+                    <a:lnTo>
+                      <a:pt x="408" y="9791"/>
+                    </a:lnTo>
+                    <a:cubicBezTo>
+                      <a:pt x="-140" y="10346"/>
+                      <a:pt x="-134" y="11255"/>
+                      <a:pt x="413" y="11808"/>
+                    </a:cubicBezTo>
+                    <a:lnTo>
+                      <a:pt x="9674" y="21179"/>
+                    </a:lnTo>
+                    <a:cubicBezTo>
+                      <a:pt x="9948" y="21456"/>
+                      <a:pt x="10308" y="21596"/>
+                      <a:pt x="10668" y="21598"/>
+                    </a:cubicBezTo>
+                    <a:cubicBezTo>
+                      <a:pt x="11031" y="21599"/>
+                      <a:pt x="11395" y="21458"/>
+                      <a:pt x="11671" y="21180"/>
+                    </a:cubicBezTo>
+                    <a:lnTo>
+                      <a:pt x="20911" y="11808"/>
+                    </a:lnTo>
+                    <a:cubicBezTo>
+                      <a:pt x="21459" y="11253"/>
+                      <a:pt x="21460" y="10344"/>
+                      <a:pt x="20909" y="9792"/>
+                    </a:cubicBezTo>
+                    <a:lnTo>
+                      <a:pt x="13439" y="2233"/>
+                    </a:lnTo>
+                    <a:lnTo>
+                      <a:pt x="11634" y="408"/>
+                    </a:lnTo>
+                    <a:cubicBezTo>
+                      <a:pt x="11361" y="138"/>
+                      <a:pt x="11006" y="1"/>
+                      <a:pt x="10651" y="0"/>
+                    </a:cubicBezTo>
+                  </a:path>
+                </a:pathLst>
+              </a:custGeom>
+              <a:solidFill>
+                <a:schemeClr val="accent2">
+                  <a:lumMod val="100000"/>
+                </a:schemeClr>
+              </a:solidFill>
+              <a:ln w="12700" cap="flat">
+                <a:noFill/>
+                <a:miter lim="400000"/>
+              </a:ln>
+              <a:effectLst/>
+            </p:spPr>
+            <p:txBody>
+              <a:bodyPr anchor="ctr"/>
+              <a:lstStyle/>
+              <a:p>
+                <a:pPr marL="0" marR="0" lvl="0" indent="0" algn="ctr" defTabSz="914400" rtl="0" eaLnBrk="1" fontAlgn="auto" latinLnBrk="0" hangingPunct="1">
+                  <a:lnSpc>
+                    <a:spcPct val="100000"/>
+                  </a:lnSpc>
+                  <a:spcBef>
+                    <a:spcPts val="0"/>
+                  </a:spcBef>
+                  <a:spcAft>
+                    <a:spcPts val="0"/>
+                  </a:spcAft>
+                  <a:buClrTx/>
+                  <a:buSzTx/>
+                  <a:buFontTx/>
+                  <a:buNone/>
+                  <a:tabLst/>
+                  <a:defRPr/>
+                </a:pPr>
+                <a:endParaRPr kumimoji="0" sz="1800" b="0" i="0" u="none" strike="noStrike" kern="1200" cap="none" spc="0" normalizeH="0" baseline="0" noProof="0">
+                  <a:ln>
+                    <a:noFill/>
+                  </a:ln>
+                  <a:solidFill>
+                    <a:srgbClr val="000000"/>
+                  </a:solidFill>
+                  <a:effectLst/>
+                  <a:uLnTx/>
+                  <a:uFillTx/>
+                  <a:latin typeface="微软雅黑 Light" panose="020F0502020204030204"/>
+                  <a:cs typeface="+mn-cs"/>
+                </a:endParaRPr>
+              </a:p>
+            </p:txBody>
+          </p:sp>
+          <p:sp>
+            <p:nvSpPr>
+              <p:cNvPr id="47" name="îŝḷîḓé-Freeform: Shape 26"/>
+              <p:cNvSpPr/>
+              <p:nvPr/>
+            </p:nvSpPr>
+            <p:spPr>
+              <a:xfrm>
+                <a:off x="5629793" y="4383754"/>
+                <a:ext cx="1043489" cy="586816"/>
+              </a:xfrm>
+              <a:custGeom>
+                <a:avLst/>
+                <a:gdLst/>
+                <a:ahLst/>
+                <a:cxnLst>
+                  <a:cxn ang="0">
+                    <a:pos x="wd2" y="hd2"/>
+                  </a:cxn>
+                  <a:cxn ang="5400000">
+                    <a:pos x="wd2" y="hd2"/>
+                  </a:cxn>
+                  <a:cxn ang="10800000">
+                    <a:pos x="wd2" y="hd2"/>
+                  </a:cxn>
+                  <a:cxn ang="16200000">
+                    <a:pos x="wd2" y="hd2"/>
+                  </a:cxn>
+                </a:cxnLst>
+                <a:rect l="0" t="0" r="r" b="b"/>
+                <a:pathLst>
+                  <a:path w="21323" h="21597" extrusionOk="0">
+                    <a:moveTo>
+                      <a:pt x="10653" y="0"/>
+                    </a:moveTo>
+                    <a:cubicBezTo>
+                      <a:pt x="10290" y="-1"/>
+                      <a:pt x="9928" y="137"/>
+                      <a:pt x="9653" y="415"/>
+                    </a:cubicBezTo>
+                    <a:lnTo>
+                      <a:pt x="409" y="9789"/>
+                    </a:lnTo>
+                    <a:cubicBezTo>
+                      <a:pt x="-139" y="10343"/>
+                      <a:pt x="-136" y="11252"/>
+                      <a:pt x="414" y="11810"/>
+                    </a:cubicBezTo>
+                    <a:lnTo>
+                      <a:pt x="9676" y="21183"/>
+                    </a:lnTo>
+                    <a:cubicBezTo>
+                      <a:pt x="9949" y="21458"/>
+                      <a:pt x="10309" y="21596"/>
+                      <a:pt x="10668" y="21598"/>
+                    </a:cubicBezTo>
+                    <a:cubicBezTo>
+                      <a:pt x="11031" y="21599"/>
+                      <a:pt x="11393" y="21460"/>
+                      <a:pt x="11669" y="21178"/>
+                    </a:cubicBezTo>
+                    <a:lnTo>
+                      <a:pt x="20913" y="11805"/>
+                    </a:lnTo>
+                    <a:cubicBezTo>
+                      <a:pt x="21461" y="11251"/>
+                      <a:pt x="21459" y="10347"/>
+                      <a:pt x="20911" y="9789"/>
+                    </a:cubicBezTo>
+                    <a:lnTo>
+                      <a:pt x="11646" y="416"/>
+                    </a:lnTo>
+                    <a:cubicBezTo>
+                      <a:pt x="11374" y="141"/>
+                      <a:pt x="11013" y="2"/>
+                      <a:pt x="10653" y="0"/>
+                    </a:cubicBezTo>
+                  </a:path>
+                </a:pathLst>
+              </a:custGeom>
+              <a:solidFill>
+                <a:schemeClr val="tx2">
+                  <a:lumMod val="40000"/>
+                  <a:lumOff val="60000"/>
+                </a:schemeClr>
+              </a:solidFill>
+              <a:ln w="12700" cap="flat">
+                <a:noFill/>
+                <a:miter lim="400000"/>
+              </a:ln>
+              <a:effectLst/>
+            </p:spPr>
+            <p:txBody>
+              <a:bodyPr anchor="ctr"/>
+              <a:lstStyle/>
+              <a:p>
+                <a:pPr marL="0" marR="0" lvl="0" indent="0" algn="ctr" defTabSz="914400" rtl="0" eaLnBrk="1" fontAlgn="auto" latinLnBrk="0" hangingPunct="1">
+                  <a:lnSpc>
+                    <a:spcPct val="100000"/>
+                  </a:lnSpc>
+                  <a:spcBef>
+                    <a:spcPts val="0"/>
+                  </a:spcBef>
+                  <a:spcAft>
+                    <a:spcPts val="0"/>
+                  </a:spcAft>
+                  <a:buClrTx/>
+                  <a:buSzTx/>
+                  <a:buFontTx/>
+                  <a:buNone/>
+                  <a:tabLst/>
+                  <a:defRPr/>
+                </a:pPr>
+                <a:endParaRPr kumimoji="0" sz="1800" b="0" i="0" u="none" strike="noStrike" kern="1200" cap="none" spc="0" normalizeH="0" baseline="0" noProof="0">
+                  <a:ln>
+                    <a:noFill/>
+                  </a:ln>
+                  <a:solidFill>
+                    <a:srgbClr val="000000"/>
+                  </a:solidFill>
+                  <a:effectLst/>
+                  <a:uLnTx/>
+                  <a:uFillTx/>
+                  <a:latin typeface="微软雅黑 Light" panose="020F0502020204030204"/>
+                  <a:cs typeface="+mn-cs"/>
+                </a:endParaRPr>
+              </a:p>
+            </p:txBody>
+          </p:sp>
+          <p:sp>
+            <p:nvSpPr>
+              <p:cNvPr id="48" name="îŝḷîḓé-Freeform: Shape 27"/>
+              <p:cNvSpPr/>
+              <p:nvPr/>
+            </p:nvSpPr>
+            <p:spPr>
+              <a:xfrm>
+                <a:off x="5031843" y="4693038"/>
+                <a:ext cx="1043549" cy="586935"/>
+              </a:xfrm>
+              <a:custGeom>
+                <a:avLst/>
+                <a:gdLst/>
+                <a:ahLst/>
+                <a:cxnLst>
+                  <a:cxn ang="0">
+                    <a:pos x="wd2" y="hd2"/>
+                  </a:cxn>
+                  <a:cxn ang="5400000">
+                    <a:pos x="wd2" y="hd2"/>
+                  </a:cxn>
+                  <a:cxn ang="10800000">
+                    <a:pos x="wd2" y="hd2"/>
+                  </a:cxn>
+                  <a:cxn ang="16200000">
+                    <a:pos x="wd2" y="hd2"/>
+                  </a:cxn>
+                </a:cxnLst>
+                <a:rect l="0" t="0" r="r" b="b"/>
+                <a:pathLst>
+                  <a:path w="21324" h="21599" extrusionOk="0">
+                    <a:moveTo>
+                      <a:pt x="10654" y="0"/>
+                    </a:moveTo>
+                    <a:cubicBezTo>
+                      <a:pt x="10291" y="-1"/>
+                      <a:pt x="9928" y="139"/>
+                      <a:pt x="9654" y="420"/>
+                    </a:cubicBezTo>
+                    <a:lnTo>
+                      <a:pt x="410" y="9792"/>
+                    </a:lnTo>
+                    <a:cubicBezTo>
+                      <a:pt x="-138" y="10347"/>
+                      <a:pt x="-136" y="11255"/>
+                      <a:pt x="415" y="11814"/>
+                    </a:cubicBezTo>
+                    <a:lnTo>
+                      <a:pt x="7911" y="19398"/>
+                    </a:lnTo>
+                    <a:lnTo>
+                      <a:pt x="9684" y="21192"/>
+                    </a:lnTo>
+                    <a:cubicBezTo>
+                      <a:pt x="9957" y="21461"/>
+                      <a:pt x="10311" y="21597"/>
+                      <a:pt x="10667" y="21598"/>
+                    </a:cubicBezTo>
+                    <a:cubicBezTo>
+                      <a:pt x="11031" y="21599"/>
+                      <a:pt x="11395" y="21460"/>
+                      <a:pt x="11669" y="21180"/>
+                    </a:cubicBezTo>
+                    <a:lnTo>
+                      <a:pt x="20913" y="11809"/>
+                    </a:lnTo>
+                    <a:cubicBezTo>
+                      <a:pt x="21461" y="11254"/>
+                      <a:pt x="21462" y="10345"/>
+                      <a:pt x="20911" y="9786"/>
+                    </a:cubicBezTo>
+                    <a:lnTo>
+                      <a:pt x="11650" y="421"/>
+                    </a:lnTo>
+                    <a:cubicBezTo>
+                      <a:pt x="11375" y="143"/>
+                      <a:pt x="11015" y="1"/>
+                      <a:pt x="10654" y="0"/>
+                    </a:cubicBezTo>
+                  </a:path>
+                </a:pathLst>
+              </a:custGeom>
+              <a:solidFill>
+                <a:schemeClr val="tx2">
+                  <a:lumMod val="20000"/>
+                  <a:lumOff val="80000"/>
+                </a:schemeClr>
+              </a:solidFill>
+              <a:ln w="12700" cap="flat">
+                <a:noFill/>
+                <a:miter lim="400000"/>
+              </a:ln>
+              <a:effectLst/>
+            </p:spPr>
+            <p:txBody>
+              <a:bodyPr anchor="ctr"/>
+              <a:lstStyle/>
+              <a:p>
+                <a:pPr marL="0" marR="0" lvl="0" indent="0" algn="ctr" defTabSz="914400" rtl="0" eaLnBrk="1" fontAlgn="auto" latinLnBrk="0" hangingPunct="1">
+                  <a:lnSpc>
+                    <a:spcPct val="100000"/>
+                  </a:lnSpc>
+                  <a:spcBef>
+                    <a:spcPts val="0"/>
+                  </a:spcBef>
+                  <a:spcAft>
+                    <a:spcPts val="0"/>
+                  </a:spcAft>
+                  <a:buClrTx/>
+                  <a:buSzTx/>
+                  <a:buFontTx/>
+                  <a:buNone/>
+                  <a:tabLst/>
+                  <a:defRPr/>
+                </a:pPr>
+                <a:endParaRPr kumimoji="0" sz="1800" b="0" i="0" u="none" strike="noStrike" kern="1200" cap="none" spc="0" normalizeH="0" baseline="0" noProof="0">
+                  <a:ln>
+                    <a:noFill/>
+                  </a:ln>
+                  <a:solidFill>
+                    <a:srgbClr val="000000"/>
+                  </a:solidFill>
+                  <a:effectLst/>
+                  <a:uLnTx/>
+                  <a:uFillTx/>
+                  <a:latin typeface="微软雅黑 Light" panose="020F0502020204030204"/>
+                  <a:cs typeface="+mn-cs"/>
+                </a:endParaRPr>
+              </a:p>
+            </p:txBody>
+          </p:sp>
+          <p:sp>
+            <p:nvSpPr>
+              <p:cNvPr id="49" name="îŝḷîḓé-Freeform: Shape 28"/>
+              <p:cNvSpPr/>
+              <p:nvPr/>
+            </p:nvSpPr>
+            <p:spPr>
+              <a:xfrm>
+                <a:off x="5609174" y="3723947"/>
+                <a:ext cx="1043484" cy="586877"/>
+              </a:xfrm>
+              <a:custGeom>
+                <a:avLst/>
+                <a:gdLst/>
+                <a:ahLst/>
+                <a:cxnLst>
+                  <a:cxn ang="0">
+                    <a:pos x="wd2" y="hd2"/>
+                  </a:cxn>
+                  <a:cxn ang="5400000">
+                    <a:pos x="wd2" y="hd2"/>
+                  </a:cxn>
+                  <a:cxn ang="10800000">
+                    <a:pos x="wd2" y="hd2"/>
+                  </a:cxn>
+                  <a:cxn ang="16200000">
+                    <a:pos x="wd2" y="hd2"/>
+                  </a:cxn>
+                </a:cxnLst>
+                <a:rect l="0" t="0" r="r" b="b"/>
+                <a:pathLst>
+                  <a:path w="21326" h="21597" extrusionOk="0">
+                    <a:moveTo>
+                      <a:pt x="10654" y="0"/>
+                    </a:moveTo>
+                    <a:cubicBezTo>
+                      <a:pt x="10304" y="-1"/>
+                      <a:pt x="9953" y="129"/>
+                      <a:pt x="9680" y="387"/>
+                    </a:cubicBezTo>
+                    <a:lnTo>
+                      <a:pt x="1838" y="8339"/>
+                    </a:lnTo>
+                    <a:lnTo>
+                      <a:pt x="409" y="9788"/>
+                    </a:lnTo>
+                    <a:cubicBezTo>
+                      <a:pt x="-139" y="10342"/>
+                      <a:pt x="-136" y="11251"/>
+                      <a:pt x="414" y="11810"/>
+                    </a:cubicBezTo>
+                    <a:lnTo>
+                      <a:pt x="9677" y="21181"/>
+                    </a:lnTo>
+                    <a:cubicBezTo>
+                      <a:pt x="9952" y="21456"/>
+                      <a:pt x="10312" y="21596"/>
+                      <a:pt x="10672" y="21598"/>
+                    </a:cubicBezTo>
+                    <a:cubicBezTo>
+                      <a:pt x="11034" y="21599"/>
+                      <a:pt x="11396" y="21460"/>
+                      <a:pt x="11671" y="21182"/>
+                    </a:cubicBezTo>
+                    <a:lnTo>
+                      <a:pt x="20916" y="11810"/>
+                    </a:lnTo>
+                    <a:cubicBezTo>
+                      <a:pt x="21446" y="11268"/>
+                      <a:pt x="21461" y="10406"/>
+                      <a:pt x="20967" y="9845"/>
+                    </a:cubicBezTo>
+                    <a:lnTo>
+                      <a:pt x="11591" y="362"/>
+                    </a:lnTo>
+                    <a:cubicBezTo>
+                      <a:pt x="11326" y="122"/>
+                      <a:pt x="10990" y="2"/>
+                      <a:pt x="10654" y="0"/>
+                    </a:cubicBezTo>
+                  </a:path>
+                </a:pathLst>
+              </a:custGeom>
+              <a:solidFill>
+                <a:schemeClr val="accent2">
+                  <a:lumMod val="100000"/>
+                </a:schemeClr>
+              </a:solidFill>
+              <a:ln w="12700" cap="flat">
+                <a:noFill/>
+                <a:miter lim="400000"/>
+              </a:ln>
+              <a:effectLst/>
+            </p:spPr>
+            <p:txBody>
+              <a:bodyPr anchor="ctr"/>
+              <a:lstStyle/>
+              <a:p>
+                <a:pPr marL="0" marR="0" lvl="0" indent="0" algn="ctr" defTabSz="914400" rtl="0" eaLnBrk="1" fontAlgn="auto" latinLnBrk="0" hangingPunct="1">
+                  <a:lnSpc>
+                    <a:spcPct val="100000"/>
+                  </a:lnSpc>
+                  <a:spcBef>
+                    <a:spcPts val="0"/>
+                  </a:spcBef>
+                  <a:spcAft>
+                    <a:spcPts val="0"/>
+                  </a:spcAft>
+                  <a:buClrTx/>
+                  <a:buSzTx/>
+                  <a:buFontTx/>
+                  <a:buNone/>
+                  <a:tabLst/>
+                  <a:defRPr/>
+                </a:pPr>
+                <a:endParaRPr kumimoji="0" sz="1800" b="0" i="0" u="none" strike="noStrike" kern="1200" cap="none" spc="0" normalizeH="0" baseline="0" noProof="0">
+                  <a:ln>
+                    <a:noFill/>
+                  </a:ln>
+                  <a:solidFill>
+                    <a:srgbClr val="000000"/>
+                  </a:solidFill>
+                  <a:effectLst/>
+                  <a:uLnTx/>
+                  <a:uFillTx/>
+                  <a:latin typeface="微软雅黑 Light" panose="020F0502020204030204"/>
+                  <a:cs typeface="+mn-cs"/>
+                </a:endParaRPr>
+              </a:p>
+            </p:txBody>
+          </p:sp>
+          <p:sp>
+            <p:nvSpPr>
+              <p:cNvPr id="50" name="îŝḷîḓé-Freeform: Shape 29"/>
+              <p:cNvSpPr/>
+              <p:nvPr/>
+            </p:nvSpPr>
+            <p:spPr>
+              <a:xfrm>
+                <a:off x="5031843" y="4053851"/>
+                <a:ext cx="1043489" cy="586856"/>
+              </a:xfrm>
+              <a:custGeom>
+                <a:avLst/>
+                <a:gdLst/>
+                <a:ahLst/>
+                <a:cxnLst>
+                  <a:cxn ang="0">
+                    <a:pos x="wd2" y="hd2"/>
+                  </a:cxn>
+                  <a:cxn ang="5400000">
+                    <a:pos x="wd2" y="hd2"/>
+                  </a:cxn>
+                  <a:cxn ang="10800000">
+                    <a:pos x="wd2" y="hd2"/>
+                  </a:cxn>
+                  <a:cxn ang="16200000">
+                    <a:pos x="wd2" y="hd2"/>
+                  </a:cxn>
+                </a:cxnLst>
+                <a:rect l="0" t="0" r="r" b="b"/>
+                <a:pathLst>
+                  <a:path w="21322" h="21597" extrusionOk="0">
+                    <a:moveTo>
+                      <a:pt x="10652" y="0"/>
+                    </a:moveTo>
+                    <a:cubicBezTo>
+                      <a:pt x="10289" y="-1"/>
+                      <a:pt x="9926" y="139"/>
+                      <a:pt x="9652" y="419"/>
+                    </a:cubicBezTo>
+                    <a:lnTo>
+                      <a:pt x="408" y="9792"/>
+                    </a:lnTo>
+                    <a:cubicBezTo>
+                      <a:pt x="-140" y="10347"/>
+                      <a:pt x="-134" y="11256"/>
+                      <a:pt x="413" y="11809"/>
+                    </a:cubicBezTo>
+                    <a:lnTo>
+                      <a:pt x="9678" y="21180"/>
+                    </a:lnTo>
+                    <a:cubicBezTo>
+                      <a:pt x="9950" y="21458"/>
+                      <a:pt x="10309" y="21596"/>
+                      <a:pt x="10668" y="21598"/>
+                    </a:cubicBezTo>
+                    <a:cubicBezTo>
+                      <a:pt x="11032" y="21599"/>
+                      <a:pt x="11396" y="21460"/>
+                      <a:pt x="11671" y="21180"/>
+                    </a:cubicBezTo>
+                    <a:lnTo>
+                      <a:pt x="20911" y="11809"/>
+                    </a:lnTo>
+                    <a:cubicBezTo>
+                      <a:pt x="21459" y="11254"/>
+                      <a:pt x="21460" y="10345"/>
+                      <a:pt x="20909" y="9792"/>
+                    </a:cubicBezTo>
+                    <a:lnTo>
+                      <a:pt x="11648" y="421"/>
+                    </a:lnTo>
+                    <a:cubicBezTo>
+                      <a:pt x="11374" y="142"/>
+                      <a:pt x="11013" y="2"/>
+                      <a:pt x="10652" y="0"/>
+                    </a:cubicBezTo>
+                  </a:path>
+                </a:pathLst>
+              </a:custGeom>
+              <a:solidFill>
+                <a:schemeClr val="accent1">
+                  <a:lumMod val="100000"/>
+                </a:schemeClr>
+              </a:solidFill>
+              <a:ln w="12700" cap="flat">
+                <a:noFill/>
+                <a:miter lim="400000"/>
+              </a:ln>
+              <a:effectLst/>
+            </p:spPr>
+            <p:txBody>
+              <a:bodyPr anchor="ctr"/>
+              <a:lstStyle/>
+              <a:p>
+                <a:pPr marL="0" marR="0" lvl="0" indent="0" algn="ctr" defTabSz="914400" rtl="0" eaLnBrk="1" fontAlgn="auto" latinLnBrk="0" hangingPunct="1">
+                  <a:lnSpc>
+                    <a:spcPct val="100000"/>
+                  </a:lnSpc>
+                  <a:spcBef>
+                    <a:spcPts val="0"/>
+                  </a:spcBef>
+                  <a:spcAft>
+                    <a:spcPts val="0"/>
+                  </a:spcAft>
+                  <a:buClrTx/>
+                  <a:buSzTx/>
+                  <a:buFontTx/>
+                  <a:buNone/>
+                  <a:tabLst/>
+                  <a:defRPr/>
+                </a:pPr>
+                <a:endParaRPr kumimoji="0" sz="1800" b="0" i="0" u="none" strike="noStrike" kern="1200" cap="none" spc="0" normalizeH="0" baseline="0" noProof="0">
+                  <a:ln>
+                    <a:noFill/>
+                  </a:ln>
+                  <a:solidFill>
+                    <a:srgbClr val="000000"/>
+                  </a:solidFill>
+                  <a:effectLst/>
+                  <a:uLnTx/>
+                  <a:uFillTx/>
+                  <a:latin typeface="微软雅黑 Light" panose="020F0502020204030204"/>
+                  <a:cs typeface="+mn-cs"/>
+                </a:endParaRPr>
+              </a:p>
+            </p:txBody>
+          </p:sp>
+          <p:sp>
+            <p:nvSpPr>
+              <p:cNvPr id="51" name="îŝḷîḓé-Freeform: Shape 30"/>
+              <p:cNvSpPr/>
+              <p:nvPr/>
+            </p:nvSpPr>
+            <p:spPr>
+              <a:xfrm>
+                <a:off x="4413276" y="4383754"/>
+                <a:ext cx="1043592" cy="586896"/>
+              </a:xfrm>
+              <a:custGeom>
+                <a:avLst/>
+                <a:gdLst/>
+                <a:ahLst/>
+                <a:cxnLst>
+                  <a:cxn ang="0">
+                    <a:pos x="wd2" y="hd2"/>
+                  </a:cxn>
+                  <a:cxn ang="5400000">
+                    <a:pos x="wd2" y="hd2"/>
+                  </a:cxn>
+                  <a:cxn ang="10800000">
+                    <a:pos x="wd2" y="hd2"/>
+                  </a:cxn>
+                  <a:cxn ang="16200000">
+                    <a:pos x="wd2" y="hd2"/>
+                  </a:cxn>
+                </a:cxnLst>
+                <a:rect l="0" t="0" r="r" b="b"/>
+                <a:pathLst>
+                  <a:path w="21326" h="21597" extrusionOk="0">
+                    <a:moveTo>
+                      <a:pt x="10656" y="0"/>
+                    </a:moveTo>
+                    <a:cubicBezTo>
+                      <a:pt x="10293" y="-1"/>
+                      <a:pt x="9930" y="137"/>
+                      <a:pt x="9656" y="415"/>
+                    </a:cubicBezTo>
+                    <a:lnTo>
+                      <a:pt x="7393" y="2709"/>
+                    </a:lnTo>
+                    <a:lnTo>
+                      <a:pt x="352" y="9847"/>
+                    </a:lnTo>
+                    <a:cubicBezTo>
+                      <a:pt x="-136" y="10407"/>
+                      <a:pt x="-118" y="11276"/>
+                      <a:pt x="413" y="11809"/>
+                    </a:cubicBezTo>
+                    <a:lnTo>
+                      <a:pt x="9675" y="21180"/>
+                    </a:lnTo>
+                    <a:cubicBezTo>
+                      <a:pt x="9949" y="21458"/>
+                      <a:pt x="10308" y="21597"/>
+                      <a:pt x="10669" y="21598"/>
+                    </a:cubicBezTo>
+                    <a:cubicBezTo>
+                      <a:pt x="11032" y="21599"/>
+                      <a:pt x="11396" y="21460"/>
+                      <a:pt x="11671" y="21181"/>
+                    </a:cubicBezTo>
+                    <a:lnTo>
+                      <a:pt x="20916" y="11803"/>
+                    </a:lnTo>
+                    <a:cubicBezTo>
+                      <a:pt x="21464" y="11249"/>
+                      <a:pt x="21461" y="10345"/>
+                      <a:pt x="20914" y="9786"/>
+                    </a:cubicBezTo>
+                    <a:lnTo>
+                      <a:pt x="11652" y="417"/>
+                    </a:lnTo>
+                    <a:cubicBezTo>
+                      <a:pt x="11378" y="141"/>
+                      <a:pt x="11017" y="2"/>
+                      <a:pt x="10656" y="0"/>
+                    </a:cubicBezTo>
+                  </a:path>
+                </a:pathLst>
+              </a:custGeom>
+              <a:solidFill>
+                <a:schemeClr val="accent3">
+                  <a:lumMod val="100000"/>
+                </a:schemeClr>
+              </a:solidFill>
+              <a:ln w="12700" cap="flat">
+                <a:noFill/>
+                <a:miter lim="400000"/>
+              </a:ln>
+              <a:effectLst/>
+            </p:spPr>
+            <p:txBody>
+              <a:bodyPr anchor="ctr"/>
+              <a:lstStyle/>
+              <a:p>
+                <a:pPr marL="0" marR="0" lvl="0" indent="0" algn="ctr" defTabSz="914400" rtl="0" eaLnBrk="1" fontAlgn="auto" latinLnBrk="0" hangingPunct="1">
+                  <a:lnSpc>
+                    <a:spcPct val="100000"/>
+                  </a:lnSpc>
+                  <a:spcBef>
+                    <a:spcPts val="0"/>
+                  </a:spcBef>
+                  <a:spcAft>
+                    <a:spcPts val="0"/>
+                  </a:spcAft>
+                  <a:buClrTx/>
+                  <a:buSzTx/>
+                  <a:buFontTx/>
+                  <a:buNone/>
+                  <a:tabLst/>
+                  <a:defRPr/>
+                </a:pPr>
+                <a:endParaRPr kumimoji="0" sz="1800" b="0" i="0" u="none" strike="noStrike" kern="1200" cap="none" spc="0" normalizeH="0" baseline="0" noProof="0">
+                  <a:ln>
+                    <a:noFill/>
+                  </a:ln>
+                  <a:solidFill>
+                    <a:srgbClr val="000000"/>
+                  </a:solidFill>
+                  <a:effectLst/>
+                  <a:uLnTx/>
+                  <a:uFillTx/>
+                  <a:latin typeface="微软雅黑 Light" panose="020F0502020204030204"/>
+                  <a:cs typeface="+mn-cs"/>
+                </a:endParaRPr>
+              </a:p>
+            </p:txBody>
+          </p:sp>
+        </p:grpSp>
+        <p:grpSp>
+          <p:nvGrpSpPr>
+            <p:cNvPr id="6" name="Group 49"/>
+            <p:cNvGrpSpPr/>
+            <p:nvPr/>
+          </p:nvGrpSpPr>
+          <p:grpSpPr>
+            <a:xfrm>
+              <a:off x="1244582" y="1335661"/>
+              <a:ext cx="9654862" cy="4274195"/>
+              <a:chOff x="1244582" y="1335661"/>
+              <a:chExt cx="9654862" cy="4274195"/>
+            </a:xfrm>
+          </p:grpSpPr>
+          <p:sp>
+            <p:nvSpPr>
+              <p:cNvPr id="23" name="îŝḷîḓé-TextBox 66"/>
+              <p:cNvSpPr txBox="1"/>
+              <p:nvPr/>
+            </p:nvSpPr>
+            <p:spPr>
+              <a:xfrm>
+                <a:off x="8288267" y="4716523"/>
+                <a:ext cx="2611177" cy="893333"/>
+              </a:xfrm>
+              <a:prstGeom prst="rect">
+                <a:avLst/>
+              </a:prstGeom>
+              <a:noFill/>
+            </p:spPr>
+            <p:txBody>
+              <a:bodyPr wrap="square" lIns="0" tIns="0" rIns="0" bIns="0">
+                <a:noAutofit/>
+              </a:bodyPr>
+              <a:lstStyle/>
+              <a:p>
+                <a:r>
+                  <a:rPr lang="zh-CN" altLang="en-US" sz="1400" dirty="0"/>
+                  <a:t>适配器模式有两种类型，为类适配器模式和对象适配器模式，由于</a:t>
+                </a:r>
+                <a:r>
+                  <a:rPr lang="en-US" altLang="zh-CN" sz="1400" dirty="0"/>
+                  <a:t>C#</a:t>
+                </a:r>
+                <a:r>
+                  <a:rPr lang="zh-CN" altLang="en-US" sz="1400" dirty="0"/>
+                  <a:t>语言不支持多重继承，所以这里我讲的是对象适配器模式。</a:t>
+                </a:r>
+                <a:endParaRPr lang="zh-CN" altLang="en-US" sz="1400" dirty="0"/>
+              </a:p>
+            </p:txBody>
+          </p:sp>
+          <p:grpSp>
+            <p:nvGrpSpPr>
+              <p:cNvPr id="11" name="Group 54"/>
+              <p:cNvGrpSpPr/>
+              <p:nvPr/>
+            </p:nvGrpSpPr>
+            <p:grpSpPr>
+              <a:xfrm>
+                <a:off x="1244582" y="1335661"/>
+                <a:ext cx="2770337" cy="4101241"/>
+                <a:chOff x="1078972" y="535871"/>
+                <a:chExt cx="3990453" cy="4101241"/>
+              </a:xfrm>
+            </p:grpSpPr>
+            <p:sp>
+              <p:nvSpPr>
+                <p:cNvPr id="15" name="îŝḷîḓé-TextBox 58"/>
+                <p:cNvSpPr txBox="1"/>
+                <p:nvPr/>
+              </p:nvSpPr>
+              <p:spPr>
+                <a:xfrm>
+                  <a:off x="1308230" y="1329368"/>
+                  <a:ext cx="3761195" cy="3307744"/>
+                </a:xfrm>
+                <a:prstGeom prst="rect">
+                  <a:avLst/>
+                </a:prstGeom>
+                <a:noFill/>
+              </p:spPr>
+              <p:txBody>
+                <a:bodyPr wrap="square" lIns="0" tIns="0" rIns="0" bIns="0">
+                  <a:noAutofit/>
+                </a:bodyPr>
+                <a:lstStyle/>
+                <a:p>
+                  <a:r>
+                    <a:rPr lang="zh-CN" altLang="en-US" sz="2400" dirty="0">
+                      <a:latin typeface="+mn-ea"/>
+                    </a:rPr>
+                    <a:t>适配器模式（</a:t>
+                  </a:r>
+                  <a:r>
+                    <a:rPr lang="en-US" altLang="zh-CN" sz="2400" dirty="0">
+                      <a:latin typeface="+mn-ea"/>
+                    </a:rPr>
+                    <a:t>Adapter</a:t>
+                  </a:r>
+                  <a:r>
+                    <a:rPr lang="zh-CN" altLang="en-US" sz="2400" dirty="0">
+                      <a:latin typeface="+mn-ea"/>
+                    </a:rPr>
+                    <a:t>），将一个类的接口转换成客户希望的另一个接口。</a:t>
+                  </a:r>
+                  <a:r>
+                    <a:rPr lang="en-US" altLang="zh-CN" sz="2400" dirty="0">
+                      <a:latin typeface="+mn-ea"/>
+                    </a:rPr>
+                    <a:t>Adapter</a:t>
+                  </a:r>
+                  <a:r>
+                    <a:rPr lang="zh-CN" altLang="en-US" sz="2400" dirty="0">
+                      <a:latin typeface="+mn-ea"/>
+                    </a:rPr>
+                    <a:t>模式使得原本由于接口不兼容而不能一起工作的那些类可以一起工作</a:t>
+                  </a:r>
+                  <a:endParaRPr lang="zh-CN" altLang="en-US" sz="2400" dirty="0">
+                    <a:latin typeface="+mn-ea"/>
+                  </a:endParaRPr>
+                </a:p>
+              </p:txBody>
+            </p:sp>
+            <p:sp>
+              <p:nvSpPr>
+                <p:cNvPr id="16" name="îŝḷîḓé-Rectangle 59"/>
+                <p:cNvSpPr/>
+                <p:nvPr/>
+              </p:nvSpPr>
+              <p:spPr>
+                <a:xfrm>
+                  <a:off x="1078972" y="535871"/>
+                  <a:ext cx="3761195" cy="307777"/>
+                </a:xfrm>
+                <a:prstGeom prst="rect">
+                  <a:avLst/>
+                </a:prstGeom>
+              </p:spPr>
+              <p:txBody>
+                <a:bodyPr wrap="none" lIns="0" tIns="0" rIns="0" bIns="0">
+                  <a:noAutofit/>
+                </a:bodyPr>
+                <a:lstStyle/>
+                <a:p>
+                  <a:r>
+                    <a:rPr lang="zh-CN" altLang="en-US" sz="3200" dirty="0">
+                      <a:latin typeface="隶书" panose="02010509060101010101" pitchFamily="49" charset="-122"/>
+                      <a:ea typeface="隶书" panose="02010509060101010101" pitchFamily="49" charset="-122"/>
+                    </a:rPr>
+                    <a:t>什么是适配器模式呢？</a:t>
+                  </a:r>
+                  <a:endParaRPr lang="zh-CN" altLang="en-US" sz="3200" dirty="0">
+                    <a:latin typeface="隶书" panose="02010509060101010101" pitchFamily="49" charset="-122"/>
+                    <a:ea typeface="隶书" panose="02010509060101010101" pitchFamily="49" charset="-122"/>
+                  </a:endParaRPr>
+                </a:p>
+              </p:txBody>
+            </p:sp>
+          </p:grpSp>
+        </p:grpSp>
+      </p:grpSp>
     </p:spTree>
     <p:extLst>
       <p:ext uri="{BB962C8B-B14F-4D97-AF65-F5344CB8AC3E}">
-        <p14:creationId xmlns:p14="http://schemas.microsoft.com/office/powerpoint/2010/main" val="4143896264"/>
+        <p14:creationId xmlns:p14="http://schemas.microsoft.com/office/powerpoint/2010/main" val="3070959774"/>
       </p:ext>
     </p:extLst>
   </p:cSld>
@@ -16495,7 +22923,129 @@
   <p:timing>
     <p:tnLst>
       <p:par>
-        <p:cTn id="1" dur="indefinite" restart="never" nodeType="tmRoot"/>
+        <p:cTn id="1" dur="indefinite" restart="never" nodeType="tmRoot">
+          <p:childTnLst>
+            <p:seq concurrent="1" nextAc="seek">
+              <p:cTn id="2" dur="indefinite" nodeType="mainSeq">
+                <p:childTnLst>
+                  <p:par>
+                    <p:cTn id="3" fill="hold">
+                      <p:stCondLst>
+                        <p:cond delay="indefinite"/>
+                      </p:stCondLst>
+                      <p:childTnLst>
+                        <p:par>
+                          <p:cTn id="4" fill="hold">
+                            <p:stCondLst>
+                              <p:cond delay="0"/>
+                            </p:stCondLst>
+                            <p:childTnLst>
+                              <p:par>
+                                <p:cTn id="5" presetID="42" presetClass="entr" presetSubtype="0" fill="hold" nodeType="clickEffect">
+                                  <p:stCondLst>
+                                    <p:cond delay="0"/>
+                                  </p:stCondLst>
+                                  <p:childTnLst>
+                                    <p:set>
+                                      <p:cBhvr>
+                                        <p:cTn id="6" dur="1" fill="hold">
+                                          <p:stCondLst>
+                                            <p:cond delay="0"/>
+                                          </p:stCondLst>
+                                        </p:cTn>
+                                        <p:tgtEl>
+                                          <p:spTgt spid="4"/>
+                                        </p:tgtEl>
+                                        <p:attrNameLst>
+                                          <p:attrName>style.visibility</p:attrName>
+                                        </p:attrNameLst>
+                                      </p:cBhvr>
+                                      <p:to>
+                                        <p:strVal val="visible"/>
+                                      </p:to>
+                                    </p:set>
+                                    <p:animEffect transition="in" filter="fade">
+                                      <p:cBhvr>
+                                        <p:cTn id="7" dur="1000"/>
+                                        <p:tgtEl>
+                                          <p:spTgt spid="4"/>
+                                        </p:tgtEl>
+                                      </p:cBhvr>
+                                    </p:animEffect>
+                                    <p:anim calcmode="lin" valueType="num">
+                                      <p:cBhvr>
+                                        <p:cTn id="8" dur="1000" fill="hold"/>
+                                        <p:tgtEl>
+                                          <p:spTgt spid="4"/>
+                                        </p:tgtEl>
+                                        <p:attrNameLst>
+                                          <p:attrName>ppt_x</p:attrName>
+                                        </p:attrNameLst>
+                                      </p:cBhvr>
+                                      <p:tavLst>
+                                        <p:tav tm="0">
+                                          <p:val>
+                                            <p:strVal val="#ppt_x"/>
+                                          </p:val>
+                                        </p:tav>
+                                        <p:tav tm="100000">
+                                          <p:val>
+                                            <p:strVal val="#ppt_x"/>
+                                          </p:val>
+                                        </p:tav>
+                                      </p:tavLst>
+                                    </p:anim>
+                                    <p:anim calcmode="lin" valueType="num">
+                                      <p:cBhvr>
+                                        <p:cTn id="9" dur="1000" fill="hold"/>
+                                        <p:tgtEl>
+                                          <p:spTgt spid="4"/>
+                                        </p:tgtEl>
+                                        <p:attrNameLst>
+                                          <p:attrName>ppt_y</p:attrName>
+                                        </p:attrNameLst>
+                                      </p:cBhvr>
+                                      <p:tavLst>
+                                        <p:tav tm="0">
+                                          <p:val>
+                                            <p:strVal val="#ppt_y+.1"/>
+                                          </p:val>
+                                        </p:tav>
+                                        <p:tav tm="100000">
+                                          <p:val>
+                                            <p:strVal val="#ppt_y"/>
+                                          </p:val>
+                                        </p:tav>
+                                      </p:tavLst>
+                                    </p:anim>
+                                  </p:childTnLst>
+                                </p:cTn>
+                              </p:par>
+                            </p:childTnLst>
+                          </p:cTn>
+                        </p:par>
+                      </p:childTnLst>
+                    </p:cTn>
+                  </p:par>
+                </p:childTnLst>
+              </p:cTn>
+              <p:prevCondLst>
+                <p:cond evt="onPrev" delay="0">
+                  <p:tgtEl>
+                    <p:sldTgt/>
+                  </p:tgtEl>
+                </p:cond>
+              </p:prevCondLst>
+              <p:nextCondLst>
+                <p:cond evt="onNext" delay="0">
+                  <p:tgtEl>
+                    <p:sldTgt/>
+                  </p:tgtEl>
+                </p:cond>
+              </p:nextCondLst>
+            </p:seq>
+          </p:childTnLst>
+        </p:cTn>
       </p:par>
     </p:tnLst>
   </p:timing>
@@ -17045,7 +23595,7 @@
         <p:spPr>
           <a:xfrm>
             <a:off x="297950" y="1192146"/>
-            <a:ext cx="4209524" cy="1619048"/>
+            <a:ext cx="4096314" cy="1619048"/>
           </a:xfrm>
           <a:prstGeom prst="rect">
             <a:avLst/>
@@ -17068,8 +23618,8 @@
         </p:blipFill>
         <p:spPr>
           <a:xfrm>
-            <a:off x="6833153" y="1050478"/>
-            <a:ext cx="4247619" cy="1847619"/>
+            <a:off x="6833153" y="1208402"/>
+            <a:ext cx="4247619" cy="1602792"/>
           </a:xfrm>
           <a:prstGeom prst="rect">
             <a:avLst/>
@@ -17092,8 +23642,8 @@
         </p:blipFill>
         <p:spPr>
           <a:xfrm>
-            <a:off x="260902" y="4530997"/>
-            <a:ext cx="4314286" cy="1838095"/>
+            <a:off x="260902" y="4521473"/>
+            <a:ext cx="4133362" cy="1838095"/>
           </a:xfrm>
           <a:prstGeom prst="rect">
             <a:avLst/>
@@ -17116,8 +23666,8 @@
         </p:blipFill>
         <p:spPr>
           <a:xfrm>
-            <a:off x="6833153" y="4494786"/>
-            <a:ext cx="4190476" cy="2085714"/>
+            <a:off x="6833152" y="4521473"/>
+            <a:ext cx="4247619" cy="1838095"/>
           </a:xfrm>
           <a:prstGeom prst="rect">
             <a:avLst/>
@@ -17366,6 +23916,24 @@
 
 <file path=ppt/tags/tag16.xml><?xml version="1.0" encoding="utf-8"?>
 <p:tagLst xmlns:a="http://schemas.openxmlformats.org/drawingml/2006/main" xmlns:r="http://schemas.openxmlformats.org/officeDocument/2006/relationships" xmlns:p="http://schemas.openxmlformats.org/presentationml/2006/main">
+  <p:tag name="MH" val="20170730164240"/>
+  <p:tag name="MH_LIBRARY" val="CONTENTS"/>
+  <p:tag name="MH_TYPE" val="TITLE"/>
+  <p:tag name="ID" val="553518"/>
+</p:tagLst>
+</file>
+
+<file path=ppt/tags/tag17.xml><?xml version="1.0" encoding="utf-8"?>
+<p:tagLst xmlns:a="http://schemas.openxmlformats.org/drawingml/2006/main" xmlns:r="http://schemas.openxmlformats.org/officeDocument/2006/relationships" xmlns:p="http://schemas.openxmlformats.org/presentationml/2006/main">
+  <p:tag name="MH" val="20170730164240"/>
+  <p:tag name="MH_LIBRARY" val="CONTENTS"/>
+  <p:tag name="MH_TYPE" val="OTHERS"/>
+  <p:tag name="ID" val="553518"/>
+</p:tagLst>
+</file>
+
+<file path=ppt/tags/tag18.xml><?xml version="1.0" encoding="utf-8"?>
+<p:tagLst xmlns:a="http://schemas.openxmlformats.org/drawingml/2006/main" xmlns:r="http://schemas.openxmlformats.org/officeDocument/2006/relationships" xmlns:p="http://schemas.openxmlformats.org/presentationml/2006/main">
   <p:tag name="MH" val="20170721170040"/>
   <p:tag name="MH_LIBRARY" val="CONTENTS"/>
   <p:tag name="MH_TYPE" val="TITLE"/>
@@ -17374,31 +23942,12 @@
 </p:tagLst>
 </file>
 
-<file path=ppt/tags/tag17.xml><?xml version="1.0" encoding="utf-8"?>
+<file path=ppt/tags/tag19.xml><?xml version="1.0" encoding="utf-8"?>
 <p:tagLst xmlns:a="http://schemas.openxmlformats.org/drawingml/2006/main" xmlns:r="http://schemas.openxmlformats.org/officeDocument/2006/relationships" xmlns:p="http://schemas.openxmlformats.org/presentationml/2006/main">
   <p:tag name="MH" val="20170730164240"/>
   <p:tag name="MH_LIBRARY" val="CONTENTS"/>
   <p:tag name="MH_TYPE" val="TITLE"/>
   <p:tag name="ID" val="553518"/>
-</p:tagLst>
-</file>
-
-<file path=ppt/tags/tag18.xml><?xml version="1.0" encoding="utf-8"?>
-<p:tagLst xmlns:a="http://schemas.openxmlformats.org/drawingml/2006/main" xmlns:r="http://schemas.openxmlformats.org/officeDocument/2006/relationships" xmlns:p="http://schemas.openxmlformats.org/presentationml/2006/main">
-  <p:tag name="MH" val="20170730164240"/>
-  <p:tag name="MH_LIBRARY" val="CONTENTS"/>
-  <p:tag name="MH_TYPE" val="OTHERS"/>
-  <p:tag name="ID" val="553518"/>
-</p:tagLst>
-</file>
-
-<file path=ppt/tags/tag19.xml><?xml version="1.0" encoding="utf-8"?>
-<p:tagLst xmlns:a="http://schemas.openxmlformats.org/drawingml/2006/main" xmlns:r="http://schemas.openxmlformats.org/officeDocument/2006/relationships" xmlns:p="http://schemas.openxmlformats.org/presentationml/2006/main">
-  <p:tag name="MH" val="20170721170040"/>
-  <p:tag name="MH_LIBRARY" val="CONTENTS"/>
-  <p:tag name="MH_TYPE" val="TITLE"/>
-  <p:tag name="ID" val="626775"/>
-  <p:tag name="MH_ORDER" val="NUMBER"/>
 </p:tagLst>
 </file>
 
@@ -17412,7 +23961,7 @@
 <p:tagLst xmlns:a="http://schemas.openxmlformats.org/drawingml/2006/main" xmlns:r="http://schemas.openxmlformats.org/officeDocument/2006/relationships" xmlns:p="http://schemas.openxmlformats.org/presentationml/2006/main">
   <p:tag name="MH" val="20170730164240"/>
   <p:tag name="MH_LIBRARY" val="CONTENTS"/>
-  <p:tag name="MH_TYPE" val="TITLE"/>
+  <p:tag name="MH_TYPE" val="OTHERS"/>
   <p:tag name="ID" val="553518"/>
 </p:tagLst>
 </file>
@@ -17421,7 +23970,7 @@
 <p:tagLst xmlns:a="http://schemas.openxmlformats.org/drawingml/2006/main" xmlns:r="http://schemas.openxmlformats.org/officeDocument/2006/relationships" xmlns:p="http://schemas.openxmlformats.org/presentationml/2006/main">
   <p:tag name="MH" val="20170730164240"/>
   <p:tag name="MH_LIBRARY" val="CONTENTS"/>
-  <p:tag name="MH_TYPE" val="OTHERS"/>
+  <p:tag name="MH_TYPE" val="TITLE"/>
   <p:tag name="ID" val="553518"/>
 </p:tagLst>
 </file>
@@ -17430,21 +23979,12 @@
 <p:tagLst xmlns:a="http://schemas.openxmlformats.org/drawingml/2006/main" xmlns:r="http://schemas.openxmlformats.org/officeDocument/2006/relationships" xmlns:p="http://schemas.openxmlformats.org/presentationml/2006/main">
   <p:tag name="MH" val="20170730164240"/>
   <p:tag name="MH_LIBRARY" val="CONTENTS"/>
-  <p:tag name="MH_TYPE" val="TITLE"/>
+  <p:tag name="MH_TYPE" val="OTHERS"/>
   <p:tag name="ID" val="553518"/>
 </p:tagLst>
 </file>
 
 <file path=ppt/tags/tag23.xml><?xml version="1.0" encoding="utf-8"?>
-<p:tagLst xmlns:a="http://schemas.openxmlformats.org/drawingml/2006/main" xmlns:r="http://schemas.openxmlformats.org/officeDocument/2006/relationships" xmlns:p="http://schemas.openxmlformats.org/presentationml/2006/main">
-  <p:tag name="MH" val="20170730164240"/>
-  <p:tag name="MH_LIBRARY" val="CONTENTS"/>
-  <p:tag name="MH_TYPE" val="OTHERS"/>
-  <p:tag name="ID" val="553518"/>
-</p:tagLst>
-</file>
-
-<file path=ppt/tags/tag24.xml><?xml version="1.0" encoding="utf-8"?>
 <p:tagLst xmlns:a="http://schemas.openxmlformats.org/drawingml/2006/main" xmlns:r="http://schemas.openxmlformats.org/officeDocument/2006/relationships" xmlns:p="http://schemas.openxmlformats.org/presentationml/2006/main">
   <p:tag name="PA" val="v3.2.0"/>
 </p:tagLst>
